--- a/Group4_Brief.pptx
+++ b/Group4_Brief.pptx
@@ -10,10 +10,11 @@
     <p:sldId id="292" r:id="rId4"/>
     <p:sldId id="293" r:id="rId5"/>
     <p:sldId id="299" r:id="rId6"/>
-    <p:sldId id="296" r:id="rId7"/>
-    <p:sldId id="297" r:id="rId8"/>
-    <p:sldId id="294" r:id="rId9"/>
-    <p:sldId id="295" r:id="rId10"/>
+    <p:sldId id="300" r:id="rId7"/>
+    <p:sldId id="296" r:id="rId8"/>
+    <p:sldId id="297" r:id="rId9"/>
+    <p:sldId id="294" r:id="rId10"/>
+    <p:sldId id="295" r:id="rId11"/>
   </p:sldIdLst>
   <p:sldSz cx="12192000" cy="6858000"/>
   <p:notesSz cx="6858000" cy="9144000"/>
@@ -112,6 +113,11 @@
       </a:defRPr>
     </a:lvl9pPr>
   </p:defaultTextStyle>
+  <p:extLst>
+    <p:ext uri="{EFAFB233-063F-42B5-8137-9DF3F51BA10A}">
+      <p15:sldGuideLst xmlns:p15="http://schemas.microsoft.com/office/powerpoint/2012/main"/>
+    </p:ext>
+  </p:extLst>
 </p:presentation>
 </file>
 
@@ -24759,6 +24765,226 @@
 </p:sld>
 </file>
 
+<file path=ppt/slides/slide10.xml><?xml version="1.0" encoding="utf-8"?>
+<p:sld xmlns:a="http://schemas.openxmlformats.org/drawingml/2006/main" xmlns:r="http://schemas.openxmlformats.org/officeDocument/2006/relationships" xmlns:p="http://schemas.openxmlformats.org/presentationml/2006/main">
+  <p:cSld>
+    <p:spTree>
+      <p:nvGrpSpPr>
+        <p:cNvPr id="1" name=""/>
+        <p:cNvGrpSpPr/>
+        <p:nvPr/>
+      </p:nvGrpSpPr>
+      <p:grpSpPr>
+        <a:xfrm>
+          <a:off x="0" y="0"/>
+          <a:ext cx="0" cy="0"/>
+          <a:chOff x="0" y="0"/>
+          <a:chExt cx="0" cy="0"/>
+        </a:xfrm>
+      </p:grpSpPr>
+      <p:sp>
+        <p:nvSpPr>
+          <p:cNvPr id="1382" name="TextBox 1381">
+            <a:extLst>
+              <a:ext uri="{FF2B5EF4-FFF2-40B4-BE49-F238E27FC236}">
+                <a16:creationId xmlns:a16="http://schemas.microsoft.com/office/drawing/2014/main" id="{043C45BF-79A8-4FA5-D7DF-595D41F5BD47}"/>
+              </a:ext>
+            </a:extLst>
+          </p:cNvPr>
+          <p:cNvSpPr txBox="1"/>
+          <p:nvPr/>
+        </p:nvSpPr>
+        <p:spPr>
+          <a:xfrm>
+            <a:off x="0" y="2875002"/>
+            <a:ext cx="12191999" cy="1107996"/>
+          </a:xfrm>
+          <a:prstGeom prst="rect">
+            <a:avLst/>
+          </a:prstGeom>
+          <a:noFill/>
+        </p:spPr>
+        <p:txBody>
+          <a:bodyPr wrap="square" rtlCol="0">
+            <a:spAutoFit/>
+          </a:bodyPr>
+          <a:lstStyle>
+            <a:defPPr>
+              <a:defRPr lang="ro-RO"/>
+            </a:defPPr>
+            <a:lvl1pPr algn="ctr">
+              <a:defRPr sz="2400" b="1">
+                <a:solidFill>
+                  <a:srgbClr val="D1E4E8"/>
+                </a:solidFill>
+                <a:latin typeface="Times New Roman" panose="02020603050405020304" pitchFamily="18" charset="0"/>
+                <a:cs typeface="Times New Roman" panose="02020603050405020304" pitchFamily="18" charset="0"/>
+              </a:defRPr>
+            </a:lvl1pPr>
+          </a:lstStyle>
+          <a:p>
+            <a:r>
+              <a:rPr lang="en-US" sz="6600" dirty="0">
+                <a:solidFill>
+                  <a:schemeClr val="tx1"/>
+                </a:solidFill>
+                <a:latin typeface="Palatino Linotype" panose="02040502050505030304" pitchFamily="18" charset="0"/>
+                <a:ea typeface="Verdana" panose="020B0604030504040204" pitchFamily="34" charset="0"/>
+                <a:cs typeface="Courier New" panose="02070309020205020404" pitchFamily="49" charset="0"/>
+              </a:rPr>
+              <a:t>Questions</a:t>
+            </a:r>
+          </a:p>
+        </p:txBody>
+      </p:sp>
+    </p:spTree>
+    <p:extLst>
+      <p:ext uri="{BB962C8B-B14F-4D97-AF65-F5344CB8AC3E}">
+        <p14:creationId xmlns:p14="http://schemas.microsoft.com/office/powerpoint/2010/main" val="1239626762"/>
+      </p:ext>
+    </p:extLst>
+  </p:cSld>
+  <p:clrMapOvr>
+    <a:masterClrMapping/>
+  </p:clrMapOvr>
+  <p:timing>
+    <p:tnLst>
+      <p:par>
+        <p:cTn id="1" dur="indefinite" restart="never" nodeType="tmRoot">
+          <p:childTnLst>
+            <p:seq concurrent="1" nextAc="seek">
+              <p:cTn id="2" dur="indefinite" nodeType="mainSeq">
+                <p:childTnLst>
+                  <p:par>
+                    <p:cTn id="3" fill="hold">
+                      <p:stCondLst>
+                        <p:cond delay="indefinite"/>
+                        <p:cond evt="onBegin" delay="0">
+                          <p:tn val="2"/>
+                        </p:cond>
+                      </p:stCondLst>
+                      <p:childTnLst>
+                        <p:par>
+                          <p:cTn id="4" fill="hold">
+                            <p:stCondLst>
+                              <p:cond delay="0"/>
+                            </p:stCondLst>
+                            <p:childTnLst>
+                              <p:par>
+                                <p:cTn id="5" presetID="53" presetClass="entr" presetSubtype="16" fill="hold" grpId="0" nodeType="withEffect">
+                                  <p:stCondLst>
+                                    <p:cond delay="0"/>
+                                  </p:stCondLst>
+                                  <p:childTnLst>
+                                    <p:set>
+                                      <p:cBhvr>
+                                        <p:cTn id="6" dur="1" fill="hold">
+                                          <p:stCondLst>
+                                            <p:cond delay="0"/>
+                                          </p:stCondLst>
+                                        </p:cTn>
+                                        <p:tgtEl>
+                                          <p:spTgt spid="1382"/>
+                                        </p:tgtEl>
+                                        <p:attrNameLst>
+                                          <p:attrName>style.visibility</p:attrName>
+                                        </p:attrNameLst>
+                                      </p:cBhvr>
+                                      <p:to>
+                                        <p:strVal val="visible"/>
+                                      </p:to>
+                                    </p:set>
+                                    <p:anim calcmode="lin" valueType="num">
+                                      <p:cBhvr>
+                                        <p:cTn id="7" dur="500" fill="hold"/>
+                                        <p:tgtEl>
+                                          <p:spTgt spid="1382"/>
+                                        </p:tgtEl>
+                                        <p:attrNameLst>
+                                          <p:attrName>ppt_w</p:attrName>
+                                        </p:attrNameLst>
+                                      </p:cBhvr>
+                                      <p:tavLst>
+                                        <p:tav tm="0">
+                                          <p:val>
+                                            <p:fltVal val="0"/>
+                                          </p:val>
+                                        </p:tav>
+                                        <p:tav tm="100000">
+                                          <p:val>
+                                            <p:strVal val="#ppt_w"/>
+                                          </p:val>
+                                        </p:tav>
+                                      </p:tavLst>
+                                    </p:anim>
+                                    <p:anim calcmode="lin" valueType="num">
+                                      <p:cBhvr>
+                                        <p:cTn id="8" dur="500" fill="hold"/>
+                                        <p:tgtEl>
+                                          <p:spTgt spid="1382"/>
+                                        </p:tgtEl>
+                                        <p:attrNameLst>
+                                          <p:attrName>ppt_h</p:attrName>
+                                        </p:attrNameLst>
+                                      </p:cBhvr>
+                                      <p:tavLst>
+                                        <p:tav tm="0">
+                                          <p:val>
+                                            <p:fltVal val="0"/>
+                                          </p:val>
+                                        </p:tav>
+                                        <p:tav tm="100000">
+                                          <p:val>
+                                            <p:strVal val="#ppt_h"/>
+                                          </p:val>
+                                        </p:tav>
+                                      </p:tavLst>
+                                    </p:anim>
+                                    <p:animEffect transition="in" filter="fade">
+                                      <p:cBhvr>
+                                        <p:cTn id="9" dur="500"/>
+                                        <p:tgtEl>
+                                          <p:spTgt spid="1382"/>
+                                        </p:tgtEl>
+                                      </p:cBhvr>
+                                    </p:animEffect>
+                                  </p:childTnLst>
+                                </p:cTn>
+                              </p:par>
+                            </p:childTnLst>
+                          </p:cTn>
+                        </p:par>
+                      </p:childTnLst>
+                    </p:cTn>
+                  </p:par>
+                </p:childTnLst>
+              </p:cTn>
+              <p:prevCondLst>
+                <p:cond evt="onPrev" delay="0">
+                  <p:tgtEl>
+                    <p:sldTgt/>
+                  </p:tgtEl>
+                </p:cond>
+              </p:prevCondLst>
+              <p:nextCondLst>
+                <p:cond evt="onNext" delay="0">
+                  <p:tgtEl>
+                    <p:sldTgt/>
+                  </p:tgtEl>
+                </p:cond>
+              </p:nextCondLst>
+            </p:seq>
+          </p:childTnLst>
+        </p:cTn>
+      </p:par>
+    </p:tnLst>
+    <p:bldLst>
+      <p:bldP spid="1382" grpId="0"/>
+    </p:bldLst>
+  </p:timing>
+</p:sld>
+</file>
+
 <file path=ppt/slides/slide2.xml><?xml version="1.0" encoding="utf-8"?>
 <p:sld xmlns:a="http://schemas.openxmlformats.org/drawingml/2006/main" xmlns:r="http://schemas.openxmlformats.org/officeDocument/2006/relationships" xmlns:p="http://schemas.openxmlformats.org/presentationml/2006/main">
   <p:cSld>
@@ -30996,6 +31222,75 @@
           </a:p>
         </p:txBody>
       </p:sp>
+      <p:pic>
+        <p:nvPicPr>
+          <p:cNvPr id="5" name="Picture 4" descr="A graph with a red line&#10;&#10;Description automatically generated">
+            <a:extLst>
+              <a:ext uri="{FF2B5EF4-FFF2-40B4-BE49-F238E27FC236}">
+                <a16:creationId xmlns:a16="http://schemas.microsoft.com/office/drawing/2014/main" id="{F680AF63-A044-4EEB-588F-DA156DAE44A2}"/>
+              </a:ext>
+            </a:extLst>
+          </p:cNvPr>
+          <p:cNvPicPr>
+            <a:picLocks noChangeAspect="1"/>
+          </p:cNvPicPr>
+          <p:nvPr/>
+        </p:nvPicPr>
+        <p:blipFill>
+          <a:blip r:embed="rId2"/>
+          <a:stretch>
+            <a:fillRect/>
+          </a:stretch>
+        </p:blipFill>
+        <p:spPr>
+          <a:xfrm>
+            <a:off x="3605936" y="1078116"/>
+            <a:ext cx="8472536" cy="4236268"/>
+          </a:xfrm>
+          <a:prstGeom prst="rect">
+            <a:avLst/>
+          </a:prstGeom>
+        </p:spPr>
+      </p:pic>
+      <p:sp>
+        <p:nvSpPr>
+          <p:cNvPr id="6" name="TextBox 5">
+            <a:extLst>
+              <a:ext uri="{FF2B5EF4-FFF2-40B4-BE49-F238E27FC236}">
+                <a16:creationId xmlns:a16="http://schemas.microsoft.com/office/drawing/2014/main" id="{689EFE23-89A1-9BDA-41B4-7F56F2FD742D}"/>
+              </a:ext>
+            </a:extLst>
+          </p:cNvPr>
+          <p:cNvSpPr txBox="1"/>
+          <p:nvPr/>
+        </p:nvSpPr>
+        <p:spPr>
+          <a:xfrm>
+            <a:off x="5259977" y="5492712"/>
+            <a:ext cx="4926349" cy="369332"/>
+          </a:xfrm>
+          <a:prstGeom prst="rect">
+            <a:avLst/>
+          </a:prstGeom>
+          <a:noFill/>
+        </p:spPr>
+        <p:txBody>
+          <a:bodyPr wrap="none" rtlCol="0">
+            <a:spAutoFit/>
+          </a:bodyPr>
+          <a:lstStyle/>
+          <a:p>
+            <a:r>
+              <a:rPr lang="en-US" b="0" i="0" dirty="0">
+                <a:effectLst/>
+                <a:latin typeface="Menlo" panose="020B0609030804020204" pitchFamily="49" charset="0"/>
+              </a:rPr>
+              <a:t>The R-value is: 0.4843842278753481</a:t>
+            </a:r>
+            <a:endParaRPr lang="en-US" dirty="0"/>
+          </a:p>
+        </p:txBody>
+      </p:sp>
     </p:spTree>
     <p:extLst>
       <p:ext uri="{BB962C8B-B14F-4D97-AF65-F5344CB8AC3E}">
@@ -31145,6 +31440,295 @@
 </file>
 
 <file path=ppt/slides/slide6.xml><?xml version="1.0" encoding="utf-8"?>
+<p:sld xmlns:a="http://schemas.openxmlformats.org/drawingml/2006/main" xmlns:r="http://schemas.openxmlformats.org/officeDocument/2006/relationships" xmlns:p="http://schemas.openxmlformats.org/presentationml/2006/main">
+  <p:cSld>
+    <p:spTree>
+      <p:nvGrpSpPr>
+        <p:cNvPr id="1" name=""/>
+        <p:cNvGrpSpPr/>
+        <p:nvPr/>
+      </p:nvGrpSpPr>
+      <p:grpSpPr>
+        <a:xfrm>
+          <a:off x="0" y="0"/>
+          <a:ext cx="0" cy="0"/>
+          <a:chOff x="0" y="0"/>
+          <a:chExt cx="0" cy="0"/>
+        </a:xfrm>
+      </p:grpSpPr>
+      <p:sp>
+        <p:nvSpPr>
+          <p:cNvPr id="1382" name="TextBox 1381">
+            <a:extLst>
+              <a:ext uri="{FF2B5EF4-FFF2-40B4-BE49-F238E27FC236}">
+                <a16:creationId xmlns:a16="http://schemas.microsoft.com/office/drawing/2014/main" id="{043C45BF-79A8-4FA5-D7DF-595D41F5BD47}"/>
+              </a:ext>
+            </a:extLst>
+          </p:cNvPr>
+          <p:cNvSpPr txBox="1"/>
+          <p:nvPr/>
+        </p:nvSpPr>
+        <p:spPr>
+          <a:xfrm>
+            <a:off x="92776" y="253457"/>
+            <a:ext cx="7320898" cy="646331"/>
+          </a:xfrm>
+          <a:prstGeom prst="rect">
+            <a:avLst/>
+          </a:prstGeom>
+          <a:noFill/>
+        </p:spPr>
+        <p:txBody>
+          <a:bodyPr wrap="square" rtlCol="0">
+            <a:spAutoFit/>
+          </a:bodyPr>
+          <a:lstStyle>
+            <a:defPPr>
+              <a:defRPr lang="ro-RO"/>
+            </a:defPPr>
+            <a:lvl1pPr algn="ctr">
+              <a:defRPr sz="2400" b="1">
+                <a:solidFill>
+                  <a:srgbClr val="D1E4E8"/>
+                </a:solidFill>
+                <a:latin typeface="Times New Roman" panose="02020603050405020304" pitchFamily="18" charset="0"/>
+                <a:cs typeface="Times New Roman" panose="02020603050405020304" pitchFamily="18" charset="0"/>
+              </a:defRPr>
+            </a:lvl1pPr>
+          </a:lstStyle>
+          <a:p>
+            <a:pPr algn="l"/>
+            <a:r>
+              <a:rPr lang="en-US" sz="3600" dirty="0">
+                <a:solidFill>
+                  <a:schemeClr val="bg1"/>
+                </a:solidFill>
+                <a:latin typeface="Palatino Linotype" panose="02040502050505030304" pitchFamily="18" charset="0"/>
+                <a:ea typeface="Verdana" panose="020B0604030504040204" pitchFamily="34" charset="0"/>
+                <a:cs typeface="Courier New" panose="02070309020205020404" pitchFamily="49" charset="0"/>
+              </a:rPr>
+              <a:t>Budget vs. Profit %</a:t>
+            </a:r>
+          </a:p>
+        </p:txBody>
+      </p:sp>
+      <p:pic>
+        <p:nvPicPr>
+          <p:cNvPr id="4" name="Picture 3" descr="A graph with a red line&#10;&#10;Description automatically generated">
+            <a:extLst>
+              <a:ext uri="{FF2B5EF4-FFF2-40B4-BE49-F238E27FC236}">
+                <a16:creationId xmlns:a16="http://schemas.microsoft.com/office/drawing/2014/main" id="{F8AE7CC9-260F-FE67-3EAB-0BC2C65E6511}"/>
+              </a:ext>
+            </a:extLst>
+          </p:cNvPr>
+          <p:cNvPicPr>
+            <a:picLocks noChangeAspect="1"/>
+          </p:cNvPicPr>
+          <p:nvPr/>
+        </p:nvPicPr>
+        <p:blipFill rotWithShape="1">
+          <a:blip r:embed="rId2"/>
+          <a:srcRect l="7455" t="7902" r="8212"/>
+          <a:stretch/>
+        </p:blipFill>
+        <p:spPr>
+          <a:xfrm>
+            <a:off x="3691997" y="1050201"/>
+            <a:ext cx="8140882" cy="4445252"/>
+          </a:xfrm>
+          <a:prstGeom prst="rect">
+            <a:avLst/>
+          </a:prstGeom>
+        </p:spPr>
+      </p:pic>
+      <p:sp>
+        <p:nvSpPr>
+          <p:cNvPr id="6" name="TextBox 5">
+            <a:extLst>
+              <a:ext uri="{FF2B5EF4-FFF2-40B4-BE49-F238E27FC236}">
+                <a16:creationId xmlns:a16="http://schemas.microsoft.com/office/drawing/2014/main" id="{B3CFD855-9587-522A-C223-B561F31F750D}"/>
+              </a:ext>
+            </a:extLst>
+          </p:cNvPr>
+          <p:cNvSpPr txBox="1"/>
+          <p:nvPr/>
+        </p:nvSpPr>
+        <p:spPr>
+          <a:xfrm>
+            <a:off x="6825344" y="5623133"/>
+            <a:ext cx="4896393" cy="369332"/>
+          </a:xfrm>
+          <a:prstGeom prst="rect">
+            <a:avLst/>
+          </a:prstGeom>
+          <a:noFill/>
+        </p:spPr>
+        <p:txBody>
+          <a:bodyPr wrap="square">
+            <a:spAutoFit/>
+          </a:bodyPr>
+          <a:lstStyle/>
+          <a:p>
+            <a:pPr algn="l"/>
+            <a:r>
+              <a:rPr lang="en-US" b="0" i="0" dirty="0">
+                <a:effectLst/>
+                <a:latin typeface="var(--notebook-cell-output-font-family)"/>
+              </a:rPr>
+              <a:t>The R-value is: 0.010746837895366696 </a:t>
+            </a:r>
+          </a:p>
+        </p:txBody>
+      </p:sp>
+    </p:spTree>
+    <p:extLst>
+      <p:ext uri="{BB962C8B-B14F-4D97-AF65-F5344CB8AC3E}">
+        <p14:creationId xmlns:p14="http://schemas.microsoft.com/office/powerpoint/2010/main" val="3922005650"/>
+      </p:ext>
+    </p:extLst>
+  </p:cSld>
+  <p:clrMapOvr>
+    <a:masterClrMapping/>
+  </p:clrMapOvr>
+  <p:timing>
+    <p:tnLst>
+      <p:par>
+        <p:cTn id="1" dur="indefinite" restart="never" nodeType="tmRoot">
+          <p:childTnLst>
+            <p:seq concurrent="1" nextAc="seek">
+              <p:cTn id="2" dur="indefinite" nodeType="mainSeq">
+                <p:childTnLst>
+                  <p:par>
+                    <p:cTn id="3" fill="hold">
+                      <p:stCondLst>
+                        <p:cond delay="indefinite"/>
+                        <p:cond evt="onBegin" delay="0">
+                          <p:tn val="2"/>
+                        </p:cond>
+                      </p:stCondLst>
+                      <p:childTnLst>
+                        <p:par>
+                          <p:cTn id="4" fill="hold">
+                            <p:stCondLst>
+                              <p:cond delay="0"/>
+                            </p:stCondLst>
+                            <p:childTnLst>
+                              <p:par>
+                                <p:cTn id="5" presetID="53" presetClass="entr" presetSubtype="16" fill="hold" grpId="0" nodeType="withEffect">
+                                  <p:stCondLst>
+                                    <p:cond delay="0"/>
+                                  </p:stCondLst>
+                                  <p:childTnLst>
+                                    <p:set>
+                                      <p:cBhvr>
+                                        <p:cTn id="6" dur="1" fill="hold">
+                                          <p:stCondLst>
+                                            <p:cond delay="0"/>
+                                          </p:stCondLst>
+                                        </p:cTn>
+                                        <p:tgtEl>
+                                          <p:spTgt spid="1382"/>
+                                        </p:tgtEl>
+                                        <p:attrNameLst>
+                                          <p:attrName>style.visibility</p:attrName>
+                                        </p:attrNameLst>
+                                      </p:cBhvr>
+                                      <p:to>
+                                        <p:strVal val="visible"/>
+                                      </p:to>
+                                    </p:set>
+                                    <p:anim calcmode="lin" valueType="num">
+                                      <p:cBhvr>
+                                        <p:cTn id="7" dur="500" fill="hold"/>
+                                        <p:tgtEl>
+                                          <p:spTgt spid="1382"/>
+                                        </p:tgtEl>
+                                        <p:attrNameLst>
+                                          <p:attrName>ppt_w</p:attrName>
+                                        </p:attrNameLst>
+                                      </p:cBhvr>
+                                      <p:tavLst>
+                                        <p:tav tm="0">
+                                          <p:val>
+                                            <p:fltVal val="0"/>
+                                          </p:val>
+                                        </p:tav>
+                                        <p:tav tm="100000">
+                                          <p:val>
+                                            <p:strVal val="#ppt_w"/>
+                                          </p:val>
+                                        </p:tav>
+                                      </p:tavLst>
+                                    </p:anim>
+                                    <p:anim calcmode="lin" valueType="num">
+                                      <p:cBhvr>
+                                        <p:cTn id="8" dur="500" fill="hold"/>
+                                        <p:tgtEl>
+                                          <p:spTgt spid="1382"/>
+                                        </p:tgtEl>
+                                        <p:attrNameLst>
+                                          <p:attrName>ppt_h</p:attrName>
+                                        </p:attrNameLst>
+                                      </p:cBhvr>
+                                      <p:tavLst>
+                                        <p:tav tm="0">
+                                          <p:val>
+                                            <p:fltVal val="0"/>
+                                          </p:val>
+                                        </p:tav>
+                                        <p:tav tm="100000">
+                                          <p:val>
+                                            <p:strVal val="#ppt_h"/>
+                                          </p:val>
+                                        </p:tav>
+                                      </p:tavLst>
+                                    </p:anim>
+                                    <p:animEffect transition="in" filter="fade">
+                                      <p:cBhvr>
+                                        <p:cTn id="9" dur="500"/>
+                                        <p:tgtEl>
+                                          <p:spTgt spid="1382"/>
+                                        </p:tgtEl>
+                                      </p:cBhvr>
+                                    </p:animEffect>
+                                  </p:childTnLst>
+                                </p:cTn>
+                              </p:par>
+                            </p:childTnLst>
+                          </p:cTn>
+                        </p:par>
+                      </p:childTnLst>
+                    </p:cTn>
+                  </p:par>
+                </p:childTnLst>
+              </p:cTn>
+              <p:prevCondLst>
+                <p:cond evt="onPrev" delay="0">
+                  <p:tgtEl>
+                    <p:sldTgt/>
+                  </p:tgtEl>
+                </p:cond>
+              </p:prevCondLst>
+              <p:nextCondLst>
+                <p:cond evt="onNext" delay="0">
+                  <p:tgtEl>
+                    <p:sldTgt/>
+                  </p:tgtEl>
+                </p:cond>
+              </p:nextCondLst>
+            </p:seq>
+          </p:childTnLst>
+        </p:cTn>
+      </p:par>
+    </p:tnLst>
+    <p:bldLst>
+      <p:bldP spid="1382" grpId="0"/>
+    </p:bldLst>
+  </p:timing>
+</p:sld>
+</file>
+
+<file path=ppt/slides/slide7.xml><?xml version="1.0" encoding="utf-8"?>
 <p:sld xmlns:a="http://schemas.openxmlformats.org/drawingml/2006/main" xmlns:r="http://schemas.openxmlformats.org/officeDocument/2006/relationships" xmlns:p="http://schemas.openxmlformats.org/presentationml/2006/main">
   <p:cSld>
     <p:spTree>
@@ -31365,7 +31949,7 @@
 </p:sld>
 </file>
 
-<file path=ppt/slides/slide7.xml><?xml version="1.0" encoding="utf-8"?>
+<file path=ppt/slides/slide8.xml><?xml version="1.0" encoding="utf-8"?>
 <p:sld xmlns:a="http://schemas.openxmlformats.org/drawingml/2006/main" xmlns:r="http://schemas.openxmlformats.org/officeDocument/2006/relationships" xmlns:p="http://schemas.openxmlformats.org/presentationml/2006/main">
   <p:cSld>
     <p:spTree>
@@ -31438,177 +32022,42 @@
           </a:p>
         </p:txBody>
       </p:sp>
-    </p:spTree>
-    <p:extLst>
-      <p:ext uri="{BB962C8B-B14F-4D97-AF65-F5344CB8AC3E}">
-        <p14:creationId xmlns:p14="http://schemas.microsoft.com/office/powerpoint/2010/main" val="28608124"/>
-      </p:ext>
-    </p:extLst>
-  </p:cSld>
-  <p:clrMapOvr>
-    <a:masterClrMapping/>
-  </p:clrMapOvr>
-  <p:timing>
-    <p:tnLst>
-      <p:par>
-        <p:cTn id="1" dur="indefinite" restart="never" nodeType="tmRoot">
-          <p:childTnLst>
-            <p:seq concurrent="1" nextAc="seek">
-              <p:cTn id="2" dur="indefinite" nodeType="mainSeq">
-                <p:childTnLst>
-                  <p:par>
-                    <p:cTn id="3" fill="hold">
-                      <p:stCondLst>
-                        <p:cond delay="indefinite"/>
-                        <p:cond evt="onBegin" delay="0">
-                          <p:tn val="2"/>
-                        </p:cond>
-                      </p:stCondLst>
-                      <p:childTnLst>
-                        <p:par>
-                          <p:cTn id="4" fill="hold">
-                            <p:stCondLst>
-                              <p:cond delay="0"/>
-                            </p:stCondLst>
-                            <p:childTnLst>
-                              <p:par>
-                                <p:cTn id="5" presetID="53" presetClass="entr" presetSubtype="16" fill="hold" grpId="0" nodeType="withEffect">
-                                  <p:stCondLst>
-                                    <p:cond delay="0"/>
-                                  </p:stCondLst>
-                                  <p:childTnLst>
-                                    <p:set>
-                                      <p:cBhvr>
-                                        <p:cTn id="6" dur="1" fill="hold">
-                                          <p:stCondLst>
-                                            <p:cond delay="0"/>
-                                          </p:stCondLst>
-                                        </p:cTn>
-                                        <p:tgtEl>
-                                          <p:spTgt spid="1382"/>
-                                        </p:tgtEl>
-                                        <p:attrNameLst>
-                                          <p:attrName>style.visibility</p:attrName>
-                                        </p:attrNameLst>
-                                      </p:cBhvr>
-                                      <p:to>
-                                        <p:strVal val="visible"/>
-                                      </p:to>
-                                    </p:set>
-                                    <p:anim calcmode="lin" valueType="num">
-                                      <p:cBhvr>
-                                        <p:cTn id="7" dur="500" fill="hold"/>
-                                        <p:tgtEl>
-                                          <p:spTgt spid="1382"/>
-                                        </p:tgtEl>
-                                        <p:attrNameLst>
-                                          <p:attrName>ppt_w</p:attrName>
-                                        </p:attrNameLst>
-                                      </p:cBhvr>
-                                      <p:tavLst>
-                                        <p:tav tm="0">
-                                          <p:val>
-                                            <p:fltVal val="0"/>
-                                          </p:val>
-                                        </p:tav>
-                                        <p:tav tm="100000">
-                                          <p:val>
-                                            <p:strVal val="#ppt_w"/>
-                                          </p:val>
-                                        </p:tav>
-                                      </p:tavLst>
-                                    </p:anim>
-                                    <p:anim calcmode="lin" valueType="num">
-                                      <p:cBhvr>
-                                        <p:cTn id="8" dur="500" fill="hold"/>
-                                        <p:tgtEl>
-                                          <p:spTgt spid="1382"/>
-                                        </p:tgtEl>
-                                        <p:attrNameLst>
-                                          <p:attrName>ppt_h</p:attrName>
-                                        </p:attrNameLst>
-                                      </p:cBhvr>
-                                      <p:tavLst>
-                                        <p:tav tm="0">
-                                          <p:val>
-                                            <p:fltVal val="0"/>
-                                          </p:val>
-                                        </p:tav>
-                                        <p:tav tm="100000">
-                                          <p:val>
-                                            <p:strVal val="#ppt_h"/>
-                                          </p:val>
-                                        </p:tav>
-                                      </p:tavLst>
-                                    </p:anim>
-                                    <p:animEffect transition="in" filter="fade">
-                                      <p:cBhvr>
-                                        <p:cTn id="9" dur="500"/>
-                                        <p:tgtEl>
-                                          <p:spTgt spid="1382"/>
-                                        </p:tgtEl>
-                                      </p:cBhvr>
-                                    </p:animEffect>
-                                  </p:childTnLst>
-                                </p:cTn>
-                              </p:par>
-                            </p:childTnLst>
-                          </p:cTn>
-                        </p:par>
-                      </p:childTnLst>
-                    </p:cTn>
-                  </p:par>
-                </p:childTnLst>
-              </p:cTn>
-              <p:prevCondLst>
-                <p:cond evt="onPrev" delay="0">
-                  <p:tgtEl>
-                    <p:sldTgt/>
-                  </p:tgtEl>
-                </p:cond>
-              </p:prevCondLst>
-              <p:nextCondLst>
-                <p:cond evt="onNext" delay="0">
-                  <p:tgtEl>
-                    <p:sldTgt/>
-                  </p:tgtEl>
-                </p:cond>
-              </p:nextCondLst>
-            </p:seq>
-          </p:childTnLst>
-        </p:cTn>
-      </p:par>
-    </p:tnLst>
-    <p:bldLst>
-      <p:bldP spid="1382" grpId="0"/>
-    </p:bldLst>
-  </p:timing>
-</p:sld>
-</file>
-
-<file path=ppt/slides/slide8.xml><?xml version="1.0" encoding="utf-8"?>
-<p:sld xmlns:a="http://schemas.openxmlformats.org/drawingml/2006/main" xmlns:r="http://schemas.openxmlformats.org/officeDocument/2006/relationships" xmlns:p="http://schemas.openxmlformats.org/presentationml/2006/main">
-  <p:cSld>
-    <p:spTree>
-      <p:nvGrpSpPr>
-        <p:cNvPr id="1" name=""/>
-        <p:cNvGrpSpPr/>
-        <p:nvPr/>
-      </p:nvGrpSpPr>
-      <p:grpSpPr>
-        <a:xfrm>
-          <a:off x="0" y="0"/>
-          <a:ext cx="0" cy="0"/>
-          <a:chOff x="0" y="0"/>
-          <a:chExt cx="0" cy="0"/>
-        </a:xfrm>
-      </p:grpSpPr>
+      <p:pic>
+        <p:nvPicPr>
+          <p:cNvPr id="3" name="Picture 2" descr="A graph with a red line&#10;&#10;Description automatically generated">
+            <a:extLst>
+              <a:ext uri="{FF2B5EF4-FFF2-40B4-BE49-F238E27FC236}">
+                <a16:creationId xmlns:a16="http://schemas.microsoft.com/office/drawing/2014/main" id="{39F413F0-C2B4-447B-C3BE-CDCBFABEA758}"/>
+              </a:ext>
+            </a:extLst>
+          </p:cNvPr>
+          <p:cNvPicPr>
+            <a:picLocks noChangeAspect="1"/>
+          </p:cNvPicPr>
+          <p:nvPr/>
+        </p:nvPicPr>
+        <p:blipFill>
+          <a:blip r:embed="rId2"/>
+          <a:stretch>
+            <a:fillRect/>
+          </a:stretch>
+        </p:blipFill>
+        <p:spPr>
+          <a:xfrm>
+            <a:off x="4083113" y="1250132"/>
+            <a:ext cx="7772400" cy="3886200"/>
+          </a:xfrm>
+          <a:prstGeom prst="rect">
+            <a:avLst/>
+          </a:prstGeom>
+        </p:spPr>
+      </p:pic>
       <p:sp>
         <p:nvSpPr>
-          <p:cNvPr id="1382" name="TextBox 1381">
+          <p:cNvPr id="5" name="TextBox 4">
             <a:extLst>
               <a:ext uri="{FF2B5EF4-FFF2-40B4-BE49-F238E27FC236}">
-                <a16:creationId xmlns:a16="http://schemas.microsoft.com/office/drawing/2014/main" id="{043C45BF-79A8-4FA5-D7DF-595D41F5BD47}"/>
+                <a16:creationId xmlns:a16="http://schemas.microsoft.com/office/drawing/2014/main" id="{F99CB557-2EE8-3699-8A33-0EA4A9349114}"/>
               </a:ext>
             </a:extLst>
           </p:cNvPr>
@@ -31617,8 +32066,8 @@
         </p:nvSpPr>
         <p:spPr>
           <a:xfrm>
-            <a:off x="92776" y="253457"/>
-            <a:ext cx="5653875" cy="646331"/>
+            <a:off x="5746651" y="5711123"/>
+            <a:ext cx="6147302" cy="369332"/>
           </a:xfrm>
           <a:prstGeom prst="rect">
             <a:avLst/>
@@ -31626,43 +32075,26 @@
           <a:noFill/>
         </p:spPr>
         <p:txBody>
-          <a:bodyPr wrap="square" rtlCol="0">
+          <a:bodyPr wrap="square">
             <a:spAutoFit/>
           </a:bodyPr>
-          <a:lstStyle>
-            <a:defPPr>
-              <a:defRPr lang="ro-RO"/>
-            </a:defPPr>
-            <a:lvl1pPr algn="ctr">
-              <a:defRPr sz="2400" b="1">
-                <a:solidFill>
-                  <a:srgbClr val="D1E4E8"/>
-                </a:solidFill>
-                <a:latin typeface="Times New Roman" panose="02020603050405020304" pitchFamily="18" charset="0"/>
-                <a:cs typeface="Times New Roman" panose="02020603050405020304" pitchFamily="18" charset="0"/>
-              </a:defRPr>
-            </a:lvl1pPr>
-          </a:lstStyle>
+          <a:lstStyle/>
           <a:p>
-            <a:pPr algn="l"/>
             <a:r>
-              <a:rPr lang="en-US" sz="3600" dirty="0">
-                <a:solidFill>
-                  <a:schemeClr val="bg1"/>
-                </a:solidFill>
-                <a:latin typeface="Palatino Linotype" panose="02040502050505030304" pitchFamily="18" charset="0"/>
-                <a:ea typeface="Verdana" panose="020B0604030504040204" pitchFamily="34" charset="0"/>
-                <a:cs typeface="Courier New" panose="02070309020205020404" pitchFamily="49" charset="0"/>
+              <a:rPr lang="en-US" b="0" i="0" dirty="0">
+                <a:effectLst/>
+                <a:latin typeface="Menlo" panose="020B0609030804020204" pitchFamily="49" charset="0"/>
               </a:rPr>
-              <a:t>Conclusion</a:t>
+              <a:t>The R-value is: 0.012800770639383029</a:t>
             </a:r>
+            <a:endParaRPr lang="en-US" dirty="0"/>
           </a:p>
         </p:txBody>
       </p:sp>
     </p:spTree>
     <p:extLst>
       <p:ext uri="{BB962C8B-B14F-4D97-AF65-F5344CB8AC3E}">
-        <p14:creationId xmlns:p14="http://schemas.microsoft.com/office/powerpoint/2010/main" val="2039255454"/>
+        <p14:creationId xmlns:p14="http://schemas.microsoft.com/office/powerpoint/2010/main" val="28608124"/>
       </p:ext>
     </p:extLst>
   </p:cSld>
@@ -31838,8 +32270,8 @@
         </p:nvSpPr>
         <p:spPr>
           <a:xfrm>
-            <a:off x="0" y="2875002"/>
-            <a:ext cx="12191999" cy="1107996"/>
+            <a:off x="92776" y="253457"/>
+            <a:ext cx="5653875" cy="646331"/>
           </a:xfrm>
           <a:prstGeom prst="rect">
             <a:avLst/>
@@ -31865,16 +32297,17 @@
             </a:lvl1pPr>
           </a:lstStyle>
           <a:p>
+            <a:pPr algn="l"/>
             <a:r>
-              <a:rPr lang="en-US" sz="6600" dirty="0">
+              <a:rPr lang="en-US" sz="3600" dirty="0">
                 <a:solidFill>
-                  <a:schemeClr val="tx1"/>
+                  <a:schemeClr val="bg1"/>
                 </a:solidFill>
                 <a:latin typeface="Palatino Linotype" panose="02040502050505030304" pitchFamily="18" charset="0"/>
                 <a:ea typeface="Verdana" panose="020B0604030504040204" pitchFamily="34" charset="0"/>
                 <a:cs typeface="Courier New" panose="02070309020205020404" pitchFamily="49" charset="0"/>
               </a:rPr>
-              <a:t>Questions</a:t>
+              <a:t>Conclusion</a:t>
             </a:r>
           </a:p>
         </p:txBody>
@@ -31882,7 +32315,7 @@
     </p:spTree>
     <p:extLst>
       <p:ext uri="{BB962C8B-B14F-4D97-AF65-F5344CB8AC3E}">
-        <p14:creationId xmlns:p14="http://schemas.microsoft.com/office/powerpoint/2010/main" val="1239626762"/>
+        <p14:creationId xmlns:p14="http://schemas.microsoft.com/office/powerpoint/2010/main" val="2039255454"/>
       </p:ext>
     </p:extLst>
   </p:cSld>

--- a/Group4_Brief.pptx
+++ b/Group4_Brief.pptx
@@ -32066,7 +32066,7 @@
         </p:nvSpPr>
         <p:spPr>
           <a:xfrm>
-            <a:off x="5746651" y="5711123"/>
+            <a:off x="5467977" y="5238536"/>
             <a:ext cx="6147302" cy="369332"/>
           </a:xfrm>
           <a:prstGeom prst="rect">

--- a/Group4_Brief.pptx
+++ b/Group4_Brief.pptx
@@ -11,10 +11,12 @@
     <p:sldId id="293" r:id="rId5"/>
     <p:sldId id="299" r:id="rId6"/>
     <p:sldId id="300" r:id="rId7"/>
-    <p:sldId id="296" r:id="rId8"/>
-    <p:sldId id="297" r:id="rId9"/>
-    <p:sldId id="294" r:id="rId10"/>
-    <p:sldId id="295" r:id="rId11"/>
+    <p:sldId id="297" r:id="rId8"/>
+    <p:sldId id="301" r:id="rId9"/>
+    <p:sldId id="296" r:id="rId10"/>
+    <p:sldId id="302" r:id="rId11"/>
+    <p:sldId id="294" r:id="rId12"/>
+    <p:sldId id="295" r:id="rId13"/>
   </p:sldIdLst>
   <p:sldSz cx="12192000" cy="6858000"/>
   <p:notesSz cx="6858000" cy="9144000"/>
@@ -268,7 +270,7 @@
           <a:p>
             <a:fld id="{9631276A-A4E6-0D42-A41A-0ACCA72FC1E8}" type="datetimeFigureOut">
               <a:rPr lang="en-US" smtClean="0"/>
-              <a:t>8/21/24</a:t>
+              <a:t>8/22/24</a:t>
             </a:fld>
             <a:endParaRPr lang="en-US"/>
           </a:p>
@@ -466,7 +468,7 @@
           <a:p>
             <a:fld id="{9631276A-A4E6-0D42-A41A-0ACCA72FC1E8}" type="datetimeFigureOut">
               <a:rPr lang="en-US" smtClean="0"/>
-              <a:t>8/21/24</a:t>
+              <a:t>8/22/24</a:t>
             </a:fld>
             <a:endParaRPr lang="en-US"/>
           </a:p>
@@ -674,7 +676,7 @@
           <a:p>
             <a:fld id="{9631276A-A4E6-0D42-A41A-0ACCA72FC1E8}" type="datetimeFigureOut">
               <a:rPr lang="en-US" smtClean="0"/>
-              <a:t>8/21/24</a:t>
+              <a:t>8/22/24</a:t>
             </a:fld>
             <a:endParaRPr lang="en-US"/>
           </a:p>
@@ -21859,7 +21861,7 @@
           <a:p>
             <a:fld id="{9631276A-A4E6-0D42-A41A-0ACCA72FC1E8}" type="datetimeFigureOut">
               <a:rPr lang="en-US" smtClean="0"/>
-              <a:t>8/21/24</a:t>
+              <a:t>8/22/24</a:t>
             </a:fld>
             <a:endParaRPr lang="en-US"/>
           </a:p>
@@ -22134,7 +22136,7 @@
           <a:p>
             <a:fld id="{9631276A-A4E6-0D42-A41A-0ACCA72FC1E8}" type="datetimeFigureOut">
               <a:rPr lang="en-US" smtClean="0"/>
-              <a:t>8/21/24</a:t>
+              <a:t>8/22/24</a:t>
             </a:fld>
             <a:endParaRPr lang="en-US"/>
           </a:p>
@@ -22399,7 +22401,7 @@
           <a:p>
             <a:fld id="{9631276A-A4E6-0D42-A41A-0ACCA72FC1E8}" type="datetimeFigureOut">
               <a:rPr lang="en-US" smtClean="0"/>
-              <a:t>8/21/24</a:t>
+              <a:t>8/22/24</a:t>
             </a:fld>
             <a:endParaRPr lang="en-US"/>
           </a:p>
@@ -22811,7 +22813,7 @@
           <a:p>
             <a:fld id="{9631276A-A4E6-0D42-A41A-0ACCA72FC1E8}" type="datetimeFigureOut">
               <a:rPr lang="en-US" smtClean="0"/>
-              <a:t>8/21/24</a:t>
+              <a:t>8/22/24</a:t>
             </a:fld>
             <a:endParaRPr lang="en-US"/>
           </a:p>
@@ -22952,7 +22954,7 @@
           <a:p>
             <a:fld id="{9631276A-A4E6-0D42-A41A-0ACCA72FC1E8}" type="datetimeFigureOut">
               <a:rPr lang="en-US" smtClean="0"/>
-              <a:t>8/21/24</a:t>
+              <a:t>8/22/24</a:t>
             </a:fld>
             <a:endParaRPr lang="en-US"/>
           </a:p>
@@ -23065,7 +23067,7 @@
           <a:p>
             <a:fld id="{9631276A-A4E6-0D42-A41A-0ACCA72FC1E8}" type="datetimeFigureOut">
               <a:rPr lang="en-US" smtClean="0"/>
-              <a:t>8/21/24</a:t>
+              <a:t>8/22/24</a:t>
             </a:fld>
             <a:endParaRPr lang="en-US"/>
           </a:p>
@@ -23376,7 +23378,7 @@
           <a:p>
             <a:fld id="{9631276A-A4E6-0D42-A41A-0ACCA72FC1E8}" type="datetimeFigureOut">
               <a:rPr lang="en-US" smtClean="0"/>
-              <a:t>8/21/24</a:t>
+              <a:t>8/22/24</a:t>
             </a:fld>
             <a:endParaRPr lang="en-US"/>
           </a:p>
@@ -23664,7 +23666,7 @@
           <a:p>
             <a:fld id="{9631276A-A4E6-0D42-A41A-0ACCA72FC1E8}" type="datetimeFigureOut">
               <a:rPr lang="en-US" smtClean="0"/>
-              <a:t>8/21/24</a:t>
+              <a:t>8/22/24</a:t>
             </a:fld>
             <a:endParaRPr lang="en-US"/>
           </a:p>
@@ -23905,7 +23907,7 @@
           <a:p>
             <a:fld id="{9631276A-A4E6-0D42-A41A-0ACCA72FC1E8}" type="datetimeFigureOut">
               <a:rPr lang="en-US" smtClean="0"/>
-              <a:t>8/21/24</a:t>
+              <a:t>8/22/24</a:t>
             </a:fld>
             <a:endParaRPr lang="en-US"/>
           </a:p>
@@ -24766,6 +24768,478 @@
 </file>
 
 <file path=ppt/slides/slide10.xml><?xml version="1.0" encoding="utf-8"?>
+<p:sld xmlns:a="http://schemas.openxmlformats.org/drawingml/2006/main" xmlns:r="http://schemas.openxmlformats.org/officeDocument/2006/relationships" xmlns:p="http://schemas.openxmlformats.org/presentationml/2006/main">
+  <p:cSld>
+    <p:spTree>
+      <p:nvGrpSpPr>
+        <p:cNvPr id="1" name=""/>
+        <p:cNvGrpSpPr/>
+        <p:nvPr/>
+      </p:nvGrpSpPr>
+      <p:grpSpPr>
+        <a:xfrm>
+          <a:off x="0" y="0"/>
+          <a:ext cx="0" cy="0"/>
+          <a:chOff x="0" y="0"/>
+          <a:chExt cx="0" cy="0"/>
+        </a:xfrm>
+      </p:grpSpPr>
+      <p:sp>
+        <p:nvSpPr>
+          <p:cNvPr id="1382" name="TextBox 1381">
+            <a:extLst>
+              <a:ext uri="{FF2B5EF4-FFF2-40B4-BE49-F238E27FC236}">
+                <a16:creationId xmlns:a16="http://schemas.microsoft.com/office/drawing/2014/main" id="{043C45BF-79A8-4FA5-D7DF-595D41F5BD47}"/>
+              </a:ext>
+            </a:extLst>
+          </p:cNvPr>
+          <p:cNvSpPr txBox="1"/>
+          <p:nvPr/>
+        </p:nvSpPr>
+        <p:spPr>
+          <a:xfrm>
+            <a:off x="92776" y="253457"/>
+            <a:ext cx="7320898" cy="646331"/>
+          </a:xfrm>
+          <a:prstGeom prst="rect">
+            <a:avLst/>
+          </a:prstGeom>
+          <a:noFill/>
+        </p:spPr>
+        <p:txBody>
+          <a:bodyPr wrap="square" rtlCol="0">
+            <a:spAutoFit/>
+          </a:bodyPr>
+          <a:lstStyle>
+            <a:defPPr>
+              <a:defRPr lang="ro-RO"/>
+            </a:defPPr>
+            <a:lvl1pPr algn="ctr">
+              <a:defRPr sz="2400" b="1">
+                <a:solidFill>
+                  <a:srgbClr val="D1E4E8"/>
+                </a:solidFill>
+                <a:latin typeface="Times New Roman" panose="02020603050405020304" pitchFamily="18" charset="0"/>
+                <a:cs typeface="Times New Roman" panose="02020603050405020304" pitchFamily="18" charset="0"/>
+              </a:defRPr>
+            </a:lvl1pPr>
+          </a:lstStyle>
+          <a:p>
+            <a:pPr algn="l"/>
+            <a:r>
+              <a:rPr lang="en-US" sz="3600" dirty="0">
+                <a:solidFill>
+                  <a:schemeClr val="bg1"/>
+                </a:solidFill>
+                <a:latin typeface="Palatino Linotype" panose="02040502050505030304" pitchFamily="18" charset="0"/>
+                <a:ea typeface="Verdana" panose="020B0604030504040204" pitchFamily="34" charset="0"/>
+                <a:cs typeface="Courier New" panose="02070309020205020404" pitchFamily="49" charset="0"/>
+              </a:rPr>
+              <a:t>% Profit by Genre</a:t>
+            </a:r>
+          </a:p>
+        </p:txBody>
+      </p:sp>
+      <p:pic>
+        <p:nvPicPr>
+          <p:cNvPr id="4" name="Picture 3" descr="A graph with blue bars&#10;&#10;Description automatically generated">
+            <a:extLst>
+              <a:ext uri="{FF2B5EF4-FFF2-40B4-BE49-F238E27FC236}">
+                <a16:creationId xmlns:a16="http://schemas.microsoft.com/office/drawing/2014/main" id="{D444F944-C157-A376-F61F-A6F57AA1CCC1}"/>
+              </a:ext>
+            </a:extLst>
+          </p:cNvPr>
+          <p:cNvPicPr>
+            <a:picLocks noChangeAspect="1"/>
+          </p:cNvPicPr>
+          <p:nvPr/>
+        </p:nvPicPr>
+        <p:blipFill>
+          <a:blip r:embed="rId2"/>
+          <a:stretch>
+            <a:fillRect/>
+          </a:stretch>
+        </p:blipFill>
+        <p:spPr>
+          <a:xfrm>
+            <a:off x="4258322" y="1370304"/>
+            <a:ext cx="7772400" cy="4663440"/>
+          </a:xfrm>
+          <a:prstGeom prst="rect">
+            <a:avLst/>
+          </a:prstGeom>
+        </p:spPr>
+      </p:pic>
+    </p:spTree>
+    <p:extLst>
+      <p:ext uri="{BB962C8B-B14F-4D97-AF65-F5344CB8AC3E}">
+        <p14:creationId xmlns:p14="http://schemas.microsoft.com/office/powerpoint/2010/main" val="797086601"/>
+      </p:ext>
+    </p:extLst>
+  </p:cSld>
+  <p:clrMapOvr>
+    <a:masterClrMapping/>
+  </p:clrMapOvr>
+  <p:timing>
+    <p:tnLst>
+      <p:par>
+        <p:cTn id="1" dur="indefinite" restart="never" nodeType="tmRoot">
+          <p:childTnLst>
+            <p:seq concurrent="1" nextAc="seek">
+              <p:cTn id="2" dur="indefinite" nodeType="mainSeq">
+                <p:childTnLst>
+                  <p:par>
+                    <p:cTn id="3" fill="hold">
+                      <p:stCondLst>
+                        <p:cond delay="indefinite"/>
+                        <p:cond evt="onBegin" delay="0">
+                          <p:tn val="2"/>
+                        </p:cond>
+                      </p:stCondLst>
+                      <p:childTnLst>
+                        <p:par>
+                          <p:cTn id="4" fill="hold">
+                            <p:stCondLst>
+                              <p:cond delay="0"/>
+                            </p:stCondLst>
+                            <p:childTnLst>
+                              <p:par>
+                                <p:cTn id="5" presetID="53" presetClass="entr" presetSubtype="16" fill="hold" grpId="0" nodeType="withEffect">
+                                  <p:stCondLst>
+                                    <p:cond delay="0"/>
+                                  </p:stCondLst>
+                                  <p:childTnLst>
+                                    <p:set>
+                                      <p:cBhvr>
+                                        <p:cTn id="6" dur="1" fill="hold">
+                                          <p:stCondLst>
+                                            <p:cond delay="0"/>
+                                          </p:stCondLst>
+                                        </p:cTn>
+                                        <p:tgtEl>
+                                          <p:spTgt spid="1382"/>
+                                        </p:tgtEl>
+                                        <p:attrNameLst>
+                                          <p:attrName>style.visibility</p:attrName>
+                                        </p:attrNameLst>
+                                      </p:cBhvr>
+                                      <p:to>
+                                        <p:strVal val="visible"/>
+                                      </p:to>
+                                    </p:set>
+                                    <p:anim calcmode="lin" valueType="num">
+                                      <p:cBhvr>
+                                        <p:cTn id="7" dur="500" fill="hold"/>
+                                        <p:tgtEl>
+                                          <p:spTgt spid="1382"/>
+                                        </p:tgtEl>
+                                        <p:attrNameLst>
+                                          <p:attrName>ppt_w</p:attrName>
+                                        </p:attrNameLst>
+                                      </p:cBhvr>
+                                      <p:tavLst>
+                                        <p:tav tm="0">
+                                          <p:val>
+                                            <p:fltVal val="0"/>
+                                          </p:val>
+                                        </p:tav>
+                                        <p:tav tm="100000">
+                                          <p:val>
+                                            <p:strVal val="#ppt_w"/>
+                                          </p:val>
+                                        </p:tav>
+                                      </p:tavLst>
+                                    </p:anim>
+                                    <p:anim calcmode="lin" valueType="num">
+                                      <p:cBhvr>
+                                        <p:cTn id="8" dur="500" fill="hold"/>
+                                        <p:tgtEl>
+                                          <p:spTgt spid="1382"/>
+                                        </p:tgtEl>
+                                        <p:attrNameLst>
+                                          <p:attrName>ppt_h</p:attrName>
+                                        </p:attrNameLst>
+                                      </p:cBhvr>
+                                      <p:tavLst>
+                                        <p:tav tm="0">
+                                          <p:val>
+                                            <p:fltVal val="0"/>
+                                          </p:val>
+                                        </p:tav>
+                                        <p:tav tm="100000">
+                                          <p:val>
+                                            <p:strVal val="#ppt_h"/>
+                                          </p:val>
+                                        </p:tav>
+                                      </p:tavLst>
+                                    </p:anim>
+                                    <p:animEffect transition="in" filter="fade">
+                                      <p:cBhvr>
+                                        <p:cTn id="9" dur="500"/>
+                                        <p:tgtEl>
+                                          <p:spTgt spid="1382"/>
+                                        </p:tgtEl>
+                                      </p:cBhvr>
+                                    </p:animEffect>
+                                  </p:childTnLst>
+                                </p:cTn>
+                              </p:par>
+                            </p:childTnLst>
+                          </p:cTn>
+                        </p:par>
+                      </p:childTnLst>
+                    </p:cTn>
+                  </p:par>
+                </p:childTnLst>
+              </p:cTn>
+              <p:prevCondLst>
+                <p:cond evt="onPrev" delay="0">
+                  <p:tgtEl>
+                    <p:sldTgt/>
+                  </p:tgtEl>
+                </p:cond>
+              </p:prevCondLst>
+              <p:nextCondLst>
+                <p:cond evt="onNext" delay="0">
+                  <p:tgtEl>
+                    <p:sldTgt/>
+                  </p:tgtEl>
+                </p:cond>
+              </p:nextCondLst>
+            </p:seq>
+          </p:childTnLst>
+        </p:cTn>
+      </p:par>
+    </p:tnLst>
+    <p:bldLst>
+      <p:bldP spid="1382" grpId="0"/>
+    </p:bldLst>
+  </p:timing>
+</p:sld>
+</file>
+
+<file path=ppt/slides/slide11.xml><?xml version="1.0" encoding="utf-8"?>
+<p:sld xmlns:a="http://schemas.openxmlformats.org/drawingml/2006/main" xmlns:r="http://schemas.openxmlformats.org/officeDocument/2006/relationships" xmlns:p="http://schemas.openxmlformats.org/presentationml/2006/main">
+  <p:cSld>
+    <p:spTree>
+      <p:nvGrpSpPr>
+        <p:cNvPr id="1" name=""/>
+        <p:cNvGrpSpPr/>
+        <p:nvPr/>
+      </p:nvGrpSpPr>
+      <p:grpSpPr>
+        <a:xfrm>
+          <a:off x="0" y="0"/>
+          <a:ext cx="0" cy="0"/>
+          <a:chOff x="0" y="0"/>
+          <a:chExt cx="0" cy="0"/>
+        </a:xfrm>
+      </p:grpSpPr>
+      <p:sp>
+        <p:nvSpPr>
+          <p:cNvPr id="1382" name="TextBox 1381">
+            <a:extLst>
+              <a:ext uri="{FF2B5EF4-FFF2-40B4-BE49-F238E27FC236}">
+                <a16:creationId xmlns:a16="http://schemas.microsoft.com/office/drawing/2014/main" id="{043C45BF-79A8-4FA5-D7DF-595D41F5BD47}"/>
+              </a:ext>
+            </a:extLst>
+          </p:cNvPr>
+          <p:cNvSpPr txBox="1"/>
+          <p:nvPr/>
+        </p:nvSpPr>
+        <p:spPr>
+          <a:xfrm>
+            <a:off x="92776" y="253457"/>
+            <a:ext cx="5653875" cy="646331"/>
+          </a:xfrm>
+          <a:prstGeom prst="rect">
+            <a:avLst/>
+          </a:prstGeom>
+          <a:noFill/>
+        </p:spPr>
+        <p:txBody>
+          <a:bodyPr wrap="square" rtlCol="0">
+            <a:spAutoFit/>
+          </a:bodyPr>
+          <a:lstStyle>
+            <a:defPPr>
+              <a:defRPr lang="ro-RO"/>
+            </a:defPPr>
+            <a:lvl1pPr algn="ctr">
+              <a:defRPr sz="2400" b="1">
+                <a:solidFill>
+                  <a:srgbClr val="D1E4E8"/>
+                </a:solidFill>
+                <a:latin typeface="Times New Roman" panose="02020603050405020304" pitchFamily="18" charset="0"/>
+                <a:cs typeface="Times New Roman" panose="02020603050405020304" pitchFamily="18" charset="0"/>
+              </a:defRPr>
+            </a:lvl1pPr>
+          </a:lstStyle>
+          <a:p>
+            <a:pPr algn="l"/>
+            <a:r>
+              <a:rPr lang="en-US" sz="3600" dirty="0">
+                <a:solidFill>
+                  <a:schemeClr val="bg1"/>
+                </a:solidFill>
+                <a:latin typeface="Palatino Linotype" panose="02040502050505030304" pitchFamily="18" charset="0"/>
+                <a:ea typeface="Verdana" panose="020B0604030504040204" pitchFamily="34" charset="0"/>
+                <a:cs typeface="Courier New" panose="02070309020205020404" pitchFamily="49" charset="0"/>
+              </a:rPr>
+              <a:t>Conclusion</a:t>
+            </a:r>
+          </a:p>
+        </p:txBody>
+      </p:sp>
+    </p:spTree>
+    <p:extLst>
+      <p:ext uri="{BB962C8B-B14F-4D97-AF65-F5344CB8AC3E}">
+        <p14:creationId xmlns:p14="http://schemas.microsoft.com/office/powerpoint/2010/main" val="2039255454"/>
+      </p:ext>
+    </p:extLst>
+  </p:cSld>
+  <p:clrMapOvr>
+    <a:masterClrMapping/>
+  </p:clrMapOvr>
+  <p:timing>
+    <p:tnLst>
+      <p:par>
+        <p:cTn id="1" dur="indefinite" restart="never" nodeType="tmRoot">
+          <p:childTnLst>
+            <p:seq concurrent="1" nextAc="seek">
+              <p:cTn id="2" dur="indefinite" nodeType="mainSeq">
+                <p:childTnLst>
+                  <p:par>
+                    <p:cTn id="3" fill="hold">
+                      <p:stCondLst>
+                        <p:cond delay="indefinite"/>
+                        <p:cond evt="onBegin" delay="0">
+                          <p:tn val="2"/>
+                        </p:cond>
+                      </p:stCondLst>
+                      <p:childTnLst>
+                        <p:par>
+                          <p:cTn id="4" fill="hold">
+                            <p:stCondLst>
+                              <p:cond delay="0"/>
+                            </p:stCondLst>
+                            <p:childTnLst>
+                              <p:par>
+                                <p:cTn id="5" presetID="53" presetClass="entr" presetSubtype="16" fill="hold" grpId="0" nodeType="withEffect">
+                                  <p:stCondLst>
+                                    <p:cond delay="0"/>
+                                  </p:stCondLst>
+                                  <p:childTnLst>
+                                    <p:set>
+                                      <p:cBhvr>
+                                        <p:cTn id="6" dur="1" fill="hold">
+                                          <p:stCondLst>
+                                            <p:cond delay="0"/>
+                                          </p:stCondLst>
+                                        </p:cTn>
+                                        <p:tgtEl>
+                                          <p:spTgt spid="1382"/>
+                                        </p:tgtEl>
+                                        <p:attrNameLst>
+                                          <p:attrName>style.visibility</p:attrName>
+                                        </p:attrNameLst>
+                                      </p:cBhvr>
+                                      <p:to>
+                                        <p:strVal val="visible"/>
+                                      </p:to>
+                                    </p:set>
+                                    <p:anim calcmode="lin" valueType="num">
+                                      <p:cBhvr>
+                                        <p:cTn id="7" dur="500" fill="hold"/>
+                                        <p:tgtEl>
+                                          <p:spTgt spid="1382"/>
+                                        </p:tgtEl>
+                                        <p:attrNameLst>
+                                          <p:attrName>ppt_w</p:attrName>
+                                        </p:attrNameLst>
+                                      </p:cBhvr>
+                                      <p:tavLst>
+                                        <p:tav tm="0">
+                                          <p:val>
+                                            <p:fltVal val="0"/>
+                                          </p:val>
+                                        </p:tav>
+                                        <p:tav tm="100000">
+                                          <p:val>
+                                            <p:strVal val="#ppt_w"/>
+                                          </p:val>
+                                        </p:tav>
+                                      </p:tavLst>
+                                    </p:anim>
+                                    <p:anim calcmode="lin" valueType="num">
+                                      <p:cBhvr>
+                                        <p:cTn id="8" dur="500" fill="hold"/>
+                                        <p:tgtEl>
+                                          <p:spTgt spid="1382"/>
+                                        </p:tgtEl>
+                                        <p:attrNameLst>
+                                          <p:attrName>ppt_h</p:attrName>
+                                        </p:attrNameLst>
+                                      </p:cBhvr>
+                                      <p:tavLst>
+                                        <p:tav tm="0">
+                                          <p:val>
+                                            <p:fltVal val="0"/>
+                                          </p:val>
+                                        </p:tav>
+                                        <p:tav tm="100000">
+                                          <p:val>
+                                            <p:strVal val="#ppt_h"/>
+                                          </p:val>
+                                        </p:tav>
+                                      </p:tavLst>
+                                    </p:anim>
+                                    <p:animEffect transition="in" filter="fade">
+                                      <p:cBhvr>
+                                        <p:cTn id="9" dur="500"/>
+                                        <p:tgtEl>
+                                          <p:spTgt spid="1382"/>
+                                        </p:tgtEl>
+                                      </p:cBhvr>
+                                    </p:animEffect>
+                                  </p:childTnLst>
+                                </p:cTn>
+                              </p:par>
+                            </p:childTnLst>
+                          </p:cTn>
+                        </p:par>
+                      </p:childTnLst>
+                    </p:cTn>
+                  </p:par>
+                </p:childTnLst>
+              </p:cTn>
+              <p:prevCondLst>
+                <p:cond evt="onPrev" delay="0">
+                  <p:tgtEl>
+                    <p:sldTgt/>
+                  </p:tgtEl>
+                </p:cond>
+              </p:prevCondLst>
+              <p:nextCondLst>
+                <p:cond evt="onNext" delay="0">
+                  <p:tgtEl>
+                    <p:sldTgt/>
+                  </p:tgtEl>
+                </p:cond>
+              </p:nextCondLst>
+            </p:seq>
+          </p:childTnLst>
+        </p:cTn>
+      </p:par>
+    </p:tnLst>
+    <p:bldLst>
+      <p:bldP spid="1382" grpId="0"/>
+    </p:bldLst>
+  </p:timing>
+</p:sld>
+</file>
+
+<file path=ppt/slides/slide12.xml><?xml version="1.0" encoding="utf-8"?>
 <p:sld xmlns:a="http://schemas.openxmlformats.org/drawingml/2006/main" xmlns:r="http://schemas.openxmlformats.org/officeDocument/2006/relationships" xmlns:p="http://schemas.openxmlformats.org/presentationml/2006/main">
   <p:cSld>
     <p:spTree>
@@ -31760,227 +32234,6 @@
         <p:spPr>
           <a:xfrm>
             <a:off x="92776" y="253457"/>
-            <a:ext cx="7320898" cy="646331"/>
-          </a:xfrm>
-          <a:prstGeom prst="rect">
-            <a:avLst/>
-          </a:prstGeom>
-          <a:noFill/>
-        </p:spPr>
-        <p:txBody>
-          <a:bodyPr wrap="square" rtlCol="0">
-            <a:spAutoFit/>
-          </a:bodyPr>
-          <a:lstStyle>
-            <a:defPPr>
-              <a:defRPr lang="ro-RO"/>
-            </a:defPPr>
-            <a:lvl1pPr algn="ctr">
-              <a:defRPr sz="2400" b="1">
-                <a:solidFill>
-                  <a:srgbClr val="D1E4E8"/>
-                </a:solidFill>
-                <a:latin typeface="Times New Roman" panose="02020603050405020304" pitchFamily="18" charset="0"/>
-                <a:cs typeface="Times New Roman" panose="02020603050405020304" pitchFamily="18" charset="0"/>
-              </a:defRPr>
-            </a:lvl1pPr>
-          </a:lstStyle>
-          <a:p>
-            <a:pPr algn="l"/>
-            <a:r>
-              <a:rPr lang="en-US" sz="3600" dirty="0">
-                <a:solidFill>
-                  <a:schemeClr val="bg1"/>
-                </a:solidFill>
-                <a:latin typeface="Palatino Linotype" panose="02040502050505030304" pitchFamily="18" charset="0"/>
-                <a:ea typeface="Verdana" panose="020B0604030504040204" pitchFamily="34" charset="0"/>
-                <a:cs typeface="Courier New" panose="02070309020205020404" pitchFamily="49" charset="0"/>
-              </a:rPr>
-              <a:t>Budget vs. Revenue by Genre</a:t>
-            </a:r>
-          </a:p>
-        </p:txBody>
-      </p:sp>
-    </p:spTree>
-    <p:extLst>
-      <p:ext uri="{BB962C8B-B14F-4D97-AF65-F5344CB8AC3E}">
-        <p14:creationId xmlns:p14="http://schemas.microsoft.com/office/powerpoint/2010/main" val="90322689"/>
-      </p:ext>
-    </p:extLst>
-  </p:cSld>
-  <p:clrMapOvr>
-    <a:masterClrMapping/>
-  </p:clrMapOvr>
-  <p:timing>
-    <p:tnLst>
-      <p:par>
-        <p:cTn id="1" dur="indefinite" restart="never" nodeType="tmRoot">
-          <p:childTnLst>
-            <p:seq concurrent="1" nextAc="seek">
-              <p:cTn id="2" dur="indefinite" nodeType="mainSeq">
-                <p:childTnLst>
-                  <p:par>
-                    <p:cTn id="3" fill="hold">
-                      <p:stCondLst>
-                        <p:cond delay="indefinite"/>
-                        <p:cond evt="onBegin" delay="0">
-                          <p:tn val="2"/>
-                        </p:cond>
-                      </p:stCondLst>
-                      <p:childTnLst>
-                        <p:par>
-                          <p:cTn id="4" fill="hold">
-                            <p:stCondLst>
-                              <p:cond delay="0"/>
-                            </p:stCondLst>
-                            <p:childTnLst>
-                              <p:par>
-                                <p:cTn id="5" presetID="53" presetClass="entr" presetSubtype="16" fill="hold" grpId="0" nodeType="withEffect">
-                                  <p:stCondLst>
-                                    <p:cond delay="0"/>
-                                  </p:stCondLst>
-                                  <p:childTnLst>
-                                    <p:set>
-                                      <p:cBhvr>
-                                        <p:cTn id="6" dur="1" fill="hold">
-                                          <p:stCondLst>
-                                            <p:cond delay="0"/>
-                                          </p:stCondLst>
-                                        </p:cTn>
-                                        <p:tgtEl>
-                                          <p:spTgt spid="1382"/>
-                                        </p:tgtEl>
-                                        <p:attrNameLst>
-                                          <p:attrName>style.visibility</p:attrName>
-                                        </p:attrNameLst>
-                                      </p:cBhvr>
-                                      <p:to>
-                                        <p:strVal val="visible"/>
-                                      </p:to>
-                                    </p:set>
-                                    <p:anim calcmode="lin" valueType="num">
-                                      <p:cBhvr>
-                                        <p:cTn id="7" dur="500" fill="hold"/>
-                                        <p:tgtEl>
-                                          <p:spTgt spid="1382"/>
-                                        </p:tgtEl>
-                                        <p:attrNameLst>
-                                          <p:attrName>ppt_w</p:attrName>
-                                        </p:attrNameLst>
-                                      </p:cBhvr>
-                                      <p:tavLst>
-                                        <p:tav tm="0">
-                                          <p:val>
-                                            <p:fltVal val="0"/>
-                                          </p:val>
-                                        </p:tav>
-                                        <p:tav tm="100000">
-                                          <p:val>
-                                            <p:strVal val="#ppt_w"/>
-                                          </p:val>
-                                        </p:tav>
-                                      </p:tavLst>
-                                    </p:anim>
-                                    <p:anim calcmode="lin" valueType="num">
-                                      <p:cBhvr>
-                                        <p:cTn id="8" dur="500" fill="hold"/>
-                                        <p:tgtEl>
-                                          <p:spTgt spid="1382"/>
-                                        </p:tgtEl>
-                                        <p:attrNameLst>
-                                          <p:attrName>ppt_h</p:attrName>
-                                        </p:attrNameLst>
-                                      </p:cBhvr>
-                                      <p:tavLst>
-                                        <p:tav tm="0">
-                                          <p:val>
-                                            <p:fltVal val="0"/>
-                                          </p:val>
-                                        </p:tav>
-                                        <p:tav tm="100000">
-                                          <p:val>
-                                            <p:strVal val="#ppt_h"/>
-                                          </p:val>
-                                        </p:tav>
-                                      </p:tavLst>
-                                    </p:anim>
-                                    <p:animEffect transition="in" filter="fade">
-                                      <p:cBhvr>
-                                        <p:cTn id="9" dur="500"/>
-                                        <p:tgtEl>
-                                          <p:spTgt spid="1382"/>
-                                        </p:tgtEl>
-                                      </p:cBhvr>
-                                    </p:animEffect>
-                                  </p:childTnLst>
-                                </p:cTn>
-                              </p:par>
-                            </p:childTnLst>
-                          </p:cTn>
-                        </p:par>
-                      </p:childTnLst>
-                    </p:cTn>
-                  </p:par>
-                </p:childTnLst>
-              </p:cTn>
-              <p:prevCondLst>
-                <p:cond evt="onPrev" delay="0">
-                  <p:tgtEl>
-                    <p:sldTgt/>
-                  </p:tgtEl>
-                </p:cond>
-              </p:prevCondLst>
-              <p:nextCondLst>
-                <p:cond evt="onNext" delay="0">
-                  <p:tgtEl>
-                    <p:sldTgt/>
-                  </p:tgtEl>
-                </p:cond>
-              </p:nextCondLst>
-            </p:seq>
-          </p:childTnLst>
-        </p:cTn>
-      </p:par>
-    </p:tnLst>
-    <p:bldLst>
-      <p:bldP spid="1382" grpId="0"/>
-    </p:bldLst>
-  </p:timing>
-</p:sld>
-</file>
-
-<file path=ppt/slides/slide8.xml><?xml version="1.0" encoding="utf-8"?>
-<p:sld xmlns:a="http://schemas.openxmlformats.org/drawingml/2006/main" xmlns:r="http://schemas.openxmlformats.org/officeDocument/2006/relationships" xmlns:p="http://schemas.openxmlformats.org/presentationml/2006/main">
-  <p:cSld>
-    <p:spTree>
-      <p:nvGrpSpPr>
-        <p:cNvPr id="1" name=""/>
-        <p:cNvGrpSpPr/>
-        <p:nvPr/>
-      </p:nvGrpSpPr>
-      <p:grpSpPr>
-        <a:xfrm>
-          <a:off x="0" y="0"/>
-          <a:ext cx="0" cy="0"/>
-          <a:chOff x="0" y="0"/>
-          <a:chExt cx="0" cy="0"/>
-        </a:xfrm>
-      </p:grpSpPr>
-      <p:sp>
-        <p:nvSpPr>
-          <p:cNvPr id="1382" name="TextBox 1381">
-            <a:extLst>
-              <a:ext uri="{FF2B5EF4-FFF2-40B4-BE49-F238E27FC236}">
-                <a16:creationId xmlns:a16="http://schemas.microsoft.com/office/drawing/2014/main" id="{043C45BF-79A8-4FA5-D7DF-595D41F5BD47}"/>
-              </a:ext>
-            </a:extLst>
-          </p:cNvPr>
-          <p:cNvSpPr txBox="1"/>
-          <p:nvPr/>
-        </p:nvSpPr>
-        <p:spPr>
-          <a:xfrm>
-            <a:off x="92776" y="253457"/>
             <a:ext cx="5653875" cy="646331"/>
           </a:xfrm>
           <a:prstGeom prst="rect">
@@ -32239,7 +32492,7 @@
 </p:sld>
 </file>
 
-<file path=ppt/slides/slide9.xml><?xml version="1.0" encoding="utf-8"?>
+<file path=ppt/slides/slide8.xml><?xml version="1.0" encoding="utf-8"?>
 <p:sld xmlns:a="http://schemas.openxmlformats.org/drawingml/2006/main" xmlns:r="http://schemas.openxmlformats.org/officeDocument/2006/relationships" xmlns:p="http://schemas.openxmlformats.org/presentationml/2006/main">
   <p:cSld>
     <p:spTree>
@@ -32271,7 +32524,7 @@
         <p:spPr>
           <a:xfrm>
             <a:off x="92776" y="253457"/>
-            <a:ext cx="5653875" cy="646331"/>
+            <a:ext cx="5653875" cy="1200329"/>
           </a:xfrm>
           <a:prstGeom prst="rect">
             <a:avLst/>
@@ -32307,15 +32560,349 @@
                 <a:ea typeface="Verdana" panose="020B0604030504040204" pitchFamily="34" charset="0"/>
                 <a:cs typeface="Courier New" panose="02070309020205020404" pitchFamily="49" charset="0"/>
               </a:rPr>
-              <a:t>Conclusion</a:t>
+              <a:t>% Profit vs Audience Score</a:t>
             </a:r>
           </a:p>
         </p:txBody>
       </p:sp>
+      <p:sp>
+        <p:nvSpPr>
+          <p:cNvPr id="5" name="TextBox 4">
+            <a:extLst>
+              <a:ext uri="{FF2B5EF4-FFF2-40B4-BE49-F238E27FC236}">
+                <a16:creationId xmlns:a16="http://schemas.microsoft.com/office/drawing/2014/main" id="{F99CB557-2EE8-3699-8A33-0EA4A9349114}"/>
+              </a:ext>
+            </a:extLst>
+          </p:cNvPr>
+          <p:cNvSpPr txBox="1"/>
+          <p:nvPr/>
+        </p:nvSpPr>
+        <p:spPr>
+          <a:xfrm>
+            <a:off x="5467977" y="5238536"/>
+            <a:ext cx="6147302" cy="369332"/>
+          </a:xfrm>
+          <a:prstGeom prst="rect">
+            <a:avLst/>
+          </a:prstGeom>
+          <a:noFill/>
+        </p:spPr>
+        <p:txBody>
+          <a:bodyPr wrap="square">
+            <a:spAutoFit/>
+          </a:bodyPr>
+          <a:lstStyle/>
+          <a:p>
+            <a:r>
+              <a:rPr lang="en-US" b="0" i="0" dirty="0">
+                <a:effectLst/>
+                <a:latin typeface="Menlo" panose="020B0609030804020204" pitchFamily="49" charset="0"/>
+              </a:rPr>
+              <a:t>The </a:t>
+            </a:r>
+            <a:r>
+              <a:rPr lang="en-US" b="0" i="0" dirty="0" err="1">
+                <a:effectLst/>
+                <a:latin typeface="Menlo" panose="020B0609030804020204" pitchFamily="49" charset="0"/>
+              </a:rPr>
+              <a:t>r-value</a:t>
+            </a:r>
+            <a:r>
+              <a:rPr lang="en-US" b="0" i="0" dirty="0">
+                <a:effectLst/>
+                <a:latin typeface="Menlo" panose="020B0609030804020204" pitchFamily="49" charset="0"/>
+              </a:rPr>
+              <a:t> is: 0.004712464594773485</a:t>
+            </a:r>
+            <a:endParaRPr lang="en-US" dirty="0"/>
+          </a:p>
+        </p:txBody>
+      </p:sp>
+      <p:pic>
+        <p:nvPicPr>
+          <p:cNvPr id="4" name="Picture 3" descr="A graph with colored dots&#10;&#10;Description automatically generated">
+            <a:extLst>
+              <a:ext uri="{FF2B5EF4-FFF2-40B4-BE49-F238E27FC236}">
+                <a16:creationId xmlns:a16="http://schemas.microsoft.com/office/drawing/2014/main" id="{9D993410-BFE7-4F7B-DD57-11E3BA6B9C9F}"/>
+              </a:ext>
+            </a:extLst>
+          </p:cNvPr>
+          <p:cNvPicPr>
+            <a:picLocks noChangeAspect="1"/>
+          </p:cNvPicPr>
+          <p:nvPr/>
+        </p:nvPicPr>
+        <p:blipFill>
+          <a:blip r:embed="rId2"/>
+          <a:stretch>
+            <a:fillRect/>
+          </a:stretch>
+        </p:blipFill>
+        <p:spPr>
+          <a:xfrm>
+            <a:off x="4023360" y="1126062"/>
+            <a:ext cx="7772400" cy="3886200"/>
+          </a:xfrm>
+          <a:prstGeom prst="rect">
+            <a:avLst/>
+          </a:prstGeom>
+        </p:spPr>
+      </p:pic>
     </p:spTree>
     <p:extLst>
       <p:ext uri="{BB962C8B-B14F-4D97-AF65-F5344CB8AC3E}">
-        <p14:creationId xmlns:p14="http://schemas.microsoft.com/office/powerpoint/2010/main" val="2039255454"/>
+        <p14:creationId xmlns:p14="http://schemas.microsoft.com/office/powerpoint/2010/main" val="2300194674"/>
+      </p:ext>
+    </p:extLst>
+  </p:cSld>
+  <p:clrMapOvr>
+    <a:masterClrMapping/>
+  </p:clrMapOvr>
+  <p:timing>
+    <p:tnLst>
+      <p:par>
+        <p:cTn id="1" dur="indefinite" restart="never" nodeType="tmRoot">
+          <p:childTnLst>
+            <p:seq concurrent="1" nextAc="seek">
+              <p:cTn id="2" dur="indefinite" nodeType="mainSeq">
+                <p:childTnLst>
+                  <p:par>
+                    <p:cTn id="3" fill="hold">
+                      <p:stCondLst>
+                        <p:cond delay="indefinite"/>
+                        <p:cond evt="onBegin" delay="0">
+                          <p:tn val="2"/>
+                        </p:cond>
+                      </p:stCondLst>
+                      <p:childTnLst>
+                        <p:par>
+                          <p:cTn id="4" fill="hold">
+                            <p:stCondLst>
+                              <p:cond delay="0"/>
+                            </p:stCondLst>
+                            <p:childTnLst>
+                              <p:par>
+                                <p:cTn id="5" presetID="53" presetClass="entr" presetSubtype="16" fill="hold" grpId="0" nodeType="withEffect">
+                                  <p:stCondLst>
+                                    <p:cond delay="0"/>
+                                  </p:stCondLst>
+                                  <p:childTnLst>
+                                    <p:set>
+                                      <p:cBhvr>
+                                        <p:cTn id="6" dur="1" fill="hold">
+                                          <p:stCondLst>
+                                            <p:cond delay="0"/>
+                                          </p:stCondLst>
+                                        </p:cTn>
+                                        <p:tgtEl>
+                                          <p:spTgt spid="1382"/>
+                                        </p:tgtEl>
+                                        <p:attrNameLst>
+                                          <p:attrName>style.visibility</p:attrName>
+                                        </p:attrNameLst>
+                                      </p:cBhvr>
+                                      <p:to>
+                                        <p:strVal val="visible"/>
+                                      </p:to>
+                                    </p:set>
+                                    <p:anim calcmode="lin" valueType="num">
+                                      <p:cBhvr>
+                                        <p:cTn id="7" dur="500" fill="hold"/>
+                                        <p:tgtEl>
+                                          <p:spTgt spid="1382"/>
+                                        </p:tgtEl>
+                                        <p:attrNameLst>
+                                          <p:attrName>ppt_w</p:attrName>
+                                        </p:attrNameLst>
+                                      </p:cBhvr>
+                                      <p:tavLst>
+                                        <p:tav tm="0">
+                                          <p:val>
+                                            <p:fltVal val="0"/>
+                                          </p:val>
+                                        </p:tav>
+                                        <p:tav tm="100000">
+                                          <p:val>
+                                            <p:strVal val="#ppt_w"/>
+                                          </p:val>
+                                        </p:tav>
+                                      </p:tavLst>
+                                    </p:anim>
+                                    <p:anim calcmode="lin" valueType="num">
+                                      <p:cBhvr>
+                                        <p:cTn id="8" dur="500" fill="hold"/>
+                                        <p:tgtEl>
+                                          <p:spTgt spid="1382"/>
+                                        </p:tgtEl>
+                                        <p:attrNameLst>
+                                          <p:attrName>ppt_h</p:attrName>
+                                        </p:attrNameLst>
+                                      </p:cBhvr>
+                                      <p:tavLst>
+                                        <p:tav tm="0">
+                                          <p:val>
+                                            <p:fltVal val="0"/>
+                                          </p:val>
+                                        </p:tav>
+                                        <p:tav tm="100000">
+                                          <p:val>
+                                            <p:strVal val="#ppt_h"/>
+                                          </p:val>
+                                        </p:tav>
+                                      </p:tavLst>
+                                    </p:anim>
+                                    <p:animEffect transition="in" filter="fade">
+                                      <p:cBhvr>
+                                        <p:cTn id="9" dur="500"/>
+                                        <p:tgtEl>
+                                          <p:spTgt spid="1382"/>
+                                        </p:tgtEl>
+                                      </p:cBhvr>
+                                    </p:animEffect>
+                                  </p:childTnLst>
+                                </p:cTn>
+                              </p:par>
+                            </p:childTnLst>
+                          </p:cTn>
+                        </p:par>
+                      </p:childTnLst>
+                    </p:cTn>
+                  </p:par>
+                </p:childTnLst>
+              </p:cTn>
+              <p:prevCondLst>
+                <p:cond evt="onPrev" delay="0">
+                  <p:tgtEl>
+                    <p:sldTgt/>
+                  </p:tgtEl>
+                </p:cond>
+              </p:prevCondLst>
+              <p:nextCondLst>
+                <p:cond evt="onNext" delay="0">
+                  <p:tgtEl>
+                    <p:sldTgt/>
+                  </p:tgtEl>
+                </p:cond>
+              </p:nextCondLst>
+            </p:seq>
+          </p:childTnLst>
+        </p:cTn>
+      </p:par>
+    </p:tnLst>
+    <p:bldLst>
+      <p:bldP spid="1382" grpId="0"/>
+    </p:bldLst>
+  </p:timing>
+</p:sld>
+</file>
+
+<file path=ppt/slides/slide9.xml><?xml version="1.0" encoding="utf-8"?>
+<p:sld xmlns:a="http://schemas.openxmlformats.org/drawingml/2006/main" xmlns:r="http://schemas.openxmlformats.org/officeDocument/2006/relationships" xmlns:p="http://schemas.openxmlformats.org/presentationml/2006/main">
+  <p:cSld>
+    <p:spTree>
+      <p:nvGrpSpPr>
+        <p:cNvPr id="1" name=""/>
+        <p:cNvGrpSpPr/>
+        <p:nvPr/>
+      </p:nvGrpSpPr>
+      <p:grpSpPr>
+        <a:xfrm>
+          <a:off x="0" y="0"/>
+          <a:ext cx="0" cy="0"/>
+          <a:chOff x="0" y="0"/>
+          <a:chExt cx="0" cy="0"/>
+        </a:xfrm>
+      </p:grpSpPr>
+      <p:sp>
+        <p:nvSpPr>
+          <p:cNvPr id="1382" name="TextBox 1381">
+            <a:extLst>
+              <a:ext uri="{FF2B5EF4-FFF2-40B4-BE49-F238E27FC236}">
+                <a16:creationId xmlns:a16="http://schemas.microsoft.com/office/drawing/2014/main" id="{043C45BF-79A8-4FA5-D7DF-595D41F5BD47}"/>
+              </a:ext>
+            </a:extLst>
+          </p:cNvPr>
+          <p:cNvSpPr txBox="1"/>
+          <p:nvPr/>
+        </p:nvSpPr>
+        <p:spPr>
+          <a:xfrm>
+            <a:off x="92776" y="253457"/>
+            <a:ext cx="7320898" cy="646331"/>
+          </a:xfrm>
+          <a:prstGeom prst="rect">
+            <a:avLst/>
+          </a:prstGeom>
+          <a:noFill/>
+        </p:spPr>
+        <p:txBody>
+          <a:bodyPr wrap="square" rtlCol="0">
+            <a:spAutoFit/>
+          </a:bodyPr>
+          <a:lstStyle>
+            <a:defPPr>
+              <a:defRPr lang="ro-RO"/>
+            </a:defPPr>
+            <a:lvl1pPr algn="ctr">
+              <a:defRPr sz="2400" b="1">
+                <a:solidFill>
+                  <a:srgbClr val="D1E4E8"/>
+                </a:solidFill>
+                <a:latin typeface="Times New Roman" panose="02020603050405020304" pitchFamily="18" charset="0"/>
+                <a:cs typeface="Times New Roman" panose="02020603050405020304" pitchFamily="18" charset="0"/>
+              </a:defRPr>
+            </a:lvl1pPr>
+          </a:lstStyle>
+          <a:p>
+            <a:pPr algn="l"/>
+            <a:r>
+              <a:rPr lang="en-US" sz="3600" dirty="0">
+                <a:solidFill>
+                  <a:schemeClr val="bg1"/>
+                </a:solidFill>
+                <a:latin typeface="Palatino Linotype" panose="02040502050505030304" pitchFamily="18" charset="0"/>
+                <a:ea typeface="Verdana" panose="020B0604030504040204" pitchFamily="34" charset="0"/>
+                <a:cs typeface="Courier New" panose="02070309020205020404" pitchFamily="49" charset="0"/>
+              </a:rPr>
+              <a:t>Budget vs. Revenue by Genre</a:t>
+            </a:r>
+          </a:p>
+        </p:txBody>
+      </p:sp>
+      <p:pic>
+        <p:nvPicPr>
+          <p:cNvPr id="3" name="Picture 2" descr="A graph with blue and red bars&#10;&#10;Description automatically generated">
+            <a:extLst>
+              <a:ext uri="{FF2B5EF4-FFF2-40B4-BE49-F238E27FC236}">
+                <a16:creationId xmlns:a16="http://schemas.microsoft.com/office/drawing/2014/main" id="{C633795C-073E-7167-CBC1-53BF4D06A00F}"/>
+              </a:ext>
+            </a:extLst>
+          </p:cNvPr>
+          <p:cNvPicPr>
+            <a:picLocks noChangeAspect="1"/>
+          </p:cNvPicPr>
+          <p:nvPr/>
+        </p:nvPicPr>
+        <p:blipFill>
+          <a:blip r:embed="rId2"/>
+          <a:stretch>
+            <a:fillRect/>
+          </a:stretch>
+        </p:blipFill>
+        <p:spPr>
+          <a:xfrm>
+            <a:off x="4032069" y="1077686"/>
+            <a:ext cx="7772400" cy="3886200"/>
+          </a:xfrm>
+          <a:prstGeom prst="rect">
+            <a:avLst/>
+          </a:prstGeom>
+        </p:spPr>
+      </p:pic>
+    </p:spTree>
+    <p:extLst>
+      <p:ext uri="{BB962C8B-B14F-4D97-AF65-F5344CB8AC3E}">
+        <p14:creationId xmlns:p14="http://schemas.microsoft.com/office/powerpoint/2010/main" val="90322689"/>
       </p:ext>
     </p:extLst>
   </p:cSld>

--- a/Group4_Brief.pptx
+++ b/Group4_Brief.pptx
@@ -270,7 +270,7 @@
           <a:p>
             <a:fld id="{9631276A-A4E6-0D42-A41A-0ACCA72FC1E8}" type="datetimeFigureOut">
               <a:rPr lang="en-US" smtClean="0"/>
-              <a:t>8/22/24</a:t>
+              <a:t>8/25/24</a:t>
             </a:fld>
             <a:endParaRPr lang="en-US"/>
           </a:p>
@@ -468,7 +468,7 @@
           <a:p>
             <a:fld id="{9631276A-A4E6-0D42-A41A-0ACCA72FC1E8}" type="datetimeFigureOut">
               <a:rPr lang="en-US" smtClean="0"/>
-              <a:t>8/22/24</a:t>
+              <a:t>8/25/24</a:t>
             </a:fld>
             <a:endParaRPr lang="en-US"/>
           </a:p>
@@ -676,7 +676,7 @@
           <a:p>
             <a:fld id="{9631276A-A4E6-0D42-A41A-0ACCA72FC1E8}" type="datetimeFigureOut">
               <a:rPr lang="en-US" smtClean="0"/>
-              <a:t>8/22/24</a:t>
+              <a:t>8/25/24</a:t>
             </a:fld>
             <a:endParaRPr lang="en-US"/>
           </a:p>
@@ -21861,7 +21861,7 @@
           <a:p>
             <a:fld id="{9631276A-A4E6-0D42-A41A-0ACCA72FC1E8}" type="datetimeFigureOut">
               <a:rPr lang="en-US" smtClean="0"/>
-              <a:t>8/22/24</a:t>
+              <a:t>8/25/24</a:t>
             </a:fld>
             <a:endParaRPr lang="en-US"/>
           </a:p>
@@ -22136,7 +22136,7 @@
           <a:p>
             <a:fld id="{9631276A-A4E6-0D42-A41A-0ACCA72FC1E8}" type="datetimeFigureOut">
               <a:rPr lang="en-US" smtClean="0"/>
-              <a:t>8/22/24</a:t>
+              <a:t>8/25/24</a:t>
             </a:fld>
             <a:endParaRPr lang="en-US"/>
           </a:p>
@@ -22401,7 +22401,7 @@
           <a:p>
             <a:fld id="{9631276A-A4E6-0D42-A41A-0ACCA72FC1E8}" type="datetimeFigureOut">
               <a:rPr lang="en-US" smtClean="0"/>
-              <a:t>8/22/24</a:t>
+              <a:t>8/25/24</a:t>
             </a:fld>
             <a:endParaRPr lang="en-US"/>
           </a:p>
@@ -22813,7 +22813,7 @@
           <a:p>
             <a:fld id="{9631276A-A4E6-0D42-A41A-0ACCA72FC1E8}" type="datetimeFigureOut">
               <a:rPr lang="en-US" smtClean="0"/>
-              <a:t>8/22/24</a:t>
+              <a:t>8/25/24</a:t>
             </a:fld>
             <a:endParaRPr lang="en-US"/>
           </a:p>
@@ -22954,7 +22954,7 @@
           <a:p>
             <a:fld id="{9631276A-A4E6-0D42-A41A-0ACCA72FC1E8}" type="datetimeFigureOut">
               <a:rPr lang="en-US" smtClean="0"/>
-              <a:t>8/22/24</a:t>
+              <a:t>8/25/24</a:t>
             </a:fld>
             <a:endParaRPr lang="en-US"/>
           </a:p>
@@ -23067,7 +23067,7 @@
           <a:p>
             <a:fld id="{9631276A-A4E6-0D42-A41A-0ACCA72FC1E8}" type="datetimeFigureOut">
               <a:rPr lang="en-US" smtClean="0"/>
-              <a:t>8/22/24</a:t>
+              <a:t>8/25/24</a:t>
             </a:fld>
             <a:endParaRPr lang="en-US"/>
           </a:p>
@@ -23378,7 +23378,7 @@
           <a:p>
             <a:fld id="{9631276A-A4E6-0D42-A41A-0ACCA72FC1E8}" type="datetimeFigureOut">
               <a:rPr lang="en-US" smtClean="0"/>
-              <a:t>8/22/24</a:t>
+              <a:t>8/25/24</a:t>
             </a:fld>
             <a:endParaRPr lang="en-US"/>
           </a:p>
@@ -23666,7 +23666,7 @@
           <a:p>
             <a:fld id="{9631276A-A4E6-0D42-A41A-0ACCA72FC1E8}" type="datetimeFigureOut">
               <a:rPr lang="en-US" smtClean="0"/>
-              <a:t>8/22/24</a:t>
+              <a:t>8/25/24</a:t>
             </a:fld>
             <a:endParaRPr lang="en-US"/>
           </a:p>
@@ -23907,7 +23907,7 @@
           <a:p>
             <a:fld id="{9631276A-A4E6-0D42-A41A-0ACCA72FC1E8}" type="datetimeFigureOut">
               <a:rPr lang="en-US" smtClean="0"/>
-              <a:t>8/22/24</a:t>
+              <a:t>8/25/24</a:t>
             </a:fld>
             <a:endParaRPr lang="en-US"/>
           </a:p>
@@ -24463,7 +24463,7 @@
         <p:spPr>
           <a:xfrm>
             <a:off x="3200746" y="2089510"/>
-            <a:ext cx="5790506" cy="1200329"/>
+            <a:ext cx="5790506" cy="1446550"/>
           </a:xfrm>
           <a:prstGeom prst="rect">
             <a:avLst/>
@@ -24478,14 +24478,8 @@
           <a:p>
             <a:pPr algn="ctr"/>
             <a:r>
-              <a:rPr lang="en-US" sz="3600" dirty="0">
-                <a:solidFill>
-                  <a:schemeClr val="tx1">
-                    <a:lumMod val="65000"/>
-                    <a:lumOff val="35000"/>
-                  </a:schemeClr>
-                </a:solidFill>
-                <a:latin typeface="Arial Black" panose="020B0A04020102020204" pitchFamily="34" charset="0"/>
+              <a:rPr lang="en-US" sz="4400" dirty="0">
+                <a:latin typeface="PT Sans" panose="020B0503020203020204" pitchFamily="34" charset="77"/>
                 <a:cs typeface="Arial" pitchFamily="34" charset="0"/>
               </a:rPr>
               <a:t>Does Money Really Matter?</a:t>
@@ -24842,10 +24836,10 @@
       </p:sp>
       <p:pic>
         <p:nvPicPr>
-          <p:cNvPr id="4" name="Picture 3" descr="A graph with blue bars&#10;&#10;Description automatically generated">
+          <p:cNvPr id="3" name="Picture 2" descr="A graph with blue bars&#10;&#10;Description automatically generated">
             <a:extLst>
               <a:ext uri="{FF2B5EF4-FFF2-40B4-BE49-F238E27FC236}">
-                <a16:creationId xmlns:a16="http://schemas.microsoft.com/office/drawing/2014/main" id="{D444F944-C157-A376-F61F-A6F57AA1CCC1}"/>
+                <a16:creationId xmlns:a16="http://schemas.microsoft.com/office/drawing/2014/main" id="{0763DF5B-03AB-CFEA-5F39-8777CA357677}"/>
               </a:ext>
             </a:extLst>
           </p:cNvPr>
@@ -24862,14 +24856,62 @@
         </p:blipFill>
         <p:spPr>
           <a:xfrm>
-            <a:off x="4258322" y="1370304"/>
+            <a:off x="4319451" y="1635035"/>
             <a:ext cx="7772400" cy="4663440"/>
           </a:xfrm>
           <a:prstGeom prst="rect">
             <a:avLst/>
           </a:prstGeom>
+          <a:ln w="31750">
+            <a:solidFill>
+              <a:schemeClr val="tx1"/>
+            </a:solidFill>
+          </a:ln>
         </p:spPr>
       </p:pic>
+      <p:sp>
+        <p:nvSpPr>
+          <p:cNvPr id="5" name="TextBox 4">
+            <a:extLst>
+              <a:ext uri="{FF2B5EF4-FFF2-40B4-BE49-F238E27FC236}">
+                <a16:creationId xmlns:a16="http://schemas.microsoft.com/office/drawing/2014/main" id="{60282788-E5FF-AC63-A8B7-56D301726400}"/>
+              </a:ext>
+            </a:extLst>
+          </p:cNvPr>
+          <p:cNvSpPr txBox="1"/>
+          <p:nvPr/>
+        </p:nvSpPr>
+        <p:spPr>
+          <a:xfrm>
+            <a:off x="92776" y="2251497"/>
+            <a:ext cx="4122173" cy="646331"/>
+          </a:xfrm>
+          <a:prstGeom prst="rect">
+            <a:avLst/>
+          </a:prstGeom>
+          <a:noFill/>
+        </p:spPr>
+        <p:txBody>
+          <a:bodyPr wrap="square">
+            <a:spAutoFit/>
+          </a:bodyPr>
+          <a:lstStyle/>
+          <a:p>
+            <a:r>
+              <a:rPr lang="en-US" b="0" i="0" dirty="0">
+                <a:effectLst/>
+                <a:latin typeface="PT Sans" panose="020B0503020203020204" pitchFamily="34" charset="77"/>
+              </a:rPr>
+              <a:t>Analysis goes here</a:t>
+            </a:r>
+          </a:p>
+          <a:p>
+            <a:endParaRPr lang="en-US" dirty="0">
+              <a:latin typeface="PT Sans" panose="020B0503020203020204" pitchFamily="34" charset="77"/>
+            </a:endParaRPr>
+          </a:p>
+        </p:txBody>
+      </p:sp>
     </p:spTree>
     <p:extLst>
       <p:ext uri="{BB962C8B-B14F-4D97-AF65-F5344CB8AC3E}">
@@ -25082,7 +25124,7 @@
                 <a:solidFill>
                   <a:schemeClr val="bg1"/>
                 </a:solidFill>
-                <a:latin typeface="Palatino Linotype" panose="02040502050505030304" pitchFamily="18" charset="0"/>
+                <a:latin typeface="PT Sans" panose="020B0503020203020204" pitchFamily="34" charset="77"/>
                 <a:ea typeface="Verdana" panose="020B0604030504040204" pitchFamily="34" charset="0"/>
                 <a:cs typeface="Courier New" panose="02070309020205020404" pitchFamily="49" charset="0"/>
               </a:rPr>
@@ -25302,7 +25344,7 @@
                 <a:solidFill>
                   <a:schemeClr val="tx1"/>
                 </a:solidFill>
-                <a:latin typeface="Palatino Linotype" panose="02040502050505030304" pitchFamily="18" charset="0"/>
+                <a:latin typeface="PT Sans" panose="020B0503020203020204" pitchFamily="34" charset="77"/>
                 <a:ea typeface="Verdana" panose="020B0604030504040204" pitchFamily="34" charset="0"/>
                 <a:cs typeface="Courier New" panose="02070309020205020404" pitchFamily="49" charset="0"/>
               </a:rPr>
@@ -25523,7 +25565,7 @@
                 <a:solidFill>
                   <a:schemeClr val="bg1"/>
                 </a:solidFill>
-                <a:latin typeface="Palatino Linotype" panose="02040502050505030304" pitchFamily="18" charset="0"/>
+                <a:latin typeface="PT Sans" panose="020B0503020203020204" pitchFamily="34" charset="77"/>
                 <a:ea typeface="Verdana" panose="020B0604030504040204" pitchFamily="34" charset="0"/>
                 <a:cs typeface="Courier New" panose="02070309020205020404" pitchFamily="49" charset="0"/>
               </a:rPr>
@@ -30842,7 +30884,9 @@
               <a:buChar char="Ø"/>
             </a:pPr>
             <a:r>
-              <a:rPr lang="en-US" sz="3600" b="1" dirty="0"/>
+              <a:rPr lang="en-US" sz="3600" b="1" dirty="0">
+                <a:latin typeface="PT Sans" panose="020B0503020203020204" pitchFamily="34" charset="77"/>
+              </a:rPr>
               <a:t>Problem Statement</a:t>
             </a:r>
           </a:p>
@@ -30855,7 +30899,9 @@
               <a:buChar char="Ø"/>
             </a:pPr>
             <a:r>
-              <a:rPr lang="en-US" sz="3600" b="1" dirty="0"/>
+              <a:rPr lang="en-US" sz="3600" b="1" dirty="0">
+                <a:latin typeface="PT Sans" panose="020B0503020203020204" pitchFamily="34" charset="77"/>
+              </a:rPr>
               <a:t>Methodology</a:t>
             </a:r>
           </a:p>
@@ -30868,7 +30914,9 @@
               <a:buChar char="Ø"/>
             </a:pPr>
             <a:r>
-              <a:rPr lang="en-US" sz="3600" b="1" dirty="0"/>
+              <a:rPr lang="en-US" sz="3600" b="1" dirty="0">
+                <a:latin typeface="PT Sans" panose="020B0503020203020204" pitchFamily="34" charset="77"/>
+              </a:rPr>
               <a:t>Budget vs Revenue</a:t>
             </a:r>
           </a:p>
@@ -30881,7 +30929,9 @@
               <a:buChar char="Ø"/>
             </a:pPr>
             <a:r>
-              <a:rPr lang="en-US" sz="3600" b="1" dirty="0"/>
+              <a:rPr lang="en-US" sz="3600" b="1" dirty="0">
+                <a:latin typeface="PT Sans" panose="020B0503020203020204" pitchFamily="34" charset="77"/>
+              </a:rPr>
               <a:t>Budget vs Audience</a:t>
             </a:r>
           </a:p>
@@ -30894,7 +30944,9 @@
               <a:buChar char="Ø"/>
             </a:pPr>
             <a:r>
-              <a:rPr lang="en-US" sz="3600" b="1" dirty="0"/>
+              <a:rPr lang="en-US" sz="3600" b="1" dirty="0">
+                <a:latin typeface="PT Sans" panose="020B0503020203020204" pitchFamily="34" charset="77"/>
+              </a:rPr>
               <a:t>Genre vs Audience</a:t>
             </a:r>
           </a:p>
@@ -31201,7 +31253,7 @@
                 <a:solidFill>
                   <a:schemeClr val="bg1"/>
                 </a:solidFill>
-                <a:latin typeface="Palatino Linotype" panose="02040502050505030304" pitchFamily="18" charset="0"/>
+                <a:latin typeface="PT Sans" panose="020B0503020203020204" pitchFamily="34" charset="77"/>
                 <a:ea typeface="Verdana" panose="020B0604030504040204" pitchFamily="34" charset="0"/>
                 <a:cs typeface="Courier New" panose="02070309020205020404" pitchFamily="49" charset="0"/>
               </a:rPr>
@@ -31224,8 +31276,8 @@
         </p:nvSpPr>
         <p:spPr>
           <a:xfrm>
-            <a:off x="0" y="2090172"/>
-            <a:ext cx="12192000" cy="2677656"/>
+            <a:off x="0" y="1167063"/>
+            <a:ext cx="12192000" cy="5798510"/>
           </a:xfrm>
           <a:prstGeom prst="rect">
             <a:avLst/>
@@ -31239,18 +31291,136 @@
           <a:lstStyle/>
           <a:p>
             <a:r>
-              <a:rPr lang="en-US" sz="2400" dirty="0"/>
+              <a:rPr lang="en-US" sz="2400" dirty="0">
+                <a:latin typeface="PT Sans" panose="020B0503020203020204" pitchFamily="34" charset="77"/>
+              </a:rPr>
               <a:t>Production studios invest heavily into the production and marking of film projects but is there a correlation between budget and Return on Investment (ROI) to justify the upfront costs. Additionally, is there a correlation between budget and audience satisfaction. Does the genre play a significant factor in increased revenue?</a:t>
             </a:r>
           </a:p>
           <a:p>
-            <a:endParaRPr lang="en-US" sz="2400" dirty="0"/>
+            <a:endParaRPr lang="en-US" sz="2400" dirty="0">
+              <a:latin typeface="PT Sans" panose="020B0503020203020204" pitchFamily="34" charset="77"/>
+            </a:endParaRPr>
           </a:p>
           <a:p>
             <a:r>
-              <a:rPr lang="en-US" sz="2400" dirty="0"/>
+              <a:rPr lang="en-US" sz="2400" dirty="0">
+                <a:latin typeface="PT Sans" panose="020B0503020203020204" pitchFamily="34" charset="77"/>
+              </a:rPr>
               <a:t>This analysis looks to identify where limited funds should be allocated in order to get the biggest ROI as well as potentially a cult following.</a:t>
             </a:r>
+          </a:p>
+          <a:p>
+            <a:endParaRPr lang="en-US" sz="2400" dirty="0">
+              <a:latin typeface="PT Sans" panose="020B0503020203020204" pitchFamily="34" charset="77"/>
+            </a:endParaRPr>
+          </a:p>
+          <a:p>
+            <a:r>
+              <a:rPr lang="en-US" sz="2400" dirty="0">
+                <a:latin typeface="PT Sans" panose="020B0503020203020204" pitchFamily="34" charset="77"/>
+              </a:rPr>
+              <a:t>The four main questions to be answered:</a:t>
+            </a:r>
+          </a:p>
+          <a:p>
+            <a:pPr marR="0" lvl="0">
+              <a:lnSpc>
+                <a:spcPct val="115000"/>
+              </a:lnSpc>
+              <a:spcBef>
+                <a:spcPts val="0"/>
+              </a:spcBef>
+              <a:spcAft>
+                <a:spcPts val="0"/>
+              </a:spcAft>
+            </a:pPr>
+            <a:r>
+              <a:rPr lang="en-US" sz="1800" u="none" strike="noStrike" dirty="0">
+                <a:effectLst/>
+                <a:latin typeface="PT Sans" panose="020B0503020203020204" pitchFamily="34" charset="77"/>
+                <a:ea typeface="Arial" panose="020B0604020202020204" pitchFamily="34" charset="0"/>
+              </a:rPr>
+              <a:t>	1) Does production budget correlate to a box office profit?</a:t>
+            </a:r>
+          </a:p>
+          <a:p>
+            <a:pPr marR="0" lvl="0">
+              <a:lnSpc>
+                <a:spcPct val="115000"/>
+              </a:lnSpc>
+              <a:spcBef>
+                <a:spcPts val="0"/>
+              </a:spcBef>
+              <a:spcAft>
+                <a:spcPts val="0"/>
+              </a:spcAft>
+            </a:pPr>
+            <a:r>
+              <a:rPr lang="en-US" sz="1800" u="none" strike="noStrike" dirty="0">
+                <a:effectLst/>
+                <a:latin typeface="PT Sans" panose="020B0503020203020204" pitchFamily="34" charset="77"/>
+                <a:ea typeface="Arial" panose="020B0604020202020204" pitchFamily="34" charset="0"/>
+              </a:rPr>
+              <a:t>	2) Does a higher production budget correlate to a higher audience score?</a:t>
+            </a:r>
+          </a:p>
+          <a:p>
+            <a:pPr marR="0" lvl="0">
+              <a:lnSpc>
+                <a:spcPct val="115000"/>
+              </a:lnSpc>
+              <a:spcBef>
+                <a:spcPts val="0"/>
+              </a:spcBef>
+              <a:spcAft>
+                <a:spcPts val="0"/>
+              </a:spcAft>
+            </a:pPr>
+            <a:r>
+              <a:rPr lang="en-US" sz="1800" u="none" strike="noStrike" dirty="0">
+                <a:effectLst/>
+                <a:latin typeface="PT Sans" panose="020B0503020203020204" pitchFamily="34" charset="77"/>
+                <a:ea typeface="Arial" panose="020B0604020202020204" pitchFamily="34" charset="0"/>
+              </a:rPr>
+              <a:t>	3) Does a higher audience score correlate to a higher box office profit?</a:t>
+            </a:r>
+          </a:p>
+          <a:p>
+            <a:pPr marR="0" lvl="0">
+              <a:lnSpc>
+                <a:spcPct val="115000"/>
+              </a:lnSpc>
+              <a:spcBef>
+                <a:spcPts val="0"/>
+              </a:spcBef>
+              <a:spcAft>
+                <a:spcPts val="0"/>
+              </a:spcAft>
+            </a:pPr>
+            <a:r>
+              <a:rPr lang="en-US" sz="1800" u="none" strike="noStrike" dirty="0">
+                <a:effectLst/>
+                <a:latin typeface="PT Sans" panose="020B0503020203020204" pitchFamily="34" charset="77"/>
+                <a:ea typeface="Arial" panose="020B0604020202020204" pitchFamily="34" charset="0"/>
+              </a:rPr>
+              <a:t>	4) Does movie genre have an effect on box office profit and audience score?</a:t>
+            </a:r>
+          </a:p>
+          <a:p>
+            <a:endParaRPr lang="en-US" sz="2400" dirty="0">
+              <a:latin typeface="PT Sans" panose="020B0503020203020204" pitchFamily="34" charset="77"/>
+            </a:endParaRPr>
+          </a:p>
+          <a:p>
+            <a:endParaRPr lang="en-US" sz="2400" dirty="0">
+              <a:latin typeface="PT Sans" panose="020B0503020203020204" pitchFamily="34" charset="77"/>
+            </a:endParaRPr>
+          </a:p>
+          <a:p>
+            <a:endParaRPr lang="en-US" sz="2400" dirty="0">
+              <a:latin typeface="PT Sans" panose="020B0503020203020204" pitchFamily="34" charset="77"/>
+            </a:endParaRPr>
           </a:p>
         </p:txBody>
       </p:sp>
@@ -31466,12 +31636,112 @@
                 <a:solidFill>
                   <a:schemeClr val="bg1"/>
                 </a:solidFill>
-                <a:latin typeface="Palatino Linotype" panose="02040502050505030304" pitchFamily="18" charset="0"/>
+                <a:latin typeface="PT Sans" panose="020B0503020203020204" pitchFamily="34" charset="77"/>
                 <a:ea typeface="Verdana" panose="020B0604030504040204" pitchFamily="34" charset="0"/>
                 <a:cs typeface="Courier New" panose="02070309020205020404" pitchFamily="49" charset="0"/>
               </a:rPr>
               <a:t>Methodology</a:t>
             </a:r>
+          </a:p>
+        </p:txBody>
+      </p:sp>
+      <p:sp>
+        <p:nvSpPr>
+          <p:cNvPr id="2" name="TextBox 1">
+            <a:extLst>
+              <a:ext uri="{FF2B5EF4-FFF2-40B4-BE49-F238E27FC236}">
+                <a16:creationId xmlns:a16="http://schemas.microsoft.com/office/drawing/2014/main" id="{7FF2F282-603F-BB21-E929-E4EA38CCAC8E}"/>
+              </a:ext>
+            </a:extLst>
+          </p:cNvPr>
+          <p:cNvSpPr txBox="1"/>
+          <p:nvPr/>
+        </p:nvSpPr>
+        <p:spPr>
+          <a:xfrm>
+            <a:off x="0" y="1167063"/>
+            <a:ext cx="12192000" cy="2862322"/>
+          </a:xfrm>
+          <a:prstGeom prst="rect">
+            <a:avLst/>
+          </a:prstGeom>
+          <a:noFill/>
+        </p:spPr>
+        <p:txBody>
+          <a:bodyPr wrap="square" rtlCol="0">
+            <a:spAutoFit/>
+          </a:bodyPr>
+          <a:lstStyle/>
+          <a:p>
+            <a:r>
+              <a:rPr lang="en-US" sz="2000" dirty="0">
+                <a:latin typeface="PT Sans" panose="020B0503020203020204" pitchFamily="34" charset="77"/>
+              </a:rPr>
+              <a:t>Used the TMDB v11 dataset from Kaggle as base dataset</a:t>
+            </a:r>
+          </a:p>
+          <a:p>
+            <a:r>
+              <a:rPr lang="en-US" sz="2000" u="none" strike="noStrike" dirty="0">
+                <a:effectLst/>
+                <a:latin typeface="PT Sans" panose="020B0503020203020204" pitchFamily="34" charset="77"/>
+                <a:ea typeface="Arial" panose="020B0604020202020204" pitchFamily="34" charset="0"/>
+              </a:rPr>
+              <a:t>Filtered data to only include movies between 2019 and 2023</a:t>
+            </a:r>
+          </a:p>
+          <a:p>
+            <a:r>
+              <a:rPr lang="en-US" sz="2000" dirty="0">
+                <a:latin typeface="PT Sans" panose="020B0503020203020204" pitchFamily="34" charset="77"/>
+              </a:rPr>
+              <a:t>Filtered movies that had a budget of over $10 million and revenue of over $10 million</a:t>
+            </a:r>
+          </a:p>
+          <a:p>
+            <a:r>
+              <a:rPr lang="en-US" sz="2000" dirty="0">
+                <a:latin typeface="PT Sans" panose="020B0503020203020204" pitchFamily="34" charset="77"/>
+              </a:rPr>
+              <a:t>For genre analysis filtered movies that had a budget of over $1 million and revenue of over $1 million</a:t>
+            </a:r>
+          </a:p>
+          <a:p>
+            <a:endParaRPr lang="en-US" sz="2000" dirty="0">
+              <a:latin typeface="PT Sans" panose="020B0503020203020204" pitchFamily="34" charset="77"/>
+            </a:endParaRPr>
+          </a:p>
+          <a:p>
+            <a:r>
+              <a:rPr lang="en-US" sz="2000" b="1" u="sng" dirty="0">
+                <a:latin typeface="PT Sans" panose="020B0503020203020204" pitchFamily="34" charset="77"/>
+              </a:rPr>
+              <a:t>Assumptions:</a:t>
+            </a:r>
+            <a:endParaRPr lang="en-US" sz="2000" dirty="0">
+              <a:latin typeface="PT Sans" panose="020B0503020203020204" pitchFamily="34" charset="77"/>
+            </a:endParaRPr>
+          </a:p>
+          <a:p>
+            <a:r>
+              <a:rPr lang="en-US" sz="2000" dirty="0">
+                <a:latin typeface="PT Sans" panose="020B0503020203020204" pitchFamily="34" charset="77"/>
+              </a:rPr>
+              <a:t>Studios spend an additional 50% of budget on marketing</a:t>
+            </a:r>
+          </a:p>
+          <a:p>
+            <a:r>
+              <a:rPr lang="en-US" sz="2000" dirty="0">
+                <a:latin typeface="PT Sans" panose="020B0503020203020204" pitchFamily="34" charset="77"/>
+              </a:rPr>
+              <a:t>Total budget = base budget + (base budget * 0.5)  </a:t>
+            </a:r>
+          </a:p>
+          <a:p>
+            <a:endParaRPr lang="en-US" sz="2000" dirty="0">
+              <a:latin typeface="PT Sans" panose="020B0503020203020204" pitchFamily="34" charset="77"/>
+            </a:endParaRPr>
           </a:p>
         </p:txBody>
       </p:sp>
@@ -31687,7 +31957,7 @@
                 <a:solidFill>
                   <a:schemeClr val="bg1"/>
                 </a:solidFill>
-                <a:latin typeface="Palatino Linotype" panose="02040502050505030304" pitchFamily="18" charset="0"/>
+                <a:latin typeface="PT Sans" panose="020B0503020203020204" pitchFamily="34" charset="77"/>
                 <a:ea typeface="Verdana" panose="020B0604030504040204" pitchFamily="34" charset="0"/>
                 <a:cs typeface="Courier New" panose="02070309020205020404" pitchFamily="49" charset="0"/>
               </a:rPr>
@@ -31696,12 +31966,67 @@
           </a:p>
         </p:txBody>
       </p:sp>
+      <p:sp>
+        <p:nvSpPr>
+          <p:cNvPr id="6" name="TextBox 5">
+            <a:extLst>
+              <a:ext uri="{FF2B5EF4-FFF2-40B4-BE49-F238E27FC236}">
+                <a16:creationId xmlns:a16="http://schemas.microsoft.com/office/drawing/2014/main" id="{689EFE23-89A1-9BDA-41B4-7F56F2FD742D}"/>
+              </a:ext>
+            </a:extLst>
+          </p:cNvPr>
+          <p:cNvSpPr txBox="1"/>
+          <p:nvPr/>
+        </p:nvSpPr>
+        <p:spPr>
+          <a:xfrm>
+            <a:off x="178526" y="1756736"/>
+            <a:ext cx="3881191" cy="923330"/>
+          </a:xfrm>
+          <a:prstGeom prst="rect">
+            <a:avLst/>
+          </a:prstGeom>
+          <a:noFill/>
+        </p:spPr>
+        <p:txBody>
+          <a:bodyPr wrap="none" rtlCol="0">
+            <a:spAutoFit/>
+          </a:bodyPr>
+          <a:lstStyle/>
+          <a:p>
+            <a:r>
+              <a:rPr lang="en-US" b="0" i="0" dirty="0">
+                <a:effectLst/>
+                <a:latin typeface="PT Sans" panose="020B0503020203020204" pitchFamily="34" charset="77"/>
+              </a:rPr>
+              <a:t>Analysis goes here</a:t>
+            </a:r>
+          </a:p>
+          <a:p>
+            <a:endParaRPr lang="en-US" dirty="0">
+              <a:latin typeface="PT Sans" panose="020B0503020203020204" pitchFamily="34" charset="77"/>
+            </a:endParaRPr>
+          </a:p>
+          <a:p>
+            <a:r>
+              <a:rPr lang="en-US" b="0" i="0" dirty="0">
+                <a:effectLst/>
+                <a:latin typeface="PT Sans" panose="020B0503020203020204" pitchFamily="34" charset="77"/>
+              </a:rPr>
+              <a:t>The R-value is: 0.4843842278753481</a:t>
+            </a:r>
+            <a:endParaRPr lang="en-US" dirty="0">
+              <a:latin typeface="PT Sans" panose="020B0503020203020204" pitchFamily="34" charset="77"/>
+            </a:endParaRPr>
+          </a:p>
+        </p:txBody>
+      </p:sp>
       <p:pic>
         <p:nvPicPr>
-          <p:cNvPr id="5" name="Picture 4" descr="A graph with a red line&#10;&#10;Description automatically generated">
+          <p:cNvPr id="3" name="Picture 2" descr="A graph with a red line&#10;&#10;Description automatically generated">
             <a:extLst>
               <a:ext uri="{FF2B5EF4-FFF2-40B4-BE49-F238E27FC236}">
-                <a16:creationId xmlns:a16="http://schemas.microsoft.com/office/drawing/2014/main" id="{F680AF63-A044-4EEB-588F-DA156DAE44A2}"/>
+                <a16:creationId xmlns:a16="http://schemas.microsoft.com/office/drawing/2014/main" id="{68A326BF-6D3F-14DF-1A62-C94217C30496}"/>
               </a:ext>
             </a:extLst>
           </p:cNvPr>
@@ -31718,53 +32043,19 @@
         </p:blipFill>
         <p:spPr>
           <a:xfrm>
-            <a:off x="3605936" y="1078116"/>
-            <a:ext cx="8472536" cy="4236268"/>
+            <a:off x="4302034" y="1485900"/>
+            <a:ext cx="7772400" cy="3886200"/>
           </a:xfrm>
           <a:prstGeom prst="rect">
             <a:avLst/>
           </a:prstGeom>
+          <a:ln w="31750">
+            <a:solidFill>
+              <a:schemeClr val="tx1"/>
+            </a:solidFill>
+          </a:ln>
         </p:spPr>
       </p:pic>
-      <p:sp>
-        <p:nvSpPr>
-          <p:cNvPr id="6" name="TextBox 5">
-            <a:extLst>
-              <a:ext uri="{FF2B5EF4-FFF2-40B4-BE49-F238E27FC236}">
-                <a16:creationId xmlns:a16="http://schemas.microsoft.com/office/drawing/2014/main" id="{689EFE23-89A1-9BDA-41B4-7F56F2FD742D}"/>
-              </a:ext>
-            </a:extLst>
-          </p:cNvPr>
-          <p:cNvSpPr txBox="1"/>
-          <p:nvPr/>
-        </p:nvSpPr>
-        <p:spPr>
-          <a:xfrm>
-            <a:off x="5259977" y="5492712"/>
-            <a:ext cx="4926349" cy="369332"/>
-          </a:xfrm>
-          <a:prstGeom prst="rect">
-            <a:avLst/>
-          </a:prstGeom>
-          <a:noFill/>
-        </p:spPr>
-        <p:txBody>
-          <a:bodyPr wrap="none" rtlCol="0">
-            <a:spAutoFit/>
-          </a:bodyPr>
-          <a:lstStyle/>
-          <a:p>
-            <a:r>
-              <a:rPr lang="en-US" b="0" i="0" dirty="0">
-                <a:effectLst/>
-                <a:latin typeface="Menlo" panose="020B0609030804020204" pitchFamily="49" charset="0"/>
-              </a:rPr>
-              <a:t>The R-value is: 0.4843842278753481</a:t>
-            </a:r>
-            <a:endParaRPr lang="en-US" dirty="0"/>
-          </a:p>
-        </p:txBody>
-      </p:sp>
     </p:spTree>
     <p:extLst>
       <p:ext uri="{BB962C8B-B14F-4D97-AF65-F5344CB8AC3E}">
@@ -31977,7 +32268,7 @@
                 <a:solidFill>
                   <a:schemeClr val="bg1"/>
                 </a:solidFill>
-                <a:latin typeface="Palatino Linotype" panose="02040502050505030304" pitchFamily="18" charset="0"/>
+                <a:latin typeface="PT Sans" panose="020B0503020203020204" pitchFamily="34" charset="77"/>
                 <a:ea typeface="Verdana" panose="020B0604030504040204" pitchFamily="34" charset="0"/>
                 <a:cs typeface="Courier New" panose="02070309020205020404" pitchFamily="49" charset="0"/>
               </a:rPr>
@@ -31986,35 +32277,6 @@
           </a:p>
         </p:txBody>
       </p:sp>
-      <p:pic>
-        <p:nvPicPr>
-          <p:cNvPr id="4" name="Picture 3" descr="A graph with a red line&#10;&#10;Description automatically generated">
-            <a:extLst>
-              <a:ext uri="{FF2B5EF4-FFF2-40B4-BE49-F238E27FC236}">
-                <a16:creationId xmlns:a16="http://schemas.microsoft.com/office/drawing/2014/main" id="{F8AE7CC9-260F-FE67-3EAB-0BC2C65E6511}"/>
-              </a:ext>
-            </a:extLst>
-          </p:cNvPr>
-          <p:cNvPicPr>
-            <a:picLocks noChangeAspect="1"/>
-          </p:cNvPicPr>
-          <p:nvPr/>
-        </p:nvPicPr>
-        <p:blipFill rotWithShape="1">
-          <a:blip r:embed="rId2"/>
-          <a:srcRect l="7455" t="7902" r="8212"/>
-          <a:stretch/>
-        </p:blipFill>
-        <p:spPr>
-          <a:xfrm>
-            <a:off x="3691997" y="1050201"/>
-            <a:ext cx="8140882" cy="4445252"/>
-          </a:xfrm>
-          <a:prstGeom prst="rect">
-            <a:avLst/>
-          </a:prstGeom>
-        </p:spPr>
-      </p:pic>
       <p:sp>
         <p:nvSpPr>
           <p:cNvPr id="6" name="TextBox 5">
@@ -32029,8 +32291,8 @@
         </p:nvSpPr>
         <p:spPr>
           <a:xfrm>
-            <a:off x="6825344" y="5623133"/>
-            <a:ext cx="4896393" cy="369332"/>
+            <a:off x="92777" y="2200664"/>
+            <a:ext cx="4148298" cy="923330"/>
           </a:xfrm>
           <a:prstGeom prst="rect">
             <a:avLst/>
@@ -32045,15 +32307,69 @@
           <a:p>
             <a:pPr algn="l"/>
             <a:r>
+              <a:rPr lang="en-US" dirty="0">
+                <a:latin typeface="PT Sans" panose="020B0503020203020204" pitchFamily="34" charset="77"/>
+              </a:rPr>
+              <a:t>Analysis goes here</a:t>
+            </a:r>
+            <a:endParaRPr lang="en-US" b="0" i="0" dirty="0">
+              <a:effectLst/>
+              <a:latin typeface="PT Sans" panose="020B0503020203020204" pitchFamily="34" charset="77"/>
+            </a:endParaRPr>
+          </a:p>
+          <a:p>
+            <a:pPr algn="l"/>
+            <a:endParaRPr lang="en-US" dirty="0">
+              <a:latin typeface="PT Sans" panose="020B0503020203020204" pitchFamily="34" charset="77"/>
+            </a:endParaRPr>
+          </a:p>
+          <a:p>
+            <a:pPr algn="l"/>
+            <a:r>
               <a:rPr lang="en-US" b="0" i="0" dirty="0">
                 <a:effectLst/>
-                <a:latin typeface="var(--notebook-cell-output-font-family)"/>
+                <a:latin typeface="PT Sans" panose="020B0503020203020204" pitchFamily="34" charset="77"/>
               </a:rPr>
               <a:t>The R-value is: 0.010746837895366696 </a:t>
             </a:r>
           </a:p>
         </p:txBody>
       </p:sp>
+      <p:pic>
+        <p:nvPicPr>
+          <p:cNvPr id="3" name="Picture 2" descr="A graph with a red line&#10;&#10;Description automatically generated">
+            <a:extLst>
+              <a:ext uri="{FF2B5EF4-FFF2-40B4-BE49-F238E27FC236}">
+                <a16:creationId xmlns:a16="http://schemas.microsoft.com/office/drawing/2014/main" id="{45D3CF81-7D0C-4DC2-2736-5D7CAC599F07}"/>
+              </a:ext>
+            </a:extLst>
+          </p:cNvPr>
+          <p:cNvPicPr>
+            <a:picLocks noChangeAspect="1"/>
+          </p:cNvPicPr>
+          <p:nvPr/>
+        </p:nvPicPr>
+        <p:blipFill>
+          <a:blip r:embed="rId2"/>
+          <a:stretch>
+            <a:fillRect/>
+          </a:stretch>
+        </p:blipFill>
+        <p:spPr>
+          <a:xfrm>
+            <a:off x="4326824" y="1485900"/>
+            <a:ext cx="7772400" cy="3886200"/>
+          </a:xfrm>
+          <a:prstGeom prst="rect">
+            <a:avLst/>
+          </a:prstGeom>
+          <a:ln w="31750">
+            <a:solidFill>
+              <a:schemeClr val="tx1"/>
+            </a:solidFill>
+          </a:ln>
+        </p:spPr>
+      </p:pic>
     </p:spTree>
     <p:extLst>
       <p:ext uri="{BB962C8B-B14F-4D97-AF65-F5344CB8AC3E}">
@@ -32266,7 +32582,7 @@
                 <a:solidFill>
                   <a:schemeClr val="bg1"/>
                 </a:solidFill>
-                <a:latin typeface="Palatino Linotype" panose="02040502050505030304" pitchFamily="18" charset="0"/>
+                <a:latin typeface="PT Sans" panose="020B0503020203020204" pitchFamily="34" charset="77"/>
                 <a:ea typeface="Verdana" panose="020B0604030504040204" pitchFamily="34" charset="0"/>
                 <a:cs typeface="Courier New" panose="02070309020205020404" pitchFamily="49" charset="0"/>
               </a:rPr>
@@ -32275,12 +32591,67 @@
           </a:p>
         </p:txBody>
       </p:sp>
+      <p:sp>
+        <p:nvSpPr>
+          <p:cNvPr id="5" name="TextBox 4">
+            <a:extLst>
+              <a:ext uri="{FF2B5EF4-FFF2-40B4-BE49-F238E27FC236}">
+                <a16:creationId xmlns:a16="http://schemas.microsoft.com/office/drawing/2014/main" id="{F99CB557-2EE8-3699-8A33-0EA4A9349114}"/>
+              </a:ext>
+            </a:extLst>
+          </p:cNvPr>
+          <p:cNvSpPr txBox="1"/>
+          <p:nvPr/>
+        </p:nvSpPr>
+        <p:spPr>
+          <a:xfrm>
+            <a:off x="277668" y="1791678"/>
+            <a:ext cx="3841486" cy="1200329"/>
+          </a:xfrm>
+          <a:prstGeom prst="rect">
+            <a:avLst/>
+          </a:prstGeom>
+          <a:noFill/>
+        </p:spPr>
+        <p:txBody>
+          <a:bodyPr wrap="square">
+            <a:spAutoFit/>
+          </a:bodyPr>
+          <a:lstStyle/>
+          <a:p>
+            <a:r>
+              <a:rPr lang="en-US" b="0" i="0" dirty="0">
+                <a:effectLst/>
+                <a:latin typeface="PT Sans" panose="020B0503020203020204" pitchFamily="34" charset="77"/>
+              </a:rPr>
+              <a:t>Analysis goes here</a:t>
+            </a:r>
+          </a:p>
+          <a:p>
+            <a:endParaRPr lang="en-US" dirty="0">
+              <a:latin typeface="PT Sans" panose="020B0503020203020204" pitchFamily="34" charset="77"/>
+            </a:endParaRPr>
+          </a:p>
+          <a:p>
+            <a:r>
+              <a:rPr lang="en-US" b="0" i="0" dirty="0">
+                <a:effectLst/>
+                <a:latin typeface="PT Sans" panose="020B0503020203020204" pitchFamily="34" charset="77"/>
+              </a:rPr>
+              <a:t>The R-value is: 0.012800770639383029</a:t>
+            </a:r>
+            <a:endParaRPr lang="en-US" dirty="0">
+              <a:latin typeface="PT Sans" panose="020B0503020203020204" pitchFamily="34" charset="77"/>
+            </a:endParaRPr>
+          </a:p>
+        </p:txBody>
+      </p:sp>
       <p:pic>
         <p:nvPicPr>
-          <p:cNvPr id="3" name="Picture 2" descr="A graph with a red line&#10;&#10;Description automatically generated">
+          <p:cNvPr id="4" name="Picture 3" descr="A graph with a red line&#10;&#10;Description automatically generated">
             <a:extLst>
               <a:ext uri="{FF2B5EF4-FFF2-40B4-BE49-F238E27FC236}">
-                <a16:creationId xmlns:a16="http://schemas.microsoft.com/office/drawing/2014/main" id="{39F413F0-C2B4-447B-C3BE-CDCBFABEA758}"/>
+                <a16:creationId xmlns:a16="http://schemas.microsoft.com/office/drawing/2014/main" id="{31C57B7D-CA60-27F7-8CB7-E646623E3986}"/>
               </a:ext>
             </a:extLst>
           </p:cNvPr>
@@ -32297,53 +32668,19 @@
         </p:blipFill>
         <p:spPr>
           <a:xfrm>
-            <a:off x="4083113" y="1250132"/>
+            <a:off x="4328160" y="1485900"/>
             <a:ext cx="7772400" cy="3886200"/>
           </a:xfrm>
           <a:prstGeom prst="rect">
             <a:avLst/>
           </a:prstGeom>
+          <a:ln w="31750">
+            <a:solidFill>
+              <a:schemeClr val="tx1"/>
+            </a:solidFill>
+          </a:ln>
         </p:spPr>
       </p:pic>
-      <p:sp>
-        <p:nvSpPr>
-          <p:cNvPr id="5" name="TextBox 4">
-            <a:extLst>
-              <a:ext uri="{FF2B5EF4-FFF2-40B4-BE49-F238E27FC236}">
-                <a16:creationId xmlns:a16="http://schemas.microsoft.com/office/drawing/2014/main" id="{F99CB557-2EE8-3699-8A33-0EA4A9349114}"/>
-              </a:ext>
-            </a:extLst>
-          </p:cNvPr>
-          <p:cNvSpPr txBox="1"/>
-          <p:nvPr/>
-        </p:nvSpPr>
-        <p:spPr>
-          <a:xfrm>
-            <a:off x="5467977" y="5238536"/>
-            <a:ext cx="6147302" cy="369332"/>
-          </a:xfrm>
-          <a:prstGeom prst="rect">
-            <a:avLst/>
-          </a:prstGeom>
-          <a:noFill/>
-        </p:spPr>
-        <p:txBody>
-          <a:bodyPr wrap="square">
-            <a:spAutoFit/>
-          </a:bodyPr>
-          <a:lstStyle/>
-          <a:p>
-            <a:r>
-              <a:rPr lang="en-US" b="0" i="0" dirty="0">
-                <a:effectLst/>
-                <a:latin typeface="Menlo" panose="020B0609030804020204" pitchFamily="49" charset="0"/>
-              </a:rPr>
-              <a:t>The R-value is: 0.012800770639383029</a:t>
-            </a:r>
-            <a:endParaRPr lang="en-US" dirty="0"/>
-          </a:p>
-        </p:txBody>
-      </p:sp>
     </p:spTree>
     <p:extLst>
       <p:ext uri="{BB962C8B-B14F-4D97-AF65-F5344CB8AC3E}">
@@ -32524,7 +32861,7 @@
         <p:spPr>
           <a:xfrm>
             <a:off x="92776" y="253457"/>
-            <a:ext cx="5653875" cy="1200329"/>
+            <a:ext cx="5653875" cy="646331"/>
           </a:xfrm>
           <a:prstGeom prst="rect">
             <a:avLst/>
@@ -32556,7 +32893,7 @@
                 <a:solidFill>
                   <a:schemeClr val="bg1"/>
                 </a:solidFill>
-                <a:latin typeface="Palatino Linotype" panose="02040502050505030304" pitchFamily="18" charset="0"/>
+                <a:latin typeface="PT Sans" panose="020B0503020203020204" pitchFamily="34" charset="77"/>
                 <a:ea typeface="Verdana" panose="020B0604030504040204" pitchFamily="34" charset="0"/>
                 <a:cs typeface="Courier New" panose="02070309020205020404" pitchFamily="49" charset="0"/>
               </a:rPr>
@@ -32579,8 +32916,8 @@
         </p:nvSpPr>
         <p:spPr>
           <a:xfrm>
-            <a:off x="5467977" y="5238536"/>
-            <a:ext cx="6147302" cy="369332"/>
+            <a:off x="92776" y="2251497"/>
+            <a:ext cx="4122173" cy="923330"/>
           </a:xfrm>
           <a:prstGeom prst="rect">
             <a:avLst/>
@@ -32596,34 +32933,50 @@
             <a:r>
               <a:rPr lang="en-US" b="0" i="0" dirty="0">
                 <a:effectLst/>
-                <a:latin typeface="Menlo" panose="020B0609030804020204" pitchFamily="49" charset="0"/>
+                <a:latin typeface="PT Sans" panose="020B0503020203020204" pitchFamily="34" charset="77"/>
+              </a:rPr>
+              <a:t>Analysis goes here</a:t>
+            </a:r>
+          </a:p>
+          <a:p>
+            <a:endParaRPr lang="en-US" dirty="0">
+              <a:latin typeface="PT Sans" panose="020B0503020203020204" pitchFamily="34" charset="77"/>
+            </a:endParaRPr>
+          </a:p>
+          <a:p>
+            <a:r>
+              <a:rPr lang="en-US" b="0" i="0" dirty="0">
+                <a:effectLst/>
+                <a:latin typeface="PT Sans" panose="020B0503020203020204" pitchFamily="34" charset="77"/>
               </a:rPr>
               <a:t>The </a:t>
             </a:r>
             <a:r>
               <a:rPr lang="en-US" b="0" i="0" dirty="0" err="1">
                 <a:effectLst/>
-                <a:latin typeface="Menlo" panose="020B0609030804020204" pitchFamily="49" charset="0"/>
+                <a:latin typeface="PT Sans" panose="020B0503020203020204" pitchFamily="34" charset="77"/>
               </a:rPr>
               <a:t>r-value</a:t>
             </a:r>
             <a:r>
               <a:rPr lang="en-US" b="0" i="0" dirty="0">
                 <a:effectLst/>
-                <a:latin typeface="Menlo" panose="020B0609030804020204" pitchFamily="49" charset="0"/>
+                <a:latin typeface="PT Sans" panose="020B0503020203020204" pitchFamily="34" charset="77"/>
               </a:rPr>
               <a:t> is: 0.004712464594773485</a:t>
             </a:r>
-            <a:endParaRPr lang="en-US" dirty="0"/>
+            <a:endParaRPr lang="en-US" dirty="0">
+              <a:latin typeface="PT Sans" panose="020B0503020203020204" pitchFamily="34" charset="77"/>
+            </a:endParaRPr>
           </a:p>
         </p:txBody>
       </p:sp>
       <p:pic>
         <p:nvPicPr>
-          <p:cNvPr id="4" name="Picture 3" descr="A graph with colored dots&#10;&#10;Description automatically generated">
+          <p:cNvPr id="3" name="Picture 2" descr="A graph with a line pointing to the same graph&#10;&#10;Description automatically generated with medium confidence">
             <a:extLst>
               <a:ext uri="{FF2B5EF4-FFF2-40B4-BE49-F238E27FC236}">
-                <a16:creationId xmlns:a16="http://schemas.microsoft.com/office/drawing/2014/main" id="{9D993410-BFE7-4F7B-DD57-11E3BA6B9C9F}"/>
+                <a16:creationId xmlns:a16="http://schemas.microsoft.com/office/drawing/2014/main" id="{08C2A8D6-02B0-C1D0-3E0B-0F79B6F3D034}"/>
               </a:ext>
             </a:extLst>
           </p:cNvPr>
@@ -32640,12 +32993,17 @@
         </p:blipFill>
         <p:spPr>
           <a:xfrm>
-            <a:off x="4023360" y="1126062"/>
+            <a:off x="4293325" y="1485900"/>
             <a:ext cx="7772400" cy="3886200"/>
           </a:xfrm>
           <a:prstGeom prst="rect">
             <a:avLst/>
           </a:prstGeom>
+          <a:ln w="31750">
+            <a:solidFill>
+              <a:schemeClr val="tx1"/>
+            </a:solidFill>
+          </a:ln>
         </p:spPr>
       </p:pic>
     </p:spTree>
@@ -32860,7 +33218,7 @@
                 <a:solidFill>
                   <a:schemeClr val="bg1"/>
                 </a:solidFill>
-                <a:latin typeface="Palatino Linotype" panose="02040502050505030304" pitchFamily="18" charset="0"/>
+                <a:latin typeface="PT Sans" panose="020B0503020203020204" pitchFamily="34" charset="77"/>
                 <a:ea typeface="Verdana" panose="020B0604030504040204" pitchFamily="34" charset="0"/>
                 <a:cs typeface="Courier New" panose="02070309020205020404" pitchFamily="49" charset="0"/>
               </a:rPr>
@@ -32871,10 +33229,10 @@
       </p:sp>
       <p:pic>
         <p:nvPicPr>
-          <p:cNvPr id="3" name="Picture 2" descr="A graph with blue and red bars&#10;&#10;Description automatically generated">
+          <p:cNvPr id="4" name="Picture 3" descr="A graph of a bar chart&#10;&#10;Description automatically generated with medium confidence">
             <a:extLst>
               <a:ext uri="{FF2B5EF4-FFF2-40B4-BE49-F238E27FC236}">
-                <a16:creationId xmlns:a16="http://schemas.microsoft.com/office/drawing/2014/main" id="{C633795C-073E-7167-CBC1-53BF4D06A00F}"/>
+                <a16:creationId xmlns:a16="http://schemas.microsoft.com/office/drawing/2014/main" id="{FA952B59-C8B1-FAEC-309D-8BF1C2E92A11}"/>
               </a:ext>
             </a:extLst>
           </p:cNvPr>
@@ -32891,14 +33249,57 @@
         </p:blipFill>
         <p:spPr>
           <a:xfrm>
-            <a:off x="4032069" y="1077686"/>
+            <a:off x="4345576" y="1485900"/>
             <a:ext cx="7772400" cy="3886200"/>
           </a:xfrm>
           <a:prstGeom prst="rect">
             <a:avLst/>
           </a:prstGeom>
+          <a:ln w="31750">
+            <a:solidFill>
+              <a:schemeClr val="tx1"/>
+            </a:solidFill>
+          </a:ln>
         </p:spPr>
       </p:pic>
+      <p:sp>
+        <p:nvSpPr>
+          <p:cNvPr id="5" name="TextBox 4">
+            <a:extLst>
+              <a:ext uri="{FF2B5EF4-FFF2-40B4-BE49-F238E27FC236}">
+                <a16:creationId xmlns:a16="http://schemas.microsoft.com/office/drawing/2014/main" id="{17933F22-B4C8-F6CD-1872-EA36D73BB1D4}"/>
+              </a:ext>
+            </a:extLst>
+          </p:cNvPr>
+          <p:cNvSpPr txBox="1"/>
+          <p:nvPr/>
+        </p:nvSpPr>
+        <p:spPr>
+          <a:xfrm>
+            <a:off x="92776" y="2251497"/>
+            <a:ext cx="4122173" cy="369332"/>
+          </a:xfrm>
+          <a:prstGeom prst="rect">
+            <a:avLst/>
+          </a:prstGeom>
+          <a:noFill/>
+        </p:spPr>
+        <p:txBody>
+          <a:bodyPr wrap="square">
+            <a:spAutoFit/>
+          </a:bodyPr>
+          <a:lstStyle/>
+          <a:p>
+            <a:r>
+              <a:rPr lang="en-US" b="0" i="0" dirty="0">
+                <a:effectLst/>
+                <a:latin typeface="PT Sans" panose="020B0503020203020204" pitchFamily="34" charset="77"/>
+              </a:rPr>
+              <a:t>Analysis goes here</a:t>
+            </a:r>
+          </a:p>
+        </p:txBody>
+      </p:sp>
     </p:spTree>
     <p:extLst>
       <p:ext uri="{BB962C8B-B14F-4D97-AF65-F5344CB8AC3E}">

--- a/Group4_Brief.pptx
+++ b/Group4_Brief.pptx
@@ -270,7 +270,7 @@
           <a:p>
             <a:fld id="{9631276A-A4E6-0D42-A41A-0ACCA72FC1E8}" type="datetimeFigureOut">
               <a:rPr lang="en-US" smtClean="0"/>
-              <a:t>8/25/24</a:t>
+              <a:t>8/26/24</a:t>
             </a:fld>
             <a:endParaRPr lang="en-US"/>
           </a:p>
@@ -468,7 +468,7 @@
           <a:p>
             <a:fld id="{9631276A-A4E6-0D42-A41A-0ACCA72FC1E8}" type="datetimeFigureOut">
               <a:rPr lang="en-US" smtClean="0"/>
-              <a:t>8/25/24</a:t>
+              <a:t>8/26/24</a:t>
             </a:fld>
             <a:endParaRPr lang="en-US"/>
           </a:p>
@@ -676,7 +676,7 @@
           <a:p>
             <a:fld id="{9631276A-A4E6-0D42-A41A-0ACCA72FC1E8}" type="datetimeFigureOut">
               <a:rPr lang="en-US" smtClean="0"/>
-              <a:t>8/25/24</a:t>
+              <a:t>8/26/24</a:t>
             </a:fld>
             <a:endParaRPr lang="en-US"/>
           </a:p>
@@ -21861,7 +21861,7 @@
           <a:p>
             <a:fld id="{9631276A-A4E6-0D42-A41A-0ACCA72FC1E8}" type="datetimeFigureOut">
               <a:rPr lang="en-US" smtClean="0"/>
-              <a:t>8/25/24</a:t>
+              <a:t>8/26/24</a:t>
             </a:fld>
             <a:endParaRPr lang="en-US"/>
           </a:p>
@@ -22136,7 +22136,7 @@
           <a:p>
             <a:fld id="{9631276A-A4E6-0D42-A41A-0ACCA72FC1E8}" type="datetimeFigureOut">
               <a:rPr lang="en-US" smtClean="0"/>
-              <a:t>8/25/24</a:t>
+              <a:t>8/26/24</a:t>
             </a:fld>
             <a:endParaRPr lang="en-US"/>
           </a:p>
@@ -22401,7 +22401,7 @@
           <a:p>
             <a:fld id="{9631276A-A4E6-0D42-A41A-0ACCA72FC1E8}" type="datetimeFigureOut">
               <a:rPr lang="en-US" smtClean="0"/>
-              <a:t>8/25/24</a:t>
+              <a:t>8/26/24</a:t>
             </a:fld>
             <a:endParaRPr lang="en-US"/>
           </a:p>
@@ -22813,7 +22813,7 @@
           <a:p>
             <a:fld id="{9631276A-A4E6-0D42-A41A-0ACCA72FC1E8}" type="datetimeFigureOut">
               <a:rPr lang="en-US" smtClean="0"/>
-              <a:t>8/25/24</a:t>
+              <a:t>8/26/24</a:t>
             </a:fld>
             <a:endParaRPr lang="en-US"/>
           </a:p>
@@ -22954,7 +22954,7 @@
           <a:p>
             <a:fld id="{9631276A-A4E6-0D42-A41A-0ACCA72FC1E8}" type="datetimeFigureOut">
               <a:rPr lang="en-US" smtClean="0"/>
-              <a:t>8/25/24</a:t>
+              <a:t>8/26/24</a:t>
             </a:fld>
             <a:endParaRPr lang="en-US"/>
           </a:p>
@@ -23067,7 +23067,7 @@
           <a:p>
             <a:fld id="{9631276A-A4E6-0D42-A41A-0ACCA72FC1E8}" type="datetimeFigureOut">
               <a:rPr lang="en-US" smtClean="0"/>
-              <a:t>8/25/24</a:t>
+              <a:t>8/26/24</a:t>
             </a:fld>
             <a:endParaRPr lang="en-US"/>
           </a:p>
@@ -23378,7 +23378,7 @@
           <a:p>
             <a:fld id="{9631276A-A4E6-0D42-A41A-0ACCA72FC1E8}" type="datetimeFigureOut">
               <a:rPr lang="en-US" smtClean="0"/>
-              <a:t>8/25/24</a:t>
+              <a:t>8/26/24</a:t>
             </a:fld>
             <a:endParaRPr lang="en-US"/>
           </a:p>
@@ -23666,7 +23666,7 @@
           <a:p>
             <a:fld id="{9631276A-A4E6-0D42-A41A-0ACCA72FC1E8}" type="datetimeFigureOut">
               <a:rPr lang="en-US" smtClean="0"/>
-              <a:t>8/25/24</a:t>
+              <a:t>8/26/24</a:t>
             </a:fld>
             <a:endParaRPr lang="en-US"/>
           </a:p>
@@ -23907,7 +23907,7 @@
           <a:p>
             <a:fld id="{9631276A-A4E6-0D42-A41A-0ACCA72FC1E8}" type="datetimeFigureOut">
               <a:rPr lang="en-US" smtClean="0"/>
-              <a:t>8/25/24</a:t>
+              <a:t>8/26/24</a:t>
             </a:fld>
             <a:endParaRPr lang="en-US"/>
           </a:p>
@@ -24834,41 +24834,6 @@
           </a:p>
         </p:txBody>
       </p:sp>
-      <p:pic>
-        <p:nvPicPr>
-          <p:cNvPr id="3" name="Picture 2" descr="A graph with blue bars&#10;&#10;Description automatically generated">
-            <a:extLst>
-              <a:ext uri="{FF2B5EF4-FFF2-40B4-BE49-F238E27FC236}">
-                <a16:creationId xmlns:a16="http://schemas.microsoft.com/office/drawing/2014/main" id="{0763DF5B-03AB-CFEA-5F39-8777CA357677}"/>
-              </a:ext>
-            </a:extLst>
-          </p:cNvPr>
-          <p:cNvPicPr>
-            <a:picLocks noChangeAspect="1"/>
-          </p:cNvPicPr>
-          <p:nvPr/>
-        </p:nvPicPr>
-        <p:blipFill>
-          <a:blip r:embed="rId2"/>
-          <a:stretch>
-            <a:fillRect/>
-          </a:stretch>
-        </p:blipFill>
-        <p:spPr>
-          <a:xfrm>
-            <a:off x="4319451" y="1635035"/>
-            <a:ext cx="7772400" cy="4663440"/>
-          </a:xfrm>
-          <a:prstGeom prst="rect">
-            <a:avLst/>
-          </a:prstGeom>
-          <a:ln w="31750">
-            <a:solidFill>
-              <a:schemeClr val="tx1"/>
-            </a:solidFill>
-          </a:ln>
-        </p:spPr>
-      </p:pic>
       <p:sp>
         <p:nvSpPr>
           <p:cNvPr id="5" name="TextBox 4">
@@ -24912,6 +24877,41 @@
           </a:p>
         </p:txBody>
       </p:sp>
+      <p:pic>
+        <p:nvPicPr>
+          <p:cNvPr id="4" name="Picture 3" descr="A graph with blue squares&#10;&#10;Description automatically generated">
+            <a:extLst>
+              <a:ext uri="{FF2B5EF4-FFF2-40B4-BE49-F238E27FC236}">
+                <a16:creationId xmlns:a16="http://schemas.microsoft.com/office/drawing/2014/main" id="{EFDD86B1-8BD7-3C9A-8CC3-918FCA09F6E7}"/>
+              </a:ext>
+            </a:extLst>
+          </p:cNvPr>
+          <p:cNvPicPr>
+            <a:picLocks noChangeAspect="1"/>
+          </p:cNvPicPr>
+          <p:nvPr/>
+        </p:nvPicPr>
+        <p:blipFill>
+          <a:blip r:embed="rId2"/>
+          <a:stretch>
+            <a:fillRect/>
+          </a:stretch>
+        </p:blipFill>
+        <p:spPr>
+          <a:xfrm>
+            <a:off x="4326824" y="1234440"/>
+            <a:ext cx="7772400" cy="4663440"/>
+          </a:xfrm>
+          <a:prstGeom prst="rect">
+            <a:avLst/>
+          </a:prstGeom>
+          <a:ln w="31750">
+            <a:solidFill>
+              <a:schemeClr val="tx1"/>
+            </a:solidFill>
+          </a:ln>
+        </p:spPr>
+      </p:pic>
     </p:spTree>
     <p:extLst>
       <p:ext uri="{BB962C8B-B14F-4D97-AF65-F5344CB8AC3E}">
@@ -32023,10 +32023,10 @@
       </p:sp>
       <p:pic>
         <p:nvPicPr>
-          <p:cNvPr id="3" name="Picture 2" descr="A graph with a red line&#10;&#10;Description automatically generated">
+          <p:cNvPr id="4" name="Picture 3" descr="A graph with a red line&#10;&#10;Description automatically generated">
             <a:extLst>
               <a:ext uri="{FF2B5EF4-FFF2-40B4-BE49-F238E27FC236}">
-                <a16:creationId xmlns:a16="http://schemas.microsoft.com/office/drawing/2014/main" id="{68A326BF-6D3F-14DF-1A62-C94217C30496}"/>
+                <a16:creationId xmlns:a16="http://schemas.microsoft.com/office/drawing/2014/main" id="{14601082-217F-A2C5-177F-1572E140D4E4}"/>
               </a:ext>
             </a:extLst>
           </p:cNvPr>
@@ -32043,7 +32043,7 @@
         </p:blipFill>
         <p:spPr>
           <a:xfrm>
-            <a:off x="4302034" y="1485900"/>
+            <a:off x="4328160" y="1485900"/>
             <a:ext cx="7772400" cy="3886200"/>
           </a:xfrm>
           <a:prstGeom prst="rect">
@@ -32337,10 +32337,10 @@
       </p:sp>
       <p:pic>
         <p:nvPicPr>
-          <p:cNvPr id="3" name="Picture 2" descr="A graph with a red line&#10;&#10;Description automatically generated">
+          <p:cNvPr id="4" name="Picture 3" descr="A graph with a red line&#10;&#10;Description automatically generated">
             <a:extLst>
               <a:ext uri="{FF2B5EF4-FFF2-40B4-BE49-F238E27FC236}">
-                <a16:creationId xmlns:a16="http://schemas.microsoft.com/office/drawing/2014/main" id="{45D3CF81-7D0C-4DC2-2736-5D7CAC599F07}"/>
+                <a16:creationId xmlns:a16="http://schemas.microsoft.com/office/drawing/2014/main" id="{B3F40B2C-0643-9B17-65B9-61F19966CEB7}"/>
               </a:ext>
             </a:extLst>
           </p:cNvPr>
@@ -32357,7 +32357,7 @@
         </p:blipFill>
         <p:spPr>
           <a:xfrm>
-            <a:off x="4326824" y="1485900"/>
+            <a:off x="4326823" y="1485900"/>
             <a:ext cx="7772400" cy="3886200"/>
           </a:xfrm>
           <a:prstGeom prst="rect">
@@ -32648,10 +32648,10 @@
       </p:sp>
       <p:pic>
         <p:nvPicPr>
-          <p:cNvPr id="4" name="Picture 3" descr="A graph with a red line&#10;&#10;Description automatically generated">
+          <p:cNvPr id="7" name="Picture 6" descr="A graph with a red line&#10;&#10;Description automatically generated">
             <a:extLst>
               <a:ext uri="{FF2B5EF4-FFF2-40B4-BE49-F238E27FC236}">
-                <a16:creationId xmlns:a16="http://schemas.microsoft.com/office/drawing/2014/main" id="{31C57B7D-CA60-27F7-8CB7-E646623E3986}"/>
+                <a16:creationId xmlns:a16="http://schemas.microsoft.com/office/drawing/2014/main" id="{14A19608-E331-BB62-CDC2-63D7E8FD8A0D}"/>
               </a:ext>
             </a:extLst>
           </p:cNvPr>
@@ -32668,7 +32668,7 @@
         </p:blipFill>
         <p:spPr>
           <a:xfrm>
-            <a:off x="4328160" y="1485900"/>
+            <a:off x="4310743" y="1485900"/>
             <a:ext cx="7772400" cy="3886200"/>
           </a:xfrm>
           <a:prstGeom prst="rect">
@@ -32973,10 +32973,10 @@
       </p:sp>
       <p:pic>
         <p:nvPicPr>
-          <p:cNvPr id="3" name="Picture 2" descr="A graph with a line pointing to the same graph&#10;&#10;Description automatically generated with medium confidence">
+          <p:cNvPr id="4" name="Picture 3" descr="A graph with a line drawn on it&#10;&#10;Description automatically generated">
             <a:extLst>
               <a:ext uri="{FF2B5EF4-FFF2-40B4-BE49-F238E27FC236}">
-                <a16:creationId xmlns:a16="http://schemas.microsoft.com/office/drawing/2014/main" id="{08C2A8D6-02B0-C1D0-3E0B-0F79B6F3D034}"/>
+                <a16:creationId xmlns:a16="http://schemas.microsoft.com/office/drawing/2014/main" id="{4DAAFE91-84A9-DD84-8B1C-BB51FCD9C663}"/>
               </a:ext>
             </a:extLst>
           </p:cNvPr>
@@ -32993,7 +32993,7 @@
         </p:blipFill>
         <p:spPr>
           <a:xfrm>
-            <a:off x="4293325" y="1485900"/>
+            <a:off x="4326824" y="1485900"/>
             <a:ext cx="7772400" cy="3886200"/>
           </a:xfrm>
           <a:prstGeom prst="rect">
@@ -33227,41 +33227,6 @@
           </a:p>
         </p:txBody>
       </p:sp>
-      <p:pic>
-        <p:nvPicPr>
-          <p:cNvPr id="4" name="Picture 3" descr="A graph of a bar chart&#10;&#10;Description automatically generated with medium confidence">
-            <a:extLst>
-              <a:ext uri="{FF2B5EF4-FFF2-40B4-BE49-F238E27FC236}">
-                <a16:creationId xmlns:a16="http://schemas.microsoft.com/office/drawing/2014/main" id="{FA952B59-C8B1-FAEC-309D-8BF1C2E92A11}"/>
-              </a:ext>
-            </a:extLst>
-          </p:cNvPr>
-          <p:cNvPicPr>
-            <a:picLocks noChangeAspect="1"/>
-          </p:cNvPicPr>
-          <p:nvPr/>
-        </p:nvPicPr>
-        <p:blipFill>
-          <a:blip r:embed="rId2"/>
-          <a:stretch>
-            <a:fillRect/>
-          </a:stretch>
-        </p:blipFill>
-        <p:spPr>
-          <a:xfrm>
-            <a:off x="4345576" y="1485900"/>
-            <a:ext cx="7772400" cy="3886200"/>
-          </a:xfrm>
-          <a:prstGeom prst="rect">
-            <a:avLst/>
-          </a:prstGeom>
-          <a:ln w="31750">
-            <a:solidFill>
-              <a:schemeClr val="tx1"/>
-            </a:solidFill>
-          </a:ln>
-        </p:spPr>
-      </p:pic>
       <p:sp>
         <p:nvSpPr>
           <p:cNvPr id="5" name="TextBox 4">
@@ -33300,6 +33265,41 @@
           </a:p>
         </p:txBody>
       </p:sp>
+      <p:pic>
+        <p:nvPicPr>
+          <p:cNvPr id="3" name="Picture 2" descr="A graph of a bar chart&#10;&#10;Description automatically generated with medium confidence">
+            <a:extLst>
+              <a:ext uri="{FF2B5EF4-FFF2-40B4-BE49-F238E27FC236}">
+                <a16:creationId xmlns:a16="http://schemas.microsoft.com/office/drawing/2014/main" id="{1A2FFCE6-239A-7043-D69C-9610B070A159}"/>
+              </a:ext>
+            </a:extLst>
+          </p:cNvPr>
+          <p:cNvPicPr>
+            <a:picLocks noChangeAspect="1"/>
+          </p:cNvPicPr>
+          <p:nvPr/>
+        </p:nvPicPr>
+        <p:blipFill>
+          <a:blip r:embed="rId2"/>
+          <a:stretch>
+            <a:fillRect/>
+          </a:stretch>
+        </p:blipFill>
+        <p:spPr>
+          <a:xfrm>
+            <a:off x="4326824" y="1485900"/>
+            <a:ext cx="7772400" cy="3886200"/>
+          </a:xfrm>
+          <a:prstGeom prst="rect">
+            <a:avLst/>
+          </a:prstGeom>
+          <a:ln w="31750">
+            <a:solidFill>
+              <a:schemeClr val="tx1"/>
+            </a:solidFill>
+          </a:ln>
+        </p:spPr>
+      </p:pic>
     </p:spTree>
     <p:extLst>
       <p:ext uri="{BB962C8B-B14F-4D97-AF65-F5344CB8AC3E}">

--- a/Group4_Brief.pptx
+++ b/Group4_Brief.pptx
@@ -25091,8 +25091,8 @@
         </p:nvSpPr>
         <p:spPr>
           <a:xfrm>
-            <a:off x="92776" y="253457"/>
-            <a:ext cx="5653875" cy="646331"/>
+            <a:off x="81759" y="308542"/>
+            <a:ext cx="7002087" cy="646331"/>
           </a:xfrm>
           <a:prstGeom prst="rect">
             <a:avLst/>
@@ -25128,8 +25128,217 @@
                 <a:ea typeface="Verdana" panose="020B0604030504040204" pitchFamily="34" charset="0"/>
                 <a:cs typeface="Courier New" panose="02070309020205020404" pitchFamily="49" charset="0"/>
               </a:rPr>
-              <a:t>Conclusion</a:t>
+              <a:t>Conclusion / Recommendations</a:t>
             </a:r>
+          </a:p>
+        </p:txBody>
+      </p:sp>
+      <p:sp>
+        <p:nvSpPr>
+          <p:cNvPr id="3" name="TextBox 2">
+            <a:extLst>
+              <a:ext uri="{FF2B5EF4-FFF2-40B4-BE49-F238E27FC236}">
+                <a16:creationId xmlns:a16="http://schemas.microsoft.com/office/drawing/2014/main" id="{5FF11442-2D64-CA51-C974-A1D345E93C7E}"/>
+              </a:ext>
+            </a:extLst>
+          </p:cNvPr>
+          <p:cNvSpPr txBox="1"/>
+          <p:nvPr/>
+        </p:nvSpPr>
+        <p:spPr>
+          <a:xfrm>
+            <a:off x="264404" y="1300457"/>
+            <a:ext cx="11622795" cy="2301592"/>
+          </a:xfrm>
+          <a:prstGeom prst="rect">
+            <a:avLst/>
+          </a:prstGeom>
+          <a:noFill/>
+        </p:spPr>
+        <p:txBody>
+          <a:bodyPr wrap="square">
+            <a:spAutoFit/>
+          </a:bodyPr>
+          <a:lstStyle/>
+          <a:p>
+            <a:pPr marL="342900" marR="0" lvl="0" indent="-342900">
+              <a:lnSpc>
+                <a:spcPct val="115000"/>
+              </a:lnSpc>
+              <a:spcBef>
+                <a:spcPts val="0"/>
+              </a:spcBef>
+              <a:spcAft>
+                <a:spcPts val="0"/>
+              </a:spcAft>
+              <a:buAutoNum type="arabicParenR"/>
+            </a:pPr>
+            <a:r>
+              <a:rPr lang="en-US" sz="1800" u="none" strike="noStrike" dirty="0">
+                <a:effectLst/>
+                <a:latin typeface="PT Sans" panose="020B0503020203020204" pitchFamily="34" charset="77"/>
+                <a:ea typeface="Arial" panose="020B0604020202020204" pitchFamily="34" charset="0"/>
+              </a:rPr>
+              <a:t>Does production budget correlate to a box office profit?</a:t>
+            </a:r>
+          </a:p>
+          <a:p>
+            <a:pPr marL="342900" marR="0" lvl="0" indent="-342900">
+              <a:lnSpc>
+                <a:spcPct val="115000"/>
+              </a:lnSpc>
+              <a:spcBef>
+                <a:spcPts val="0"/>
+              </a:spcBef>
+              <a:spcAft>
+                <a:spcPts val="0"/>
+              </a:spcAft>
+              <a:buAutoNum type="arabicParenR"/>
+            </a:pPr>
+            <a:endParaRPr lang="en-US" sz="1800" u="none" strike="noStrike" dirty="0">
+              <a:effectLst/>
+              <a:latin typeface="PT Sans" panose="020B0503020203020204" pitchFamily="34" charset="77"/>
+              <a:ea typeface="Arial" panose="020B0604020202020204" pitchFamily="34" charset="0"/>
+            </a:endParaRPr>
+          </a:p>
+          <a:p>
+            <a:pPr marR="0" lvl="0">
+              <a:lnSpc>
+                <a:spcPct val="115000"/>
+              </a:lnSpc>
+              <a:spcBef>
+                <a:spcPts val="0"/>
+              </a:spcBef>
+              <a:spcAft>
+                <a:spcPts val="0"/>
+              </a:spcAft>
+            </a:pPr>
+            <a:r>
+              <a:rPr lang="en-US" sz="1800" u="none" strike="noStrike" dirty="0">
+                <a:effectLst/>
+                <a:latin typeface="PT Sans" panose="020B0503020203020204" pitchFamily="34" charset="77"/>
+                <a:ea typeface="Arial" panose="020B0604020202020204" pitchFamily="34" charset="0"/>
+              </a:rPr>
+              <a:t>2) Does a higher production budget correlate to a higher audience score?</a:t>
+            </a:r>
+          </a:p>
+          <a:p>
+            <a:pPr marR="0" lvl="0">
+              <a:lnSpc>
+                <a:spcPct val="115000"/>
+              </a:lnSpc>
+              <a:spcBef>
+                <a:spcPts val="0"/>
+              </a:spcBef>
+              <a:spcAft>
+                <a:spcPts val="0"/>
+              </a:spcAft>
+            </a:pPr>
+            <a:endParaRPr lang="en-US" sz="1800" u="none" strike="noStrike" dirty="0">
+              <a:effectLst/>
+              <a:latin typeface="PT Sans" panose="020B0503020203020204" pitchFamily="34" charset="77"/>
+              <a:ea typeface="Arial" panose="020B0604020202020204" pitchFamily="34" charset="0"/>
+            </a:endParaRPr>
+          </a:p>
+          <a:p>
+            <a:pPr marR="0" lvl="0">
+              <a:lnSpc>
+                <a:spcPct val="115000"/>
+              </a:lnSpc>
+              <a:spcBef>
+                <a:spcPts val="0"/>
+              </a:spcBef>
+              <a:spcAft>
+                <a:spcPts val="0"/>
+              </a:spcAft>
+            </a:pPr>
+            <a:r>
+              <a:rPr lang="en-US" sz="1800" u="none" strike="noStrike" dirty="0">
+                <a:effectLst/>
+                <a:latin typeface="PT Sans" panose="020B0503020203020204" pitchFamily="34" charset="77"/>
+                <a:ea typeface="Arial" panose="020B0604020202020204" pitchFamily="34" charset="0"/>
+              </a:rPr>
+              <a:t>3) Does a higher audience score correlate to a higher box office profit?</a:t>
+            </a:r>
+          </a:p>
+          <a:p>
+            <a:pPr marR="0" lvl="0">
+              <a:lnSpc>
+                <a:spcPct val="115000"/>
+              </a:lnSpc>
+              <a:spcBef>
+                <a:spcPts val="0"/>
+              </a:spcBef>
+              <a:spcAft>
+                <a:spcPts val="0"/>
+              </a:spcAft>
+            </a:pPr>
+            <a:endParaRPr lang="en-US" sz="1800" u="none" strike="noStrike" dirty="0">
+              <a:effectLst/>
+              <a:latin typeface="PT Sans" panose="020B0503020203020204" pitchFamily="34" charset="77"/>
+              <a:ea typeface="Arial" panose="020B0604020202020204" pitchFamily="34" charset="0"/>
+            </a:endParaRPr>
+          </a:p>
+          <a:p>
+            <a:pPr marR="0" lvl="0">
+              <a:lnSpc>
+                <a:spcPct val="115000"/>
+              </a:lnSpc>
+              <a:spcBef>
+                <a:spcPts val="0"/>
+              </a:spcBef>
+              <a:spcAft>
+                <a:spcPts val="0"/>
+              </a:spcAft>
+            </a:pPr>
+            <a:r>
+              <a:rPr lang="en-US" sz="1800" u="none" strike="noStrike" dirty="0">
+                <a:effectLst/>
+                <a:latin typeface="PT Sans" panose="020B0503020203020204" pitchFamily="34" charset="77"/>
+                <a:ea typeface="Arial" panose="020B0604020202020204" pitchFamily="34" charset="0"/>
+              </a:rPr>
+              <a:t>4) Does movie genre have an effect on box office profit and audience score?</a:t>
+            </a:r>
+          </a:p>
+        </p:txBody>
+      </p:sp>
+      <p:sp>
+        <p:nvSpPr>
+          <p:cNvPr id="5" name="TextBox 4">
+            <a:extLst>
+              <a:ext uri="{FF2B5EF4-FFF2-40B4-BE49-F238E27FC236}">
+                <a16:creationId xmlns:a16="http://schemas.microsoft.com/office/drawing/2014/main" id="{FCA60651-0F2A-B3AB-E17D-0542FD425DCF}"/>
+              </a:ext>
+            </a:extLst>
+          </p:cNvPr>
+          <p:cNvSpPr txBox="1"/>
+          <p:nvPr/>
+        </p:nvSpPr>
+        <p:spPr>
+          <a:xfrm>
+            <a:off x="81759" y="4282674"/>
+            <a:ext cx="2242800" cy="369332"/>
+          </a:xfrm>
+          <a:prstGeom prst="rect">
+            <a:avLst/>
+          </a:prstGeom>
+          <a:noFill/>
+        </p:spPr>
+        <p:txBody>
+          <a:bodyPr wrap="square">
+            <a:spAutoFit/>
+          </a:bodyPr>
+          <a:lstStyle/>
+          <a:p>
+            <a:r>
+              <a:rPr lang="en-US" sz="1800" b="1" u="sng" dirty="0">
+                <a:latin typeface="PT Sans" panose="020B0503020203020204" pitchFamily="34" charset="77"/>
+                <a:ea typeface="Verdana" panose="020B0604030504040204" pitchFamily="34" charset="0"/>
+                <a:cs typeface="Courier New" panose="02070309020205020404" pitchFamily="49" charset="0"/>
+              </a:rPr>
+              <a:t>Recommendations</a:t>
+            </a:r>
+            <a:endParaRPr lang="en-US" b="1" u="sng" dirty="0"/>
           </a:p>
         </p:txBody>
       </p:sp>
@@ -31660,7 +31869,7 @@
         <p:spPr>
           <a:xfrm>
             <a:off x="0" y="1167063"/>
-            <a:ext cx="12192000" cy="2862322"/>
+            <a:ext cx="12192000" cy="3170099"/>
           </a:xfrm>
           <a:prstGeom prst="rect">
             <a:avLst/>
@@ -31736,6 +31945,14 @@
                 <a:latin typeface="PT Sans" panose="020B0503020203020204" pitchFamily="34" charset="77"/>
               </a:rPr>
               <a:t>Total budget = base budget + (base budget * 0.5)  </a:t>
+            </a:r>
+          </a:p>
+          <a:p>
+            <a:r>
+              <a:rPr lang="en-US" sz="2000" dirty="0">
+                <a:latin typeface="PT Sans" panose="020B0503020203020204" pitchFamily="34" charset="77"/>
+              </a:rPr>
+              <a:t>Percent Profit = (Revenue – Total Budget) / Total Budget</a:t>
             </a:r>
           </a:p>
           <a:p>

--- a/Group4_Brief.pptx
+++ b/Group4_Brief.pptx
@@ -4,6 +4,9 @@
   <p:sldMasterIdLst>
     <p:sldMasterId id="2147483648" r:id="rId1"/>
   </p:sldMasterIdLst>
+  <p:notesMasterIdLst>
+    <p:notesMasterId r:id="rId14"/>
+  </p:notesMasterIdLst>
   <p:sldIdLst>
     <p:sldId id="291" r:id="rId2"/>
     <p:sldId id="281" r:id="rId3"/>
@@ -121,6 +124,850 @@
     </p:ext>
   </p:extLst>
 </p:presentation>
+</file>
+
+<file path=ppt/notesMasters/notesMaster1.xml><?xml version="1.0" encoding="utf-8"?>
+<p:notesMaster xmlns:a="http://schemas.openxmlformats.org/drawingml/2006/main" xmlns:r="http://schemas.openxmlformats.org/officeDocument/2006/relationships" xmlns:p="http://schemas.openxmlformats.org/presentationml/2006/main">
+  <p:cSld>
+    <p:bg>
+      <p:bgRef idx="1001">
+        <a:schemeClr val="bg1"/>
+      </p:bgRef>
+    </p:bg>
+    <p:spTree>
+      <p:nvGrpSpPr>
+        <p:cNvPr id="1" name=""/>
+        <p:cNvGrpSpPr/>
+        <p:nvPr/>
+      </p:nvGrpSpPr>
+      <p:grpSpPr>
+        <a:xfrm>
+          <a:off x="0" y="0"/>
+          <a:ext cx="0" cy="0"/>
+          <a:chOff x="0" y="0"/>
+          <a:chExt cx="0" cy="0"/>
+        </a:xfrm>
+      </p:grpSpPr>
+      <p:sp>
+        <p:nvSpPr>
+          <p:cNvPr id="2" name="Header Placeholder 1"/>
+          <p:cNvSpPr>
+            <a:spLocks noGrp="1"/>
+          </p:cNvSpPr>
+          <p:nvPr>
+            <p:ph type="hdr" sz="quarter"/>
+          </p:nvPr>
+        </p:nvSpPr>
+        <p:spPr>
+          <a:xfrm>
+            <a:off x="0" y="0"/>
+            <a:ext cx="2971800" cy="458788"/>
+          </a:xfrm>
+          <a:prstGeom prst="rect">
+            <a:avLst/>
+          </a:prstGeom>
+        </p:spPr>
+        <p:txBody>
+          <a:bodyPr vert="horz" lIns="91440" tIns="45720" rIns="91440" bIns="45720" rtlCol="0"/>
+          <a:lstStyle>
+            <a:lvl1pPr algn="l">
+              <a:defRPr sz="1200"/>
+            </a:lvl1pPr>
+          </a:lstStyle>
+          <a:p>
+            <a:endParaRPr lang="en-US"/>
+          </a:p>
+        </p:txBody>
+      </p:sp>
+      <p:sp>
+        <p:nvSpPr>
+          <p:cNvPr id="3" name="Date Placeholder 2"/>
+          <p:cNvSpPr>
+            <a:spLocks noGrp="1"/>
+          </p:cNvSpPr>
+          <p:nvPr>
+            <p:ph type="dt" idx="1"/>
+          </p:nvPr>
+        </p:nvSpPr>
+        <p:spPr>
+          <a:xfrm>
+            <a:off x="3884613" y="0"/>
+            <a:ext cx="2971800" cy="458788"/>
+          </a:xfrm>
+          <a:prstGeom prst="rect">
+            <a:avLst/>
+          </a:prstGeom>
+        </p:spPr>
+        <p:txBody>
+          <a:bodyPr vert="horz" lIns="91440" tIns="45720" rIns="91440" bIns="45720" rtlCol="0"/>
+          <a:lstStyle>
+            <a:lvl1pPr algn="r">
+              <a:defRPr sz="1200"/>
+            </a:lvl1pPr>
+          </a:lstStyle>
+          <a:p>
+            <a:fld id="{B984923E-94D3-394C-BF4C-27942A0A95A4}" type="datetimeFigureOut">
+              <a:rPr lang="en-US" smtClean="0"/>
+              <a:t>8/26/24</a:t>
+            </a:fld>
+            <a:endParaRPr lang="en-US"/>
+          </a:p>
+        </p:txBody>
+      </p:sp>
+      <p:sp>
+        <p:nvSpPr>
+          <p:cNvPr id="4" name="Slide Image Placeholder 3"/>
+          <p:cNvSpPr>
+            <a:spLocks noGrp="1" noRot="1" noChangeAspect="1"/>
+          </p:cNvSpPr>
+          <p:nvPr>
+            <p:ph type="sldImg" idx="2"/>
+          </p:nvPr>
+        </p:nvSpPr>
+        <p:spPr>
+          <a:xfrm>
+            <a:off x="685800" y="1143000"/>
+            <a:ext cx="5486400" cy="3086100"/>
+          </a:xfrm>
+          <a:prstGeom prst="rect">
+            <a:avLst/>
+          </a:prstGeom>
+          <a:noFill/>
+          <a:ln w="12700">
+            <a:solidFill>
+              <a:prstClr val="black"/>
+            </a:solidFill>
+          </a:ln>
+        </p:spPr>
+        <p:txBody>
+          <a:bodyPr vert="horz" lIns="91440" tIns="45720" rIns="91440" bIns="45720" rtlCol="0" anchor="ctr"/>
+          <a:lstStyle/>
+          <a:p>
+            <a:endParaRPr lang="en-US"/>
+          </a:p>
+        </p:txBody>
+      </p:sp>
+      <p:sp>
+        <p:nvSpPr>
+          <p:cNvPr id="5" name="Notes Placeholder 4"/>
+          <p:cNvSpPr>
+            <a:spLocks noGrp="1"/>
+          </p:cNvSpPr>
+          <p:nvPr>
+            <p:ph type="body" sz="quarter" idx="3"/>
+          </p:nvPr>
+        </p:nvSpPr>
+        <p:spPr>
+          <a:xfrm>
+            <a:off x="685800" y="4400550"/>
+            <a:ext cx="5486400" cy="3600450"/>
+          </a:xfrm>
+          <a:prstGeom prst="rect">
+            <a:avLst/>
+          </a:prstGeom>
+        </p:spPr>
+        <p:txBody>
+          <a:bodyPr vert="horz" lIns="91440" tIns="45720" rIns="91440" bIns="45720" rtlCol="0"/>
+          <a:lstStyle/>
+          <a:p>
+            <a:pPr lvl="0"/>
+            <a:r>
+              <a:rPr lang="en-US"/>
+              <a:t>Click to edit Master text styles</a:t>
+            </a:r>
+          </a:p>
+          <a:p>
+            <a:pPr lvl="1"/>
+            <a:r>
+              <a:rPr lang="en-US"/>
+              <a:t>Second level</a:t>
+            </a:r>
+          </a:p>
+          <a:p>
+            <a:pPr lvl="2"/>
+            <a:r>
+              <a:rPr lang="en-US"/>
+              <a:t>Third level</a:t>
+            </a:r>
+          </a:p>
+          <a:p>
+            <a:pPr lvl="3"/>
+            <a:r>
+              <a:rPr lang="en-US"/>
+              <a:t>Fourth level</a:t>
+            </a:r>
+          </a:p>
+          <a:p>
+            <a:pPr lvl="4"/>
+            <a:r>
+              <a:rPr lang="en-US"/>
+              <a:t>Fifth level</a:t>
+            </a:r>
+          </a:p>
+        </p:txBody>
+      </p:sp>
+      <p:sp>
+        <p:nvSpPr>
+          <p:cNvPr id="6" name="Footer Placeholder 5"/>
+          <p:cNvSpPr>
+            <a:spLocks noGrp="1"/>
+          </p:cNvSpPr>
+          <p:nvPr>
+            <p:ph type="ftr" sz="quarter" idx="4"/>
+          </p:nvPr>
+        </p:nvSpPr>
+        <p:spPr>
+          <a:xfrm>
+            <a:off x="0" y="8685213"/>
+            <a:ext cx="2971800" cy="458787"/>
+          </a:xfrm>
+          <a:prstGeom prst="rect">
+            <a:avLst/>
+          </a:prstGeom>
+        </p:spPr>
+        <p:txBody>
+          <a:bodyPr vert="horz" lIns="91440" tIns="45720" rIns="91440" bIns="45720" rtlCol="0" anchor="b"/>
+          <a:lstStyle>
+            <a:lvl1pPr algn="l">
+              <a:defRPr sz="1200"/>
+            </a:lvl1pPr>
+          </a:lstStyle>
+          <a:p>
+            <a:endParaRPr lang="en-US"/>
+          </a:p>
+        </p:txBody>
+      </p:sp>
+      <p:sp>
+        <p:nvSpPr>
+          <p:cNvPr id="7" name="Slide Number Placeholder 6"/>
+          <p:cNvSpPr>
+            <a:spLocks noGrp="1"/>
+          </p:cNvSpPr>
+          <p:nvPr>
+            <p:ph type="sldNum" sz="quarter" idx="5"/>
+          </p:nvPr>
+        </p:nvSpPr>
+        <p:spPr>
+          <a:xfrm>
+            <a:off x="3884613" y="8685213"/>
+            <a:ext cx="2971800" cy="458787"/>
+          </a:xfrm>
+          <a:prstGeom prst="rect">
+            <a:avLst/>
+          </a:prstGeom>
+        </p:spPr>
+        <p:txBody>
+          <a:bodyPr vert="horz" lIns="91440" tIns="45720" rIns="91440" bIns="45720" rtlCol="0" anchor="b"/>
+          <a:lstStyle>
+            <a:lvl1pPr algn="r">
+              <a:defRPr sz="1200"/>
+            </a:lvl1pPr>
+          </a:lstStyle>
+          <a:p>
+            <a:fld id="{3901B114-1F86-F54E-86F8-7193E1FC313B}" type="slidenum">
+              <a:rPr lang="en-US" smtClean="0"/>
+              <a:t>‹#›</a:t>
+            </a:fld>
+            <a:endParaRPr lang="en-US"/>
+          </a:p>
+        </p:txBody>
+      </p:sp>
+    </p:spTree>
+    <p:extLst>
+      <p:ext uri="{BB962C8B-B14F-4D97-AF65-F5344CB8AC3E}">
+        <p14:creationId xmlns:p14="http://schemas.microsoft.com/office/powerpoint/2010/main" val="1052557759"/>
+      </p:ext>
+    </p:extLst>
+  </p:cSld>
+  <p:clrMap bg1="lt1" tx1="dk1" bg2="lt2" tx2="dk2" accent1="accent1" accent2="accent2" accent3="accent3" accent4="accent4" accent5="accent5" accent6="accent6" hlink="hlink" folHlink="folHlink"/>
+  <p:notesStyle>
+    <a:lvl1pPr marL="0" algn="l" defTabSz="914400" rtl="0" eaLnBrk="1" latinLnBrk="0" hangingPunct="1">
+      <a:defRPr sz="1200" kern="1200">
+        <a:solidFill>
+          <a:schemeClr val="tx1"/>
+        </a:solidFill>
+        <a:latin typeface="+mn-lt"/>
+        <a:ea typeface="+mn-ea"/>
+        <a:cs typeface="+mn-cs"/>
+      </a:defRPr>
+    </a:lvl1pPr>
+    <a:lvl2pPr marL="457200" algn="l" defTabSz="914400" rtl="0" eaLnBrk="1" latinLnBrk="0" hangingPunct="1">
+      <a:defRPr sz="1200" kern="1200">
+        <a:solidFill>
+          <a:schemeClr val="tx1"/>
+        </a:solidFill>
+        <a:latin typeface="+mn-lt"/>
+        <a:ea typeface="+mn-ea"/>
+        <a:cs typeface="+mn-cs"/>
+      </a:defRPr>
+    </a:lvl2pPr>
+    <a:lvl3pPr marL="914400" algn="l" defTabSz="914400" rtl="0" eaLnBrk="1" latinLnBrk="0" hangingPunct="1">
+      <a:defRPr sz="1200" kern="1200">
+        <a:solidFill>
+          <a:schemeClr val="tx1"/>
+        </a:solidFill>
+        <a:latin typeface="+mn-lt"/>
+        <a:ea typeface="+mn-ea"/>
+        <a:cs typeface="+mn-cs"/>
+      </a:defRPr>
+    </a:lvl3pPr>
+    <a:lvl4pPr marL="1371600" algn="l" defTabSz="914400" rtl="0" eaLnBrk="1" latinLnBrk="0" hangingPunct="1">
+      <a:defRPr sz="1200" kern="1200">
+        <a:solidFill>
+          <a:schemeClr val="tx1"/>
+        </a:solidFill>
+        <a:latin typeface="+mn-lt"/>
+        <a:ea typeface="+mn-ea"/>
+        <a:cs typeface="+mn-cs"/>
+      </a:defRPr>
+    </a:lvl4pPr>
+    <a:lvl5pPr marL="1828800" algn="l" defTabSz="914400" rtl="0" eaLnBrk="1" latinLnBrk="0" hangingPunct="1">
+      <a:defRPr sz="1200" kern="1200">
+        <a:solidFill>
+          <a:schemeClr val="tx1"/>
+        </a:solidFill>
+        <a:latin typeface="+mn-lt"/>
+        <a:ea typeface="+mn-ea"/>
+        <a:cs typeface="+mn-cs"/>
+      </a:defRPr>
+    </a:lvl5pPr>
+    <a:lvl6pPr marL="2286000" algn="l" defTabSz="914400" rtl="0" eaLnBrk="1" latinLnBrk="0" hangingPunct="1">
+      <a:defRPr sz="1200" kern="1200">
+        <a:solidFill>
+          <a:schemeClr val="tx1"/>
+        </a:solidFill>
+        <a:latin typeface="+mn-lt"/>
+        <a:ea typeface="+mn-ea"/>
+        <a:cs typeface="+mn-cs"/>
+      </a:defRPr>
+    </a:lvl6pPr>
+    <a:lvl7pPr marL="2743200" algn="l" defTabSz="914400" rtl="0" eaLnBrk="1" latinLnBrk="0" hangingPunct="1">
+      <a:defRPr sz="1200" kern="1200">
+        <a:solidFill>
+          <a:schemeClr val="tx1"/>
+        </a:solidFill>
+        <a:latin typeface="+mn-lt"/>
+        <a:ea typeface="+mn-ea"/>
+        <a:cs typeface="+mn-cs"/>
+      </a:defRPr>
+    </a:lvl7pPr>
+    <a:lvl8pPr marL="3200400" algn="l" defTabSz="914400" rtl="0" eaLnBrk="1" latinLnBrk="0" hangingPunct="1">
+      <a:defRPr sz="1200" kern="1200">
+        <a:solidFill>
+          <a:schemeClr val="tx1"/>
+        </a:solidFill>
+        <a:latin typeface="+mn-lt"/>
+        <a:ea typeface="+mn-ea"/>
+        <a:cs typeface="+mn-cs"/>
+      </a:defRPr>
+    </a:lvl8pPr>
+    <a:lvl9pPr marL="3657600" algn="l" defTabSz="914400" rtl="0" eaLnBrk="1" latinLnBrk="0" hangingPunct="1">
+      <a:defRPr sz="1200" kern="1200">
+        <a:solidFill>
+          <a:schemeClr val="tx1"/>
+        </a:solidFill>
+        <a:latin typeface="+mn-lt"/>
+        <a:ea typeface="+mn-ea"/>
+        <a:cs typeface="+mn-cs"/>
+      </a:defRPr>
+    </a:lvl9pPr>
+  </p:notesStyle>
+</p:notesMaster>
+</file>
+
+<file path=ppt/notesSlides/notesSlide1.xml><?xml version="1.0" encoding="utf-8"?>
+<p:notes xmlns:a="http://schemas.openxmlformats.org/drawingml/2006/main" xmlns:r="http://schemas.openxmlformats.org/officeDocument/2006/relationships" xmlns:p="http://schemas.openxmlformats.org/presentationml/2006/main">
+  <p:cSld>
+    <p:spTree>
+      <p:nvGrpSpPr>
+        <p:cNvPr id="1" name=""/>
+        <p:cNvGrpSpPr/>
+        <p:nvPr/>
+      </p:nvGrpSpPr>
+      <p:grpSpPr>
+        <a:xfrm>
+          <a:off x="0" y="0"/>
+          <a:ext cx="0" cy="0"/>
+          <a:chOff x="0" y="0"/>
+          <a:chExt cx="0" cy="0"/>
+        </a:xfrm>
+      </p:grpSpPr>
+      <p:sp>
+        <p:nvSpPr>
+          <p:cNvPr id="2" name="Slide Image Placeholder 1"/>
+          <p:cNvSpPr>
+            <a:spLocks noGrp="1" noRot="1" noChangeAspect="1"/>
+          </p:cNvSpPr>
+          <p:nvPr>
+            <p:ph type="sldImg"/>
+          </p:nvPr>
+        </p:nvSpPr>
+        <p:spPr/>
+      </p:sp>
+      <p:sp>
+        <p:nvSpPr>
+          <p:cNvPr id="3" name="Notes Placeholder 2"/>
+          <p:cNvSpPr>
+            <a:spLocks noGrp="1"/>
+          </p:cNvSpPr>
+          <p:nvPr>
+            <p:ph type="body" idx="1"/>
+          </p:nvPr>
+        </p:nvSpPr>
+        <p:spPr/>
+        <p:txBody>
+          <a:bodyPr/>
+          <a:lstStyle/>
+          <a:p>
+            <a:pPr marL="0" marR="0" lvl="0" indent="0" algn="l" defTabSz="914400" rtl="0" eaLnBrk="1" fontAlgn="auto" latinLnBrk="0" hangingPunct="1">
+              <a:lnSpc>
+                <a:spcPct val="100000"/>
+              </a:lnSpc>
+              <a:spcBef>
+                <a:spcPts val="0"/>
+              </a:spcBef>
+              <a:spcAft>
+                <a:spcPts val="0"/>
+              </a:spcAft>
+              <a:buClrTx/>
+              <a:buSzTx/>
+              <a:buFontTx/>
+              <a:buNone/>
+              <a:tabLst/>
+              <a:defRPr/>
+            </a:pPr>
+            <a:r>
+              <a:rPr lang="en-US" b="0" i="0" dirty="0">
+                <a:solidFill>
+                  <a:srgbClr val="FF0000"/>
+                </a:solidFill>
+                <a:effectLst/>
+                <a:latin typeface="Menlo" panose="020B0609030804020204" pitchFamily="49" charset="0"/>
+              </a:rPr>
+              <a:t>Action/Sci-Fi: Because the p-value of 0.5419928655031908 is greater than or equal to the level of significance 0.05, we fail to reject the null hypothesis that there is no significant difference between the means. </a:t>
+            </a:r>
+          </a:p>
+          <a:p>
+            <a:pPr marL="0" marR="0" lvl="0" indent="0" algn="l" defTabSz="914400" rtl="0" eaLnBrk="1" fontAlgn="auto" latinLnBrk="0" hangingPunct="1">
+              <a:lnSpc>
+                <a:spcPct val="100000"/>
+              </a:lnSpc>
+              <a:spcBef>
+                <a:spcPts val="0"/>
+              </a:spcBef>
+              <a:spcAft>
+                <a:spcPts val="0"/>
+              </a:spcAft>
+              <a:buClrTx/>
+              <a:buSzTx/>
+              <a:buFontTx/>
+              <a:buNone/>
+              <a:tabLst/>
+              <a:defRPr/>
+            </a:pPr>
+            <a:r>
+              <a:rPr lang="en-US" b="0" i="0" dirty="0">
+                <a:solidFill>
+                  <a:srgbClr val="CCCCCC"/>
+                </a:solidFill>
+                <a:effectLst/>
+                <a:latin typeface="Menlo" panose="020B0609030804020204" pitchFamily="49" charset="0"/>
+              </a:rPr>
+              <a:t>Action/Horror: Because the p-value of 0.0320197770427886 is less than the level of significance 0.05, we reject the null hypothesis and conclude that there is a significant difference between the means. </a:t>
+            </a:r>
+          </a:p>
+          <a:p>
+            <a:pPr marL="0" marR="0" lvl="0" indent="0" algn="l" defTabSz="914400" rtl="0" eaLnBrk="1" fontAlgn="auto" latinLnBrk="0" hangingPunct="1">
+              <a:lnSpc>
+                <a:spcPct val="100000"/>
+              </a:lnSpc>
+              <a:spcBef>
+                <a:spcPts val="0"/>
+              </a:spcBef>
+              <a:spcAft>
+                <a:spcPts val="0"/>
+              </a:spcAft>
+              <a:buClrTx/>
+              <a:buSzTx/>
+              <a:buFontTx/>
+              <a:buNone/>
+              <a:tabLst/>
+              <a:defRPr/>
+            </a:pPr>
+            <a:r>
+              <a:rPr lang="en-US" b="0" i="0" dirty="0">
+                <a:solidFill>
+                  <a:srgbClr val="CCCCCC"/>
+                </a:solidFill>
+                <a:effectLst/>
+                <a:latin typeface="Menlo" panose="020B0609030804020204" pitchFamily="49" charset="0"/>
+              </a:rPr>
+              <a:t>Action/Comedy: Because the p-value of 0.7164631967004338 is greater than or equal to the level of significance 0.05, we fail to reject the null hypothesis that there is no significant difference between the means. </a:t>
+            </a:r>
+          </a:p>
+          <a:p>
+            <a:pPr marL="0" marR="0" lvl="0" indent="0" algn="l" defTabSz="914400" rtl="0" eaLnBrk="1" fontAlgn="auto" latinLnBrk="0" hangingPunct="1">
+              <a:lnSpc>
+                <a:spcPct val="100000"/>
+              </a:lnSpc>
+              <a:spcBef>
+                <a:spcPts val="0"/>
+              </a:spcBef>
+              <a:spcAft>
+                <a:spcPts val="0"/>
+              </a:spcAft>
+              <a:buClrTx/>
+              <a:buSzTx/>
+              <a:buFontTx/>
+              <a:buNone/>
+              <a:tabLst/>
+              <a:defRPr/>
+            </a:pPr>
+            <a:r>
+              <a:rPr lang="en-US" b="0" i="0" dirty="0">
+                <a:solidFill>
+                  <a:srgbClr val="CCCCCC"/>
+                </a:solidFill>
+                <a:effectLst/>
+                <a:latin typeface="Menlo" panose="020B0609030804020204" pitchFamily="49" charset="0"/>
+              </a:rPr>
+              <a:t>Action/Romcom: Because the p-value of 0.43568240524263513 is greater than or equal to the level of significance 0.05, we fail to reject the null hypothesis that there is no significant difference between the means. </a:t>
+            </a:r>
+          </a:p>
+          <a:p>
+            <a:pPr marL="0" marR="0" lvl="0" indent="0" algn="l" defTabSz="914400" rtl="0" eaLnBrk="1" fontAlgn="auto" latinLnBrk="0" hangingPunct="1">
+              <a:lnSpc>
+                <a:spcPct val="100000"/>
+              </a:lnSpc>
+              <a:spcBef>
+                <a:spcPts val="0"/>
+              </a:spcBef>
+              <a:spcAft>
+                <a:spcPts val="0"/>
+              </a:spcAft>
+              <a:buClrTx/>
+              <a:buSzTx/>
+              <a:buFontTx/>
+              <a:buNone/>
+              <a:tabLst/>
+              <a:defRPr/>
+            </a:pPr>
+            <a:r>
+              <a:rPr lang="en-US" b="0" i="0" dirty="0">
+                <a:solidFill>
+                  <a:srgbClr val="CCCCCC"/>
+                </a:solidFill>
+                <a:effectLst/>
+                <a:latin typeface="Menlo" panose="020B0609030804020204" pitchFamily="49" charset="0"/>
+              </a:rPr>
+              <a:t>Sci-Fi/Horror: Because the p-value of 0.05991806549135999 is greater than or equal to the level of significance 0.05, we fail to reject the null hypothesis that there is no significant difference between the means. </a:t>
+            </a:r>
+          </a:p>
+          <a:p>
+            <a:pPr marL="0" marR="0" lvl="0" indent="0" algn="l" defTabSz="914400" rtl="0" eaLnBrk="1" fontAlgn="auto" latinLnBrk="0" hangingPunct="1">
+              <a:lnSpc>
+                <a:spcPct val="100000"/>
+              </a:lnSpc>
+              <a:spcBef>
+                <a:spcPts val="0"/>
+              </a:spcBef>
+              <a:spcAft>
+                <a:spcPts val="0"/>
+              </a:spcAft>
+              <a:buClrTx/>
+              <a:buSzTx/>
+              <a:buFontTx/>
+              <a:buNone/>
+              <a:tabLst/>
+              <a:defRPr/>
+            </a:pPr>
+            <a:r>
+              <a:rPr lang="en-US" b="0" i="0" dirty="0">
+                <a:solidFill>
+                  <a:srgbClr val="CCCCCC"/>
+                </a:solidFill>
+                <a:effectLst/>
+                <a:latin typeface="Menlo" panose="020B0609030804020204" pitchFamily="49" charset="0"/>
+              </a:rPr>
+              <a:t>Sci-Fi/Comedy: Because the p-value of 0.7664193159250333 is greater than or equal to the level of significance 0.05, we fail to reject the null hypothesis that there is no significant difference between the means. </a:t>
+            </a:r>
+          </a:p>
+          <a:p>
+            <a:pPr marL="0" marR="0" lvl="0" indent="0" algn="l" defTabSz="914400" rtl="0" eaLnBrk="1" fontAlgn="auto" latinLnBrk="0" hangingPunct="1">
+              <a:lnSpc>
+                <a:spcPct val="100000"/>
+              </a:lnSpc>
+              <a:spcBef>
+                <a:spcPts val="0"/>
+              </a:spcBef>
+              <a:spcAft>
+                <a:spcPts val="0"/>
+              </a:spcAft>
+              <a:buClrTx/>
+              <a:buSzTx/>
+              <a:buFontTx/>
+              <a:buNone/>
+              <a:tabLst/>
+              <a:defRPr/>
+            </a:pPr>
+            <a:r>
+              <a:rPr lang="en-US" b="0" i="0" dirty="0">
+                <a:solidFill>
+                  <a:srgbClr val="CCCCCC"/>
+                </a:solidFill>
+                <a:effectLst/>
+                <a:latin typeface="Menlo" panose="020B0609030804020204" pitchFamily="49" charset="0"/>
+              </a:rPr>
+              <a:t>Sci-Fi/Romcom: Because the p-value of 0.20623285638678374 is greater than or equal to the level of significance 0.05, we fail to reject the null hypothesis that there is no significant difference between the means. </a:t>
+            </a:r>
+          </a:p>
+          <a:p>
+            <a:pPr marL="0" marR="0" lvl="0" indent="0" algn="l" defTabSz="914400" rtl="0" eaLnBrk="1" fontAlgn="auto" latinLnBrk="0" hangingPunct="1">
+              <a:lnSpc>
+                <a:spcPct val="100000"/>
+              </a:lnSpc>
+              <a:spcBef>
+                <a:spcPts val="0"/>
+              </a:spcBef>
+              <a:spcAft>
+                <a:spcPts val="0"/>
+              </a:spcAft>
+              <a:buClrTx/>
+              <a:buSzTx/>
+              <a:buFontTx/>
+              <a:buNone/>
+              <a:tabLst/>
+              <a:defRPr/>
+            </a:pPr>
+            <a:r>
+              <a:rPr lang="en-US" b="0" i="0" dirty="0">
+                <a:solidFill>
+                  <a:srgbClr val="CCCCCC"/>
+                </a:solidFill>
+                <a:effectLst/>
+                <a:latin typeface="Menlo" panose="020B0609030804020204" pitchFamily="49" charset="0"/>
+              </a:rPr>
+              <a:t>Comedy/Horror: Because the p-value of 0.04267365781352582 is less than the level of significance 0.05, we reject the null hypothesis and conclude that there is a significant difference between the means. </a:t>
+            </a:r>
+          </a:p>
+          <a:p>
+            <a:pPr marL="0" marR="0" lvl="0" indent="0" algn="l" defTabSz="914400" rtl="0" eaLnBrk="1" fontAlgn="auto" latinLnBrk="0" hangingPunct="1">
+              <a:lnSpc>
+                <a:spcPct val="100000"/>
+              </a:lnSpc>
+              <a:spcBef>
+                <a:spcPts val="0"/>
+              </a:spcBef>
+              <a:spcAft>
+                <a:spcPts val="0"/>
+              </a:spcAft>
+              <a:buClrTx/>
+              <a:buSzTx/>
+              <a:buFontTx/>
+              <a:buNone/>
+              <a:tabLst/>
+              <a:defRPr/>
+            </a:pPr>
+            <a:r>
+              <a:rPr lang="en-US" b="0" i="0" dirty="0">
+                <a:solidFill>
+                  <a:srgbClr val="CCCCCC"/>
+                </a:solidFill>
+                <a:effectLst/>
+                <a:latin typeface="Menlo" panose="020B0609030804020204" pitchFamily="49" charset="0"/>
+              </a:rPr>
+              <a:t>Comedy/Romcom: Because the p-value of 0.26635729090157445 is greater than or equal to the level of significance 0.05, we fail to reject the null hypothesis that there is no significant difference between the means. </a:t>
+            </a:r>
+          </a:p>
+          <a:p>
+            <a:pPr marL="0" marR="0" lvl="0" indent="0" algn="l" defTabSz="914400" rtl="0" eaLnBrk="1" fontAlgn="auto" latinLnBrk="0" hangingPunct="1">
+              <a:lnSpc>
+                <a:spcPct val="100000"/>
+              </a:lnSpc>
+              <a:spcBef>
+                <a:spcPts val="0"/>
+              </a:spcBef>
+              <a:spcAft>
+                <a:spcPts val="0"/>
+              </a:spcAft>
+              <a:buClrTx/>
+              <a:buSzTx/>
+              <a:buFontTx/>
+              <a:buNone/>
+              <a:tabLst/>
+              <a:defRPr/>
+            </a:pPr>
+            <a:r>
+              <a:rPr lang="en-US" b="0" i="0" dirty="0">
+                <a:solidFill>
+                  <a:srgbClr val="CCCCCC"/>
+                </a:solidFill>
+                <a:effectLst/>
+                <a:latin typeface="Menlo" panose="020B0609030804020204" pitchFamily="49" charset="0"/>
+              </a:rPr>
+              <a:t>Horror/Romcom: Because the p-value of 0.0159970411894357 is less than the level of significance 0.05, we reject the null hypothesis and conclude that there is a significant difference between the means.</a:t>
+            </a:r>
+          </a:p>
+          <a:p>
+            <a:pPr marL="0" marR="0" lvl="0" indent="0" algn="l" defTabSz="914400" rtl="0" eaLnBrk="1" fontAlgn="auto" latinLnBrk="0" hangingPunct="1">
+              <a:lnSpc>
+                <a:spcPct val="100000"/>
+              </a:lnSpc>
+              <a:spcBef>
+                <a:spcPts val="0"/>
+              </a:spcBef>
+              <a:spcAft>
+                <a:spcPts val="0"/>
+              </a:spcAft>
+              <a:buClrTx/>
+              <a:buSzTx/>
+              <a:buFontTx/>
+              <a:buNone/>
+              <a:tabLst/>
+              <a:defRPr/>
+            </a:pPr>
+            <a:endParaRPr lang="en-US" b="0" i="0" dirty="0">
+              <a:solidFill>
+                <a:srgbClr val="CCCCCC"/>
+              </a:solidFill>
+              <a:effectLst/>
+              <a:latin typeface="Menlo" panose="020B0609030804020204" pitchFamily="49" charset="0"/>
+            </a:endParaRPr>
+          </a:p>
+          <a:p>
+            <a:pPr marL="0" marR="0" lvl="0" indent="0" algn="l" defTabSz="914400" rtl="0" eaLnBrk="1" fontAlgn="auto" latinLnBrk="0" hangingPunct="1">
+              <a:lnSpc>
+                <a:spcPct val="100000"/>
+              </a:lnSpc>
+              <a:spcBef>
+                <a:spcPts val="0"/>
+              </a:spcBef>
+              <a:spcAft>
+                <a:spcPts val="0"/>
+              </a:spcAft>
+              <a:buClrTx/>
+              <a:buSzTx/>
+              <a:buFontTx/>
+              <a:buNone/>
+              <a:tabLst/>
+              <a:defRPr/>
+            </a:pPr>
+            <a:r>
+              <a:rPr lang="en-US" b="0" i="0" dirty="0" err="1">
+                <a:solidFill>
+                  <a:srgbClr val="CCCCCC"/>
+                </a:solidFill>
+                <a:effectLst/>
+                <a:latin typeface="Menlo" panose="020B0609030804020204" pitchFamily="49" charset="0"/>
+              </a:rPr>
+              <a:t>Anova</a:t>
+            </a:r>
+            <a:r>
+              <a:rPr lang="en-US" b="0" i="0" dirty="0">
+                <a:solidFill>
+                  <a:srgbClr val="CCCCCC"/>
+                </a:solidFill>
+                <a:effectLst/>
+                <a:latin typeface="Menlo" panose="020B0609030804020204" pitchFamily="49" charset="0"/>
+              </a:rPr>
+              <a:t> Test:</a:t>
+            </a:r>
+          </a:p>
+          <a:p>
+            <a:pPr marL="0" marR="0" lvl="0" indent="0" algn="l" defTabSz="914400" rtl="0" eaLnBrk="1" fontAlgn="auto" latinLnBrk="0" hangingPunct="1">
+              <a:lnSpc>
+                <a:spcPct val="100000"/>
+              </a:lnSpc>
+              <a:spcBef>
+                <a:spcPts val="0"/>
+              </a:spcBef>
+              <a:spcAft>
+                <a:spcPts val="0"/>
+              </a:spcAft>
+              <a:buClrTx/>
+              <a:buSzTx/>
+              <a:buFontTx/>
+              <a:buNone/>
+              <a:tabLst/>
+              <a:defRPr/>
+            </a:pPr>
+            <a:r>
+              <a:rPr lang="en-US" b="0" i="0" dirty="0">
+                <a:solidFill>
+                  <a:srgbClr val="CCCCCC"/>
+                </a:solidFill>
+                <a:effectLst/>
+                <a:latin typeface="Menlo" panose="020B0609030804020204" pitchFamily="49" charset="0"/>
+              </a:rPr>
+              <a:t>The F-statistic: 3.79 suggests that there is more variance between the genres than within the genres.</a:t>
+            </a:r>
+          </a:p>
+          <a:p>
+            <a:pPr marL="0" marR="0" lvl="0" indent="0" algn="l" defTabSz="914400" rtl="0" eaLnBrk="1" fontAlgn="auto" latinLnBrk="0" hangingPunct="1">
+              <a:lnSpc>
+                <a:spcPct val="100000"/>
+              </a:lnSpc>
+              <a:spcBef>
+                <a:spcPts val="0"/>
+              </a:spcBef>
+              <a:spcAft>
+                <a:spcPts val="0"/>
+              </a:spcAft>
+              <a:buClrTx/>
+              <a:buSzTx/>
+              <a:buFontTx/>
+              <a:buNone/>
+              <a:tabLst/>
+              <a:defRPr/>
+            </a:pPr>
+            <a:r>
+              <a:rPr lang="en-US" b="0" i="0" dirty="0">
+                <a:solidFill>
+                  <a:srgbClr val="CCCCCC"/>
+                </a:solidFill>
+                <a:effectLst/>
+                <a:latin typeface="Menlo" panose="020B0609030804020204" pitchFamily="49" charset="0"/>
+              </a:rPr>
+              <a:t>Because the P-value: 0.004773 is lower than the level of significance 0.05, we can reject the null hypothesis and conclude that at least one of genre means is significantly different than the others. </a:t>
+            </a:r>
+            <a:endParaRPr lang="en-US" dirty="0"/>
+          </a:p>
+        </p:txBody>
+      </p:sp>
+      <p:sp>
+        <p:nvSpPr>
+          <p:cNvPr id="4" name="Slide Number Placeholder 3"/>
+          <p:cNvSpPr>
+            <a:spLocks noGrp="1"/>
+          </p:cNvSpPr>
+          <p:nvPr>
+            <p:ph type="sldNum" sz="quarter" idx="5"/>
+          </p:nvPr>
+        </p:nvSpPr>
+        <p:spPr/>
+        <p:txBody>
+          <a:bodyPr/>
+          <a:lstStyle/>
+          <a:p>
+            <a:fld id="{3901B114-1F86-F54E-86F8-7193E1FC313B}" type="slidenum">
+              <a:rPr lang="en-US" smtClean="0"/>
+              <a:t>10</a:t>
+            </a:fld>
+            <a:endParaRPr lang="en-US"/>
+          </a:p>
+        </p:txBody>
+      </p:sp>
+    </p:spTree>
+    <p:extLst>
+      <p:ext uri="{BB962C8B-B14F-4D97-AF65-F5344CB8AC3E}">
+        <p14:creationId xmlns:p14="http://schemas.microsoft.com/office/powerpoint/2010/main" val="2578279879"/>
+      </p:ext>
+    </p:extLst>
+  </p:cSld>
+  <p:clrMapOvr>
+    <a:masterClrMapping/>
+  </p:clrMapOvr>
+</p:notes>
 </file>
 
 <file path=ppt/slideLayouts/slideLayout1.xml><?xml version="1.0" encoding="utf-8"?>
@@ -24834,49 +25681,6 @@
           </a:p>
         </p:txBody>
       </p:sp>
-      <p:sp>
-        <p:nvSpPr>
-          <p:cNvPr id="5" name="TextBox 4">
-            <a:extLst>
-              <a:ext uri="{FF2B5EF4-FFF2-40B4-BE49-F238E27FC236}">
-                <a16:creationId xmlns:a16="http://schemas.microsoft.com/office/drawing/2014/main" id="{60282788-E5FF-AC63-A8B7-56D301726400}"/>
-              </a:ext>
-            </a:extLst>
-          </p:cNvPr>
-          <p:cNvSpPr txBox="1"/>
-          <p:nvPr/>
-        </p:nvSpPr>
-        <p:spPr>
-          <a:xfrm>
-            <a:off x="92776" y="2251497"/>
-            <a:ext cx="4122173" cy="646331"/>
-          </a:xfrm>
-          <a:prstGeom prst="rect">
-            <a:avLst/>
-          </a:prstGeom>
-          <a:noFill/>
-        </p:spPr>
-        <p:txBody>
-          <a:bodyPr wrap="square">
-            <a:spAutoFit/>
-          </a:bodyPr>
-          <a:lstStyle/>
-          <a:p>
-            <a:r>
-              <a:rPr lang="en-US" b="0" i="0" dirty="0">
-                <a:effectLst/>
-                <a:latin typeface="PT Sans" panose="020B0503020203020204" pitchFamily="34" charset="77"/>
-              </a:rPr>
-              <a:t>Analysis goes here</a:t>
-            </a:r>
-          </a:p>
-          <a:p>
-            <a:endParaRPr lang="en-US" dirty="0">
-              <a:latin typeface="PT Sans" panose="020B0503020203020204" pitchFamily="34" charset="77"/>
-            </a:endParaRPr>
-          </a:p>
-        </p:txBody>
-      </p:sp>
       <p:pic>
         <p:nvPicPr>
           <p:cNvPr id="4" name="Picture 3" descr="A graph with blue squares&#10;&#10;Description automatically generated">
@@ -24892,7 +25696,7 @@
           <p:nvPr/>
         </p:nvPicPr>
         <p:blipFill>
-          <a:blip r:embed="rId2"/>
+          <a:blip r:embed="rId3"/>
           <a:stretch>
             <a:fillRect/>
           </a:stretch>
@@ -24912,6 +25716,324 @@
           </a:ln>
         </p:spPr>
       </p:pic>
+      <p:sp>
+        <p:nvSpPr>
+          <p:cNvPr id="2" name="TextBox 1">
+            <a:extLst>
+              <a:ext uri="{FF2B5EF4-FFF2-40B4-BE49-F238E27FC236}">
+                <a16:creationId xmlns:a16="http://schemas.microsoft.com/office/drawing/2014/main" id="{D3F0972A-01DA-7DAB-FD94-8933C1D58A9F}"/>
+              </a:ext>
+            </a:extLst>
+          </p:cNvPr>
+          <p:cNvSpPr txBox="1"/>
+          <p:nvPr/>
+        </p:nvSpPr>
+        <p:spPr>
+          <a:xfrm>
+            <a:off x="92776" y="1099268"/>
+            <a:ext cx="4177074" cy="4770537"/>
+          </a:xfrm>
+          <a:prstGeom prst="rect">
+            <a:avLst/>
+          </a:prstGeom>
+          <a:noFill/>
+        </p:spPr>
+        <p:txBody>
+          <a:bodyPr wrap="square">
+            <a:spAutoFit/>
+          </a:bodyPr>
+          <a:lstStyle/>
+          <a:p>
+            <a:pPr algn="ctr"/>
+            <a:r>
+              <a:rPr lang="en-US" sz="1600" b="1" i="0" u="sng" dirty="0">
+                <a:effectLst/>
+                <a:latin typeface="PT Sans" panose="020B0503020203020204" pitchFamily="34" charset="77"/>
+              </a:rPr>
+              <a:t>Two Sample T-Test</a:t>
+            </a:r>
+          </a:p>
+          <a:p>
+            <a:r>
+              <a:rPr lang="en-US" sz="1600" i="0" dirty="0">
+                <a:effectLst/>
+                <a:latin typeface="PT Sans" panose="020B0503020203020204" pitchFamily="34" charset="77"/>
+              </a:rPr>
+              <a:t>Fail to </a:t>
+            </a:r>
+            <a:r>
+              <a:rPr lang="en-US" sz="1600" dirty="0">
+                <a:latin typeface="PT Sans" panose="020B0503020203020204" pitchFamily="34" charset="77"/>
+              </a:rPr>
+              <a:t>r</a:t>
+            </a:r>
+            <a:r>
+              <a:rPr lang="en-US" sz="1600" i="0" dirty="0">
+                <a:effectLst/>
+                <a:latin typeface="PT Sans" panose="020B0503020203020204" pitchFamily="34" charset="77"/>
+              </a:rPr>
+              <a:t>eject </a:t>
+            </a:r>
+            <a:r>
+              <a:rPr lang="en-US" sz="1600" dirty="0">
+                <a:latin typeface="PT Sans" panose="020B0503020203020204" pitchFamily="34" charset="77"/>
+              </a:rPr>
+              <a:t>n</a:t>
+            </a:r>
+            <a:r>
+              <a:rPr lang="en-US" sz="1600" i="0" dirty="0">
+                <a:effectLst/>
+                <a:latin typeface="PT Sans" panose="020B0503020203020204" pitchFamily="34" charset="77"/>
+              </a:rPr>
+              <a:t>ull </a:t>
+            </a:r>
+            <a:r>
+              <a:rPr lang="en-US" sz="1600" dirty="0">
+                <a:latin typeface="PT Sans" panose="020B0503020203020204" pitchFamily="34" charset="77"/>
+              </a:rPr>
+              <a:t>h</a:t>
+            </a:r>
+            <a:r>
+              <a:rPr lang="en-US" sz="1600" i="0" dirty="0">
+                <a:effectLst/>
+                <a:latin typeface="PT Sans" panose="020B0503020203020204" pitchFamily="34" charset="77"/>
+              </a:rPr>
+              <a:t>ypothesis because there is no significant difference between the means for the following:</a:t>
+            </a:r>
+          </a:p>
+          <a:p>
+            <a:pPr marL="742950" lvl="1" indent="-285750">
+              <a:buFont typeface="Arial" panose="020B0604020202020204" pitchFamily="34" charset="0"/>
+              <a:buChar char="•"/>
+            </a:pPr>
+            <a:r>
+              <a:rPr lang="en-US" sz="1600" dirty="0">
+                <a:latin typeface="PT Sans" panose="020B0503020203020204" pitchFamily="34" charset="77"/>
+              </a:rPr>
+              <a:t>Action vs Sci-Fi</a:t>
+            </a:r>
+          </a:p>
+          <a:p>
+            <a:pPr marL="742950" lvl="1" indent="-285750">
+              <a:buFont typeface="Arial" panose="020B0604020202020204" pitchFamily="34" charset="0"/>
+              <a:buChar char="•"/>
+            </a:pPr>
+            <a:r>
+              <a:rPr lang="en-US" sz="1600" dirty="0">
+                <a:latin typeface="PT Sans" panose="020B0503020203020204" pitchFamily="34" charset="77"/>
+              </a:rPr>
+              <a:t>Action vs Comedy</a:t>
+            </a:r>
+          </a:p>
+          <a:p>
+            <a:pPr marL="742950" lvl="1" indent="-285750">
+              <a:buFont typeface="Arial" panose="020B0604020202020204" pitchFamily="34" charset="0"/>
+              <a:buChar char="•"/>
+            </a:pPr>
+            <a:r>
+              <a:rPr lang="en-US" sz="1600" dirty="0">
+                <a:latin typeface="PT Sans" panose="020B0503020203020204" pitchFamily="34" charset="77"/>
+              </a:rPr>
+              <a:t>Action vs </a:t>
+            </a:r>
+            <a:r>
+              <a:rPr lang="en-US" sz="1600" dirty="0" err="1">
+                <a:latin typeface="PT Sans" panose="020B0503020203020204" pitchFamily="34" charset="77"/>
+              </a:rPr>
+              <a:t>RomCom</a:t>
+            </a:r>
+            <a:endParaRPr lang="en-US" sz="1600" dirty="0">
+              <a:latin typeface="PT Sans" panose="020B0503020203020204" pitchFamily="34" charset="77"/>
+            </a:endParaRPr>
+          </a:p>
+          <a:p>
+            <a:pPr marL="742950" lvl="1" indent="-285750">
+              <a:buFont typeface="Arial" panose="020B0604020202020204" pitchFamily="34" charset="0"/>
+              <a:buChar char="•"/>
+            </a:pPr>
+            <a:r>
+              <a:rPr lang="en-US" sz="1600" dirty="0">
+                <a:latin typeface="PT Sans" panose="020B0503020203020204" pitchFamily="34" charset="77"/>
+              </a:rPr>
+              <a:t>Sci-Fi vs Horror</a:t>
+            </a:r>
+          </a:p>
+          <a:p>
+            <a:pPr marL="742950" lvl="1" indent="-285750">
+              <a:buFont typeface="Arial" panose="020B0604020202020204" pitchFamily="34" charset="0"/>
+              <a:buChar char="•"/>
+            </a:pPr>
+            <a:r>
+              <a:rPr lang="en-US" sz="1600" dirty="0">
+                <a:latin typeface="PT Sans" panose="020B0503020203020204" pitchFamily="34" charset="77"/>
+              </a:rPr>
+              <a:t>Sci-Fi vs Comedy</a:t>
+            </a:r>
+          </a:p>
+          <a:p>
+            <a:pPr marL="742950" lvl="1" indent="-285750">
+              <a:buFont typeface="Arial" panose="020B0604020202020204" pitchFamily="34" charset="0"/>
+              <a:buChar char="•"/>
+            </a:pPr>
+            <a:r>
+              <a:rPr lang="en-US" sz="1600" dirty="0">
+                <a:latin typeface="PT Sans" panose="020B0503020203020204" pitchFamily="34" charset="77"/>
+              </a:rPr>
+              <a:t>Sci-Fi vs </a:t>
+            </a:r>
+            <a:r>
+              <a:rPr lang="en-US" sz="1600" dirty="0" err="1">
+                <a:latin typeface="PT Sans" panose="020B0503020203020204" pitchFamily="34" charset="77"/>
+              </a:rPr>
+              <a:t>RomCom</a:t>
+            </a:r>
+            <a:endParaRPr lang="en-US" sz="1600" dirty="0">
+              <a:latin typeface="PT Sans" panose="020B0503020203020204" pitchFamily="34" charset="77"/>
+            </a:endParaRPr>
+          </a:p>
+          <a:p>
+            <a:pPr marL="742950" lvl="1" indent="-285750">
+              <a:buFont typeface="Arial" panose="020B0604020202020204" pitchFamily="34" charset="0"/>
+              <a:buChar char="•"/>
+            </a:pPr>
+            <a:r>
+              <a:rPr lang="en-US" sz="1600" dirty="0">
+                <a:latin typeface="PT Sans" panose="020B0503020203020204" pitchFamily="34" charset="77"/>
+              </a:rPr>
+              <a:t>Comedy vs Romcom</a:t>
+            </a:r>
+          </a:p>
+          <a:p>
+            <a:endParaRPr lang="en-US" sz="1600" dirty="0">
+              <a:latin typeface="PT Sans" panose="020B0503020203020204" pitchFamily="34" charset="77"/>
+            </a:endParaRPr>
+          </a:p>
+          <a:p>
+            <a:r>
+              <a:rPr lang="en-US" sz="1600" dirty="0">
+                <a:latin typeface="PT Sans" panose="020B0503020203020204" pitchFamily="34" charset="77"/>
+              </a:rPr>
+              <a:t>Reject null hypothesis and conclude that there is a significant difference be the means:</a:t>
+            </a:r>
+          </a:p>
+          <a:p>
+            <a:pPr marL="742950" lvl="1" indent="-285750">
+              <a:buFont typeface="Arial" panose="020B0604020202020204" pitchFamily="34" charset="0"/>
+              <a:buChar char="•"/>
+            </a:pPr>
+            <a:r>
+              <a:rPr lang="en-US" sz="1600" dirty="0">
+                <a:latin typeface="PT Sans" panose="020B0503020203020204" pitchFamily="34" charset="77"/>
+              </a:rPr>
+              <a:t>Action vs Horror</a:t>
+            </a:r>
+          </a:p>
+          <a:p>
+            <a:pPr marL="742950" lvl="1" indent="-285750">
+              <a:buFont typeface="Arial" panose="020B0604020202020204" pitchFamily="34" charset="0"/>
+              <a:buChar char="•"/>
+            </a:pPr>
+            <a:r>
+              <a:rPr lang="en-US" sz="1600" dirty="0">
+                <a:latin typeface="PT Sans" panose="020B0503020203020204" pitchFamily="34" charset="77"/>
+              </a:rPr>
+              <a:t>Comedy vs Horror</a:t>
+            </a:r>
+          </a:p>
+          <a:p>
+            <a:pPr marL="742950" lvl="1" indent="-285750">
+              <a:buFont typeface="Arial" panose="020B0604020202020204" pitchFamily="34" charset="0"/>
+              <a:buChar char="•"/>
+            </a:pPr>
+            <a:r>
+              <a:rPr lang="en-US" sz="1600" dirty="0">
+                <a:latin typeface="PT Sans" panose="020B0503020203020204" pitchFamily="34" charset="77"/>
+              </a:rPr>
+              <a:t>Horror vs Romcom</a:t>
+            </a:r>
+          </a:p>
+          <a:p>
+            <a:endParaRPr lang="en-US" sz="1600" dirty="0">
+              <a:latin typeface="PT Sans" panose="020B0503020203020204" pitchFamily="34" charset="77"/>
+            </a:endParaRPr>
+          </a:p>
+          <a:p>
+            <a:endParaRPr lang="en-US" sz="1600" b="0" i="0" dirty="0">
+              <a:effectLst/>
+              <a:latin typeface="PT Sans" panose="020B0503020203020204" pitchFamily="34" charset="77"/>
+            </a:endParaRPr>
+          </a:p>
+        </p:txBody>
+      </p:sp>
+      <p:sp>
+        <p:nvSpPr>
+          <p:cNvPr id="8" name="TextBox 7">
+            <a:extLst>
+              <a:ext uri="{FF2B5EF4-FFF2-40B4-BE49-F238E27FC236}">
+                <a16:creationId xmlns:a16="http://schemas.microsoft.com/office/drawing/2014/main" id="{385FB781-8A64-863B-AD22-7D14984A4695}"/>
+              </a:ext>
+            </a:extLst>
+          </p:cNvPr>
+          <p:cNvSpPr txBox="1"/>
+          <p:nvPr/>
+        </p:nvSpPr>
+        <p:spPr>
+          <a:xfrm>
+            <a:off x="0" y="6150114"/>
+            <a:ext cx="12192000" cy="707886"/>
+          </a:xfrm>
+          <a:prstGeom prst="rect">
+            <a:avLst/>
+          </a:prstGeom>
+          <a:solidFill>
+            <a:schemeClr val="bg1">
+              <a:lumMod val="75000"/>
+            </a:schemeClr>
+          </a:solidFill>
+        </p:spPr>
+        <p:txBody>
+          <a:bodyPr wrap="square">
+            <a:spAutoFit/>
+          </a:bodyPr>
+          <a:lstStyle>
+            <a:defPPr>
+              <a:defRPr lang="en-US"/>
+            </a:defPPr>
+            <a:lvl1pPr>
+              <a:defRPr sz="1600" b="1" i="0">
+                <a:effectLst/>
+                <a:latin typeface="PT Sans" panose="020B0503020203020204" pitchFamily="34" charset="77"/>
+              </a:defRPr>
+            </a:lvl1pPr>
+            <a:lvl2pPr marL="742950" lvl="1" indent="-285750">
+              <a:buFont typeface="Arial" panose="020B0604020202020204" pitchFamily="34" charset="0"/>
+              <a:buChar char="•"/>
+              <a:defRPr sz="1600">
+                <a:latin typeface="PT Sans" panose="020B0503020203020204" pitchFamily="34" charset="77"/>
+              </a:defRPr>
+            </a:lvl2pPr>
+          </a:lstStyle>
+          <a:p>
+            <a:pPr algn="ctr"/>
+            <a:r>
+              <a:rPr lang="en-US" sz="2000" b="0" dirty="0" err="1">
+                <a:solidFill>
+                  <a:srgbClr val="FF0000"/>
+                </a:solidFill>
+              </a:rPr>
+              <a:t>Anova</a:t>
+            </a:r>
+            <a:r>
+              <a:rPr lang="en-US" sz="2000" b="0" dirty="0">
+                <a:solidFill>
+                  <a:srgbClr val="FF0000"/>
+                </a:solidFill>
+              </a:rPr>
+              <a:t> test revealed that we can reject the null hypothesis and conclude that at least one of genre means is significantly different than the others</a:t>
+            </a:r>
+          </a:p>
+        </p:txBody>
+      </p:sp>
     </p:spTree>
     <p:extLst>
       <p:ext uri="{BB962C8B-B14F-4D97-AF65-F5344CB8AC3E}">
@@ -31869,7 +32991,7 @@
         <p:spPr>
           <a:xfrm>
             <a:off x="0" y="1167063"/>
-            <a:ext cx="12192000" cy="3170099"/>
+            <a:ext cx="12192000" cy="4093428"/>
           </a:xfrm>
           <a:prstGeom prst="rect">
             <a:avLst/>
@@ -31913,6 +33035,42 @@
                 <a:latin typeface="PT Sans" panose="020B0503020203020204" pitchFamily="34" charset="77"/>
               </a:rPr>
               <a:t>For genre analysis filtered movies that had a budget of over $1 million and revenue of over $1 million</a:t>
+            </a:r>
+          </a:p>
+          <a:p>
+            <a:r>
+              <a:rPr lang="en-US" sz="2000" dirty="0">
+                <a:latin typeface="PT Sans" panose="020B0503020203020204" pitchFamily="34" charset="77"/>
+              </a:rPr>
+              <a:t>Analyzed Total Budget vs Revenue, Total Budget vs % Profit, Total Budget vs Audience Vote</a:t>
+            </a:r>
+          </a:p>
+          <a:p>
+            <a:r>
+              <a:rPr lang="en-US" sz="2000" dirty="0">
+                <a:latin typeface="PT Sans" panose="020B0503020203020204" pitchFamily="34" charset="77"/>
+              </a:rPr>
+              <a:t>Performed </a:t>
+            </a:r>
+            <a:r>
+              <a:rPr lang="en-US" sz="2000" dirty="0" err="1">
+                <a:latin typeface="PT Sans" panose="020B0503020203020204" pitchFamily="34" charset="77"/>
+              </a:rPr>
+              <a:t>Anova</a:t>
+            </a:r>
+            <a:r>
+              <a:rPr lang="en-US" sz="2000" dirty="0">
+                <a:latin typeface="PT Sans" panose="020B0503020203020204" pitchFamily="34" charset="77"/>
+              </a:rPr>
+              <a:t> test on all five genres</a:t>
+            </a:r>
+          </a:p>
+          <a:p>
+            <a:r>
+              <a:rPr lang="en-US" sz="2000" dirty="0">
+                <a:latin typeface="PT Sans" panose="020B0503020203020204" pitchFamily="34" charset="77"/>
+              </a:rPr>
+              <a:t>Performed Two Sample T-Test on genre vs genre</a:t>
             </a:r>
           </a:p>
           <a:p>
@@ -32197,8 +33355,8 @@
         </p:nvSpPr>
         <p:spPr>
           <a:xfrm>
-            <a:off x="178526" y="1756736"/>
-            <a:ext cx="3881191" cy="923330"/>
+            <a:off x="91440" y="1485900"/>
+            <a:ext cx="4158343" cy="2308324"/>
           </a:xfrm>
           <a:prstGeom prst="rect">
             <a:avLst/>
@@ -32206,7 +33364,7 @@
           <a:noFill/>
         </p:spPr>
         <p:txBody>
-          <a:bodyPr wrap="none" rtlCol="0">
+          <a:bodyPr wrap="square" rtlCol="0">
             <a:spAutoFit/>
           </a:bodyPr>
           <a:lstStyle/>
@@ -32216,7 +33374,7 @@
                 <a:effectLst/>
                 <a:latin typeface="PT Sans" panose="020B0503020203020204" pitchFamily="34" charset="77"/>
               </a:rPr>
-              <a:t>Analysis goes here</a:t>
+              <a:t>Statistical analysis indicates there is strong likely of correlation between Total Budget and Revenue.</a:t>
             </a:r>
           </a:p>
           <a:p>
@@ -32225,13 +33383,23 @@
             </a:endParaRPr>
           </a:p>
           <a:p>
-            <a:r>
-              <a:rPr lang="en-US" b="0" i="0" dirty="0">
-                <a:effectLst/>
-                <a:latin typeface="PT Sans" panose="020B0503020203020204" pitchFamily="34" charset="77"/>
-              </a:rPr>
-              <a:t>The R-value is: 0.4843842278753481</a:t>
-            </a:r>
+            <a:endParaRPr lang="en-US" b="0" i="0" dirty="0">
+              <a:effectLst/>
+              <a:latin typeface="PT Sans" panose="020B0503020203020204" pitchFamily="34" charset="77"/>
+            </a:endParaRPr>
+          </a:p>
+          <a:p>
+            <a:endParaRPr lang="en-US" dirty="0">
+              <a:latin typeface="PT Sans" panose="020B0503020203020204" pitchFamily="34" charset="77"/>
+            </a:endParaRPr>
+          </a:p>
+          <a:p>
+            <a:endParaRPr lang="en-US" b="0" i="0" dirty="0">
+              <a:effectLst/>
+              <a:latin typeface="PT Sans" panose="020B0503020203020204" pitchFamily="34" charset="77"/>
+            </a:endParaRPr>
+          </a:p>
+          <a:p>
             <a:endParaRPr lang="en-US" dirty="0">
               <a:latin typeface="PT Sans" panose="020B0503020203020204" pitchFamily="34" charset="77"/>
             </a:endParaRPr>
@@ -32273,6 +33441,47 @@
           </a:ln>
         </p:spPr>
       </p:pic>
+      <p:sp>
+        <p:nvSpPr>
+          <p:cNvPr id="3" name="TextBox 2">
+            <a:extLst>
+              <a:ext uri="{FF2B5EF4-FFF2-40B4-BE49-F238E27FC236}">
+                <a16:creationId xmlns:a16="http://schemas.microsoft.com/office/drawing/2014/main" id="{8829AECC-1B20-0C83-3C23-7F53BD3E17BB}"/>
+              </a:ext>
+            </a:extLst>
+          </p:cNvPr>
+          <p:cNvSpPr txBox="1"/>
+          <p:nvPr/>
+        </p:nvSpPr>
+        <p:spPr>
+          <a:xfrm>
+            <a:off x="8392886" y="5372100"/>
+            <a:ext cx="6143896" cy="369332"/>
+          </a:xfrm>
+          <a:prstGeom prst="rect">
+            <a:avLst/>
+          </a:prstGeom>
+          <a:noFill/>
+        </p:spPr>
+        <p:txBody>
+          <a:bodyPr wrap="square">
+            <a:spAutoFit/>
+          </a:bodyPr>
+          <a:lstStyle/>
+          <a:p>
+            <a:r>
+              <a:rPr lang="en-US" b="0" i="0" dirty="0">
+                <a:effectLst/>
+                <a:latin typeface="PT Sans" panose="020B0503020203020204" pitchFamily="34" charset="77"/>
+              </a:rPr>
+              <a:t>The R-value is: 0.4843842278753481</a:t>
+            </a:r>
+            <a:endParaRPr lang="en-US" dirty="0">
+              <a:latin typeface="PT Sans" panose="020B0503020203020204" pitchFamily="34" charset="77"/>
+            </a:endParaRPr>
+          </a:p>
+        </p:txBody>
+      </p:sp>
     </p:spTree>
     <p:extLst>
       <p:ext uri="{BB962C8B-B14F-4D97-AF65-F5344CB8AC3E}">
@@ -32522,32 +33731,12 @@
           </a:bodyPr>
           <a:lstStyle/>
           <a:p>
-            <a:pPr algn="l"/>
-            <a:r>
-              <a:rPr lang="en-US" dirty="0">
-                <a:latin typeface="PT Sans" panose="020B0503020203020204" pitchFamily="34" charset="77"/>
-              </a:rPr>
-              <a:t>Analysis goes here</a:t>
-            </a:r>
-            <a:endParaRPr lang="en-US" b="0" i="0" dirty="0">
-              <a:effectLst/>
-              <a:latin typeface="PT Sans" panose="020B0503020203020204" pitchFamily="34" charset="77"/>
-            </a:endParaRPr>
-          </a:p>
-          <a:p>
-            <a:pPr algn="l"/>
-            <a:endParaRPr lang="en-US" dirty="0">
-              <a:latin typeface="PT Sans" panose="020B0503020203020204" pitchFamily="34" charset="77"/>
-            </a:endParaRPr>
-          </a:p>
-          <a:p>
-            <a:pPr algn="l"/>
             <a:r>
               <a:rPr lang="en-US" b="0" i="0" dirty="0">
                 <a:effectLst/>
                 <a:latin typeface="PT Sans" panose="020B0503020203020204" pitchFamily="34" charset="77"/>
               </a:rPr>
-              <a:t>The R-value is: 0.010746837895366696 </a:t>
+              <a:t>Statistical analysis indicates there no correlation between Total Budget and % Profit.</a:t>
             </a:r>
           </a:p>
         </p:txBody>
@@ -32587,6 +33776,44 @@
           </a:ln>
         </p:spPr>
       </p:pic>
+      <p:sp>
+        <p:nvSpPr>
+          <p:cNvPr id="3" name="TextBox 2">
+            <a:extLst>
+              <a:ext uri="{FF2B5EF4-FFF2-40B4-BE49-F238E27FC236}">
+                <a16:creationId xmlns:a16="http://schemas.microsoft.com/office/drawing/2014/main" id="{03B7F2DD-61CD-9EAC-8A91-BB7E9AD618F5}"/>
+              </a:ext>
+            </a:extLst>
+          </p:cNvPr>
+          <p:cNvSpPr txBox="1"/>
+          <p:nvPr/>
+        </p:nvSpPr>
+        <p:spPr>
+          <a:xfrm>
+            <a:off x="8122921" y="5372100"/>
+            <a:ext cx="6143896" cy="369332"/>
+          </a:xfrm>
+          <a:prstGeom prst="rect">
+            <a:avLst/>
+          </a:prstGeom>
+          <a:noFill/>
+        </p:spPr>
+        <p:txBody>
+          <a:bodyPr wrap="square">
+            <a:spAutoFit/>
+          </a:bodyPr>
+          <a:lstStyle/>
+          <a:p>
+            <a:r>
+              <a:rPr lang="en-US" b="0" i="0" dirty="0">
+                <a:effectLst/>
+                <a:latin typeface="PT Sans" panose="020B0503020203020204" pitchFamily="34" charset="77"/>
+              </a:rPr>
+              <a:t>The R-value is: 0.010746837895366701 </a:t>
+            </a:r>
+          </a:p>
+        </p:txBody>
+      </p:sp>
     </p:spTree>
     <p:extLst>
       <p:ext uri="{BB962C8B-B14F-4D97-AF65-F5344CB8AC3E}">
@@ -32823,7 +34050,7 @@
         <p:spPr>
           <a:xfrm>
             <a:off x="277668" y="1791678"/>
-            <a:ext cx="3841486" cy="1200329"/>
+            <a:ext cx="3841486" cy="923330"/>
           </a:xfrm>
           <a:prstGeom prst="rect">
             <a:avLst/>
@@ -32841,25 +34068,8 @@
                 <a:effectLst/>
                 <a:latin typeface="PT Sans" panose="020B0503020203020204" pitchFamily="34" charset="77"/>
               </a:rPr>
-              <a:t>Analysis goes here</a:t>
+              <a:t>Statistical analysis indicates there no correlation between Total Budget and Voter Average.</a:t>
             </a:r>
-          </a:p>
-          <a:p>
-            <a:endParaRPr lang="en-US" dirty="0">
-              <a:latin typeface="PT Sans" panose="020B0503020203020204" pitchFamily="34" charset="77"/>
-            </a:endParaRPr>
-          </a:p>
-          <a:p>
-            <a:r>
-              <a:rPr lang="en-US" b="0" i="0" dirty="0">
-                <a:effectLst/>
-                <a:latin typeface="PT Sans" panose="020B0503020203020204" pitchFamily="34" charset="77"/>
-              </a:rPr>
-              <a:t>The R-value is: 0.012800770639383029</a:t>
-            </a:r>
-            <a:endParaRPr lang="en-US" dirty="0">
-              <a:latin typeface="PT Sans" panose="020B0503020203020204" pitchFamily="34" charset="77"/>
-            </a:endParaRPr>
           </a:p>
         </p:txBody>
       </p:sp>
@@ -32898,6 +34108,47 @@
           </a:ln>
         </p:spPr>
       </p:pic>
+      <p:sp>
+        <p:nvSpPr>
+          <p:cNvPr id="3" name="TextBox 2">
+            <a:extLst>
+              <a:ext uri="{FF2B5EF4-FFF2-40B4-BE49-F238E27FC236}">
+                <a16:creationId xmlns:a16="http://schemas.microsoft.com/office/drawing/2014/main" id="{58751C83-5822-6243-4920-6ED0B06A8AA6}"/>
+              </a:ext>
+            </a:extLst>
+          </p:cNvPr>
+          <p:cNvSpPr txBox="1"/>
+          <p:nvPr/>
+        </p:nvSpPr>
+        <p:spPr>
+          <a:xfrm>
+            <a:off x="8122920" y="5372100"/>
+            <a:ext cx="6143896" cy="369332"/>
+          </a:xfrm>
+          <a:prstGeom prst="rect">
+            <a:avLst/>
+          </a:prstGeom>
+          <a:noFill/>
+        </p:spPr>
+        <p:txBody>
+          <a:bodyPr wrap="square">
+            <a:spAutoFit/>
+          </a:bodyPr>
+          <a:lstStyle/>
+          <a:p>
+            <a:r>
+              <a:rPr lang="en-US" b="0" i="0" dirty="0">
+                <a:effectLst/>
+                <a:latin typeface="PT Sans" panose="020B0503020203020204" pitchFamily="34" charset="77"/>
+              </a:rPr>
+              <a:t>The R-value is: 0.012800770639383029</a:t>
+            </a:r>
+            <a:endParaRPr lang="en-US" dirty="0">
+              <a:latin typeface="PT Sans" panose="020B0503020203020204" pitchFamily="34" charset="77"/>
+            </a:endParaRPr>
+          </a:p>
+        </p:txBody>
+      </p:sp>
     </p:spTree>
     <p:extLst>
       <p:ext uri="{BB962C8B-B14F-4D97-AF65-F5344CB8AC3E}">
@@ -33119,75 +34370,6 @@
           </a:p>
         </p:txBody>
       </p:sp>
-      <p:sp>
-        <p:nvSpPr>
-          <p:cNvPr id="5" name="TextBox 4">
-            <a:extLst>
-              <a:ext uri="{FF2B5EF4-FFF2-40B4-BE49-F238E27FC236}">
-                <a16:creationId xmlns:a16="http://schemas.microsoft.com/office/drawing/2014/main" id="{F99CB557-2EE8-3699-8A33-0EA4A9349114}"/>
-              </a:ext>
-            </a:extLst>
-          </p:cNvPr>
-          <p:cNvSpPr txBox="1"/>
-          <p:nvPr/>
-        </p:nvSpPr>
-        <p:spPr>
-          <a:xfrm>
-            <a:off x="92776" y="2251497"/>
-            <a:ext cx="4122173" cy="923330"/>
-          </a:xfrm>
-          <a:prstGeom prst="rect">
-            <a:avLst/>
-          </a:prstGeom>
-          <a:noFill/>
-        </p:spPr>
-        <p:txBody>
-          <a:bodyPr wrap="square">
-            <a:spAutoFit/>
-          </a:bodyPr>
-          <a:lstStyle/>
-          <a:p>
-            <a:r>
-              <a:rPr lang="en-US" b="0" i="0" dirty="0">
-                <a:effectLst/>
-                <a:latin typeface="PT Sans" panose="020B0503020203020204" pitchFamily="34" charset="77"/>
-              </a:rPr>
-              <a:t>Analysis goes here</a:t>
-            </a:r>
-          </a:p>
-          <a:p>
-            <a:endParaRPr lang="en-US" dirty="0">
-              <a:latin typeface="PT Sans" panose="020B0503020203020204" pitchFamily="34" charset="77"/>
-            </a:endParaRPr>
-          </a:p>
-          <a:p>
-            <a:r>
-              <a:rPr lang="en-US" b="0" i="0" dirty="0">
-                <a:effectLst/>
-                <a:latin typeface="PT Sans" panose="020B0503020203020204" pitchFamily="34" charset="77"/>
-              </a:rPr>
-              <a:t>The </a:t>
-            </a:r>
-            <a:r>
-              <a:rPr lang="en-US" b="0" i="0" dirty="0" err="1">
-                <a:effectLst/>
-                <a:latin typeface="PT Sans" panose="020B0503020203020204" pitchFamily="34" charset="77"/>
-              </a:rPr>
-              <a:t>r-value</a:t>
-            </a:r>
-            <a:r>
-              <a:rPr lang="en-US" b="0" i="0" dirty="0">
-                <a:effectLst/>
-                <a:latin typeface="PT Sans" panose="020B0503020203020204" pitchFamily="34" charset="77"/>
-              </a:rPr>
-              <a:t> is: 0.004712464594773485</a:t>
-            </a:r>
-            <a:endParaRPr lang="en-US" dirty="0">
-              <a:latin typeface="PT Sans" panose="020B0503020203020204" pitchFamily="34" charset="77"/>
-            </a:endParaRPr>
-          </a:p>
-        </p:txBody>
-      </p:sp>
       <p:pic>
         <p:nvPicPr>
           <p:cNvPr id="4" name="Picture 3" descr="A graph with a line drawn on it&#10;&#10;Description automatically generated">
@@ -33223,6 +34405,101 @@
           </a:ln>
         </p:spPr>
       </p:pic>
+      <p:sp>
+        <p:nvSpPr>
+          <p:cNvPr id="3" name="TextBox 2">
+            <a:extLst>
+              <a:ext uri="{FF2B5EF4-FFF2-40B4-BE49-F238E27FC236}">
+                <a16:creationId xmlns:a16="http://schemas.microsoft.com/office/drawing/2014/main" id="{C31FFA55-5AD2-A0B3-B4CB-C41FC0B69883}"/>
+              </a:ext>
+            </a:extLst>
+          </p:cNvPr>
+          <p:cNvSpPr txBox="1"/>
+          <p:nvPr/>
+        </p:nvSpPr>
+        <p:spPr>
+          <a:xfrm>
+            <a:off x="8088086" y="5372100"/>
+            <a:ext cx="6143896" cy="369332"/>
+          </a:xfrm>
+          <a:prstGeom prst="rect">
+            <a:avLst/>
+          </a:prstGeom>
+          <a:noFill/>
+        </p:spPr>
+        <p:txBody>
+          <a:bodyPr wrap="square">
+            <a:spAutoFit/>
+          </a:bodyPr>
+          <a:lstStyle/>
+          <a:p>
+            <a:r>
+              <a:rPr lang="en-US" b="0" i="0" dirty="0">
+                <a:effectLst/>
+                <a:latin typeface="PT Sans" panose="020B0503020203020204" pitchFamily="34" charset="77"/>
+              </a:rPr>
+              <a:t>The </a:t>
+            </a:r>
+            <a:r>
+              <a:rPr lang="en-US" dirty="0">
+                <a:latin typeface="PT Sans" panose="020B0503020203020204" pitchFamily="34" charset="77"/>
+              </a:rPr>
+              <a:t>R</a:t>
+            </a:r>
+            <a:r>
+              <a:rPr lang="en-US" b="0" i="0" dirty="0">
+                <a:effectLst/>
+                <a:latin typeface="PT Sans" panose="020B0503020203020204" pitchFamily="34" charset="77"/>
+              </a:rPr>
+              <a:t>-value is: </a:t>
+            </a:r>
+            <a:r>
+              <a:rPr lang="en-US" dirty="0">
+                <a:latin typeface="PT Sans" panose="020B0503020203020204" pitchFamily="34" charset="77"/>
+              </a:rPr>
+              <a:t>0.004712464594773485</a:t>
+            </a:r>
+          </a:p>
+        </p:txBody>
+      </p:sp>
+      <p:sp>
+        <p:nvSpPr>
+          <p:cNvPr id="6" name="TextBox 5">
+            <a:extLst>
+              <a:ext uri="{FF2B5EF4-FFF2-40B4-BE49-F238E27FC236}">
+                <a16:creationId xmlns:a16="http://schemas.microsoft.com/office/drawing/2014/main" id="{D430895E-8D8B-3EAB-F227-7B3DC72351C2}"/>
+              </a:ext>
+            </a:extLst>
+          </p:cNvPr>
+          <p:cNvSpPr txBox="1"/>
+          <p:nvPr/>
+        </p:nvSpPr>
+        <p:spPr>
+          <a:xfrm>
+            <a:off x="92776" y="1774261"/>
+            <a:ext cx="3841486" cy="923330"/>
+          </a:xfrm>
+          <a:prstGeom prst="rect">
+            <a:avLst/>
+          </a:prstGeom>
+          <a:noFill/>
+        </p:spPr>
+        <p:txBody>
+          <a:bodyPr wrap="square">
+            <a:spAutoFit/>
+          </a:bodyPr>
+          <a:lstStyle/>
+          <a:p>
+            <a:r>
+              <a:rPr lang="en-US" b="0" i="0" dirty="0">
+                <a:effectLst/>
+                <a:latin typeface="PT Sans" panose="020B0503020203020204" pitchFamily="34" charset="77"/>
+              </a:rPr>
+              <a:t>Statistical analysis indicates there no correlation between Voter Average and % Profit.</a:t>
+            </a:r>
+          </a:p>
+        </p:txBody>
+      </p:sp>
     </p:spTree>
     <p:extLst>
       <p:ext uri="{BB962C8B-B14F-4D97-AF65-F5344CB8AC3E}">
@@ -33458,7 +34735,7 @@
         </p:nvSpPr>
         <p:spPr>
           <a:xfrm>
-            <a:off x="92776" y="2251497"/>
+            <a:off x="92776" y="2103451"/>
             <a:ext cx="4122173" cy="369332"/>
           </a:xfrm>
           <a:prstGeom prst="rect">
@@ -33978,4 +35255,319 @@
     </a:ext>
   </a:extLst>
 </a:theme>
+</file>
+
+<file path=ppt/theme/theme2.xml><?xml version="1.0" encoding="utf-8"?>
+<a:theme xmlns:a="http://schemas.openxmlformats.org/drawingml/2006/main" name="Office Theme">
+  <a:themeElements>
+    <a:clrScheme name="Office">
+      <a:dk1>
+        <a:sysClr val="windowText" lastClr="000000"/>
+      </a:dk1>
+      <a:lt1>
+        <a:sysClr val="window" lastClr="FFFFFF"/>
+      </a:lt1>
+      <a:dk2>
+        <a:srgbClr val="0E2841"/>
+      </a:dk2>
+      <a:lt2>
+        <a:srgbClr val="E8E8E8"/>
+      </a:lt2>
+      <a:accent1>
+        <a:srgbClr val="156082"/>
+      </a:accent1>
+      <a:accent2>
+        <a:srgbClr val="E97132"/>
+      </a:accent2>
+      <a:accent3>
+        <a:srgbClr val="196B24"/>
+      </a:accent3>
+      <a:accent4>
+        <a:srgbClr val="0F9ED5"/>
+      </a:accent4>
+      <a:accent5>
+        <a:srgbClr val="A02B93"/>
+      </a:accent5>
+      <a:accent6>
+        <a:srgbClr val="4EA72E"/>
+      </a:accent6>
+      <a:hlink>
+        <a:srgbClr val="467886"/>
+      </a:hlink>
+      <a:folHlink>
+        <a:srgbClr val="96607D"/>
+      </a:folHlink>
+    </a:clrScheme>
+    <a:fontScheme name="Office">
+      <a:majorFont>
+        <a:latin typeface="Aptos Display" panose="02110004020202020204"/>
+        <a:ea typeface=""/>
+        <a:cs typeface=""/>
+        <a:font script="Jpan" typeface="游ゴシック Light"/>
+        <a:font script="Hang" typeface="맑은 고딕"/>
+        <a:font script="Hans" typeface="等线 Light"/>
+        <a:font script="Hant" typeface="新細明體"/>
+        <a:font script="Arab" typeface="Times New Roman"/>
+        <a:font script="Hebr" typeface="Times New Roman"/>
+        <a:font script="Thai" typeface="Angsana New"/>
+        <a:font script="Ethi" typeface="Nyala"/>
+        <a:font script="Beng" typeface="Vrinda"/>
+        <a:font script="Gujr" typeface="Shruti"/>
+        <a:font script="Khmr" typeface="MoolBoran"/>
+        <a:font script="Knda" typeface="Tunga"/>
+        <a:font script="Guru" typeface="Raavi"/>
+        <a:font script="Cans" typeface="Euphemia"/>
+        <a:font script="Cher" typeface="Plantagenet Cherokee"/>
+        <a:font script="Yiii" typeface="Microsoft Yi Baiti"/>
+        <a:font script="Tibt" typeface="Microsoft Himalaya"/>
+        <a:font script="Thaa" typeface="MV Boli"/>
+        <a:font script="Deva" typeface="Mangal"/>
+        <a:font script="Telu" typeface="Gautami"/>
+        <a:font script="Taml" typeface="Latha"/>
+        <a:font script="Syrc" typeface="Estrangelo Edessa"/>
+        <a:font script="Orya" typeface="Kalinga"/>
+        <a:font script="Mlym" typeface="Kartika"/>
+        <a:font script="Laoo" typeface="DokChampa"/>
+        <a:font script="Sinh" typeface="Iskoola Pota"/>
+        <a:font script="Mong" typeface="Mongolian Baiti"/>
+        <a:font script="Viet" typeface="Times New Roman"/>
+        <a:font script="Uigh" typeface="Microsoft Uighur"/>
+        <a:font script="Geor" typeface="Sylfaen"/>
+        <a:font script="Armn" typeface="Arial"/>
+        <a:font script="Bugi" typeface="Leelawadee UI"/>
+        <a:font script="Bopo" typeface="Microsoft JhengHei"/>
+        <a:font script="Java" typeface="Javanese Text"/>
+        <a:font script="Lisu" typeface="Segoe UI"/>
+        <a:font script="Mymr" typeface="Myanmar Text"/>
+        <a:font script="Nkoo" typeface="Ebrima"/>
+        <a:font script="Olck" typeface="Nirmala UI"/>
+        <a:font script="Osma" typeface="Ebrima"/>
+        <a:font script="Phag" typeface="Phagspa"/>
+        <a:font script="Syrn" typeface="Estrangelo Edessa"/>
+        <a:font script="Syrj" typeface="Estrangelo Edessa"/>
+        <a:font script="Syre" typeface="Estrangelo Edessa"/>
+        <a:font script="Sora" typeface="Nirmala UI"/>
+        <a:font script="Tale" typeface="Microsoft Tai Le"/>
+        <a:font script="Talu" typeface="Microsoft New Tai Lue"/>
+        <a:font script="Tfng" typeface="Ebrima"/>
+      </a:majorFont>
+      <a:minorFont>
+        <a:latin typeface="Aptos" panose="02110004020202020204"/>
+        <a:ea typeface=""/>
+        <a:cs typeface=""/>
+        <a:font script="Jpan" typeface="游ゴシック"/>
+        <a:font script="Hang" typeface="맑은 고딕"/>
+        <a:font script="Hans" typeface="等线"/>
+        <a:font script="Hant" typeface="新細明體"/>
+        <a:font script="Arab" typeface="Arial"/>
+        <a:font script="Hebr" typeface="Arial"/>
+        <a:font script="Thai" typeface="Cordia New"/>
+        <a:font script="Ethi" typeface="Nyala"/>
+        <a:font script="Beng" typeface="Vrinda"/>
+        <a:font script="Gujr" typeface="Shruti"/>
+        <a:font script="Khmr" typeface="DaunPenh"/>
+        <a:font script="Knda" typeface="Tunga"/>
+        <a:font script="Guru" typeface="Raavi"/>
+        <a:font script="Cans" typeface="Euphemia"/>
+        <a:font script="Cher" typeface="Plantagenet Cherokee"/>
+        <a:font script="Yiii" typeface="Microsoft Yi Baiti"/>
+        <a:font script="Tibt" typeface="Microsoft Himalaya"/>
+        <a:font script="Thaa" typeface="MV Boli"/>
+        <a:font script="Deva" typeface="Mangal"/>
+        <a:font script="Telu" typeface="Gautami"/>
+        <a:font script="Taml" typeface="Latha"/>
+        <a:font script="Syrc" typeface="Estrangelo Edessa"/>
+        <a:font script="Orya" typeface="Kalinga"/>
+        <a:font script="Mlym" typeface="Kartika"/>
+        <a:font script="Laoo" typeface="DokChampa"/>
+        <a:font script="Sinh" typeface="Iskoola Pota"/>
+        <a:font script="Mong" typeface="Mongolian Baiti"/>
+        <a:font script="Viet" typeface="Arial"/>
+        <a:font script="Uigh" typeface="Microsoft Uighur"/>
+        <a:font script="Geor" typeface="Sylfaen"/>
+        <a:font script="Armn" typeface="Arial"/>
+        <a:font script="Bugi" typeface="Leelawadee UI"/>
+        <a:font script="Bopo" typeface="Microsoft JhengHei"/>
+        <a:font script="Java" typeface="Javanese Text"/>
+        <a:font script="Lisu" typeface="Segoe UI"/>
+        <a:font script="Mymr" typeface="Myanmar Text"/>
+        <a:font script="Nkoo" typeface="Ebrima"/>
+        <a:font script="Olck" typeface="Nirmala UI"/>
+        <a:font script="Osma" typeface="Ebrima"/>
+        <a:font script="Phag" typeface="Phagspa"/>
+        <a:font script="Syrn" typeface="Estrangelo Edessa"/>
+        <a:font script="Syrj" typeface="Estrangelo Edessa"/>
+        <a:font script="Syre" typeface="Estrangelo Edessa"/>
+        <a:font script="Sora" typeface="Nirmala UI"/>
+        <a:font script="Tale" typeface="Microsoft Tai Le"/>
+        <a:font script="Talu" typeface="Microsoft New Tai Lue"/>
+        <a:font script="Tfng" typeface="Ebrima"/>
+      </a:minorFont>
+    </a:fontScheme>
+    <a:fmtScheme name="Office">
+      <a:fillStyleLst>
+        <a:solidFill>
+          <a:schemeClr val="phClr"/>
+        </a:solidFill>
+        <a:gradFill rotWithShape="1">
+          <a:gsLst>
+            <a:gs pos="0">
+              <a:schemeClr val="phClr">
+                <a:lumMod val="110000"/>
+                <a:satMod val="105000"/>
+                <a:tint val="67000"/>
+              </a:schemeClr>
+            </a:gs>
+            <a:gs pos="50000">
+              <a:schemeClr val="phClr">
+                <a:lumMod val="105000"/>
+                <a:satMod val="103000"/>
+                <a:tint val="73000"/>
+              </a:schemeClr>
+            </a:gs>
+            <a:gs pos="100000">
+              <a:schemeClr val="phClr">
+                <a:lumMod val="105000"/>
+                <a:satMod val="109000"/>
+                <a:tint val="81000"/>
+              </a:schemeClr>
+            </a:gs>
+          </a:gsLst>
+          <a:lin ang="5400000" scaled="0"/>
+        </a:gradFill>
+        <a:gradFill rotWithShape="1">
+          <a:gsLst>
+            <a:gs pos="0">
+              <a:schemeClr val="phClr">
+                <a:satMod val="103000"/>
+                <a:lumMod val="102000"/>
+                <a:tint val="94000"/>
+              </a:schemeClr>
+            </a:gs>
+            <a:gs pos="50000">
+              <a:schemeClr val="phClr">
+                <a:satMod val="110000"/>
+                <a:lumMod val="100000"/>
+                <a:shade val="100000"/>
+              </a:schemeClr>
+            </a:gs>
+            <a:gs pos="100000">
+              <a:schemeClr val="phClr">
+                <a:lumMod val="99000"/>
+                <a:satMod val="120000"/>
+                <a:shade val="78000"/>
+              </a:schemeClr>
+            </a:gs>
+          </a:gsLst>
+          <a:lin ang="5400000" scaled="0"/>
+        </a:gradFill>
+      </a:fillStyleLst>
+      <a:lnStyleLst>
+        <a:ln w="12700" cap="flat" cmpd="sng" algn="ctr">
+          <a:solidFill>
+            <a:schemeClr val="phClr"/>
+          </a:solidFill>
+          <a:prstDash val="solid"/>
+          <a:miter lim="800000"/>
+        </a:ln>
+        <a:ln w="19050" cap="flat" cmpd="sng" algn="ctr">
+          <a:solidFill>
+            <a:schemeClr val="phClr"/>
+          </a:solidFill>
+          <a:prstDash val="solid"/>
+          <a:miter lim="800000"/>
+        </a:ln>
+        <a:ln w="25400" cap="flat" cmpd="sng" algn="ctr">
+          <a:solidFill>
+            <a:schemeClr val="phClr"/>
+          </a:solidFill>
+          <a:prstDash val="solid"/>
+          <a:miter lim="800000"/>
+        </a:ln>
+      </a:lnStyleLst>
+      <a:effectStyleLst>
+        <a:effectStyle>
+          <a:effectLst/>
+        </a:effectStyle>
+        <a:effectStyle>
+          <a:effectLst/>
+        </a:effectStyle>
+        <a:effectStyle>
+          <a:effectLst>
+            <a:outerShdw blurRad="57150" dist="19050" dir="5400000" algn="ctr" rotWithShape="0">
+              <a:srgbClr val="000000">
+                <a:alpha val="63000"/>
+              </a:srgbClr>
+            </a:outerShdw>
+          </a:effectLst>
+        </a:effectStyle>
+      </a:effectStyleLst>
+      <a:bgFillStyleLst>
+        <a:solidFill>
+          <a:schemeClr val="phClr"/>
+        </a:solidFill>
+        <a:solidFill>
+          <a:schemeClr val="phClr">
+            <a:tint val="95000"/>
+            <a:satMod val="170000"/>
+          </a:schemeClr>
+        </a:solidFill>
+        <a:gradFill rotWithShape="1">
+          <a:gsLst>
+            <a:gs pos="0">
+              <a:schemeClr val="phClr">
+                <a:tint val="93000"/>
+                <a:satMod val="150000"/>
+                <a:shade val="98000"/>
+                <a:lumMod val="102000"/>
+              </a:schemeClr>
+            </a:gs>
+            <a:gs pos="50000">
+              <a:schemeClr val="phClr">
+                <a:tint val="98000"/>
+                <a:satMod val="130000"/>
+                <a:shade val="90000"/>
+                <a:lumMod val="103000"/>
+              </a:schemeClr>
+            </a:gs>
+            <a:gs pos="100000">
+              <a:schemeClr val="phClr">
+                <a:shade val="63000"/>
+                <a:satMod val="120000"/>
+              </a:schemeClr>
+            </a:gs>
+          </a:gsLst>
+          <a:lin ang="5400000" scaled="0"/>
+        </a:gradFill>
+      </a:bgFillStyleLst>
+    </a:fmtScheme>
+  </a:themeElements>
+  <a:objectDefaults>
+    <a:lnDef>
+      <a:spPr/>
+      <a:bodyPr/>
+      <a:lstStyle/>
+      <a:style>
+        <a:lnRef idx="2">
+          <a:schemeClr val="accent1"/>
+        </a:lnRef>
+        <a:fillRef idx="0">
+          <a:schemeClr val="accent1"/>
+        </a:fillRef>
+        <a:effectRef idx="1">
+          <a:schemeClr val="accent1"/>
+        </a:effectRef>
+        <a:fontRef idx="minor">
+          <a:schemeClr val="tx1"/>
+        </a:fontRef>
+      </a:style>
+    </a:lnDef>
+  </a:objectDefaults>
+  <a:extraClrSchemeLst/>
+  <a:extLst>
+    <a:ext uri="{05A4C25C-085E-4340-85A3-A5531E510DB2}">
+      <thm15:themeFamily xmlns:thm15="http://schemas.microsoft.com/office/thememl/2012/main" name="Office Theme" id="{2E142A2C-CD16-42D6-873A-C26D2A0506FA}" vid="{1BDDFF52-6CD6-40A5-AB3C-68EB2F1E4D0A}"/>
+    </a:ext>
+  </a:extLst>
+</a:theme>
 </file>
--- a/Group4_Brief.pptx
+++ b/Group4_Brief.pptx
@@ -5,7 +5,7 @@
     <p:sldMasterId id="2147483648" r:id="rId1"/>
   </p:sldMasterIdLst>
   <p:notesMasterIdLst>
-    <p:notesMasterId r:id="rId14"/>
+    <p:notesMasterId r:id="rId15"/>
   </p:notesMasterIdLst>
   <p:sldIdLst>
     <p:sldId id="291" r:id="rId2"/>
@@ -18,8 +18,9 @@
     <p:sldId id="301" r:id="rId9"/>
     <p:sldId id="296" r:id="rId10"/>
     <p:sldId id="302" r:id="rId11"/>
-    <p:sldId id="294" r:id="rId12"/>
-    <p:sldId id="295" r:id="rId13"/>
+    <p:sldId id="303" r:id="rId12"/>
+    <p:sldId id="294" r:id="rId13"/>
+    <p:sldId id="295" r:id="rId14"/>
   </p:sldIdLst>
   <p:sldSz cx="12192000" cy="6858000"/>
   <p:notesSz cx="6858000" cy="9144000"/>
@@ -536,6 +537,107 @@
               <a:tabLst/>
               <a:defRPr/>
             </a:pPr>
+            <a:endParaRPr lang="en-US" dirty="0"/>
+          </a:p>
+        </p:txBody>
+      </p:sp>
+      <p:sp>
+        <p:nvSpPr>
+          <p:cNvPr id="4" name="Slide Number Placeholder 3"/>
+          <p:cNvSpPr>
+            <a:spLocks noGrp="1"/>
+          </p:cNvSpPr>
+          <p:nvPr>
+            <p:ph type="sldNum" sz="quarter" idx="5"/>
+          </p:nvPr>
+        </p:nvSpPr>
+        <p:spPr/>
+        <p:txBody>
+          <a:bodyPr/>
+          <a:lstStyle/>
+          <a:p>
+            <a:fld id="{3901B114-1F86-F54E-86F8-7193E1FC313B}" type="slidenum">
+              <a:rPr lang="en-US" smtClean="0"/>
+              <a:t>10</a:t>
+            </a:fld>
+            <a:endParaRPr lang="en-US"/>
+          </a:p>
+        </p:txBody>
+      </p:sp>
+    </p:spTree>
+    <p:extLst>
+      <p:ext uri="{BB962C8B-B14F-4D97-AF65-F5344CB8AC3E}">
+        <p14:creationId xmlns:p14="http://schemas.microsoft.com/office/powerpoint/2010/main" val="2578279879"/>
+      </p:ext>
+    </p:extLst>
+  </p:cSld>
+  <p:clrMapOvr>
+    <a:masterClrMapping/>
+  </p:clrMapOvr>
+</p:notes>
+</file>
+
+<file path=ppt/notesSlides/notesSlide2.xml><?xml version="1.0" encoding="utf-8"?>
+<p:notes xmlns:a="http://schemas.openxmlformats.org/drawingml/2006/main" xmlns:r="http://schemas.openxmlformats.org/officeDocument/2006/relationships" xmlns:p="http://schemas.openxmlformats.org/presentationml/2006/main">
+  <p:cSld>
+    <p:spTree>
+      <p:nvGrpSpPr>
+        <p:cNvPr id="1" name=""/>
+        <p:cNvGrpSpPr/>
+        <p:nvPr/>
+      </p:nvGrpSpPr>
+      <p:grpSpPr>
+        <a:xfrm>
+          <a:off x="0" y="0"/>
+          <a:ext cx="0" cy="0"/>
+          <a:chOff x="0" y="0"/>
+          <a:chExt cx="0" cy="0"/>
+        </a:xfrm>
+      </p:grpSpPr>
+      <p:sp>
+        <p:nvSpPr>
+          <p:cNvPr id="2" name="Slide Image Placeholder 1"/>
+          <p:cNvSpPr>
+            <a:spLocks noGrp="1" noRot="1" noChangeAspect="1"/>
+          </p:cNvSpPr>
+          <p:nvPr>
+            <p:ph type="sldImg"/>
+          </p:nvPr>
+        </p:nvSpPr>
+        <p:spPr/>
+      </p:sp>
+      <p:sp>
+        <p:nvSpPr>
+          <p:cNvPr id="3" name="Notes Placeholder 2"/>
+          <p:cNvSpPr>
+            <a:spLocks noGrp="1"/>
+          </p:cNvSpPr>
+          <p:nvPr>
+            <p:ph type="body" idx="1"/>
+          </p:nvPr>
+        </p:nvSpPr>
+        <p:spPr/>
+        <p:txBody>
+          <a:bodyPr/>
+          <a:lstStyle/>
+          <a:p>
+            <a:pPr marL="0" marR="0" lvl="0" indent="0" algn="l" defTabSz="914400" rtl="0" eaLnBrk="1" fontAlgn="auto" latinLnBrk="0" hangingPunct="1">
+              <a:lnSpc>
+                <a:spcPct val="100000"/>
+              </a:lnSpc>
+              <a:spcBef>
+                <a:spcPts val="0"/>
+              </a:spcBef>
+              <a:spcAft>
+                <a:spcPts val="0"/>
+              </a:spcAft>
+              <a:buClrTx/>
+              <a:buSzTx/>
+              <a:buFontTx/>
+              <a:buNone/>
+              <a:tabLst/>
+              <a:defRPr/>
+            </a:pPr>
             <a:r>
               <a:rPr lang="en-US" b="0" i="0" dirty="0">
                 <a:solidFill>
@@ -951,7 +1053,7 @@
           <a:p>
             <a:fld id="{3901B114-1F86-F54E-86F8-7193E1FC313B}" type="slidenum">
               <a:rPr lang="en-US" smtClean="0"/>
-              <a:t>10</a:t>
+              <a:t>11</a:t>
             </a:fld>
             <a:endParaRPr lang="en-US"/>
           </a:p>
@@ -960,7 +1062,7 @@
     </p:spTree>
     <p:extLst>
       <p:ext uri="{BB962C8B-B14F-4D97-AF65-F5344CB8AC3E}">
-        <p14:creationId xmlns:p14="http://schemas.microsoft.com/office/powerpoint/2010/main" val="2578279879"/>
+        <p14:creationId xmlns:p14="http://schemas.microsoft.com/office/powerpoint/2010/main" val="4210456375"/>
       </p:ext>
     </p:extLst>
   </p:cSld>
@@ -25718,6 +25820,296 @@
       </p:pic>
       <p:sp>
         <p:nvSpPr>
+          <p:cNvPr id="9" name="TextBox 8">
+            <a:extLst>
+              <a:ext uri="{FF2B5EF4-FFF2-40B4-BE49-F238E27FC236}">
+                <a16:creationId xmlns:a16="http://schemas.microsoft.com/office/drawing/2014/main" id="{4F4874A5-441D-D484-0AEE-B92CDC483F6D}"/>
+              </a:ext>
+            </a:extLst>
+          </p:cNvPr>
+          <p:cNvSpPr txBox="1"/>
+          <p:nvPr/>
+        </p:nvSpPr>
+        <p:spPr>
+          <a:xfrm>
+            <a:off x="92776" y="2134999"/>
+            <a:ext cx="4122173" cy="2862322"/>
+          </a:xfrm>
+          <a:prstGeom prst="rect">
+            <a:avLst/>
+          </a:prstGeom>
+          <a:noFill/>
+        </p:spPr>
+        <p:txBody>
+          <a:bodyPr wrap="square">
+            <a:spAutoFit/>
+          </a:bodyPr>
+          <a:lstStyle/>
+          <a:p>
+            <a:r>
+              <a:rPr lang="en-US" b="0" i="0" dirty="0">
+                <a:effectLst/>
+                <a:latin typeface="PT Sans" panose="020B0503020203020204" pitchFamily="34" charset="77"/>
+              </a:rPr>
+              <a:t>Although Horror was second in ROI it has the higher percent profit of over 267%</a:t>
+            </a:r>
+          </a:p>
+          <a:p>
+            <a:endParaRPr lang="en-US" dirty="0">
+              <a:latin typeface="PT Sans" panose="020B0503020203020204" pitchFamily="34" charset="77"/>
+            </a:endParaRPr>
+          </a:p>
+          <a:p>
+            <a:r>
+              <a:rPr lang="en-US" dirty="0">
+                <a:latin typeface="PT Sans" panose="020B0503020203020204" pitchFamily="34" charset="77"/>
+              </a:rPr>
+              <a:t>Sci-Fi saw the second highest percent profit with over 101%</a:t>
+            </a:r>
+          </a:p>
+          <a:p>
+            <a:endParaRPr lang="en-US" dirty="0">
+              <a:latin typeface="PT Sans" panose="020B0503020203020204" pitchFamily="34" charset="77"/>
+            </a:endParaRPr>
+          </a:p>
+          <a:p>
+            <a:r>
+              <a:rPr lang="en-US" dirty="0">
+                <a:latin typeface="PT Sans" panose="020B0503020203020204" pitchFamily="34" charset="77"/>
+              </a:rPr>
+              <a:t>Romcom saw the least percent profit of 53%</a:t>
+            </a:r>
+          </a:p>
+          <a:p>
+            <a:endParaRPr lang="en-US" dirty="0">
+              <a:latin typeface="PT Sans" panose="020B0503020203020204" pitchFamily="34" charset="77"/>
+            </a:endParaRPr>
+          </a:p>
+        </p:txBody>
+      </p:sp>
+    </p:spTree>
+    <p:extLst>
+      <p:ext uri="{BB962C8B-B14F-4D97-AF65-F5344CB8AC3E}">
+        <p14:creationId xmlns:p14="http://schemas.microsoft.com/office/powerpoint/2010/main" val="797086601"/>
+      </p:ext>
+    </p:extLst>
+  </p:cSld>
+  <p:clrMapOvr>
+    <a:masterClrMapping/>
+  </p:clrMapOvr>
+  <p:timing>
+    <p:tnLst>
+      <p:par>
+        <p:cTn id="1" dur="indefinite" restart="never" nodeType="tmRoot">
+          <p:childTnLst>
+            <p:seq concurrent="1" nextAc="seek">
+              <p:cTn id="2" dur="indefinite" nodeType="mainSeq">
+                <p:childTnLst>
+                  <p:par>
+                    <p:cTn id="3" fill="hold">
+                      <p:stCondLst>
+                        <p:cond delay="indefinite"/>
+                        <p:cond evt="onBegin" delay="0">
+                          <p:tn val="2"/>
+                        </p:cond>
+                      </p:stCondLst>
+                      <p:childTnLst>
+                        <p:par>
+                          <p:cTn id="4" fill="hold">
+                            <p:stCondLst>
+                              <p:cond delay="0"/>
+                            </p:stCondLst>
+                            <p:childTnLst>
+                              <p:par>
+                                <p:cTn id="5" presetID="53" presetClass="entr" presetSubtype="16" fill="hold" grpId="0" nodeType="withEffect">
+                                  <p:stCondLst>
+                                    <p:cond delay="0"/>
+                                  </p:stCondLst>
+                                  <p:childTnLst>
+                                    <p:set>
+                                      <p:cBhvr>
+                                        <p:cTn id="6" dur="1" fill="hold">
+                                          <p:stCondLst>
+                                            <p:cond delay="0"/>
+                                          </p:stCondLst>
+                                        </p:cTn>
+                                        <p:tgtEl>
+                                          <p:spTgt spid="1382"/>
+                                        </p:tgtEl>
+                                        <p:attrNameLst>
+                                          <p:attrName>style.visibility</p:attrName>
+                                        </p:attrNameLst>
+                                      </p:cBhvr>
+                                      <p:to>
+                                        <p:strVal val="visible"/>
+                                      </p:to>
+                                    </p:set>
+                                    <p:anim calcmode="lin" valueType="num">
+                                      <p:cBhvr>
+                                        <p:cTn id="7" dur="500" fill="hold"/>
+                                        <p:tgtEl>
+                                          <p:spTgt spid="1382"/>
+                                        </p:tgtEl>
+                                        <p:attrNameLst>
+                                          <p:attrName>ppt_w</p:attrName>
+                                        </p:attrNameLst>
+                                      </p:cBhvr>
+                                      <p:tavLst>
+                                        <p:tav tm="0">
+                                          <p:val>
+                                            <p:fltVal val="0"/>
+                                          </p:val>
+                                        </p:tav>
+                                        <p:tav tm="100000">
+                                          <p:val>
+                                            <p:strVal val="#ppt_w"/>
+                                          </p:val>
+                                        </p:tav>
+                                      </p:tavLst>
+                                    </p:anim>
+                                    <p:anim calcmode="lin" valueType="num">
+                                      <p:cBhvr>
+                                        <p:cTn id="8" dur="500" fill="hold"/>
+                                        <p:tgtEl>
+                                          <p:spTgt spid="1382"/>
+                                        </p:tgtEl>
+                                        <p:attrNameLst>
+                                          <p:attrName>ppt_h</p:attrName>
+                                        </p:attrNameLst>
+                                      </p:cBhvr>
+                                      <p:tavLst>
+                                        <p:tav tm="0">
+                                          <p:val>
+                                            <p:fltVal val="0"/>
+                                          </p:val>
+                                        </p:tav>
+                                        <p:tav tm="100000">
+                                          <p:val>
+                                            <p:strVal val="#ppt_h"/>
+                                          </p:val>
+                                        </p:tav>
+                                      </p:tavLst>
+                                    </p:anim>
+                                    <p:animEffect transition="in" filter="fade">
+                                      <p:cBhvr>
+                                        <p:cTn id="9" dur="500"/>
+                                        <p:tgtEl>
+                                          <p:spTgt spid="1382"/>
+                                        </p:tgtEl>
+                                      </p:cBhvr>
+                                    </p:animEffect>
+                                  </p:childTnLst>
+                                </p:cTn>
+                              </p:par>
+                            </p:childTnLst>
+                          </p:cTn>
+                        </p:par>
+                      </p:childTnLst>
+                    </p:cTn>
+                  </p:par>
+                </p:childTnLst>
+              </p:cTn>
+              <p:prevCondLst>
+                <p:cond evt="onPrev" delay="0">
+                  <p:tgtEl>
+                    <p:sldTgt/>
+                  </p:tgtEl>
+                </p:cond>
+              </p:prevCondLst>
+              <p:nextCondLst>
+                <p:cond evt="onNext" delay="0">
+                  <p:tgtEl>
+                    <p:sldTgt/>
+                  </p:tgtEl>
+                </p:cond>
+              </p:nextCondLst>
+            </p:seq>
+          </p:childTnLst>
+        </p:cTn>
+      </p:par>
+    </p:tnLst>
+    <p:bldLst>
+      <p:bldP spid="1382" grpId="0"/>
+    </p:bldLst>
+  </p:timing>
+</p:sld>
+</file>
+
+<file path=ppt/slides/slide11.xml><?xml version="1.0" encoding="utf-8"?>
+<p:sld xmlns:a="http://schemas.openxmlformats.org/drawingml/2006/main" xmlns:r="http://schemas.openxmlformats.org/officeDocument/2006/relationships" xmlns:p="http://schemas.openxmlformats.org/presentationml/2006/main">
+  <p:cSld>
+    <p:spTree>
+      <p:nvGrpSpPr>
+        <p:cNvPr id="1" name=""/>
+        <p:cNvGrpSpPr/>
+        <p:nvPr/>
+      </p:nvGrpSpPr>
+      <p:grpSpPr>
+        <a:xfrm>
+          <a:off x="0" y="0"/>
+          <a:ext cx="0" cy="0"/>
+          <a:chOff x="0" y="0"/>
+          <a:chExt cx="0" cy="0"/>
+        </a:xfrm>
+      </p:grpSpPr>
+      <p:sp>
+        <p:nvSpPr>
+          <p:cNvPr id="1382" name="TextBox 1381">
+            <a:extLst>
+              <a:ext uri="{FF2B5EF4-FFF2-40B4-BE49-F238E27FC236}">
+                <a16:creationId xmlns:a16="http://schemas.microsoft.com/office/drawing/2014/main" id="{043C45BF-79A8-4FA5-D7DF-595D41F5BD47}"/>
+              </a:ext>
+            </a:extLst>
+          </p:cNvPr>
+          <p:cNvSpPr txBox="1"/>
+          <p:nvPr/>
+        </p:nvSpPr>
+        <p:spPr>
+          <a:xfrm>
+            <a:off x="92776" y="253457"/>
+            <a:ext cx="7320898" cy="646331"/>
+          </a:xfrm>
+          <a:prstGeom prst="rect">
+            <a:avLst/>
+          </a:prstGeom>
+          <a:noFill/>
+        </p:spPr>
+        <p:txBody>
+          <a:bodyPr wrap="square" rtlCol="0">
+            <a:spAutoFit/>
+          </a:bodyPr>
+          <a:lstStyle>
+            <a:defPPr>
+              <a:defRPr lang="ro-RO"/>
+            </a:defPPr>
+            <a:lvl1pPr algn="ctr">
+              <a:defRPr sz="2400" b="1">
+                <a:solidFill>
+                  <a:srgbClr val="D1E4E8"/>
+                </a:solidFill>
+                <a:latin typeface="Times New Roman" panose="02020603050405020304" pitchFamily="18" charset="0"/>
+                <a:cs typeface="Times New Roman" panose="02020603050405020304" pitchFamily="18" charset="0"/>
+              </a:defRPr>
+            </a:lvl1pPr>
+          </a:lstStyle>
+          <a:p>
+            <a:pPr algn="l"/>
+            <a:r>
+              <a:rPr lang="en-US" sz="3600" dirty="0">
+                <a:solidFill>
+                  <a:schemeClr val="bg1"/>
+                </a:solidFill>
+                <a:latin typeface="Palatino Linotype" panose="02040502050505030304" pitchFamily="18" charset="0"/>
+                <a:ea typeface="Verdana" panose="020B0604030504040204" pitchFamily="34" charset="0"/>
+                <a:cs typeface="Courier New" panose="02070309020205020404" pitchFamily="49" charset="0"/>
+              </a:rPr>
+              <a:t>Statical Analysis of Genres</a:t>
+            </a:r>
+          </a:p>
+        </p:txBody>
+      </p:sp>
+      <p:sp>
+        <p:nvSpPr>
           <p:cNvPr id="2" name="TextBox 1">
             <a:extLst>
               <a:ext uri="{FF2B5EF4-FFF2-40B4-BE49-F238E27FC236}">
@@ -25730,8 +26122,8 @@
         </p:nvSpPr>
         <p:spPr>
           <a:xfrm>
-            <a:off x="92776" y="1099268"/>
-            <a:ext cx="4177074" cy="4770537"/>
+            <a:off x="92775" y="1099268"/>
+            <a:ext cx="12018711" cy="4278094"/>
           </a:xfrm>
           <a:prstGeom prst="rect">
             <a:avLst/>
@@ -25752,6 +26144,13 @@
               </a:rPr>
               <a:t>Two Sample T-Test</a:t>
             </a:r>
+          </a:p>
+          <a:p>
+            <a:pPr algn="ctr"/>
+            <a:endParaRPr lang="en-US" sz="1600" b="1" i="0" u="sng" dirty="0">
+              <a:effectLst/>
+              <a:latin typeface="PT Sans" panose="020B0503020203020204" pitchFamily="34" charset="77"/>
+            </a:endParaRPr>
           </a:p>
           <a:p>
             <a:r>
@@ -26037,7 +26436,7 @@
     </p:spTree>
     <p:extLst>
       <p:ext uri="{BB962C8B-B14F-4D97-AF65-F5344CB8AC3E}">
-        <p14:creationId xmlns:p14="http://schemas.microsoft.com/office/powerpoint/2010/main" val="797086601"/>
+        <p14:creationId xmlns:p14="http://schemas.microsoft.com/office/powerpoint/2010/main" val="1218876178"/>
       </p:ext>
     </p:extLst>
   </p:cSld>
@@ -26182,7 +26581,7 @@
 </p:sld>
 </file>
 
-<file path=ppt/slides/slide11.xml><?xml version="1.0" encoding="utf-8"?>
+<file path=ppt/slides/slide12.xml><?xml version="1.0" encoding="utf-8"?>
 <p:sld xmlns:a="http://schemas.openxmlformats.org/drawingml/2006/main" xmlns:r="http://schemas.openxmlformats.org/officeDocument/2006/relationships" xmlns:p="http://schemas.openxmlformats.org/presentationml/2006/main">
   <p:cSld>
     <p:spTree>
@@ -26270,7 +26669,7 @@
         <p:spPr>
           <a:xfrm>
             <a:off x="264404" y="1300457"/>
-            <a:ext cx="11622795" cy="2301592"/>
+            <a:ext cx="11622795" cy="3575787"/>
           </a:xfrm>
           <a:prstGeom prst="rect">
             <a:avLst/>
@@ -26305,7 +26704,7 @@
             </a:r>
           </a:p>
           <a:p>
-            <a:pPr marL="342900" marR="0" lvl="0" indent="-342900">
+            <a:pPr marR="0" lvl="0">
               <a:lnSpc>
                 <a:spcPct val="115000"/>
               </a:lnSpc>
@@ -26315,8 +26714,14 @@
               <a:spcAft>
                 <a:spcPts val="0"/>
               </a:spcAft>
-              <a:buAutoNum type="arabicParenR"/>
             </a:pPr>
+            <a:r>
+              <a:rPr lang="en-US" dirty="0">
+                <a:latin typeface="PT Sans" panose="020B0503020203020204" pitchFamily="34" charset="77"/>
+                <a:ea typeface="Arial" panose="020B0604020202020204" pitchFamily="34" charset="0"/>
+              </a:rPr>
+              <a:t>	There was strong positive correlation between total budget and revenue, which increases gross profit. 	There was no identifiable correlation between  total budget and percent profit.</a:t>
+            </a:r>
             <a:endParaRPr lang="en-US" sz="1800" u="none" strike="noStrike" dirty="0">
               <a:effectLst/>
               <a:latin typeface="PT Sans" panose="020B0503020203020204" pitchFamily="34" charset="77"/>
@@ -26356,11 +26761,14 @@
                 <a:spcPts val="0"/>
               </a:spcAft>
             </a:pPr>
-            <a:endParaRPr lang="en-US" sz="1800" u="none" strike="noStrike" dirty="0">
-              <a:effectLst/>
-              <a:latin typeface="PT Sans" panose="020B0503020203020204" pitchFamily="34" charset="77"/>
-              <a:ea typeface="Arial" panose="020B0604020202020204" pitchFamily="34" charset="0"/>
-            </a:endParaRPr>
+            <a:r>
+              <a:rPr lang="en-US" sz="1800" u="none" strike="noStrike" dirty="0">
+                <a:effectLst/>
+                <a:latin typeface="PT Sans" panose="020B0503020203020204" pitchFamily="34" charset="77"/>
+                <a:ea typeface="Arial" panose="020B0604020202020204" pitchFamily="34" charset="0"/>
+              </a:rPr>
+              <a:t>	Analysis showed that audiences showed the same approval no matter the production cost.</a:t>
+            </a:r>
           </a:p>
           <a:p>
             <a:pPr marR="0" lvl="0">
@@ -26395,11 +26803,14 @@
                 <a:spcPts val="0"/>
               </a:spcAft>
             </a:pPr>
-            <a:endParaRPr lang="en-US" sz="1800" u="none" strike="noStrike" dirty="0">
-              <a:effectLst/>
-              <a:latin typeface="PT Sans" panose="020B0503020203020204" pitchFamily="34" charset="77"/>
-              <a:ea typeface="Arial" panose="020B0604020202020204" pitchFamily="34" charset="0"/>
-            </a:endParaRPr>
+            <a:r>
+              <a:rPr lang="en-US" sz="1800" u="none" strike="noStrike" dirty="0">
+                <a:effectLst/>
+                <a:latin typeface="PT Sans" panose="020B0503020203020204" pitchFamily="34" charset="77"/>
+                <a:ea typeface="Arial" panose="020B0604020202020204" pitchFamily="34" charset="0"/>
+              </a:rPr>
+              <a:t>	There was no correlation that would indicate that a higher audience score would equal a higher box office 	profit.</a:t>
+            </a:r>
           </a:p>
           <a:p>
             <a:pPr marR="0" lvl="0">
@@ -26419,8 +26830,33 @@
                 <a:latin typeface="PT Sans" panose="020B0503020203020204" pitchFamily="34" charset="77"/>
                 <a:ea typeface="Arial" panose="020B0604020202020204" pitchFamily="34" charset="0"/>
               </a:rPr>
-              <a:t>4) Does movie genre have an effect on box office profit and audience score?</a:t>
+              <a:t>4) Does movie genre have an effect on box office profit?</a:t>
             </a:r>
+          </a:p>
+          <a:p>
+            <a:pPr marR="0" lvl="0">
+              <a:lnSpc>
+                <a:spcPct val="115000"/>
+              </a:lnSpc>
+              <a:spcBef>
+                <a:spcPts val="0"/>
+              </a:spcBef>
+              <a:spcAft>
+                <a:spcPts val="0"/>
+              </a:spcAft>
+            </a:pPr>
+            <a:r>
+              <a:rPr lang="en-US" dirty="0">
+                <a:latin typeface="PT Sans" panose="020B0503020203020204" pitchFamily="34" charset="77"/>
+                <a:ea typeface="Arial" panose="020B0604020202020204" pitchFamily="34" charset="0"/>
+              </a:rPr>
+              <a:t>	Analysis did show that the genre of the movie did play a factor in the box office profit with audiences 	preferring Sci-Fi and Horror movies. </a:t>
+            </a:r>
+            <a:endParaRPr lang="en-US" sz="1800" u="none" strike="noStrike" dirty="0">
+              <a:effectLst/>
+              <a:latin typeface="PT Sans" panose="020B0503020203020204" pitchFamily="34" charset="77"/>
+              <a:ea typeface="Arial" panose="020B0604020202020204" pitchFamily="34" charset="0"/>
+            </a:endParaRPr>
           </a:p>
         </p:txBody>
       </p:sp>
@@ -26438,8 +26874,8 @@
         </p:nvSpPr>
         <p:spPr>
           <a:xfrm>
-            <a:off x="81759" y="4282674"/>
-            <a:ext cx="2242800" cy="369332"/>
+            <a:off x="81758" y="4852496"/>
+            <a:ext cx="12110241" cy="1477328"/>
           </a:xfrm>
           <a:prstGeom prst="rect">
             <a:avLst/>
@@ -26458,9 +26894,50 @@
                 <a:ea typeface="Verdana" panose="020B0604030504040204" pitchFamily="34" charset="0"/>
                 <a:cs typeface="Courier New" panose="02070309020205020404" pitchFamily="49" charset="0"/>
               </a:rPr>
-              <a:t>Recommendations</a:t>
+              <a:t>Recommendations:</a:t>
             </a:r>
-            <a:endParaRPr lang="en-US" b="1" u="sng" dirty="0"/>
+          </a:p>
+          <a:p>
+            <a:r>
+              <a:rPr lang="en-US" dirty="0">
+                <a:latin typeface="PT Sans" panose="020B0503020203020204" pitchFamily="34" charset="77"/>
+                <a:ea typeface="Verdana" panose="020B0604030504040204" pitchFamily="34" charset="0"/>
+                <a:cs typeface="Courier New" panose="02070309020205020404" pitchFamily="49" charset="0"/>
+              </a:rPr>
+              <a:t>1)</a:t>
+            </a:r>
+          </a:p>
+          <a:p>
+            <a:r>
+              <a:rPr lang="en-US" sz="1800" dirty="0">
+                <a:latin typeface="PT Sans" panose="020B0503020203020204" pitchFamily="34" charset="77"/>
+                <a:ea typeface="Verdana" panose="020B0604030504040204" pitchFamily="34" charset="0"/>
+                <a:cs typeface="Courier New" panose="02070309020205020404" pitchFamily="49" charset="0"/>
+              </a:rPr>
+              <a:t>2) </a:t>
+            </a:r>
+          </a:p>
+          <a:p>
+            <a:r>
+              <a:rPr lang="en-US" dirty="0">
+                <a:latin typeface="PT Sans" panose="020B0503020203020204" pitchFamily="34" charset="77"/>
+                <a:ea typeface="Verdana" panose="020B0604030504040204" pitchFamily="34" charset="0"/>
+                <a:cs typeface="Courier New" panose="02070309020205020404" pitchFamily="49" charset="0"/>
+              </a:rPr>
+              <a:t>3)</a:t>
+            </a:r>
+            <a:endParaRPr lang="en-US" sz="1800" dirty="0">
+              <a:latin typeface="PT Sans" panose="020B0503020203020204" pitchFamily="34" charset="77"/>
+              <a:ea typeface="Verdana" panose="020B0604030504040204" pitchFamily="34" charset="0"/>
+              <a:cs typeface="Courier New" panose="02070309020205020404" pitchFamily="49" charset="0"/>
+            </a:endParaRPr>
+          </a:p>
+          <a:p>
+            <a:endParaRPr lang="en-US" sz="1800" dirty="0">
+              <a:latin typeface="PT Sans" panose="020B0503020203020204" pitchFamily="34" charset="77"/>
+              <a:ea typeface="Verdana" panose="020B0604030504040204" pitchFamily="34" charset="0"/>
+              <a:cs typeface="Courier New" panose="02070309020205020404" pitchFamily="49" charset="0"/>
+            </a:endParaRPr>
           </a:p>
         </p:txBody>
       </p:sp>
@@ -26612,7 +27089,7 @@
 </p:sld>
 </file>
 
-<file path=ppt/slides/slide12.xml><?xml version="1.0" encoding="utf-8"?>
+<file path=ppt/slides/slide13.xml><?xml version="1.0" encoding="utf-8"?>
 <p:sld xmlns:a="http://schemas.openxmlformats.org/drawingml/2006/main" xmlns:r="http://schemas.openxmlformats.org/officeDocument/2006/relationships" xmlns:p="http://schemas.openxmlformats.org/presentationml/2006/main">
   <p:cSld>
     <p:spTree>
@@ -32608,7 +33085,7 @@
         <p:spPr>
           <a:xfrm>
             <a:off x="0" y="1167063"/>
-            <a:ext cx="12192000" cy="5798510"/>
+            <a:ext cx="12192000" cy="5429179"/>
           </a:xfrm>
           <a:prstGeom prst="rect">
             <a:avLst/>
@@ -32735,10 +33212,8 @@
                 <a:latin typeface="PT Sans" panose="020B0503020203020204" pitchFamily="34" charset="77"/>
                 <a:ea typeface="Arial" panose="020B0604020202020204" pitchFamily="34" charset="0"/>
               </a:rPr>
-              <a:t>	4) Does movie genre have an effect on box office profit and audience score?</a:t>
+              <a:t>	4) Does movie genre have an effect on box office profit?</a:t>
             </a:r>
-          </a:p>
-          <a:p>
             <a:endParaRPr lang="en-US" sz="2400" dirty="0">
               <a:latin typeface="PT Sans" panose="020B0503020203020204" pitchFamily="34" charset="77"/>
             </a:endParaRPr>
@@ -32991,7 +33466,7 @@
         <p:spPr>
           <a:xfrm>
             <a:off x="0" y="1167063"/>
-            <a:ext cx="12192000" cy="4093428"/>
+            <a:ext cx="12192000" cy="5324535"/>
           </a:xfrm>
           <a:prstGeom prst="rect">
             <a:avLst/>
@@ -33042,7 +33517,23 @@
               <a:rPr lang="en-US" sz="2000" dirty="0">
                 <a:latin typeface="PT Sans" panose="020B0503020203020204" pitchFamily="34" charset="77"/>
               </a:rPr>
-              <a:t>Analyzed Total Budget vs Revenue, Total Budget vs % Profit, Total Budget vs Audience Vote</a:t>
+              <a:t>Analyzed Total Budget vs Revenue/% Profit, Total Budget/Audience Vote and % Profit vs Audience Score</a:t>
+            </a:r>
+          </a:p>
+          <a:p>
+            <a:r>
+              <a:rPr lang="en-US" sz="2000" dirty="0">
+                <a:latin typeface="PT Sans" panose="020B0503020203020204" pitchFamily="34" charset="77"/>
+              </a:rPr>
+              <a:t>For genre specific analyzed Budget vs. Revenue by Genre and % Profit vs by Genre</a:t>
+            </a:r>
+          </a:p>
+          <a:p>
+            <a:r>
+              <a:rPr lang="en-US" sz="2000" dirty="0">
+                <a:latin typeface="PT Sans" panose="020B0503020203020204" pitchFamily="34" charset="77"/>
+              </a:rPr>
+              <a:t>Several movies fell within multiple genre categories and were bucketed based off into individual genres</a:t>
             </a:r>
           </a:p>
           <a:p>
@@ -33079,6 +33570,16 @@
             </a:endParaRPr>
           </a:p>
           <a:p>
+            <a:endParaRPr lang="en-US" sz="2000" dirty="0">
+              <a:latin typeface="PT Sans" panose="020B0503020203020204" pitchFamily="34" charset="77"/>
+            </a:endParaRPr>
+          </a:p>
+          <a:p>
+            <a:endParaRPr lang="en-US" sz="2000" dirty="0">
+              <a:latin typeface="PT Sans" panose="020B0503020203020204" pitchFamily="34" charset="77"/>
+            </a:endParaRPr>
+          </a:p>
+          <a:p>
             <a:r>
               <a:rPr lang="en-US" sz="2000" b="1" u="sng" dirty="0">
                 <a:latin typeface="PT Sans" panose="020B0503020203020204" pitchFamily="34" charset="77"/>
@@ -33102,7 +33603,7 @@
               <a:rPr lang="en-US" sz="2000" dirty="0">
                 <a:latin typeface="PT Sans" panose="020B0503020203020204" pitchFamily="34" charset="77"/>
               </a:rPr>
-              <a:t>Total budget = base budget + (base budget * 0.5)  </a:t>
+              <a:t>Total budget = base budget + (base budget X 0.5)  </a:t>
             </a:r>
           </a:p>
           <a:p>
@@ -33114,9 +33615,12 @@
             </a:r>
           </a:p>
           <a:p>
-            <a:endParaRPr lang="en-US" sz="2000" dirty="0">
-              <a:latin typeface="PT Sans" panose="020B0503020203020204" pitchFamily="34" charset="77"/>
-            </a:endParaRPr>
+            <a:r>
+              <a:rPr lang="en-US" sz="2000" dirty="0">
+                <a:latin typeface="PT Sans" panose="020B0503020203020204" pitchFamily="34" charset="77"/>
+              </a:rPr>
+              <a:t>There is a set budget of $200 Million</a:t>
+            </a:r>
           </a:p>
         </p:txBody>
       </p:sp>
@@ -33355,8 +33859,8 @@
         </p:nvSpPr>
         <p:spPr>
           <a:xfrm>
-            <a:off x="91440" y="1485900"/>
-            <a:ext cx="4158343" cy="2308324"/>
+            <a:off x="91440" y="2475273"/>
+            <a:ext cx="4158343" cy="2031325"/>
           </a:xfrm>
           <a:prstGeom prst="rect">
             <a:avLst/>
@@ -33374,7 +33878,7 @@
                 <a:effectLst/>
                 <a:latin typeface="PT Sans" panose="020B0503020203020204" pitchFamily="34" charset="77"/>
               </a:rPr>
-              <a:t>Statistical analysis indicates there is strong likely of correlation between Total Budget and Revenue.</a:t>
+              <a:t>Statistical analysis indicates there is strong likelihood of correlation between Total Budget and Revenue.</a:t>
             </a:r>
           </a:p>
           <a:p>
@@ -33383,26 +33887,13 @@
             </a:endParaRPr>
           </a:p>
           <a:p>
-            <a:endParaRPr lang="en-US" b="0" i="0" dirty="0">
-              <a:effectLst/>
-              <a:latin typeface="PT Sans" panose="020B0503020203020204" pitchFamily="34" charset="77"/>
-            </a:endParaRPr>
-          </a:p>
-          <a:p>
-            <a:endParaRPr lang="en-US" dirty="0">
-              <a:latin typeface="PT Sans" panose="020B0503020203020204" pitchFamily="34" charset="77"/>
-            </a:endParaRPr>
-          </a:p>
-          <a:p>
-            <a:endParaRPr lang="en-US" b="0" i="0" dirty="0">
-              <a:effectLst/>
-              <a:latin typeface="PT Sans" panose="020B0503020203020204" pitchFamily="34" charset="77"/>
-            </a:endParaRPr>
-          </a:p>
-          <a:p>
-            <a:endParaRPr lang="en-US" dirty="0">
-              <a:latin typeface="PT Sans" panose="020B0503020203020204" pitchFamily="34" charset="77"/>
-            </a:endParaRPr>
+            <a:r>
+              <a:rPr lang="en-US" b="0" i="0" dirty="0">
+                <a:effectLst/>
+                <a:latin typeface="PT Sans" panose="020B0503020203020204" pitchFamily="34" charset="77"/>
+              </a:rPr>
+              <a:t>It appears that the more money studios invest into the movie the higher revenue</a:t>
+            </a:r>
           </a:p>
         </p:txBody>
       </p:sp>
@@ -33718,7 +34209,7 @@
         <p:spPr>
           <a:xfrm>
             <a:off x="92777" y="2200664"/>
-            <a:ext cx="4148298" cy="923330"/>
+            <a:ext cx="4148298" cy="2585323"/>
           </a:xfrm>
           <a:prstGeom prst="rect">
             <a:avLst/>
@@ -33738,6 +34229,30 @@
               </a:rPr>
               <a:t>Statistical analysis indicates there no correlation between Total Budget and % Profit.</a:t>
             </a:r>
+          </a:p>
+          <a:p>
+            <a:endParaRPr lang="en-US" dirty="0">
+              <a:latin typeface="PT Sans" panose="020B0503020203020204" pitchFamily="34" charset="77"/>
+            </a:endParaRPr>
+          </a:p>
+          <a:p>
+            <a:r>
+              <a:rPr lang="en-US" b="0" i="0" dirty="0">
+                <a:effectLst/>
+                <a:latin typeface="PT Sans" panose="020B0503020203020204" pitchFamily="34" charset="77"/>
+              </a:rPr>
+              <a:t>Smaller budget films typically have a higher percent profit on return as opposed to larger budget films</a:t>
+            </a:r>
+          </a:p>
+          <a:p>
+            <a:endParaRPr lang="en-US" dirty="0">
+              <a:latin typeface="PT Sans" panose="020B0503020203020204" pitchFamily="34" charset="77"/>
+            </a:endParaRPr>
+          </a:p>
+          <a:p>
+            <a:endParaRPr lang="en-US" dirty="0">
+              <a:latin typeface="PT Sans" panose="020B0503020203020204" pitchFamily="34" charset="77"/>
+            </a:endParaRPr>
           </a:p>
         </p:txBody>
       </p:sp>
@@ -34049,8 +34564,8 @@
         </p:nvSpPr>
         <p:spPr>
           <a:xfrm>
-            <a:off x="277668" y="1791678"/>
-            <a:ext cx="3841486" cy="923330"/>
+            <a:off x="206327" y="1720840"/>
+            <a:ext cx="3841486" cy="3416320"/>
           </a:xfrm>
           <a:prstGeom prst="rect">
             <a:avLst/>
@@ -34069,6 +34584,54 @@
                 <a:latin typeface="PT Sans" panose="020B0503020203020204" pitchFamily="34" charset="77"/>
               </a:rPr>
               <a:t>Statistical analysis indicates there no correlation between Total Budget and Voter Average.</a:t>
+            </a:r>
+          </a:p>
+          <a:p>
+            <a:endParaRPr lang="en-US" dirty="0">
+              <a:latin typeface="PT Sans" panose="020B0503020203020204" pitchFamily="34" charset="77"/>
+            </a:endParaRPr>
+          </a:p>
+          <a:p>
+            <a:r>
+              <a:rPr lang="en-US" b="0" i="0" dirty="0">
+                <a:effectLst/>
+                <a:latin typeface="PT Sans" panose="020B0503020203020204" pitchFamily="34" charset="77"/>
+              </a:rPr>
+              <a:t>It appears audiences have </a:t>
+            </a:r>
+            <a:r>
+              <a:rPr lang="en-US" dirty="0">
+                <a:latin typeface="PT Sans" panose="020B0503020203020204" pitchFamily="34" charset="77"/>
+              </a:rPr>
+              <a:t>a vast acceptance of movies no matter the budget</a:t>
+            </a:r>
+          </a:p>
+          <a:p>
+            <a:endParaRPr lang="en-US" dirty="0">
+              <a:latin typeface="PT Sans" panose="020B0503020203020204" pitchFamily="34" charset="77"/>
+            </a:endParaRPr>
+          </a:p>
+          <a:p>
+            <a:r>
+              <a:rPr lang="en-US" dirty="0">
+                <a:latin typeface="PT Sans" panose="020B0503020203020204" pitchFamily="34" charset="77"/>
+              </a:rPr>
+              <a:t>Information could be used to inform future sequel planning</a:t>
+            </a:r>
+          </a:p>
+          <a:p>
+            <a:endParaRPr lang="en-US" b="0" i="0" dirty="0">
+              <a:effectLst/>
+              <a:latin typeface="PT Sans" panose="020B0503020203020204" pitchFamily="34" charset="77"/>
+            </a:endParaRPr>
+          </a:p>
+          <a:p>
+            <a:r>
+              <a:rPr lang="en-US" b="0" i="0" dirty="0">
+                <a:effectLst/>
+                <a:latin typeface="PT Sans" panose="020B0503020203020204" pitchFamily="34" charset="77"/>
+              </a:rPr>
+              <a:t>Less than 10 movies had 0 ratings</a:t>
             </a:r>
           </a:p>
         </p:txBody>
@@ -34477,7 +35040,7 @@
         <p:spPr>
           <a:xfrm>
             <a:off x="92776" y="1774261"/>
-            <a:ext cx="3841486" cy="923330"/>
+            <a:ext cx="3841486" cy="1754326"/>
           </a:xfrm>
           <a:prstGeom prst="rect">
             <a:avLst/>
@@ -34496,6 +35059,20 @@
                 <a:latin typeface="PT Sans" panose="020B0503020203020204" pitchFamily="34" charset="77"/>
               </a:rPr>
               <a:t>Statistical analysis indicates there no correlation between Voter Average and % Profit.</a:t>
+            </a:r>
+          </a:p>
+          <a:p>
+            <a:endParaRPr lang="en-US" dirty="0">
+              <a:latin typeface="PT Sans" panose="020B0503020203020204" pitchFamily="34" charset="77"/>
+            </a:endParaRPr>
+          </a:p>
+          <a:p>
+            <a:r>
+              <a:rPr lang="en-US" b="0" i="0" dirty="0">
+                <a:effectLst/>
+                <a:latin typeface="PT Sans" panose="020B0503020203020204" pitchFamily="34" charset="77"/>
+              </a:rPr>
+              <a:t>Movies with a voter average between 5.5 and 8 saw a 500% profit </a:t>
             </a:r>
           </a:p>
         </p:txBody>
@@ -34736,7 +35313,7 @@
         <p:spPr>
           <a:xfrm>
             <a:off x="92776" y="2103451"/>
-            <a:ext cx="4122173" cy="369332"/>
+            <a:ext cx="4122173" cy="2308324"/>
           </a:xfrm>
           <a:prstGeom prst="rect">
             <a:avLst/>
@@ -34754,7 +35331,45 @@
                 <a:effectLst/>
                 <a:latin typeface="PT Sans" panose="020B0503020203020204" pitchFamily="34" charset="77"/>
               </a:rPr>
-              <a:t>Analysis goes here</a:t>
+              <a:t>On average Sci-Fi sees approximately $151.29 Million gross profit</a:t>
+            </a:r>
+          </a:p>
+          <a:p>
+            <a:endParaRPr lang="en-US" dirty="0">
+              <a:latin typeface="PT Sans" panose="020B0503020203020204" pitchFamily="34" charset="77"/>
+            </a:endParaRPr>
+          </a:p>
+          <a:p>
+            <a:r>
+              <a:rPr lang="en-US" dirty="0">
+                <a:latin typeface="PT Sans" panose="020B0503020203020204" pitchFamily="34" charset="77"/>
+              </a:rPr>
+              <a:t>The Horror saw the second highest ROI with $66.84 Million</a:t>
+            </a:r>
+            <a:endParaRPr lang="en-US" b="0" i="0" dirty="0">
+              <a:effectLst/>
+              <a:latin typeface="PT Sans" panose="020B0503020203020204" pitchFamily="34" charset="77"/>
+            </a:endParaRPr>
+          </a:p>
+          <a:p>
+            <a:endParaRPr lang="en-US" dirty="0">
+              <a:latin typeface="PT Sans" panose="020B0503020203020204" pitchFamily="34" charset="77"/>
+            </a:endParaRPr>
+          </a:p>
+          <a:p>
+            <a:r>
+              <a:rPr lang="en-US" b="0" i="0" dirty="0" err="1">
+                <a:effectLst/>
+                <a:latin typeface="PT Sans" panose="020B0503020203020204" pitchFamily="34" charset="77"/>
+              </a:rPr>
+              <a:t>RomComs</a:t>
+            </a:r>
+            <a:r>
+              <a:rPr lang="en-US" b="0" i="0" dirty="0">
+                <a:effectLst/>
+                <a:latin typeface="PT Sans" panose="020B0503020203020204" pitchFamily="34" charset="77"/>
+              </a:rPr>
+              <a:t> typically have a lower ROI than any other genre ($19.57 Million)</a:t>
             </a:r>
           </a:p>
         </p:txBody>

--- a/Group4_Brief.pptx
+++ b/Group4_Brief.pptx
@@ -520,6 +520,93 @@
           <a:bodyPr/>
           <a:lstStyle/>
           <a:p>
+            <a:r>
+              <a:rPr lang="en-US" dirty="0"/>
+              <a:t>Speak to what worked easy and what hurdles there were</a:t>
+            </a:r>
+          </a:p>
+        </p:txBody>
+      </p:sp>
+      <p:sp>
+        <p:nvSpPr>
+          <p:cNvPr id="4" name="Slide Number Placeholder 3"/>
+          <p:cNvSpPr>
+            <a:spLocks noGrp="1"/>
+          </p:cNvSpPr>
+          <p:nvPr>
+            <p:ph type="sldNum" sz="quarter" idx="5"/>
+          </p:nvPr>
+        </p:nvSpPr>
+        <p:spPr/>
+        <p:txBody>
+          <a:bodyPr/>
+          <a:lstStyle/>
+          <a:p>
+            <a:fld id="{3901B114-1F86-F54E-86F8-7193E1FC313B}" type="slidenum">
+              <a:rPr lang="en-US" smtClean="0"/>
+              <a:t>4</a:t>
+            </a:fld>
+            <a:endParaRPr lang="en-US"/>
+          </a:p>
+        </p:txBody>
+      </p:sp>
+    </p:spTree>
+    <p:extLst>
+      <p:ext uri="{BB962C8B-B14F-4D97-AF65-F5344CB8AC3E}">
+        <p14:creationId xmlns:p14="http://schemas.microsoft.com/office/powerpoint/2010/main" val="4040126770"/>
+      </p:ext>
+    </p:extLst>
+  </p:cSld>
+  <p:clrMapOvr>
+    <a:masterClrMapping/>
+  </p:clrMapOvr>
+</p:notes>
+</file>
+
+<file path=ppt/notesSlides/notesSlide2.xml><?xml version="1.0" encoding="utf-8"?>
+<p:notes xmlns:a="http://schemas.openxmlformats.org/drawingml/2006/main" xmlns:r="http://schemas.openxmlformats.org/officeDocument/2006/relationships" xmlns:p="http://schemas.openxmlformats.org/presentationml/2006/main">
+  <p:cSld>
+    <p:spTree>
+      <p:nvGrpSpPr>
+        <p:cNvPr id="1" name=""/>
+        <p:cNvGrpSpPr/>
+        <p:nvPr/>
+      </p:nvGrpSpPr>
+      <p:grpSpPr>
+        <a:xfrm>
+          <a:off x="0" y="0"/>
+          <a:ext cx="0" cy="0"/>
+          <a:chOff x="0" y="0"/>
+          <a:chExt cx="0" cy="0"/>
+        </a:xfrm>
+      </p:grpSpPr>
+      <p:sp>
+        <p:nvSpPr>
+          <p:cNvPr id="2" name="Slide Image Placeholder 1"/>
+          <p:cNvSpPr>
+            <a:spLocks noGrp="1" noRot="1" noChangeAspect="1"/>
+          </p:cNvSpPr>
+          <p:nvPr>
+            <p:ph type="sldImg"/>
+          </p:nvPr>
+        </p:nvSpPr>
+        <p:spPr/>
+      </p:sp>
+      <p:sp>
+        <p:nvSpPr>
+          <p:cNvPr id="3" name="Notes Placeholder 2"/>
+          <p:cNvSpPr>
+            <a:spLocks noGrp="1"/>
+          </p:cNvSpPr>
+          <p:nvPr>
+            <p:ph type="body" idx="1"/>
+          </p:nvPr>
+        </p:nvSpPr>
+        <p:spPr/>
+        <p:txBody>
+          <a:bodyPr/>
+          <a:lstStyle/>
+          <a:p>
             <a:pPr marL="0" marR="0" lvl="0" indent="0" algn="l" defTabSz="914400" rtl="0" eaLnBrk="1" fontAlgn="auto" latinLnBrk="0" hangingPunct="1">
               <a:lnSpc>
                 <a:spcPct val="100000"/>
@@ -577,7 +664,7 @@
 </p:notes>
 </file>
 
-<file path=ppt/notesSlides/notesSlide2.xml><?xml version="1.0" encoding="utf-8"?>
+<file path=ppt/notesSlides/notesSlide3.xml><?xml version="1.0" encoding="utf-8"?>
 <p:notes xmlns:a="http://schemas.openxmlformats.org/drawingml/2006/main" xmlns:r="http://schemas.openxmlformats.org/officeDocument/2006/relationships" xmlns:p="http://schemas.openxmlformats.org/presentationml/2006/main">
   <p:cSld>
     <p:spTree>
@@ -26122,8 +26209,8 @@
         </p:nvSpPr>
         <p:spPr>
           <a:xfrm>
-            <a:off x="92775" y="1099268"/>
-            <a:ext cx="12018711" cy="4278094"/>
+            <a:off x="92776" y="1099268"/>
+            <a:ext cx="4153910" cy="5016758"/>
           </a:xfrm>
           <a:prstGeom prst="rect">
             <a:avLst/>
@@ -26433,6 +26520,41 @@
           </a:p>
         </p:txBody>
       </p:sp>
+      <p:pic>
+        <p:nvPicPr>
+          <p:cNvPr id="7" name="Picture 6" descr="A graph with blue and black lines&#10;&#10;Description automatically generated">
+            <a:extLst>
+              <a:ext uri="{FF2B5EF4-FFF2-40B4-BE49-F238E27FC236}">
+                <a16:creationId xmlns:a16="http://schemas.microsoft.com/office/drawing/2014/main" id="{D106ED32-C0B2-7930-6EE2-A234A301F182}"/>
+              </a:ext>
+            </a:extLst>
+          </p:cNvPr>
+          <p:cNvPicPr>
+            <a:picLocks noChangeAspect="1"/>
+          </p:cNvPicPr>
+          <p:nvPr/>
+        </p:nvPicPr>
+        <p:blipFill>
+          <a:blip r:embed="rId3"/>
+          <a:stretch>
+            <a:fillRect/>
+          </a:stretch>
+        </p:blipFill>
+        <p:spPr>
+          <a:xfrm>
+            <a:off x="4326825" y="1193231"/>
+            <a:ext cx="7772400" cy="4663440"/>
+          </a:xfrm>
+          <a:prstGeom prst="rect">
+            <a:avLst/>
+          </a:prstGeom>
+          <a:ln w="31750">
+            <a:solidFill>
+              <a:schemeClr val="tx1"/>
+            </a:solidFill>
+          </a:ln>
+        </p:spPr>
+      </p:pic>
     </p:spTree>
     <p:extLst>
       <p:ext uri="{BB962C8B-B14F-4D97-AF65-F5344CB8AC3E}">
@@ -33480,7 +33602,7 @@
           <a:lstStyle/>
           <a:p>
             <a:r>
-              <a:rPr lang="en-US" sz="2000" dirty="0">
+              <a:rPr lang="en-US" sz="2000" b="1" dirty="0">
                 <a:latin typeface="PT Sans" panose="020B0503020203020204" pitchFamily="34" charset="77"/>
               </a:rPr>
               <a:t>Used the TMDB v11 dataset from Kaggle as base dataset</a:t>
@@ -33506,7 +33628,7 @@
           </a:p>
           <a:p>
             <a:r>
-              <a:rPr lang="en-US" sz="2000" dirty="0">
+              <a:rPr lang="en-US" sz="2000" b="1" dirty="0">
                 <a:latin typeface="PT Sans" panose="020B0503020203020204" pitchFamily="34" charset="77"/>
               </a:rPr>
               <a:t>For genre analysis filtered movies that had a budget of over $1 million and revenue of over $1 million</a:t>
@@ -33530,7 +33652,7 @@
           </a:p>
           <a:p>
             <a:r>
-              <a:rPr lang="en-US" sz="2000" dirty="0">
+              <a:rPr lang="en-US" sz="2000" b="1" dirty="0">
                 <a:latin typeface="PT Sans" panose="020B0503020203020204" pitchFamily="34" charset="77"/>
               </a:rPr>
               <a:t>Several movies fell within multiple genre categories and were bucketed based off into individual genres</a:t>

--- a/Group4_Brief.pptx
+++ b/Group4_Brief.pptx
@@ -209,7 +209,7 @@
           <a:p>
             <a:fld id="{B984923E-94D3-394C-BF4C-27942A0A95A4}" type="datetimeFigureOut">
               <a:rPr lang="en-US" smtClean="0"/>
-              <a:t>8/26/24</a:t>
+              <a:t>8/27/24</a:t>
             </a:fld>
             <a:endParaRPr lang="en-US"/>
           </a:p>
@@ -1306,7 +1306,7 @@
           <a:p>
             <a:fld id="{9631276A-A4E6-0D42-A41A-0ACCA72FC1E8}" type="datetimeFigureOut">
               <a:rPr lang="en-US" smtClean="0"/>
-              <a:t>8/26/24</a:t>
+              <a:t>8/27/24</a:t>
             </a:fld>
             <a:endParaRPr lang="en-US"/>
           </a:p>
@@ -1504,7 +1504,7 @@
           <a:p>
             <a:fld id="{9631276A-A4E6-0D42-A41A-0ACCA72FC1E8}" type="datetimeFigureOut">
               <a:rPr lang="en-US" smtClean="0"/>
-              <a:t>8/26/24</a:t>
+              <a:t>8/27/24</a:t>
             </a:fld>
             <a:endParaRPr lang="en-US"/>
           </a:p>
@@ -1712,7 +1712,7 @@
           <a:p>
             <a:fld id="{9631276A-A4E6-0D42-A41A-0ACCA72FC1E8}" type="datetimeFigureOut">
               <a:rPr lang="en-US" smtClean="0"/>
-              <a:t>8/26/24</a:t>
+              <a:t>8/27/24</a:t>
             </a:fld>
             <a:endParaRPr lang="en-US"/>
           </a:p>
@@ -22897,7 +22897,7 @@
           <a:p>
             <a:fld id="{9631276A-A4E6-0D42-A41A-0ACCA72FC1E8}" type="datetimeFigureOut">
               <a:rPr lang="en-US" smtClean="0"/>
-              <a:t>8/26/24</a:t>
+              <a:t>8/27/24</a:t>
             </a:fld>
             <a:endParaRPr lang="en-US"/>
           </a:p>
@@ -23172,7 +23172,7 @@
           <a:p>
             <a:fld id="{9631276A-A4E6-0D42-A41A-0ACCA72FC1E8}" type="datetimeFigureOut">
               <a:rPr lang="en-US" smtClean="0"/>
-              <a:t>8/26/24</a:t>
+              <a:t>8/27/24</a:t>
             </a:fld>
             <a:endParaRPr lang="en-US"/>
           </a:p>
@@ -23437,7 +23437,7 @@
           <a:p>
             <a:fld id="{9631276A-A4E6-0D42-A41A-0ACCA72FC1E8}" type="datetimeFigureOut">
               <a:rPr lang="en-US" smtClean="0"/>
-              <a:t>8/26/24</a:t>
+              <a:t>8/27/24</a:t>
             </a:fld>
             <a:endParaRPr lang="en-US"/>
           </a:p>
@@ -23849,7 +23849,7 @@
           <a:p>
             <a:fld id="{9631276A-A4E6-0D42-A41A-0ACCA72FC1E8}" type="datetimeFigureOut">
               <a:rPr lang="en-US" smtClean="0"/>
-              <a:t>8/26/24</a:t>
+              <a:t>8/27/24</a:t>
             </a:fld>
             <a:endParaRPr lang="en-US"/>
           </a:p>
@@ -23990,7 +23990,7 @@
           <a:p>
             <a:fld id="{9631276A-A4E6-0D42-A41A-0ACCA72FC1E8}" type="datetimeFigureOut">
               <a:rPr lang="en-US" smtClean="0"/>
-              <a:t>8/26/24</a:t>
+              <a:t>8/27/24</a:t>
             </a:fld>
             <a:endParaRPr lang="en-US"/>
           </a:p>
@@ -24103,7 +24103,7 @@
           <a:p>
             <a:fld id="{9631276A-A4E6-0D42-A41A-0ACCA72FC1E8}" type="datetimeFigureOut">
               <a:rPr lang="en-US" smtClean="0"/>
-              <a:t>8/26/24</a:t>
+              <a:t>8/27/24</a:t>
             </a:fld>
             <a:endParaRPr lang="en-US"/>
           </a:p>
@@ -24414,7 +24414,7 @@
           <a:p>
             <a:fld id="{9631276A-A4E6-0D42-A41A-0ACCA72FC1E8}" type="datetimeFigureOut">
               <a:rPr lang="en-US" smtClean="0"/>
-              <a:t>8/26/24</a:t>
+              <a:t>8/27/24</a:t>
             </a:fld>
             <a:endParaRPr lang="en-US"/>
           </a:p>
@@ -24702,7 +24702,7 @@
           <a:p>
             <a:fld id="{9631276A-A4E6-0D42-A41A-0ACCA72FC1E8}" type="datetimeFigureOut">
               <a:rPr lang="en-US" smtClean="0"/>
-              <a:t>8/26/24</a:t>
+              <a:t>8/27/24</a:t>
             </a:fld>
             <a:endParaRPr lang="en-US"/>
           </a:p>
@@ -24943,7 +24943,7 @@
           <a:p>
             <a:fld id="{9631276A-A4E6-0D42-A41A-0ACCA72FC1E8}" type="datetimeFigureOut">
               <a:rPr lang="en-US" smtClean="0"/>
-              <a:t>8/26/24</a:t>
+              <a:t>8/27/24</a:t>
             </a:fld>
             <a:endParaRPr lang="en-US"/>
           </a:p>
@@ -25814,62 +25814,6 @@
           <a:chExt cx="0" cy="0"/>
         </a:xfrm>
       </p:grpSpPr>
-      <p:sp>
-        <p:nvSpPr>
-          <p:cNvPr id="1382" name="TextBox 1381">
-            <a:extLst>
-              <a:ext uri="{FF2B5EF4-FFF2-40B4-BE49-F238E27FC236}">
-                <a16:creationId xmlns:a16="http://schemas.microsoft.com/office/drawing/2014/main" id="{043C45BF-79A8-4FA5-D7DF-595D41F5BD47}"/>
-              </a:ext>
-            </a:extLst>
-          </p:cNvPr>
-          <p:cNvSpPr txBox="1"/>
-          <p:nvPr/>
-        </p:nvSpPr>
-        <p:spPr>
-          <a:xfrm>
-            <a:off x="92776" y="253457"/>
-            <a:ext cx="7320898" cy="646331"/>
-          </a:xfrm>
-          <a:prstGeom prst="rect">
-            <a:avLst/>
-          </a:prstGeom>
-          <a:noFill/>
-        </p:spPr>
-        <p:txBody>
-          <a:bodyPr wrap="square" rtlCol="0">
-            <a:spAutoFit/>
-          </a:bodyPr>
-          <a:lstStyle>
-            <a:defPPr>
-              <a:defRPr lang="ro-RO"/>
-            </a:defPPr>
-            <a:lvl1pPr algn="ctr">
-              <a:defRPr sz="2400" b="1">
-                <a:solidFill>
-                  <a:srgbClr val="D1E4E8"/>
-                </a:solidFill>
-                <a:latin typeface="Times New Roman" panose="02020603050405020304" pitchFamily="18" charset="0"/>
-                <a:cs typeface="Times New Roman" panose="02020603050405020304" pitchFamily="18" charset="0"/>
-              </a:defRPr>
-            </a:lvl1pPr>
-          </a:lstStyle>
-          <a:p>
-            <a:pPr algn="l"/>
-            <a:r>
-              <a:rPr lang="en-US" sz="3600" dirty="0">
-                <a:solidFill>
-                  <a:schemeClr val="bg1"/>
-                </a:solidFill>
-                <a:latin typeface="Palatino Linotype" panose="02040502050505030304" pitchFamily="18" charset="0"/>
-                <a:ea typeface="Verdana" panose="020B0604030504040204" pitchFamily="34" charset="0"/>
-                <a:cs typeface="Courier New" panose="02070309020205020404" pitchFamily="49" charset="0"/>
-              </a:rPr>
-              <a:t>% Profit by Genre</a:t>
-            </a:r>
-          </a:p>
-        </p:txBody>
-      </p:sp>
       <p:pic>
         <p:nvPicPr>
           <p:cNvPr id="4" name="Picture 3" descr="A graph with blue squares&#10;&#10;Description automatically generated">
@@ -25974,6 +25918,62 @@
           </a:p>
         </p:txBody>
       </p:sp>
+      <p:sp>
+        <p:nvSpPr>
+          <p:cNvPr id="2" name="TextBox 1">
+            <a:extLst>
+              <a:ext uri="{FF2B5EF4-FFF2-40B4-BE49-F238E27FC236}">
+                <a16:creationId xmlns:a16="http://schemas.microsoft.com/office/drawing/2014/main" id="{FBCA9809-B192-AFC2-84D8-D4C74E3E3A1C}"/>
+              </a:ext>
+            </a:extLst>
+          </p:cNvPr>
+          <p:cNvSpPr txBox="1"/>
+          <p:nvPr/>
+        </p:nvSpPr>
+        <p:spPr>
+          <a:xfrm>
+            <a:off x="92775" y="253457"/>
+            <a:ext cx="11353849" cy="646331"/>
+          </a:xfrm>
+          <a:prstGeom prst="rect">
+            <a:avLst/>
+          </a:prstGeom>
+          <a:noFill/>
+        </p:spPr>
+        <p:txBody>
+          <a:bodyPr wrap="square" rtlCol="0">
+            <a:spAutoFit/>
+          </a:bodyPr>
+          <a:lstStyle>
+            <a:defPPr>
+              <a:defRPr lang="ro-RO"/>
+            </a:defPPr>
+            <a:lvl1pPr algn="ctr">
+              <a:defRPr sz="2400" b="1">
+                <a:solidFill>
+                  <a:srgbClr val="D1E4E8"/>
+                </a:solidFill>
+                <a:latin typeface="Times New Roman" panose="02020603050405020304" pitchFamily="18" charset="0"/>
+                <a:cs typeface="Times New Roman" panose="02020603050405020304" pitchFamily="18" charset="0"/>
+              </a:defRPr>
+            </a:lvl1pPr>
+          </a:lstStyle>
+          <a:p>
+            <a:pPr algn="l"/>
+            <a:r>
+              <a:rPr lang="en-US" sz="3600" dirty="0">
+                <a:solidFill>
+                  <a:schemeClr val="bg1"/>
+                </a:solidFill>
+                <a:latin typeface="PT Sans" panose="020B0503020203020204" pitchFamily="34" charset="77"/>
+                <a:ea typeface="Verdana" panose="020B0604030504040204" pitchFamily="34" charset="0"/>
+                <a:cs typeface="Courier New" panose="02070309020205020404" pitchFamily="49" charset="0"/>
+              </a:rPr>
+              <a:t>Does movie genre have an effect on box office profit? </a:t>
+            </a:r>
+          </a:p>
+        </p:txBody>
+      </p:sp>
     </p:spTree>
     <p:extLst>
       <p:ext uri="{BB962C8B-B14F-4D97-AF65-F5344CB8AC3E}">
@@ -26021,7 +26021,7 @@
                                           </p:stCondLst>
                                         </p:cTn>
                                         <p:tgtEl>
-                                          <p:spTgt spid="1382"/>
+                                          <p:spTgt spid="2"/>
                                         </p:tgtEl>
                                         <p:attrNameLst>
                                           <p:attrName>style.visibility</p:attrName>
@@ -26035,7 +26035,7 @@
                                       <p:cBhvr>
                                         <p:cTn id="7" dur="500" fill="hold"/>
                                         <p:tgtEl>
-                                          <p:spTgt spid="1382"/>
+                                          <p:spTgt spid="2"/>
                                         </p:tgtEl>
                                         <p:attrNameLst>
                                           <p:attrName>ppt_w</p:attrName>
@@ -26058,7 +26058,7 @@
                                       <p:cBhvr>
                                         <p:cTn id="8" dur="500" fill="hold"/>
                                         <p:tgtEl>
-                                          <p:spTgt spid="1382"/>
+                                          <p:spTgt spid="2"/>
                                         </p:tgtEl>
                                         <p:attrNameLst>
                                           <p:attrName>ppt_h</p:attrName>
@@ -26081,7 +26081,7 @@
                                       <p:cBhvr>
                                         <p:cTn id="9" dur="500"/>
                                         <p:tgtEl>
-                                          <p:spTgt spid="1382"/>
+                                          <p:spTgt spid="2"/>
                                         </p:tgtEl>
                                       </p:cBhvr>
                                     </p:animEffect>
@@ -26116,7 +26116,7 @@
       </p:par>
     </p:tnLst>
     <p:bldLst>
-      <p:bldP spid="1382" grpId="0"/>
+      <p:bldP spid="2" grpId="0"/>
     </p:bldLst>
   </p:timing>
 </p:sld>
@@ -26522,10 +26522,10 @@
       </p:sp>
       <p:pic>
         <p:nvPicPr>
-          <p:cNvPr id="7" name="Picture 6" descr="A graph with blue and black lines&#10;&#10;Description automatically generated">
+          <p:cNvPr id="4" name="Picture 3" descr="A graph with lines and dots&#10;&#10;Description automatically generated with medium confidence">
             <a:extLst>
               <a:ext uri="{FF2B5EF4-FFF2-40B4-BE49-F238E27FC236}">
-                <a16:creationId xmlns:a16="http://schemas.microsoft.com/office/drawing/2014/main" id="{D106ED32-C0B2-7930-6EE2-A234A301F182}"/>
+                <a16:creationId xmlns:a16="http://schemas.microsoft.com/office/drawing/2014/main" id="{CC6123D6-478D-CFB1-703B-DF2CC768CF40}"/>
               </a:ext>
             </a:extLst>
           </p:cNvPr>
@@ -26542,8 +26542,8 @@
         </p:blipFill>
         <p:spPr>
           <a:xfrm>
-            <a:off x="4326825" y="1193231"/>
-            <a:ext cx="7772400" cy="4663440"/>
+            <a:off x="4545367" y="1162843"/>
+            <a:ext cx="7553857" cy="4532314"/>
           </a:xfrm>
           <a:prstGeom prst="rect">
             <a:avLst/>
@@ -33925,8 +33925,8 @@
         </p:nvSpPr>
         <p:spPr>
           <a:xfrm>
-            <a:off x="92776" y="253457"/>
-            <a:ext cx="7320898" cy="646331"/>
+            <a:off x="92775" y="253457"/>
+            <a:ext cx="11902489" cy="646331"/>
           </a:xfrm>
           <a:prstGeom prst="rect">
             <a:avLst/>
@@ -33962,7 +33962,7 @@
                 <a:ea typeface="Verdana" panose="020B0604030504040204" pitchFamily="34" charset="0"/>
                 <a:cs typeface="Courier New" panose="02070309020205020404" pitchFamily="49" charset="0"/>
               </a:rPr>
-              <a:t>Budget vs. Revenue</a:t>
+              <a:t>Does production budget correlate to a box office profit?</a:t>
             </a:r>
           </a:p>
         </p:txBody>
@@ -34274,8 +34274,8 @@
         </p:nvSpPr>
         <p:spPr>
           <a:xfrm>
-            <a:off x="92776" y="253457"/>
-            <a:ext cx="7320898" cy="646331"/>
+            <a:off x="92775" y="253457"/>
+            <a:ext cx="11644795" cy="646331"/>
           </a:xfrm>
           <a:prstGeom prst="rect">
             <a:avLst/>
@@ -34311,7 +34311,7 @@
                 <a:ea typeface="Verdana" panose="020B0604030504040204" pitchFamily="34" charset="0"/>
                 <a:cs typeface="Courier New" panose="02070309020205020404" pitchFamily="49" charset="0"/>
               </a:rPr>
-              <a:t>Budget vs. Profit %</a:t>
+              <a:t>Does production budget correlate to a box office profit?</a:t>
             </a:r>
           </a:p>
         </p:txBody>
@@ -34630,8 +34630,8 @@
         </p:nvSpPr>
         <p:spPr>
           <a:xfrm>
-            <a:off x="92776" y="253457"/>
-            <a:ext cx="5653875" cy="646331"/>
+            <a:off x="0" y="319959"/>
+            <a:ext cx="11990367" cy="523220"/>
           </a:xfrm>
           <a:prstGeom prst="rect">
             <a:avLst/>
@@ -34659,7 +34659,7 @@
           <a:p>
             <a:pPr algn="l"/>
             <a:r>
-              <a:rPr lang="en-US" sz="3600" dirty="0">
+              <a:rPr lang="en-US" sz="2800" dirty="0">
                 <a:solidFill>
                   <a:schemeClr val="bg1"/>
                 </a:solidFill>
@@ -34667,7 +34667,7 @@
                 <a:ea typeface="Verdana" panose="020B0604030504040204" pitchFamily="34" charset="0"/>
                 <a:cs typeface="Courier New" panose="02070309020205020404" pitchFamily="49" charset="0"/>
               </a:rPr>
-              <a:t>Budget vs Audience Score</a:t>
+              <a:t>Does a higher production budget correlate to a higher audience score? </a:t>
             </a:r>
           </a:p>
         </p:txBody>
@@ -35013,8 +35013,8 @@
         </p:nvSpPr>
         <p:spPr>
           <a:xfrm>
-            <a:off x="92776" y="253457"/>
-            <a:ext cx="5653875" cy="646331"/>
+            <a:off x="0" y="286707"/>
+            <a:ext cx="12099224" cy="584775"/>
           </a:xfrm>
           <a:prstGeom prst="rect">
             <a:avLst/>
@@ -35042,7 +35042,7 @@
           <a:p>
             <a:pPr algn="l"/>
             <a:r>
-              <a:rPr lang="en-US" sz="3600" dirty="0">
+              <a:rPr lang="en-US" sz="3200" dirty="0">
                 <a:solidFill>
                   <a:schemeClr val="bg1"/>
                 </a:solidFill>
@@ -35050,7 +35050,7 @@
                 <a:ea typeface="Verdana" panose="020B0604030504040204" pitchFamily="34" charset="0"/>
                 <a:cs typeface="Courier New" panose="02070309020205020404" pitchFamily="49" charset="0"/>
               </a:rPr>
-              <a:t>% Profit vs Audience Score</a:t>
+              <a:t>Does a higher audience score correlate to a higher box office profit?</a:t>
             </a:r>
           </a:p>
         </p:txBody>
@@ -35378,8 +35378,8 @@
         </p:nvSpPr>
         <p:spPr>
           <a:xfrm>
-            <a:off x="92776" y="253457"/>
-            <a:ext cx="7320898" cy="646331"/>
+            <a:off x="92775" y="253457"/>
+            <a:ext cx="11353849" cy="646331"/>
           </a:xfrm>
           <a:prstGeom prst="rect">
             <a:avLst/>
@@ -35415,7 +35415,7 @@
                 <a:ea typeface="Verdana" panose="020B0604030504040204" pitchFamily="34" charset="0"/>
                 <a:cs typeface="Courier New" panose="02070309020205020404" pitchFamily="49" charset="0"/>
               </a:rPr>
-              <a:t>Budget vs. Revenue by Genre</a:t>
+              <a:t>Does movie genre have an effect on box office profit? </a:t>
             </a:r>
           </a:p>
         </p:txBody>

--- a/Group4_Brief.pptx
+++ b/Group4_Brief.pptx
@@ -209,7 +209,7 @@
           <a:p>
             <a:fld id="{B984923E-94D3-394C-BF4C-27942A0A95A4}" type="datetimeFigureOut">
               <a:rPr lang="en-US" smtClean="0"/>
-              <a:t>8/27/24</a:t>
+              <a:t>8/28/24</a:t>
             </a:fld>
             <a:endParaRPr lang="en-US"/>
           </a:p>
@@ -1306,7 +1306,7 @@
           <a:p>
             <a:fld id="{9631276A-A4E6-0D42-A41A-0ACCA72FC1E8}" type="datetimeFigureOut">
               <a:rPr lang="en-US" smtClean="0"/>
-              <a:t>8/27/24</a:t>
+              <a:t>8/28/24</a:t>
             </a:fld>
             <a:endParaRPr lang="en-US"/>
           </a:p>
@@ -1504,7 +1504,7 @@
           <a:p>
             <a:fld id="{9631276A-A4E6-0D42-A41A-0ACCA72FC1E8}" type="datetimeFigureOut">
               <a:rPr lang="en-US" smtClean="0"/>
-              <a:t>8/27/24</a:t>
+              <a:t>8/28/24</a:t>
             </a:fld>
             <a:endParaRPr lang="en-US"/>
           </a:p>
@@ -1712,7 +1712,7 @@
           <a:p>
             <a:fld id="{9631276A-A4E6-0D42-A41A-0ACCA72FC1E8}" type="datetimeFigureOut">
               <a:rPr lang="en-US" smtClean="0"/>
-              <a:t>8/27/24</a:t>
+              <a:t>8/28/24</a:t>
             </a:fld>
             <a:endParaRPr lang="en-US"/>
           </a:p>
@@ -22897,7 +22897,7 @@
           <a:p>
             <a:fld id="{9631276A-A4E6-0D42-A41A-0ACCA72FC1E8}" type="datetimeFigureOut">
               <a:rPr lang="en-US" smtClean="0"/>
-              <a:t>8/27/24</a:t>
+              <a:t>8/28/24</a:t>
             </a:fld>
             <a:endParaRPr lang="en-US"/>
           </a:p>
@@ -23172,7 +23172,7 @@
           <a:p>
             <a:fld id="{9631276A-A4E6-0D42-A41A-0ACCA72FC1E8}" type="datetimeFigureOut">
               <a:rPr lang="en-US" smtClean="0"/>
-              <a:t>8/27/24</a:t>
+              <a:t>8/28/24</a:t>
             </a:fld>
             <a:endParaRPr lang="en-US"/>
           </a:p>
@@ -23437,7 +23437,7 @@
           <a:p>
             <a:fld id="{9631276A-A4E6-0D42-A41A-0ACCA72FC1E8}" type="datetimeFigureOut">
               <a:rPr lang="en-US" smtClean="0"/>
-              <a:t>8/27/24</a:t>
+              <a:t>8/28/24</a:t>
             </a:fld>
             <a:endParaRPr lang="en-US"/>
           </a:p>
@@ -23849,7 +23849,7 @@
           <a:p>
             <a:fld id="{9631276A-A4E6-0D42-A41A-0ACCA72FC1E8}" type="datetimeFigureOut">
               <a:rPr lang="en-US" smtClean="0"/>
-              <a:t>8/27/24</a:t>
+              <a:t>8/28/24</a:t>
             </a:fld>
             <a:endParaRPr lang="en-US"/>
           </a:p>
@@ -23990,7 +23990,7 @@
           <a:p>
             <a:fld id="{9631276A-A4E6-0D42-A41A-0ACCA72FC1E8}" type="datetimeFigureOut">
               <a:rPr lang="en-US" smtClean="0"/>
-              <a:t>8/27/24</a:t>
+              <a:t>8/28/24</a:t>
             </a:fld>
             <a:endParaRPr lang="en-US"/>
           </a:p>
@@ -24103,7 +24103,7 @@
           <a:p>
             <a:fld id="{9631276A-A4E6-0D42-A41A-0ACCA72FC1E8}" type="datetimeFigureOut">
               <a:rPr lang="en-US" smtClean="0"/>
-              <a:t>8/27/24</a:t>
+              <a:t>8/28/24</a:t>
             </a:fld>
             <a:endParaRPr lang="en-US"/>
           </a:p>
@@ -24414,7 +24414,7 @@
           <a:p>
             <a:fld id="{9631276A-A4E6-0D42-A41A-0ACCA72FC1E8}" type="datetimeFigureOut">
               <a:rPr lang="en-US" smtClean="0"/>
-              <a:t>8/27/24</a:t>
+              <a:t>8/28/24</a:t>
             </a:fld>
             <a:endParaRPr lang="en-US"/>
           </a:p>
@@ -24702,7 +24702,7 @@
           <a:p>
             <a:fld id="{9631276A-A4E6-0D42-A41A-0ACCA72FC1E8}" type="datetimeFigureOut">
               <a:rPr lang="en-US" smtClean="0"/>
-              <a:t>8/27/24</a:t>
+              <a:t>8/28/24</a:t>
             </a:fld>
             <a:endParaRPr lang="en-US"/>
           </a:p>
@@ -24943,7 +24943,7 @@
           <a:p>
             <a:fld id="{9631276A-A4E6-0D42-A41A-0ACCA72FC1E8}" type="datetimeFigureOut">
               <a:rPr lang="en-US" smtClean="0"/>
-              <a:t>8/27/24</a:t>
+              <a:t>8/28/24</a:t>
             </a:fld>
             <a:endParaRPr lang="en-US"/>
           </a:p>
@@ -26996,8 +26996,8 @@
         </p:nvSpPr>
         <p:spPr>
           <a:xfrm>
-            <a:off x="81758" y="4852496"/>
-            <a:ext cx="12110241" cy="1477328"/>
+            <a:off x="81758" y="4880416"/>
+            <a:ext cx="12110241" cy="1754326"/>
           </a:xfrm>
           <a:prstGeom prst="rect">
             <a:avLst/>
@@ -27026,7 +27026,7 @@
                 <a:ea typeface="Verdana" panose="020B0604030504040204" pitchFamily="34" charset="0"/>
                 <a:cs typeface="Courier New" panose="02070309020205020404" pitchFamily="49" charset="0"/>
               </a:rPr>
-              <a:t>1)</a:t>
+              <a:t>1) Invest in four horror movies with a budget of $50 Million a piece with a potential gross profit of $460 Million. The Horror genera the highest percent profit when compared to the other genres with 267%.</a:t>
             </a:r>
           </a:p>
           <a:p>
@@ -27036,7 +27036,7 @@
                 <a:ea typeface="Verdana" panose="020B0604030504040204" pitchFamily="34" charset="0"/>
                 <a:cs typeface="Courier New" panose="02070309020205020404" pitchFamily="49" charset="0"/>
               </a:rPr>
-              <a:t>2) </a:t>
+              <a:t>2) Invest in one Sci-Fi movie with a budget of $161.40 Million and one low-budget horror film of $38 Million with a potential gross revenue of $331.84 Million ($312.69 Million from Sci-Fi and $10 Million from Horror.</a:t>
             </a:r>
           </a:p>
           <a:p>
@@ -27046,20 +27046,24 @@
                 <a:ea typeface="Verdana" panose="020B0604030504040204" pitchFamily="34" charset="0"/>
                 <a:cs typeface="Courier New" panose="02070309020205020404" pitchFamily="49" charset="0"/>
               </a:rPr>
-              <a:t>3)</a:t>
+              <a:t>3) Do not invest in </a:t>
             </a:r>
-            <a:endParaRPr lang="en-US" sz="1800" dirty="0">
-              <a:latin typeface="PT Sans" panose="020B0503020203020204" pitchFamily="34" charset="77"/>
-              <a:ea typeface="Verdana" panose="020B0604030504040204" pitchFamily="34" charset="0"/>
-              <a:cs typeface="Courier New" panose="02070309020205020404" pitchFamily="49" charset="0"/>
-            </a:endParaRPr>
-          </a:p>
-          <a:p>
-            <a:endParaRPr lang="en-US" sz="1800" dirty="0">
-              <a:latin typeface="PT Sans" panose="020B0503020203020204" pitchFamily="34" charset="77"/>
-              <a:ea typeface="Verdana" panose="020B0604030504040204" pitchFamily="34" charset="0"/>
-              <a:cs typeface="Courier New" panose="02070309020205020404" pitchFamily="49" charset="0"/>
-            </a:endParaRPr>
+            <a:r>
+              <a:rPr lang="en-US" dirty="0" err="1">
+                <a:latin typeface="PT Sans" panose="020B0503020203020204" pitchFamily="34" charset="77"/>
+                <a:ea typeface="Verdana" panose="020B0604030504040204" pitchFamily="34" charset="0"/>
+                <a:cs typeface="Courier New" panose="02070309020205020404" pitchFamily="49" charset="0"/>
+              </a:rPr>
+              <a:t>RomCom</a:t>
+            </a:r>
+            <a:r>
+              <a:rPr lang="en-US" dirty="0">
+                <a:latin typeface="PT Sans" panose="020B0503020203020204" pitchFamily="34" charset="77"/>
+                <a:ea typeface="Verdana" panose="020B0604030504040204" pitchFamily="34" charset="0"/>
+                <a:cs typeface="Courier New" panose="02070309020205020404" pitchFamily="49" charset="0"/>
+              </a:rPr>
+              <a:t> sine they have a very low ROI.</a:t>
+            </a:r>
           </a:p>
         </p:txBody>
       </p:sp>

--- a/Group4_Brief.pptx
+++ b/Group4_Brief.pptx
@@ -522,8 +522,27 @@
           <a:p>
             <a:r>
               <a:rPr lang="en-US" dirty="0"/>
-              <a:t>Speak to what worked easy and what hurdles there were</a:t>
+              <a:t>Speak to what worked easy and what hurdles there we</a:t>
             </a:r>
+          </a:p>
+          <a:p>
+            <a:r>
+              <a:rPr lang="en-US" b="0" i="0" dirty="0">
+                <a:solidFill>
+                  <a:srgbClr val="EEF0FF"/>
+                </a:solidFill>
+                <a:effectLst/>
+                <a:latin typeface="Google Sans"/>
+              </a:rPr>
+              <a:t>The Movie Database (TMDB) </a:t>
+            </a:r>
+            <a:endParaRPr lang="en-US" dirty="0"/>
+          </a:p>
+          <a:p>
+            <a:endParaRPr lang="en-US" dirty="0"/>
+          </a:p>
+          <a:p>
+            <a:endParaRPr lang="en-US" dirty="0"/>
           </a:p>
         </p:txBody>
       </p:sp>
@@ -25615,185 +25634,6 @@
   <p:clrMapOvr>
     <a:masterClrMapping/>
   </p:clrMapOvr>
-  <p:timing>
-    <p:tnLst>
-      <p:par>
-        <p:cTn id="1" dur="indefinite" restart="never" nodeType="tmRoot">
-          <p:childTnLst>
-            <p:seq concurrent="1" nextAc="seek">
-              <p:cTn id="2" dur="indefinite" nodeType="mainSeq">
-                <p:childTnLst>
-                  <p:par>
-                    <p:cTn id="3" fill="hold">
-                      <p:stCondLst>
-                        <p:cond delay="indefinite"/>
-                        <p:cond evt="onBegin" delay="0">
-                          <p:tn val="2"/>
-                        </p:cond>
-                      </p:stCondLst>
-                      <p:childTnLst>
-                        <p:par>
-                          <p:cTn id="4" fill="hold">
-                            <p:stCondLst>
-                              <p:cond delay="0"/>
-                            </p:stCondLst>
-                            <p:childTnLst>
-                              <p:par>
-                                <p:cTn id="5" presetID="16" presetClass="entr" presetSubtype="37" fill="hold" nodeType="withEffect">
-                                  <p:stCondLst>
-                                    <p:cond delay="0"/>
-                                  </p:stCondLst>
-                                  <p:childTnLst>
-                                    <p:set>
-                                      <p:cBhvr>
-                                        <p:cTn id="6" dur="1" fill="hold">
-                                          <p:stCondLst>
-                                            <p:cond delay="0"/>
-                                          </p:stCondLst>
-                                        </p:cTn>
-                                        <p:tgtEl>
-                                          <p:spTgt spid="2"/>
-                                        </p:tgtEl>
-                                        <p:attrNameLst>
-                                          <p:attrName>style.visibility</p:attrName>
-                                        </p:attrNameLst>
-                                      </p:cBhvr>
-                                      <p:to>
-                                        <p:strVal val="visible"/>
-                                      </p:to>
-                                    </p:set>
-                                    <p:animEffect transition="in" filter="barn(outVertical)">
-                                      <p:cBhvr>
-                                        <p:cTn id="7" dur="500"/>
-                                        <p:tgtEl>
-                                          <p:spTgt spid="2"/>
-                                        </p:tgtEl>
-                                      </p:cBhvr>
-                                    </p:animEffect>
-                                  </p:childTnLst>
-                                </p:cTn>
-                              </p:par>
-                            </p:childTnLst>
-                          </p:cTn>
-                        </p:par>
-                        <p:par>
-                          <p:cTn id="8" fill="hold">
-                            <p:stCondLst>
-                              <p:cond delay="500"/>
-                            </p:stCondLst>
-                            <p:childTnLst>
-                              <p:par>
-                                <p:cTn id="9" presetID="53" presetClass="entr" presetSubtype="16" fill="hold" grpId="0" nodeType="afterEffect">
-                                  <p:stCondLst>
-                                    <p:cond delay="0"/>
-                                  </p:stCondLst>
-                                  <p:childTnLst>
-                                    <p:set>
-                                      <p:cBhvr>
-                                        <p:cTn id="10" dur="1" fill="hold">
-                                          <p:stCondLst>
-                                            <p:cond delay="0"/>
-                                          </p:stCondLst>
-                                        </p:cTn>
-                                        <p:tgtEl>
-                                          <p:spTgt spid="4"/>
-                                        </p:tgtEl>
-                                        <p:attrNameLst>
-                                          <p:attrName>style.visibility</p:attrName>
-                                        </p:attrNameLst>
-                                      </p:cBhvr>
-                                      <p:to>
-                                        <p:strVal val="visible"/>
-                                      </p:to>
-                                    </p:set>
-                                    <p:anim calcmode="lin" valueType="num">
-                                      <p:cBhvr>
-                                        <p:cTn id="11" dur="500" fill="hold"/>
-                                        <p:tgtEl>
-                                          <p:spTgt spid="4"/>
-                                        </p:tgtEl>
-                                        <p:attrNameLst>
-                                          <p:attrName>ppt_w</p:attrName>
-                                        </p:attrNameLst>
-                                      </p:cBhvr>
-                                      <p:tavLst>
-                                        <p:tav tm="0">
-                                          <p:val>
-                                            <p:fltVal val="0"/>
-                                          </p:val>
-                                        </p:tav>
-                                        <p:tav tm="100000">
-                                          <p:val>
-                                            <p:strVal val="#ppt_w"/>
-                                          </p:val>
-                                        </p:tav>
-                                      </p:tavLst>
-                                    </p:anim>
-                                    <p:anim calcmode="lin" valueType="num">
-                                      <p:cBhvr>
-                                        <p:cTn id="12" dur="500" fill="hold"/>
-                                        <p:tgtEl>
-                                          <p:spTgt spid="4"/>
-                                        </p:tgtEl>
-                                        <p:attrNameLst>
-                                          <p:attrName>ppt_h</p:attrName>
-                                        </p:attrNameLst>
-                                      </p:cBhvr>
-                                      <p:tavLst>
-                                        <p:tav tm="0">
-                                          <p:val>
-                                            <p:fltVal val="0"/>
-                                          </p:val>
-                                        </p:tav>
-                                        <p:tav tm="100000">
-                                          <p:val>
-                                            <p:strVal val="#ppt_h"/>
-                                          </p:val>
-                                        </p:tav>
-                                      </p:tavLst>
-                                    </p:anim>
-                                    <p:animEffect transition="in" filter="fade">
-                                      <p:cBhvr>
-                                        <p:cTn id="13" dur="500"/>
-                                        <p:tgtEl>
-                                          <p:spTgt spid="4"/>
-                                        </p:tgtEl>
-                                      </p:cBhvr>
-                                    </p:animEffect>
-                                  </p:childTnLst>
-                                </p:cTn>
-                              </p:par>
-                            </p:childTnLst>
-                          </p:cTn>
-                        </p:par>
-                      </p:childTnLst>
-                    </p:cTn>
-                  </p:par>
-                </p:childTnLst>
-              </p:cTn>
-              <p:prevCondLst>
-                <p:cond evt="onPrev" delay="0">
-                  <p:tgtEl>
-                    <p:sldTgt/>
-                  </p:tgtEl>
-                </p:cond>
-              </p:prevCondLst>
-              <p:nextCondLst>
-                <p:cond evt="onNext" delay="0">
-                  <p:tgtEl>
-                    <p:sldTgt/>
-                  </p:tgtEl>
-                </p:cond>
-              </p:nextCondLst>
-            </p:seq>
-          </p:childTnLst>
-        </p:cTn>
-      </p:par>
-    </p:tnLst>
-    <p:bldLst>
-      <p:bldP spid="4" grpId="0"/>
-    </p:bldLst>
-  </p:timing>
 </p:sld>
 </file>
 
@@ -25984,141 +25824,6 @@
   <p:clrMapOvr>
     <a:masterClrMapping/>
   </p:clrMapOvr>
-  <p:timing>
-    <p:tnLst>
-      <p:par>
-        <p:cTn id="1" dur="indefinite" restart="never" nodeType="tmRoot">
-          <p:childTnLst>
-            <p:seq concurrent="1" nextAc="seek">
-              <p:cTn id="2" dur="indefinite" nodeType="mainSeq">
-                <p:childTnLst>
-                  <p:par>
-                    <p:cTn id="3" fill="hold">
-                      <p:stCondLst>
-                        <p:cond delay="indefinite"/>
-                        <p:cond evt="onBegin" delay="0">
-                          <p:tn val="2"/>
-                        </p:cond>
-                      </p:stCondLst>
-                      <p:childTnLst>
-                        <p:par>
-                          <p:cTn id="4" fill="hold">
-                            <p:stCondLst>
-                              <p:cond delay="0"/>
-                            </p:stCondLst>
-                            <p:childTnLst>
-                              <p:par>
-                                <p:cTn id="5" presetID="53" presetClass="entr" presetSubtype="16" fill="hold" grpId="0" nodeType="withEffect">
-                                  <p:stCondLst>
-                                    <p:cond delay="0"/>
-                                  </p:stCondLst>
-                                  <p:childTnLst>
-                                    <p:set>
-                                      <p:cBhvr>
-                                        <p:cTn id="6" dur="1" fill="hold">
-                                          <p:stCondLst>
-                                            <p:cond delay="0"/>
-                                          </p:stCondLst>
-                                        </p:cTn>
-                                        <p:tgtEl>
-                                          <p:spTgt spid="2"/>
-                                        </p:tgtEl>
-                                        <p:attrNameLst>
-                                          <p:attrName>style.visibility</p:attrName>
-                                        </p:attrNameLst>
-                                      </p:cBhvr>
-                                      <p:to>
-                                        <p:strVal val="visible"/>
-                                      </p:to>
-                                    </p:set>
-                                    <p:anim calcmode="lin" valueType="num">
-                                      <p:cBhvr>
-                                        <p:cTn id="7" dur="500" fill="hold"/>
-                                        <p:tgtEl>
-                                          <p:spTgt spid="2"/>
-                                        </p:tgtEl>
-                                        <p:attrNameLst>
-                                          <p:attrName>ppt_w</p:attrName>
-                                        </p:attrNameLst>
-                                      </p:cBhvr>
-                                      <p:tavLst>
-                                        <p:tav tm="0">
-                                          <p:val>
-                                            <p:fltVal val="0"/>
-                                          </p:val>
-                                        </p:tav>
-                                        <p:tav tm="100000">
-                                          <p:val>
-                                            <p:strVal val="#ppt_w"/>
-                                          </p:val>
-                                        </p:tav>
-                                      </p:tavLst>
-                                    </p:anim>
-                                    <p:anim calcmode="lin" valueType="num">
-                                      <p:cBhvr>
-                                        <p:cTn id="8" dur="500" fill="hold"/>
-                                        <p:tgtEl>
-                                          <p:spTgt spid="2"/>
-                                        </p:tgtEl>
-                                        <p:attrNameLst>
-                                          <p:attrName>ppt_h</p:attrName>
-                                        </p:attrNameLst>
-                                      </p:cBhvr>
-                                      <p:tavLst>
-                                        <p:tav tm="0">
-                                          <p:val>
-                                            <p:fltVal val="0"/>
-                                          </p:val>
-                                        </p:tav>
-                                        <p:tav tm="100000">
-                                          <p:val>
-                                            <p:strVal val="#ppt_h"/>
-                                          </p:val>
-                                        </p:tav>
-                                      </p:tavLst>
-                                    </p:anim>
-                                    <p:animEffect transition="in" filter="fade">
-                                      <p:cBhvr>
-                                        <p:cTn id="9" dur="500"/>
-                                        <p:tgtEl>
-                                          <p:spTgt spid="2"/>
-                                        </p:tgtEl>
-                                      </p:cBhvr>
-                                    </p:animEffect>
-                                  </p:childTnLst>
-                                </p:cTn>
-                              </p:par>
-                            </p:childTnLst>
-                          </p:cTn>
-                        </p:par>
-                      </p:childTnLst>
-                    </p:cTn>
-                  </p:par>
-                </p:childTnLst>
-              </p:cTn>
-              <p:prevCondLst>
-                <p:cond evt="onPrev" delay="0">
-                  <p:tgtEl>
-                    <p:sldTgt/>
-                  </p:tgtEl>
-                </p:cond>
-              </p:prevCondLst>
-              <p:nextCondLst>
-                <p:cond evt="onNext" delay="0">
-                  <p:tgtEl>
-                    <p:sldTgt/>
-                  </p:tgtEl>
-                </p:cond>
-              </p:nextCondLst>
-            </p:seq>
-          </p:childTnLst>
-        </p:cTn>
-      </p:par>
-    </p:tnLst>
-    <p:bldLst>
-      <p:bldP spid="2" grpId="0"/>
-    </p:bldLst>
-  </p:timing>
 </p:sld>
 </file>
 
@@ -26565,141 +26270,6 @@
   <p:clrMapOvr>
     <a:masterClrMapping/>
   </p:clrMapOvr>
-  <p:timing>
-    <p:tnLst>
-      <p:par>
-        <p:cTn id="1" dur="indefinite" restart="never" nodeType="tmRoot">
-          <p:childTnLst>
-            <p:seq concurrent="1" nextAc="seek">
-              <p:cTn id="2" dur="indefinite" nodeType="mainSeq">
-                <p:childTnLst>
-                  <p:par>
-                    <p:cTn id="3" fill="hold">
-                      <p:stCondLst>
-                        <p:cond delay="indefinite"/>
-                        <p:cond evt="onBegin" delay="0">
-                          <p:tn val="2"/>
-                        </p:cond>
-                      </p:stCondLst>
-                      <p:childTnLst>
-                        <p:par>
-                          <p:cTn id="4" fill="hold">
-                            <p:stCondLst>
-                              <p:cond delay="0"/>
-                            </p:stCondLst>
-                            <p:childTnLst>
-                              <p:par>
-                                <p:cTn id="5" presetID="53" presetClass="entr" presetSubtype="16" fill="hold" grpId="0" nodeType="withEffect">
-                                  <p:stCondLst>
-                                    <p:cond delay="0"/>
-                                  </p:stCondLst>
-                                  <p:childTnLst>
-                                    <p:set>
-                                      <p:cBhvr>
-                                        <p:cTn id="6" dur="1" fill="hold">
-                                          <p:stCondLst>
-                                            <p:cond delay="0"/>
-                                          </p:stCondLst>
-                                        </p:cTn>
-                                        <p:tgtEl>
-                                          <p:spTgt spid="1382"/>
-                                        </p:tgtEl>
-                                        <p:attrNameLst>
-                                          <p:attrName>style.visibility</p:attrName>
-                                        </p:attrNameLst>
-                                      </p:cBhvr>
-                                      <p:to>
-                                        <p:strVal val="visible"/>
-                                      </p:to>
-                                    </p:set>
-                                    <p:anim calcmode="lin" valueType="num">
-                                      <p:cBhvr>
-                                        <p:cTn id="7" dur="500" fill="hold"/>
-                                        <p:tgtEl>
-                                          <p:spTgt spid="1382"/>
-                                        </p:tgtEl>
-                                        <p:attrNameLst>
-                                          <p:attrName>ppt_w</p:attrName>
-                                        </p:attrNameLst>
-                                      </p:cBhvr>
-                                      <p:tavLst>
-                                        <p:tav tm="0">
-                                          <p:val>
-                                            <p:fltVal val="0"/>
-                                          </p:val>
-                                        </p:tav>
-                                        <p:tav tm="100000">
-                                          <p:val>
-                                            <p:strVal val="#ppt_w"/>
-                                          </p:val>
-                                        </p:tav>
-                                      </p:tavLst>
-                                    </p:anim>
-                                    <p:anim calcmode="lin" valueType="num">
-                                      <p:cBhvr>
-                                        <p:cTn id="8" dur="500" fill="hold"/>
-                                        <p:tgtEl>
-                                          <p:spTgt spid="1382"/>
-                                        </p:tgtEl>
-                                        <p:attrNameLst>
-                                          <p:attrName>ppt_h</p:attrName>
-                                        </p:attrNameLst>
-                                      </p:cBhvr>
-                                      <p:tavLst>
-                                        <p:tav tm="0">
-                                          <p:val>
-                                            <p:fltVal val="0"/>
-                                          </p:val>
-                                        </p:tav>
-                                        <p:tav tm="100000">
-                                          <p:val>
-                                            <p:strVal val="#ppt_h"/>
-                                          </p:val>
-                                        </p:tav>
-                                      </p:tavLst>
-                                    </p:anim>
-                                    <p:animEffect transition="in" filter="fade">
-                                      <p:cBhvr>
-                                        <p:cTn id="9" dur="500"/>
-                                        <p:tgtEl>
-                                          <p:spTgt spid="1382"/>
-                                        </p:tgtEl>
-                                      </p:cBhvr>
-                                    </p:animEffect>
-                                  </p:childTnLst>
-                                </p:cTn>
-                              </p:par>
-                            </p:childTnLst>
-                          </p:cTn>
-                        </p:par>
-                      </p:childTnLst>
-                    </p:cTn>
-                  </p:par>
-                </p:childTnLst>
-              </p:cTn>
-              <p:prevCondLst>
-                <p:cond evt="onPrev" delay="0">
-                  <p:tgtEl>
-                    <p:sldTgt/>
-                  </p:tgtEl>
-                </p:cond>
-              </p:prevCondLst>
-              <p:nextCondLst>
-                <p:cond evt="onNext" delay="0">
-                  <p:tgtEl>
-                    <p:sldTgt/>
-                  </p:tgtEl>
-                </p:cond>
-              </p:nextCondLst>
-            </p:seq>
-          </p:childTnLst>
-        </p:cTn>
-      </p:par>
-    </p:tnLst>
-    <p:bldLst>
-      <p:bldP spid="1382" grpId="0"/>
-    </p:bldLst>
-  </p:timing>
 </p:sld>
 </file>
 
@@ -27077,141 +26647,6 @@
   <p:clrMapOvr>
     <a:masterClrMapping/>
   </p:clrMapOvr>
-  <p:timing>
-    <p:tnLst>
-      <p:par>
-        <p:cTn id="1" dur="indefinite" restart="never" nodeType="tmRoot">
-          <p:childTnLst>
-            <p:seq concurrent="1" nextAc="seek">
-              <p:cTn id="2" dur="indefinite" nodeType="mainSeq">
-                <p:childTnLst>
-                  <p:par>
-                    <p:cTn id="3" fill="hold">
-                      <p:stCondLst>
-                        <p:cond delay="indefinite"/>
-                        <p:cond evt="onBegin" delay="0">
-                          <p:tn val="2"/>
-                        </p:cond>
-                      </p:stCondLst>
-                      <p:childTnLst>
-                        <p:par>
-                          <p:cTn id="4" fill="hold">
-                            <p:stCondLst>
-                              <p:cond delay="0"/>
-                            </p:stCondLst>
-                            <p:childTnLst>
-                              <p:par>
-                                <p:cTn id="5" presetID="53" presetClass="entr" presetSubtype="16" fill="hold" grpId="0" nodeType="withEffect">
-                                  <p:stCondLst>
-                                    <p:cond delay="0"/>
-                                  </p:stCondLst>
-                                  <p:childTnLst>
-                                    <p:set>
-                                      <p:cBhvr>
-                                        <p:cTn id="6" dur="1" fill="hold">
-                                          <p:stCondLst>
-                                            <p:cond delay="0"/>
-                                          </p:stCondLst>
-                                        </p:cTn>
-                                        <p:tgtEl>
-                                          <p:spTgt spid="1382"/>
-                                        </p:tgtEl>
-                                        <p:attrNameLst>
-                                          <p:attrName>style.visibility</p:attrName>
-                                        </p:attrNameLst>
-                                      </p:cBhvr>
-                                      <p:to>
-                                        <p:strVal val="visible"/>
-                                      </p:to>
-                                    </p:set>
-                                    <p:anim calcmode="lin" valueType="num">
-                                      <p:cBhvr>
-                                        <p:cTn id="7" dur="500" fill="hold"/>
-                                        <p:tgtEl>
-                                          <p:spTgt spid="1382"/>
-                                        </p:tgtEl>
-                                        <p:attrNameLst>
-                                          <p:attrName>ppt_w</p:attrName>
-                                        </p:attrNameLst>
-                                      </p:cBhvr>
-                                      <p:tavLst>
-                                        <p:tav tm="0">
-                                          <p:val>
-                                            <p:fltVal val="0"/>
-                                          </p:val>
-                                        </p:tav>
-                                        <p:tav tm="100000">
-                                          <p:val>
-                                            <p:strVal val="#ppt_w"/>
-                                          </p:val>
-                                        </p:tav>
-                                      </p:tavLst>
-                                    </p:anim>
-                                    <p:anim calcmode="lin" valueType="num">
-                                      <p:cBhvr>
-                                        <p:cTn id="8" dur="500" fill="hold"/>
-                                        <p:tgtEl>
-                                          <p:spTgt spid="1382"/>
-                                        </p:tgtEl>
-                                        <p:attrNameLst>
-                                          <p:attrName>ppt_h</p:attrName>
-                                        </p:attrNameLst>
-                                      </p:cBhvr>
-                                      <p:tavLst>
-                                        <p:tav tm="0">
-                                          <p:val>
-                                            <p:fltVal val="0"/>
-                                          </p:val>
-                                        </p:tav>
-                                        <p:tav tm="100000">
-                                          <p:val>
-                                            <p:strVal val="#ppt_h"/>
-                                          </p:val>
-                                        </p:tav>
-                                      </p:tavLst>
-                                    </p:anim>
-                                    <p:animEffect transition="in" filter="fade">
-                                      <p:cBhvr>
-                                        <p:cTn id="9" dur="500"/>
-                                        <p:tgtEl>
-                                          <p:spTgt spid="1382"/>
-                                        </p:tgtEl>
-                                      </p:cBhvr>
-                                    </p:animEffect>
-                                  </p:childTnLst>
-                                </p:cTn>
-                              </p:par>
-                            </p:childTnLst>
-                          </p:cTn>
-                        </p:par>
-                      </p:childTnLst>
-                    </p:cTn>
-                  </p:par>
-                </p:childTnLst>
-              </p:cTn>
-              <p:prevCondLst>
-                <p:cond evt="onPrev" delay="0">
-                  <p:tgtEl>
-                    <p:sldTgt/>
-                  </p:tgtEl>
-                </p:cond>
-              </p:prevCondLst>
-              <p:nextCondLst>
-                <p:cond evt="onNext" delay="0">
-                  <p:tgtEl>
-                    <p:sldTgt/>
-                  </p:tgtEl>
-                </p:cond>
-              </p:nextCondLst>
-            </p:seq>
-          </p:childTnLst>
-        </p:cTn>
-      </p:par>
-    </p:tnLst>
-    <p:bldLst>
-      <p:bldP spid="1382" grpId="0"/>
-    </p:bldLst>
-  </p:timing>
 </p:sld>
 </file>
 
@@ -27297,141 +26732,6 @@
   <p:clrMapOvr>
     <a:masterClrMapping/>
   </p:clrMapOvr>
-  <p:timing>
-    <p:tnLst>
-      <p:par>
-        <p:cTn id="1" dur="indefinite" restart="never" nodeType="tmRoot">
-          <p:childTnLst>
-            <p:seq concurrent="1" nextAc="seek">
-              <p:cTn id="2" dur="indefinite" nodeType="mainSeq">
-                <p:childTnLst>
-                  <p:par>
-                    <p:cTn id="3" fill="hold">
-                      <p:stCondLst>
-                        <p:cond delay="indefinite"/>
-                        <p:cond evt="onBegin" delay="0">
-                          <p:tn val="2"/>
-                        </p:cond>
-                      </p:stCondLst>
-                      <p:childTnLst>
-                        <p:par>
-                          <p:cTn id="4" fill="hold">
-                            <p:stCondLst>
-                              <p:cond delay="0"/>
-                            </p:stCondLst>
-                            <p:childTnLst>
-                              <p:par>
-                                <p:cTn id="5" presetID="53" presetClass="entr" presetSubtype="16" fill="hold" grpId="0" nodeType="withEffect">
-                                  <p:stCondLst>
-                                    <p:cond delay="0"/>
-                                  </p:stCondLst>
-                                  <p:childTnLst>
-                                    <p:set>
-                                      <p:cBhvr>
-                                        <p:cTn id="6" dur="1" fill="hold">
-                                          <p:stCondLst>
-                                            <p:cond delay="0"/>
-                                          </p:stCondLst>
-                                        </p:cTn>
-                                        <p:tgtEl>
-                                          <p:spTgt spid="1382"/>
-                                        </p:tgtEl>
-                                        <p:attrNameLst>
-                                          <p:attrName>style.visibility</p:attrName>
-                                        </p:attrNameLst>
-                                      </p:cBhvr>
-                                      <p:to>
-                                        <p:strVal val="visible"/>
-                                      </p:to>
-                                    </p:set>
-                                    <p:anim calcmode="lin" valueType="num">
-                                      <p:cBhvr>
-                                        <p:cTn id="7" dur="500" fill="hold"/>
-                                        <p:tgtEl>
-                                          <p:spTgt spid="1382"/>
-                                        </p:tgtEl>
-                                        <p:attrNameLst>
-                                          <p:attrName>ppt_w</p:attrName>
-                                        </p:attrNameLst>
-                                      </p:cBhvr>
-                                      <p:tavLst>
-                                        <p:tav tm="0">
-                                          <p:val>
-                                            <p:fltVal val="0"/>
-                                          </p:val>
-                                        </p:tav>
-                                        <p:tav tm="100000">
-                                          <p:val>
-                                            <p:strVal val="#ppt_w"/>
-                                          </p:val>
-                                        </p:tav>
-                                      </p:tavLst>
-                                    </p:anim>
-                                    <p:anim calcmode="lin" valueType="num">
-                                      <p:cBhvr>
-                                        <p:cTn id="8" dur="500" fill="hold"/>
-                                        <p:tgtEl>
-                                          <p:spTgt spid="1382"/>
-                                        </p:tgtEl>
-                                        <p:attrNameLst>
-                                          <p:attrName>ppt_h</p:attrName>
-                                        </p:attrNameLst>
-                                      </p:cBhvr>
-                                      <p:tavLst>
-                                        <p:tav tm="0">
-                                          <p:val>
-                                            <p:fltVal val="0"/>
-                                          </p:val>
-                                        </p:tav>
-                                        <p:tav tm="100000">
-                                          <p:val>
-                                            <p:strVal val="#ppt_h"/>
-                                          </p:val>
-                                        </p:tav>
-                                      </p:tavLst>
-                                    </p:anim>
-                                    <p:animEffect transition="in" filter="fade">
-                                      <p:cBhvr>
-                                        <p:cTn id="9" dur="500"/>
-                                        <p:tgtEl>
-                                          <p:spTgt spid="1382"/>
-                                        </p:tgtEl>
-                                      </p:cBhvr>
-                                    </p:animEffect>
-                                  </p:childTnLst>
-                                </p:cTn>
-                              </p:par>
-                            </p:childTnLst>
-                          </p:cTn>
-                        </p:par>
-                      </p:childTnLst>
-                    </p:cTn>
-                  </p:par>
-                </p:childTnLst>
-              </p:cTn>
-              <p:prevCondLst>
-                <p:cond evt="onPrev" delay="0">
-                  <p:tgtEl>
-                    <p:sldTgt/>
-                  </p:tgtEl>
-                </p:cond>
-              </p:prevCondLst>
-              <p:nextCondLst>
-                <p:cond evt="onNext" delay="0">
-                  <p:tgtEl>
-                    <p:sldTgt/>
-                  </p:tgtEl>
-                </p:cond>
-              </p:nextCondLst>
-            </p:seq>
-          </p:childTnLst>
-        </p:cTn>
-      </p:par>
-    </p:tnLst>
-    <p:bldLst>
-      <p:bldP spid="1382" grpId="0"/>
-    </p:bldLst>
-  </p:timing>
 </p:sld>
 </file>
 
@@ -32796,8 +32096,8 @@
         </p:nvSpPr>
         <p:spPr>
           <a:xfrm>
-            <a:off x="5146456" y="2064997"/>
-            <a:ext cx="6424134" cy="2862322"/>
+            <a:off x="4966339" y="1382019"/>
+            <a:ext cx="6853955" cy="3970318"/>
           </a:xfrm>
           <a:prstGeom prst="rect">
             <a:avLst/>
@@ -32884,6 +32184,36 @@
               <a:t>Genre vs Audience</a:t>
             </a:r>
           </a:p>
+          <a:p>
+            <a:pPr marL="285750" indent="-285750">
+              <a:buClr>
+                <a:srgbClr val="FF0000"/>
+              </a:buClr>
+              <a:buFont typeface="Wingdings" pitchFamily="2" charset="2"/>
+              <a:buChar char="Ø"/>
+            </a:pPr>
+            <a:r>
+              <a:rPr lang="en-US" sz="3600" b="1" dirty="0">
+                <a:latin typeface="PT Sans" panose="020B0503020203020204" pitchFamily="34" charset="77"/>
+              </a:rPr>
+              <a:t>Conclusion/Recommendations</a:t>
+            </a:r>
+          </a:p>
+          <a:p>
+            <a:pPr marL="285750" indent="-285750">
+              <a:buClr>
+                <a:srgbClr val="FF0000"/>
+              </a:buClr>
+              <a:buFont typeface="Wingdings" pitchFamily="2" charset="2"/>
+              <a:buChar char="Ø"/>
+            </a:pPr>
+            <a:r>
+              <a:rPr lang="en-US" sz="3600" b="1" dirty="0">
+                <a:latin typeface="PT Sans" panose="020B0503020203020204" pitchFamily="34" charset="77"/>
+              </a:rPr>
+              <a:t>Questions</a:t>
+            </a:r>
+          </a:p>
         </p:txBody>
       </p:sp>
     </p:spTree>
@@ -32896,230 +32226,6 @@
   <p:clrMapOvr>
     <a:masterClrMapping/>
   </p:clrMapOvr>
-  <p:timing>
-    <p:tnLst>
-      <p:par>
-        <p:cTn id="1" dur="indefinite" restart="never" nodeType="tmRoot">
-          <p:childTnLst>
-            <p:seq concurrent="1" nextAc="seek">
-              <p:cTn id="2" dur="indefinite" nodeType="mainSeq">
-                <p:childTnLst>
-                  <p:par>
-                    <p:cTn id="3" fill="hold">
-                      <p:stCondLst>
-                        <p:cond delay="indefinite"/>
-                        <p:cond evt="onBegin" delay="0">
-                          <p:tn val="2"/>
-                        </p:cond>
-                      </p:stCondLst>
-                      <p:childTnLst>
-                        <p:par>
-                          <p:cTn id="4" fill="hold">
-                            <p:stCondLst>
-                              <p:cond delay="0"/>
-                            </p:stCondLst>
-                            <p:childTnLst>
-                              <p:par>
-                                <p:cTn id="5" presetID="53" presetClass="entr" presetSubtype="16" fill="hold" grpId="0" nodeType="withEffect">
-                                  <p:stCondLst>
-                                    <p:cond delay="0"/>
-                                  </p:stCondLst>
-                                  <p:childTnLst>
-                                    <p:set>
-                                      <p:cBhvr>
-                                        <p:cTn id="6" dur="1" fill="hold">
-                                          <p:stCondLst>
-                                            <p:cond delay="0"/>
-                                          </p:stCondLst>
-                                        </p:cTn>
-                                        <p:tgtEl>
-                                          <p:spTgt spid="1382"/>
-                                        </p:tgtEl>
-                                        <p:attrNameLst>
-                                          <p:attrName>style.visibility</p:attrName>
-                                        </p:attrNameLst>
-                                      </p:cBhvr>
-                                      <p:to>
-                                        <p:strVal val="visible"/>
-                                      </p:to>
-                                    </p:set>
-                                    <p:anim calcmode="lin" valueType="num">
-                                      <p:cBhvr>
-                                        <p:cTn id="7" dur="500" fill="hold"/>
-                                        <p:tgtEl>
-                                          <p:spTgt spid="1382"/>
-                                        </p:tgtEl>
-                                        <p:attrNameLst>
-                                          <p:attrName>ppt_w</p:attrName>
-                                        </p:attrNameLst>
-                                      </p:cBhvr>
-                                      <p:tavLst>
-                                        <p:tav tm="0">
-                                          <p:val>
-                                            <p:fltVal val="0"/>
-                                          </p:val>
-                                        </p:tav>
-                                        <p:tav tm="100000">
-                                          <p:val>
-                                            <p:strVal val="#ppt_w"/>
-                                          </p:val>
-                                        </p:tav>
-                                      </p:tavLst>
-                                    </p:anim>
-                                    <p:anim calcmode="lin" valueType="num">
-                                      <p:cBhvr>
-                                        <p:cTn id="8" dur="500" fill="hold"/>
-                                        <p:tgtEl>
-                                          <p:spTgt spid="1382"/>
-                                        </p:tgtEl>
-                                        <p:attrNameLst>
-                                          <p:attrName>ppt_h</p:attrName>
-                                        </p:attrNameLst>
-                                      </p:cBhvr>
-                                      <p:tavLst>
-                                        <p:tav tm="0">
-                                          <p:val>
-                                            <p:fltVal val="0"/>
-                                          </p:val>
-                                        </p:tav>
-                                        <p:tav tm="100000">
-                                          <p:val>
-                                            <p:strVal val="#ppt_h"/>
-                                          </p:val>
-                                        </p:tav>
-                                      </p:tavLst>
-                                    </p:anim>
-                                    <p:animEffect transition="in" filter="fade">
-                                      <p:cBhvr>
-                                        <p:cTn id="9" dur="500"/>
-                                        <p:tgtEl>
-                                          <p:spTgt spid="1382"/>
-                                        </p:tgtEl>
-                                      </p:cBhvr>
-                                    </p:animEffect>
-                                  </p:childTnLst>
-                                </p:cTn>
-                              </p:par>
-                            </p:childTnLst>
-                          </p:cTn>
-                        </p:par>
-                        <p:par>
-                          <p:cTn id="10" fill="hold">
-                            <p:stCondLst>
-                              <p:cond delay="500"/>
-                            </p:stCondLst>
-                            <p:childTnLst>
-                              <p:par>
-                                <p:cTn id="11" presetID="22" presetClass="entr" presetSubtype="4" fill="hold" nodeType="afterEffect">
-                                  <p:stCondLst>
-                                    <p:cond delay="0"/>
-                                  </p:stCondLst>
-                                  <p:childTnLst>
-                                    <p:set>
-                                      <p:cBhvr>
-                                        <p:cTn id="12" dur="1" fill="hold">
-                                          <p:stCondLst>
-                                            <p:cond delay="0"/>
-                                          </p:stCondLst>
-                                        </p:cTn>
-                                        <p:tgtEl>
-                                          <p:spTgt spid="1384"/>
-                                        </p:tgtEl>
-                                        <p:attrNameLst>
-                                          <p:attrName>style.visibility</p:attrName>
-                                        </p:attrNameLst>
-                                      </p:cBhvr>
-                                      <p:to>
-                                        <p:strVal val="visible"/>
-                                      </p:to>
-                                    </p:set>
-                                    <p:animEffect transition="in" filter="wipe(down)">
-                                      <p:cBhvr>
-                                        <p:cTn id="13" dur="500"/>
-                                        <p:tgtEl>
-                                          <p:spTgt spid="1384"/>
-                                        </p:tgtEl>
-                                      </p:cBhvr>
-                                    </p:animEffect>
-                                  </p:childTnLst>
-                                </p:cTn>
-                              </p:par>
-                            </p:childTnLst>
-                          </p:cTn>
-                        </p:par>
-                        <p:par>
-                          <p:cTn id="14" fill="hold">
-                            <p:stCondLst>
-                              <p:cond delay="1000"/>
-                            </p:stCondLst>
-                            <p:childTnLst>
-                              <p:par>
-                                <p:cTn id="15" presetID="22" presetClass="entr" presetSubtype="8" fill="hold" grpId="0" nodeType="afterEffect">
-                                  <p:stCondLst>
-                                    <p:cond delay="0"/>
-                                  </p:stCondLst>
-                                  <p:childTnLst>
-                                    <p:set>
-                                      <p:cBhvr>
-                                        <p:cTn id="16" dur="1" fill="hold">
-                                          <p:stCondLst>
-                                            <p:cond delay="0"/>
-                                          </p:stCondLst>
-                                        </p:cTn>
-                                        <p:tgtEl>
-                                          <p:spTgt spid="8"/>
-                                        </p:tgtEl>
-                                        <p:attrNameLst>
-                                          <p:attrName>style.visibility</p:attrName>
-                                        </p:attrNameLst>
-                                      </p:cBhvr>
-                                      <p:to>
-                                        <p:strVal val="visible"/>
-                                      </p:to>
-                                    </p:set>
-                                    <p:animEffect transition="in" filter="wipe(left)">
-                                      <p:cBhvr>
-                                        <p:cTn id="17" dur="500"/>
-                                        <p:tgtEl>
-                                          <p:spTgt spid="8"/>
-                                        </p:tgtEl>
-                                      </p:cBhvr>
-                                    </p:animEffect>
-                                  </p:childTnLst>
-                                </p:cTn>
-                              </p:par>
-                            </p:childTnLst>
-                          </p:cTn>
-                        </p:par>
-                      </p:childTnLst>
-                    </p:cTn>
-                  </p:par>
-                </p:childTnLst>
-              </p:cTn>
-              <p:prevCondLst>
-                <p:cond evt="onPrev" delay="0">
-                  <p:tgtEl>
-                    <p:sldTgt/>
-                  </p:tgtEl>
-                </p:cond>
-              </p:prevCondLst>
-              <p:nextCondLst>
-                <p:cond evt="onNext" delay="0">
-                  <p:tgtEl>
-                    <p:sldTgt/>
-                  </p:tgtEl>
-                </p:cond>
-              </p:nextCondLst>
-            </p:seq>
-          </p:childTnLst>
-        </p:cTn>
-      </p:par>
-    </p:tnLst>
-    <p:bldLst>
-      <p:bldP spid="1382" grpId="0"/>
-      <p:bldP spid="8" grpId="0" animBg="1"/>
-    </p:bldLst>
-  </p:timing>
 </p:sld>
 </file>
 
@@ -33366,141 +32472,6 @@
   <p:clrMapOvr>
     <a:masterClrMapping/>
   </p:clrMapOvr>
-  <p:timing>
-    <p:tnLst>
-      <p:par>
-        <p:cTn id="1" dur="indefinite" restart="never" nodeType="tmRoot">
-          <p:childTnLst>
-            <p:seq concurrent="1" nextAc="seek">
-              <p:cTn id="2" dur="indefinite" nodeType="mainSeq">
-                <p:childTnLst>
-                  <p:par>
-                    <p:cTn id="3" fill="hold">
-                      <p:stCondLst>
-                        <p:cond delay="indefinite"/>
-                        <p:cond evt="onBegin" delay="0">
-                          <p:tn val="2"/>
-                        </p:cond>
-                      </p:stCondLst>
-                      <p:childTnLst>
-                        <p:par>
-                          <p:cTn id="4" fill="hold">
-                            <p:stCondLst>
-                              <p:cond delay="0"/>
-                            </p:stCondLst>
-                            <p:childTnLst>
-                              <p:par>
-                                <p:cTn id="5" presetID="53" presetClass="entr" presetSubtype="16" fill="hold" grpId="0" nodeType="withEffect">
-                                  <p:stCondLst>
-                                    <p:cond delay="0"/>
-                                  </p:stCondLst>
-                                  <p:childTnLst>
-                                    <p:set>
-                                      <p:cBhvr>
-                                        <p:cTn id="6" dur="1" fill="hold">
-                                          <p:stCondLst>
-                                            <p:cond delay="0"/>
-                                          </p:stCondLst>
-                                        </p:cTn>
-                                        <p:tgtEl>
-                                          <p:spTgt spid="1382"/>
-                                        </p:tgtEl>
-                                        <p:attrNameLst>
-                                          <p:attrName>style.visibility</p:attrName>
-                                        </p:attrNameLst>
-                                      </p:cBhvr>
-                                      <p:to>
-                                        <p:strVal val="visible"/>
-                                      </p:to>
-                                    </p:set>
-                                    <p:anim calcmode="lin" valueType="num">
-                                      <p:cBhvr>
-                                        <p:cTn id="7" dur="500" fill="hold"/>
-                                        <p:tgtEl>
-                                          <p:spTgt spid="1382"/>
-                                        </p:tgtEl>
-                                        <p:attrNameLst>
-                                          <p:attrName>ppt_w</p:attrName>
-                                        </p:attrNameLst>
-                                      </p:cBhvr>
-                                      <p:tavLst>
-                                        <p:tav tm="0">
-                                          <p:val>
-                                            <p:fltVal val="0"/>
-                                          </p:val>
-                                        </p:tav>
-                                        <p:tav tm="100000">
-                                          <p:val>
-                                            <p:strVal val="#ppt_w"/>
-                                          </p:val>
-                                        </p:tav>
-                                      </p:tavLst>
-                                    </p:anim>
-                                    <p:anim calcmode="lin" valueType="num">
-                                      <p:cBhvr>
-                                        <p:cTn id="8" dur="500" fill="hold"/>
-                                        <p:tgtEl>
-                                          <p:spTgt spid="1382"/>
-                                        </p:tgtEl>
-                                        <p:attrNameLst>
-                                          <p:attrName>ppt_h</p:attrName>
-                                        </p:attrNameLst>
-                                      </p:cBhvr>
-                                      <p:tavLst>
-                                        <p:tav tm="0">
-                                          <p:val>
-                                            <p:fltVal val="0"/>
-                                          </p:val>
-                                        </p:tav>
-                                        <p:tav tm="100000">
-                                          <p:val>
-                                            <p:strVal val="#ppt_h"/>
-                                          </p:val>
-                                        </p:tav>
-                                      </p:tavLst>
-                                    </p:anim>
-                                    <p:animEffect transition="in" filter="fade">
-                                      <p:cBhvr>
-                                        <p:cTn id="9" dur="500"/>
-                                        <p:tgtEl>
-                                          <p:spTgt spid="1382"/>
-                                        </p:tgtEl>
-                                      </p:cBhvr>
-                                    </p:animEffect>
-                                  </p:childTnLst>
-                                </p:cTn>
-                              </p:par>
-                            </p:childTnLst>
-                          </p:cTn>
-                        </p:par>
-                      </p:childTnLst>
-                    </p:cTn>
-                  </p:par>
-                </p:childTnLst>
-              </p:cTn>
-              <p:prevCondLst>
-                <p:cond evt="onPrev" delay="0">
-                  <p:tgtEl>
-                    <p:sldTgt/>
-                  </p:tgtEl>
-                </p:cond>
-              </p:prevCondLst>
-              <p:nextCondLst>
-                <p:cond evt="onNext" delay="0">
-                  <p:tgtEl>
-                    <p:sldTgt/>
-                  </p:tgtEl>
-                </p:cond>
-              </p:nextCondLst>
-            </p:seq>
-          </p:childTnLst>
-        </p:cTn>
-      </p:par>
-    </p:tnLst>
-    <p:bldLst>
-      <p:bldP spid="1382" grpId="0"/>
-    </p:bldLst>
-  </p:timing>
 </p:sld>
 </file>
 
@@ -33760,141 +32731,6 @@
   <p:clrMapOvr>
     <a:masterClrMapping/>
   </p:clrMapOvr>
-  <p:timing>
-    <p:tnLst>
-      <p:par>
-        <p:cTn id="1" dur="indefinite" restart="never" nodeType="tmRoot">
-          <p:childTnLst>
-            <p:seq concurrent="1" nextAc="seek">
-              <p:cTn id="2" dur="indefinite" nodeType="mainSeq">
-                <p:childTnLst>
-                  <p:par>
-                    <p:cTn id="3" fill="hold">
-                      <p:stCondLst>
-                        <p:cond delay="indefinite"/>
-                        <p:cond evt="onBegin" delay="0">
-                          <p:tn val="2"/>
-                        </p:cond>
-                      </p:stCondLst>
-                      <p:childTnLst>
-                        <p:par>
-                          <p:cTn id="4" fill="hold">
-                            <p:stCondLst>
-                              <p:cond delay="0"/>
-                            </p:stCondLst>
-                            <p:childTnLst>
-                              <p:par>
-                                <p:cTn id="5" presetID="53" presetClass="entr" presetSubtype="16" fill="hold" grpId="0" nodeType="withEffect">
-                                  <p:stCondLst>
-                                    <p:cond delay="0"/>
-                                  </p:stCondLst>
-                                  <p:childTnLst>
-                                    <p:set>
-                                      <p:cBhvr>
-                                        <p:cTn id="6" dur="1" fill="hold">
-                                          <p:stCondLst>
-                                            <p:cond delay="0"/>
-                                          </p:stCondLst>
-                                        </p:cTn>
-                                        <p:tgtEl>
-                                          <p:spTgt spid="1382"/>
-                                        </p:tgtEl>
-                                        <p:attrNameLst>
-                                          <p:attrName>style.visibility</p:attrName>
-                                        </p:attrNameLst>
-                                      </p:cBhvr>
-                                      <p:to>
-                                        <p:strVal val="visible"/>
-                                      </p:to>
-                                    </p:set>
-                                    <p:anim calcmode="lin" valueType="num">
-                                      <p:cBhvr>
-                                        <p:cTn id="7" dur="500" fill="hold"/>
-                                        <p:tgtEl>
-                                          <p:spTgt spid="1382"/>
-                                        </p:tgtEl>
-                                        <p:attrNameLst>
-                                          <p:attrName>ppt_w</p:attrName>
-                                        </p:attrNameLst>
-                                      </p:cBhvr>
-                                      <p:tavLst>
-                                        <p:tav tm="0">
-                                          <p:val>
-                                            <p:fltVal val="0"/>
-                                          </p:val>
-                                        </p:tav>
-                                        <p:tav tm="100000">
-                                          <p:val>
-                                            <p:strVal val="#ppt_w"/>
-                                          </p:val>
-                                        </p:tav>
-                                      </p:tavLst>
-                                    </p:anim>
-                                    <p:anim calcmode="lin" valueType="num">
-                                      <p:cBhvr>
-                                        <p:cTn id="8" dur="500" fill="hold"/>
-                                        <p:tgtEl>
-                                          <p:spTgt spid="1382"/>
-                                        </p:tgtEl>
-                                        <p:attrNameLst>
-                                          <p:attrName>ppt_h</p:attrName>
-                                        </p:attrNameLst>
-                                      </p:cBhvr>
-                                      <p:tavLst>
-                                        <p:tav tm="0">
-                                          <p:val>
-                                            <p:fltVal val="0"/>
-                                          </p:val>
-                                        </p:tav>
-                                        <p:tav tm="100000">
-                                          <p:val>
-                                            <p:strVal val="#ppt_h"/>
-                                          </p:val>
-                                        </p:tav>
-                                      </p:tavLst>
-                                    </p:anim>
-                                    <p:animEffect transition="in" filter="fade">
-                                      <p:cBhvr>
-                                        <p:cTn id="9" dur="500"/>
-                                        <p:tgtEl>
-                                          <p:spTgt spid="1382"/>
-                                        </p:tgtEl>
-                                      </p:cBhvr>
-                                    </p:animEffect>
-                                  </p:childTnLst>
-                                </p:cTn>
-                              </p:par>
-                            </p:childTnLst>
-                          </p:cTn>
-                        </p:par>
-                      </p:childTnLst>
-                    </p:cTn>
-                  </p:par>
-                </p:childTnLst>
-              </p:cTn>
-              <p:prevCondLst>
-                <p:cond evt="onPrev" delay="0">
-                  <p:tgtEl>
-                    <p:sldTgt/>
-                  </p:tgtEl>
-                </p:cond>
-              </p:prevCondLst>
-              <p:nextCondLst>
-                <p:cond evt="onNext" delay="0">
-                  <p:tgtEl>
-                    <p:sldTgt/>
-                  </p:tgtEl>
-                </p:cond>
-              </p:nextCondLst>
-            </p:seq>
-          </p:childTnLst>
-        </p:cTn>
-      </p:par>
-    </p:tnLst>
-    <p:bldLst>
-      <p:bldP spid="1382" grpId="0"/>
-    </p:bldLst>
-  </p:timing>
 </p:sld>
 </file>
 
@@ -34109,141 +32945,6 @@
   <p:clrMapOvr>
     <a:masterClrMapping/>
   </p:clrMapOvr>
-  <p:timing>
-    <p:tnLst>
-      <p:par>
-        <p:cTn id="1" dur="indefinite" restart="never" nodeType="tmRoot">
-          <p:childTnLst>
-            <p:seq concurrent="1" nextAc="seek">
-              <p:cTn id="2" dur="indefinite" nodeType="mainSeq">
-                <p:childTnLst>
-                  <p:par>
-                    <p:cTn id="3" fill="hold">
-                      <p:stCondLst>
-                        <p:cond delay="indefinite"/>
-                        <p:cond evt="onBegin" delay="0">
-                          <p:tn val="2"/>
-                        </p:cond>
-                      </p:stCondLst>
-                      <p:childTnLst>
-                        <p:par>
-                          <p:cTn id="4" fill="hold">
-                            <p:stCondLst>
-                              <p:cond delay="0"/>
-                            </p:stCondLst>
-                            <p:childTnLst>
-                              <p:par>
-                                <p:cTn id="5" presetID="53" presetClass="entr" presetSubtype="16" fill="hold" grpId="0" nodeType="withEffect">
-                                  <p:stCondLst>
-                                    <p:cond delay="0"/>
-                                  </p:stCondLst>
-                                  <p:childTnLst>
-                                    <p:set>
-                                      <p:cBhvr>
-                                        <p:cTn id="6" dur="1" fill="hold">
-                                          <p:stCondLst>
-                                            <p:cond delay="0"/>
-                                          </p:stCondLst>
-                                        </p:cTn>
-                                        <p:tgtEl>
-                                          <p:spTgt spid="1382"/>
-                                        </p:tgtEl>
-                                        <p:attrNameLst>
-                                          <p:attrName>style.visibility</p:attrName>
-                                        </p:attrNameLst>
-                                      </p:cBhvr>
-                                      <p:to>
-                                        <p:strVal val="visible"/>
-                                      </p:to>
-                                    </p:set>
-                                    <p:anim calcmode="lin" valueType="num">
-                                      <p:cBhvr>
-                                        <p:cTn id="7" dur="500" fill="hold"/>
-                                        <p:tgtEl>
-                                          <p:spTgt spid="1382"/>
-                                        </p:tgtEl>
-                                        <p:attrNameLst>
-                                          <p:attrName>ppt_w</p:attrName>
-                                        </p:attrNameLst>
-                                      </p:cBhvr>
-                                      <p:tavLst>
-                                        <p:tav tm="0">
-                                          <p:val>
-                                            <p:fltVal val="0"/>
-                                          </p:val>
-                                        </p:tav>
-                                        <p:tav tm="100000">
-                                          <p:val>
-                                            <p:strVal val="#ppt_w"/>
-                                          </p:val>
-                                        </p:tav>
-                                      </p:tavLst>
-                                    </p:anim>
-                                    <p:anim calcmode="lin" valueType="num">
-                                      <p:cBhvr>
-                                        <p:cTn id="8" dur="500" fill="hold"/>
-                                        <p:tgtEl>
-                                          <p:spTgt spid="1382"/>
-                                        </p:tgtEl>
-                                        <p:attrNameLst>
-                                          <p:attrName>ppt_h</p:attrName>
-                                        </p:attrNameLst>
-                                      </p:cBhvr>
-                                      <p:tavLst>
-                                        <p:tav tm="0">
-                                          <p:val>
-                                            <p:fltVal val="0"/>
-                                          </p:val>
-                                        </p:tav>
-                                        <p:tav tm="100000">
-                                          <p:val>
-                                            <p:strVal val="#ppt_h"/>
-                                          </p:val>
-                                        </p:tav>
-                                      </p:tavLst>
-                                    </p:anim>
-                                    <p:animEffect transition="in" filter="fade">
-                                      <p:cBhvr>
-                                        <p:cTn id="9" dur="500"/>
-                                        <p:tgtEl>
-                                          <p:spTgt spid="1382"/>
-                                        </p:tgtEl>
-                                      </p:cBhvr>
-                                    </p:animEffect>
-                                  </p:childTnLst>
-                                </p:cTn>
-                              </p:par>
-                            </p:childTnLst>
-                          </p:cTn>
-                        </p:par>
-                      </p:childTnLst>
-                    </p:cTn>
-                  </p:par>
-                </p:childTnLst>
-              </p:cTn>
-              <p:prevCondLst>
-                <p:cond evt="onPrev" delay="0">
-                  <p:tgtEl>
-                    <p:sldTgt/>
-                  </p:tgtEl>
-                </p:cond>
-              </p:prevCondLst>
-              <p:nextCondLst>
-                <p:cond evt="onNext" delay="0">
-                  <p:tgtEl>
-                    <p:sldTgt/>
-                  </p:tgtEl>
-                </p:cond>
-              </p:nextCondLst>
-            </p:seq>
-          </p:childTnLst>
-        </p:cTn>
-      </p:par>
-    </p:tnLst>
-    <p:bldLst>
-      <p:bldP spid="1382" grpId="0"/>
-    </p:bldLst>
-  </p:timing>
 </p:sld>
 </file>
 
@@ -34465,141 +33166,6 @@
   <p:clrMapOvr>
     <a:masterClrMapping/>
   </p:clrMapOvr>
-  <p:timing>
-    <p:tnLst>
-      <p:par>
-        <p:cTn id="1" dur="indefinite" restart="never" nodeType="tmRoot">
-          <p:childTnLst>
-            <p:seq concurrent="1" nextAc="seek">
-              <p:cTn id="2" dur="indefinite" nodeType="mainSeq">
-                <p:childTnLst>
-                  <p:par>
-                    <p:cTn id="3" fill="hold">
-                      <p:stCondLst>
-                        <p:cond delay="indefinite"/>
-                        <p:cond evt="onBegin" delay="0">
-                          <p:tn val="2"/>
-                        </p:cond>
-                      </p:stCondLst>
-                      <p:childTnLst>
-                        <p:par>
-                          <p:cTn id="4" fill="hold">
-                            <p:stCondLst>
-                              <p:cond delay="0"/>
-                            </p:stCondLst>
-                            <p:childTnLst>
-                              <p:par>
-                                <p:cTn id="5" presetID="53" presetClass="entr" presetSubtype="16" fill="hold" grpId="0" nodeType="withEffect">
-                                  <p:stCondLst>
-                                    <p:cond delay="0"/>
-                                  </p:stCondLst>
-                                  <p:childTnLst>
-                                    <p:set>
-                                      <p:cBhvr>
-                                        <p:cTn id="6" dur="1" fill="hold">
-                                          <p:stCondLst>
-                                            <p:cond delay="0"/>
-                                          </p:stCondLst>
-                                        </p:cTn>
-                                        <p:tgtEl>
-                                          <p:spTgt spid="1382"/>
-                                        </p:tgtEl>
-                                        <p:attrNameLst>
-                                          <p:attrName>style.visibility</p:attrName>
-                                        </p:attrNameLst>
-                                      </p:cBhvr>
-                                      <p:to>
-                                        <p:strVal val="visible"/>
-                                      </p:to>
-                                    </p:set>
-                                    <p:anim calcmode="lin" valueType="num">
-                                      <p:cBhvr>
-                                        <p:cTn id="7" dur="500" fill="hold"/>
-                                        <p:tgtEl>
-                                          <p:spTgt spid="1382"/>
-                                        </p:tgtEl>
-                                        <p:attrNameLst>
-                                          <p:attrName>ppt_w</p:attrName>
-                                        </p:attrNameLst>
-                                      </p:cBhvr>
-                                      <p:tavLst>
-                                        <p:tav tm="0">
-                                          <p:val>
-                                            <p:fltVal val="0"/>
-                                          </p:val>
-                                        </p:tav>
-                                        <p:tav tm="100000">
-                                          <p:val>
-                                            <p:strVal val="#ppt_w"/>
-                                          </p:val>
-                                        </p:tav>
-                                      </p:tavLst>
-                                    </p:anim>
-                                    <p:anim calcmode="lin" valueType="num">
-                                      <p:cBhvr>
-                                        <p:cTn id="8" dur="500" fill="hold"/>
-                                        <p:tgtEl>
-                                          <p:spTgt spid="1382"/>
-                                        </p:tgtEl>
-                                        <p:attrNameLst>
-                                          <p:attrName>ppt_h</p:attrName>
-                                        </p:attrNameLst>
-                                      </p:cBhvr>
-                                      <p:tavLst>
-                                        <p:tav tm="0">
-                                          <p:val>
-                                            <p:fltVal val="0"/>
-                                          </p:val>
-                                        </p:tav>
-                                        <p:tav tm="100000">
-                                          <p:val>
-                                            <p:strVal val="#ppt_h"/>
-                                          </p:val>
-                                        </p:tav>
-                                      </p:tavLst>
-                                    </p:anim>
-                                    <p:animEffect transition="in" filter="fade">
-                                      <p:cBhvr>
-                                        <p:cTn id="9" dur="500"/>
-                                        <p:tgtEl>
-                                          <p:spTgt spid="1382"/>
-                                        </p:tgtEl>
-                                      </p:cBhvr>
-                                    </p:animEffect>
-                                  </p:childTnLst>
-                                </p:cTn>
-                              </p:par>
-                            </p:childTnLst>
-                          </p:cTn>
-                        </p:par>
-                      </p:childTnLst>
-                    </p:cTn>
-                  </p:par>
-                </p:childTnLst>
-              </p:cTn>
-              <p:prevCondLst>
-                <p:cond evt="onPrev" delay="0">
-                  <p:tgtEl>
-                    <p:sldTgt/>
-                  </p:tgtEl>
-                </p:cond>
-              </p:prevCondLst>
-              <p:nextCondLst>
-                <p:cond evt="onNext" delay="0">
-                  <p:tgtEl>
-                    <p:sldTgt/>
-                  </p:tgtEl>
-                </p:cond>
-              </p:nextCondLst>
-            </p:seq>
-          </p:childTnLst>
-        </p:cTn>
-      </p:par>
-    </p:tnLst>
-    <p:bldLst>
-      <p:bldP spid="1382" grpId="0"/>
-    </p:bldLst>
-  </p:timing>
 </p:sld>
 </file>
 
@@ -34848,141 +33414,6 @@
   <p:clrMapOvr>
     <a:masterClrMapping/>
   </p:clrMapOvr>
-  <p:timing>
-    <p:tnLst>
-      <p:par>
-        <p:cTn id="1" dur="indefinite" restart="never" nodeType="tmRoot">
-          <p:childTnLst>
-            <p:seq concurrent="1" nextAc="seek">
-              <p:cTn id="2" dur="indefinite" nodeType="mainSeq">
-                <p:childTnLst>
-                  <p:par>
-                    <p:cTn id="3" fill="hold">
-                      <p:stCondLst>
-                        <p:cond delay="indefinite"/>
-                        <p:cond evt="onBegin" delay="0">
-                          <p:tn val="2"/>
-                        </p:cond>
-                      </p:stCondLst>
-                      <p:childTnLst>
-                        <p:par>
-                          <p:cTn id="4" fill="hold">
-                            <p:stCondLst>
-                              <p:cond delay="0"/>
-                            </p:stCondLst>
-                            <p:childTnLst>
-                              <p:par>
-                                <p:cTn id="5" presetID="53" presetClass="entr" presetSubtype="16" fill="hold" grpId="0" nodeType="withEffect">
-                                  <p:stCondLst>
-                                    <p:cond delay="0"/>
-                                  </p:stCondLst>
-                                  <p:childTnLst>
-                                    <p:set>
-                                      <p:cBhvr>
-                                        <p:cTn id="6" dur="1" fill="hold">
-                                          <p:stCondLst>
-                                            <p:cond delay="0"/>
-                                          </p:stCondLst>
-                                        </p:cTn>
-                                        <p:tgtEl>
-                                          <p:spTgt spid="1382"/>
-                                        </p:tgtEl>
-                                        <p:attrNameLst>
-                                          <p:attrName>style.visibility</p:attrName>
-                                        </p:attrNameLst>
-                                      </p:cBhvr>
-                                      <p:to>
-                                        <p:strVal val="visible"/>
-                                      </p:to>
-                                    </p:set>
-                                    <p:anim calcmode="lin" valueType="num">
-                                      <p:cBhvr>
-                                        <p:cTn id="7" dur="500" fill="hold"/>
-                                        <p:tgtEl>
-                                          <p:spTgt spid="1382"/>
-                                        </p:tgtEl>
-                                        <p:attrNameLst>
-                                          <p:attrName>ppt_w</p:attrName>
-                                        </p:attrNameLst>
-                                      </p:cBhvr>
-                                      <p:tavLst>
-                                        <p:tav tm="0">
-                                          <p:val>
-                                            <p:fltVal val="0"/>
-                                          </p:val>
-                                        </p:tav>
-                                        <p:tav tm="100000">
-                                          <p:val>
-                                            <p:strVal val="#ppt_w"/>
-                                          </p:val>
-                                        </p:tav>
-                                      </p:tavLst>
-                                    </p:anim>
-                                    <p:anim calcmode="lin" valueType="num">
-                                      <p:cBhvr>
-                                        <p:cTn id="8" dur="500" fill="hold"/>
-                                        <p:tgtEl>
-                                          <p:spTgt spid="1382"/>
-                                        </p:tgtEl>
-                                        <p:attrNameLst>
-                                          <p:attrName>ppt_h</p:attrName>
-                                        </p:attrNameLst>
-                                      </p:cBhvr>
-                                      <p:tavLst>
-                                        <p:tav tm="0">
-                                          <p:val>
-                                            <p:fltVal val="0"/>
-                                          </p:val>
-                                        </p:tav>
-                                        <p:tav tm="100000">
-                                          <p:val>
-                                            <p:strVal val="#ppt_h"/>
-                                          </p:val>
-                                        </p:tav>
-                                      </p:tavLst>
-                                    </p:anim>
-                                    <p:animEffect transition="in" filter="fade">
-                                      <p:cBhvr>
-                                        <p:cTn id="9" dur="500"/>
-                                        <p:tgtEl>
-                                          <p:spTgt spid="1382"/>
-                                        </p:tgtEl>
-                                      </p:cBhvr>
-                                    </p:animEffect>
-                                  </p:childTnLst>
-                                </p:cTn>
-                              </p:par>
-                            </p:childTnLst>
-                          </p:cTn>
-                        </p:par>
-                      </p:childTnLst>
-                    </p:cTn>
-                  </p:par>
-                </p:childTnLst>
-              </p:cTn>
-              <p:prevCondLst>
-                <p:cond evt="onPrev" delay="0">
-                  <p:tgtEl>
-                    <p:sldTgt/>
-                  </p:tgtEl>
-                </p:cond>
-              </p:prevCondLst>
-              <p:nextCondLst>
-                <p:cond evt="onNext" delay="0">
-                  <p:tgtEl>
-                    <p:sldTgt/>
-                  </p:tgtEl>
-                </p:cond>
-              </p:nextCondLst>
-            </p:seq>
-          </p:childTnLst>
-        </p:cTn>
-      </p:par>
-    </p:tnLst>
-    <p:bldLst>
-      <p:bldP spid="1382" grpId="0"/>
-    </p:bldLst>
-  </p:timing>
 </p:sld>
 </file>
 
@@ -35213,141 +33644,6 @@
   <p:clrMapOvr>
     <a:masterClrMapping/>
   </p:clrMapOvr>
-  <p:timing>
-    <p:tnLst>
-      <p:par>
-        <p:cTn id="1" dur="indefinite" restart="never" nodeType="tmRoot">
-          <p:childTnLst>
-            <p:seq concurrent="1" nextAc="seek">
-              <p:cTn id="2" dur="indefinite" nodeType="mainSeq">
-                <p:childTnLst>
-                  <p:par>
-                    <p:cTn id="3" fill="hold">
-                      <p:stCondLst>
-                        <p:cond delay="indefinite"/>
-                        <p:cond evt="onBegin" delay="0">
-                          <p:tn val="2"/>
-                        </p:cond>
-                      </p:stCondLst>
-                      <p:childTnLst>
-                        <p:par>
-                          <p:cTn id="4" fill="hold">
-                            <p:stCondLst>
-                              <p:cond delay="0"/>
-                            </p:stCondLst>
-                            <p:childTnLst>
-                              <p:par>
-                                <p:cTn id="5" presetID="53" presetClass="entr" presetSubtype="16" fill="hold" grpId="0" nodeType="withEffect">
-                                  <p:stCondLst>
-                                    <p:cond delay="0"/>
-                                  </p:stCondLst>
-                                  <p:childTnLst>
-                                    <p:set>
-                                      <p:cBhvr>
-                                        <p:cTn id="6" dur="1" fill="hold">
-                                          <p:stCondLst>
-                                            <p:cond delay="0"/>
-                                          </p:stCondLst>
-                                        </p:cTn>
-                                        <p:tgtEl>
-                                          <p:spTgt spid="1382"/>
-                                        </p:tgtEl>
-                                        <p:attrNameLst>
-                                          <p:attrName>style.visibility</p:attrName>
-                                        </p:attrNameLst>
-                                      </p:cBhvr>
-                                      <p:to>
-                                        <p:strVal val="visible"/>
-                                      </p:to>
-                                    </p:set>
-                                    <p:anim calcmode="lin" valueType="num">
-                                      <p:cBhvr>
-                                        <p:cTn id="7" dur="500" fill="hold"/>
-                                        <p:tgtEl>
-                                          <p:spTgt spid="1382"/>
-                                        </p:tgtEl>
-                                        <p:attrNameLst>
-                                          <p:attrName>ppt_w</p:attrName>
-                                        </p:attrNameLst>
-                                      </p:cBhvr>
-                                      <p:tavLst>
-                                        <p:tav tm="0">
-                                          <p:val>
-                                            <p:fltVal val="0"/>
-                                          </p:val>
-                                        </p:tav>
-                                        <p:tav tm="100000">
-                                          <p:val>
-                                            <p:strVal val="#ppt_w"/>
-                                          </p:val>
-                                        </p:tav>
-                                      </p:tavLst>
-                                    </p:anim>
-                                    <p:anim calcmode="lin" valueType="num">
-                                      <p:cBhvr>
-                                        <p:cTn id="8" dur="500" fill="hold"/>
-                                        <p:tgtEl>
-                                          <p:spTgt spid="1382"/>
-                                        </p:tgtEl>
-                                        <p:attrNameLst>
-                                          <p:attrName>ppt_h</p:attrName>
-                                        </p:attrNameLst>
-                                      </p:cBhvr>
-                                      <p:tavLst>
-                                        <p:tav tm="0">
-                                          <p:val>
-                                            <p:fltVal val="0"/>
-                                          </p:val>
-                                        </p:tav>
-                                        <p:tav tm="100000">
-                                          <p:val>
-                                            <p:strVal val="#ppt_h"/>
-                                          </p:val>
-                                        </p:tav>
-                                      </p:tavLst>
-                                    </p:anim>
-                                    <p:animEffect transition="in" filter="fade">
-                                      <p:cBhvr>
-                                        <p:cTn id="9" dur="500"/>
-                                        <p:tgtEl>
-                                          <p:spTgt spid="1382"/>
-                                        </p:tgtEl>
-                                      </p:cBhvr>
-                                    </p:animEffect>
-                                  </p:childTnLst>
-                                </p:cTn>
-                              </p:par>
-                            </p:childTnLst>
-                          </p:cTn>
-                        </p:par>
-                      </p:childTnLst>
-                    </p:cTn>
-                  </p:par>
-                </p:childTnLst>
-              </p:cTn>
-              <p:prevCondLst>
-                <p:cond evt="onPrev" delay="0">
-                  <p:tgtEl>
-                    <p:sldTgt/>
-                  </p:tgtEl>
-                </p:cond>
-              </p:prevCondLst>
-              <p:nextCondLst>
-                <p:cond evt="onNext" delay="0">
-                  <p:tgtEl>
-                    <p:sldTgt/>
-                  </p:tgtEl>
-                </p:cond>
-              </p:nextCondLst>
-            </p:seq>
-          </p:childTnLst>
-        </p:cTn>
-      </p:par>
-    </p:tnLst>
-    <p:bldLst>
-      <p:bldP spid="1382" grpId="0"/>
-    </p:bldLst>
-  </p:timing>
 </p:sld>
 </file>
 
@@ -35545,141 +33841,6 @@
   <p:clrMapOvr>
     <a:masterClrMapping/>
   </p:clrMapOvr>
-  <p:timing>
-    <p:tnLst>
-      <p:par>
-        <p:cTn id="1" dur="indefinite" restart="never" nodeType="tmRoot">
-          <p:childTnLst>
-            <p:seq concurrent="1" nextAc="seek">
-              <p:cTn id="2" dur="indefinite" nodeType="mainSeq">
-                <p:childTnLst>
-                  <p:par>
-                    <p:cTn id="3" fill="hold">
-                      <p:stCondLst>
-                        <p:cond delay="indefinite"/>
-                        <p:cond evt="onBegin" delay="0">
-                          <p:tn val="2"/>
-                        </p:cond>
-                      </p:stCondLst>
-                      <p:childTnLst>
-                        <p:par>
-                          <p:cTn id="4" fill="hold">
-                            <p:stCondLst>
-                              <p:cond delay="0"/>
-                            </p:stCondLst>
-                            <p:childTnLst>
-                              <p:par>
-                                <p:cTn id="5" presetID="53" presetClass="entr" presetSubtype="16" fill="hold" grpId="0" nodeType="withEffect">
-                                  <p:stCondLst>
-                                    <p:cond delay="0"/>
-                                  </p:stCondLst>
-                                  <p:childTnLst>
-                                    <p:set>
-                                      <p:cBhvr>
-                                        <p:cTn id="6" dur="1" fill="hold">
-                                          <p:stCondLst>
-                                            <p:cond delay="0"/>
-                                          </p:stCondLst>
-                                        </p:cTn>
-                                        <p:tgtEl>
-                                          <p:spTgt spid="1382"/>
-                                        </p:tgtEl>
-                                        <p:attrNameLst>
-                                          <p:attrName>style.visibility</p:attrName>
-                                        </p:attrNameLst>
-                                      </p:cBhvr>
-                                      <p:to>
-                                        <p:strVal val="visible"/>
-                                      </p:to>
-                                    </p:set>
-                                    <p:anim calcmode="lin" valueType="num">
-                                      <p:cBhvr>
-                                        <p:cTn id="7" dur="500" fill="hold"/>
-                                        <p:tgtEl>
-                                          <p:spTgt spid="1382"/>
-                                        </p:tgtEl>
-                                        <p:attrNameLst>
-                                          <p:attrName>ppt_w</p:attrName>
-                                        </p:attrNameLst>
-                                      </p:cBhvr>
-                                      <p:tavLst>
-                                        <p:tav tm="0">
-                                          <p:val>
-                                            <p:fltVal val="0"/>
-                                          </p:val>
-                                        </p:tav>
-                                        <p:tav tm="100000">
-                                          <p:val>
-                                            <p:strVal val="#ppt_w"/>
-                                          </p:val>
-                                        </p:tav>
-                                      </p:tavLst>
-                                    </p:anim>
-                                    <p:anim calcmode="lin" valueType="num">
-                                      <p:cBhvr>
-                                        <p:cTn id="8" dur="500" fill="hold"/>
-                                        <p:tgtEl>
-                                          <p:spTgt spid="1382"/>
-                                        </p:tgtEl>
-                                        <p:attrNameLst>
-                                          <p:attrName>ppt_h</p:attrName>
-                                        </p:attrNameLst>
-                                      </p:cBhvr>
-                                      <p:tavLst>
-                                        <p:tav tm="0">
-                                          <p:val>
-                                            <p:fltVal val="0"/>
-                                          </p:val>
-                                        </p:tav>
-                                        <p:tav tm="100000">
-                                          <p:val>
-                                            <p:strVal val="#ppt_h"/>
-                                          </p:val>
-                                        </p:tav>
-                                      </p:tavLst>
-                                    </p:anim>
-                                    <p:animEffect transition="in" filter="fade">
-                                      <p:cBhvr>
-                                        <p:cTn id="9" dur="500"/>
-                                        <p:tgtEl>
-                                          <p:spTgt spid="1382"/>
-                                        </p:tgtEl>
-                                      </p:cBhvr>
-                                    </p:animEffect>
-                                  </p:childTnLst>
-                                </p:cTn>
-                              </p:par>
-                            </p:childTnLst>
-                          </p:cTn>
-                        </p:par>
-                      </p:childTnLst>
-                    </p:cTn>
-                  </p:par>
-                </p:childTnLst>
-              </p:cTn>
-              <p:prevCondLst>
-                <p:cond evt="onPrev" delay="0">
-                  <p:tgtEl>
-                    <p:sldTgt/>
-                  </p:tgtEl>
-                </p:cond>
-              </p:prevCondLst>
-              <p:nextCondLst>
-                <p:cond evt="onNext" delay="0">
-                  <p:tgtEl>
-                    <p:sldTgt/>
-                  </p:tgtEl>
-                </p:cond>
-              </p:nextCondLst>
-            </p:seq>
-          </p:childTnLst>
-        </p:cTn>
-      </p:par>
-    </p:tnLst>
-    <p:bldLst>
-      <p:bldP spid="1382" grpId="0"/>
-    </p:bldLst>
-  </p:timing>
 </p:sld>
 </file>
 

--- a/Group4_Brief.pptx
+++ b/Group4_Brief.pptx
@@ -26412,7 +26412,7 @@
                 <a:latin typeface="PT Sans" panose="020B0503020203020204" pitchFamily="34" charset="77"/>
                 <a:ea typeface="Arial" panose="020B0604020202020204" pitchFamily="34" charset="0"/>
               </a:rPr>
-              <a:t>	There was strong positive correlation between total budget and revenue, which increases gross profit. 	There was no identifiable correlation between  total budget and percent profit.</a:t>
+              <a:t>	There was moderate positive correlation between total budget and revenue, which increases gross profit. 	There was no identifiable correlation between  total budget and percent profit.</a:t>
             </a:r>
             <a:endParaRPr lang="en-US" sz="1800" u="none" strike="noStrike" dirty="0">
               <a:effectLst/>
@@ -32840,7 +32840,7 @@
                 <a:effectLst/>
                 <a:latin typeface="PT Sans" panose="020B0503020203020204" pitchFamily="34" charset="77"/>
               </a:rPr>
-              <a:t>Statistical analysis indicates there is strong likelihood of correlation between Total Budget and Revenue.</a:t>
+              <a:t>Statistical analysis indicates there is moderate likelihood of correlation between Total Budget and Revenue.</a:t>
             </a:r>
           </a:p>
           <a:p>

--- a/Group4_Brief.pptx
+++ b/Group4_Brief.pptx
@@ -26606,8 +26606,21 @@
                 <a:ea typeface="Verdana" panose="020B0604030504040204" pitchFamily="34" charset="0"/>
                 <a:cs typeface="Courier New" panose="02070309020205020404" pitchFamily="49" charset="0"/>
               </a:rPr>
-              <a:t>2) Invest in one Sci-Fi movie with a budget of $161.40 Million and one low-budget horror film of $38 Million with a potential gross revenue of $331.84 Million ($312.69 Million from Sci-Fi and $10 Million from Horror.</a:t>
+              <a:t>2) Invest in one Sci-Fi movie with a budget of $161.40 Million and one low-budget horror film of $38 Million with a potential gross revenue of $331.84 Million ($312.69 Million from Sci-Fi and $10 Million </a:t>
             </a:r>
+            <a:r>
+              <a:rPr lang="en-US" sz="1800">
+                <a:latin typeface="PT Sans" panose="020B0503020203020204" pitchFamily="34" charset="77"/>
+                <a:ea typeface="Verdana" panose="020B0604030504040204" pitchFamily="34" charset="0"/>
+                <a:cs typeface="Courier New" panose="02070309020205020404" pitchFamily="49" charset="0"/>
+              </a:rPr>
+              <a:t>from Horror).</a:t>
+            </a:r>
+            <a:endParaRPr lang="en-US" sz="1800" dirty="0">
+              <a:latin typeface="PT Sans" panose="020B0503020203020204" pitchFamily="34" charset="77"/>
+              <a:ea typeface="Verdana" panose="020B0604030504040204" pitchFamily="34" charset="0"/>
+              <a:cs typeface="Courier New" panose="02070309020205020404" pitchFamily="49" charset="0"/>
+            </a:endParaRPr>
           </a:p>
           <a:p>
             <a:r>
